--- a/files/Final_Present.pptx
+++ b/files/Final_Present.pptx
@@ -9,8 +9,9 @@
     <p:sldId id="263" r:id="rId3"/>
     <p:sldId id="257" r:id="rId4"/>
     <p:sldId id="258" r:id="rId5"/>
-    <p:sldId id="260" r:id="rId6"/>
-    <p:sldId id="261" r:id="rId7"/>
+    <p:sldId id="264" r:id="rId6"/>
+    <p:sldId id="260" r:id="rId7"/>
+    <p:sldId id="261" r:id="rId8"/>
   </p:sldIdLst>
   <p:sldSz cx="12192000" cy="6858000"/>
   <p:notesSz cx="6858000" cy="9144000"/>
@@ -212,7 +213,7 @@
           <a:effectLst/>
           <a:extLst>
             <a:ext uri="{91240B29-F687-4f45-9708-019B960494DF}">
-              <a14:hiddenLine xmlns="" xmlns:a14="http://schemas.microsoft.com/office/drawing/2010/main" w="9525">
+              <a14:hiddenLine xmlns:a14="http://schemas.microsoft.com/office/drawing/2010/main" xmlns="" w="9525">
                 <a:solidFill>
                   <a:srgbClr val="000000"/>
                 </a:solidFill>
@@ -1722,7 +1723,7 @@
           <a:ln/>
           <a:extLst>
             <a:ext uri="{91240B29-F687-4f45-9708-019B960494DF}">
-              <a14:hiddenLine xmlns="" xmlns:a14="http://schemas.microsoft.com/office/drawing/2010/main" w="9525">
+              <a14:hiddenLine xmlns:a14="http://schemas.microsoft.com/office/drawing/2010/main" xmlns="" w="9525">
                 <a:solidFill>
                   <a:srgbClr val="000000"/>
                 </a:solidFill>
@@ -1994,7 +1995,7 @@
           <a:ln/>
           <a:extLst>
             <a:ext uri="{91240B29-F687-4f45-9708-019B960494DF}">
-              <a14:hiddenLine xmlns="" xmlns:a14="http://schemas.microsoft.com/office/drawing/2010/main" w="9525">
+              <a14:hiddenLine xmlns:a14="http://schemas.microsoft.com/office/drawing/2010/main" xmlns="" w="9525">
                 <a:solidFill>
                   <a:srgbClr val="000000"/>
                 </a:solidFill>
@@ -2274,7 +2275,7 @@
           <a:ln/>
           <a:extLst>
             <a:ext uri="{91240B29-F687-4f45-9708-019B960494DF}">
-              <a14:hiddenLine xmlns="" xmlns:a14="http://schemas.microsoft.com/office/drawing/2010/main" w="9525">
+              <a14:hiddenLine xmlns:a14="http://schemas.microsoft.com/office/drawing/2010/main" xmlns="" w="9525">
                 <a:solidFill>
                   <a:srgbClr val="000000"/>
                 </a:solidFill>
@@ -2894,7 +2895,7 @@
           <a:ln/>
           <a:extLst>
             <a:ext uri="{91240B29-F687-4f45-9708-019B960494DF}">
-              <a14:hiddenLine xmlns="" xmlns:a14="http://schemas.microsoft.com/office/drawing/2010/main" w="9525">
+              <a14:hiddenLine xmlns:a14="http://schemas.microsoft.com/office/drawing/2010/main" xmlns="" w="9525">
                 <a:solidFill>
                   <a:srgbClr val="000000"/>
                 </a:solidFill>
@@ -3230,7 +3231,7 @@
           <a:ln/>
           <a:extLst>
             <a:ext uri="{91240B29-F687-4f45-9708-019B960494DF}">
-              <a14:hiddenLine xmlns="" xmlns:a14="http://schemas.microsoft.com/office/drawing/2010/main" w="9525">
+              <a14:hiddenLine xmlns:a14="http://schemas.microsoft.com/office/drawing/2010/main" xmlns="" w="9525">
                 <a:solidFill>
                   <a:srgbClr val="000000"/>
                 </a:solidFill>
@@ -3704,7 +3705,7 @@
           <a:ln/>
           <a:extLst>
             <a:ext uri="{91240B29-F687-4f45-9708-019B960494DF}">
-              <a14:hiddenLine xmlns="" xmlns:a14="http://schemas.microsoft.com/office/drawing/2010/main" w="9525">
+              <a14:hiddenLine xmlns:a14="http://schemas.microsoft.com/office/drawing/2010/main" xmlns="" w="9525">
                 <a:solidFill>
                   <a:srgbClr val="000000"/>
                 </a:solidFill>
@@ -4127,7 +4128,7 @@
           <a:ln/>
           <a:extLst>
             <a:ext uri="{91240B29-F687-4f45-9708-019B960494DF}">
-              <a14:hiddenLine xmlns="" xmlns:a14="http://schemas.microsoft.com/office/drawing/2010/main" w="9525">
+              <a14:hiddenLine xmlns:a14="http://schemas.microsoft.com/office/drawing/2010/main" xmlns="" w="9525">
                 <a:solidFill>
                   <a:srgbClr val="000000"/>
                 </a:solidFill>
@@ -5367,7 +5368,7 @@
           <a:p>
             <a:r>
               <a:rPr lang="en-US" dirty="0"/>
-              <a:t>Final Presentation</a:t>
+              <a:t>NCBI 2017 Hackathon</a:t>
             </a:r>
           </a:p>
         </p:txBody>
@@ -5382,18 +5383,63 @@
             <p:ph type="subTitle" idx="1"/>
           </p:nvPr>
         </p:nvSpPr>
-        <p:spPr/>
-        <p:txBody>
-          <a:bodyPr/>
+        <p:spPr>
+          <a:xfrm>
+            <a:off x="810001" y="5280847"/>
+            <a:ext cx="10572000" cy="1038066"/>
+          </a:xfrm>
+        </p:spPr>
+        <p:txBody>
+          <a:bodyPr>
+            <a:normAutofit/>
+          </a:bodyPr>
           <a:lstStyle/>
           <a:p>
             <a:r>
               <a:rPr lang="en-US" dirty="0"/>
-              <a:t>ArrayScan2CNV</a:t>
-            </a:r>
-          </a:p>
-        </p:txBody>
-      </p:sp>
+              <a:t>Eric Karlins | Maria Brown</a:t>
+            </a:r>
+          </a:p>
+          <a:p>
+            <a:r>
+              <a:rPr lang="en-US" dirty="0"/>
+              <a:t>Nick </a:t>
+            </a:r>
+            <a:r>
+              <a:rPr lang="en-US" dirty="0" err="1"/>
+              <a:t>Giangreco</a:t>
+            </a:r>
+            <a:r>
+              <a:rPr lang="en-US" dirty="0"/>
+              <a:t> | Samantha Sevilla</a:t>
+            </a:r>
+          </a:p>
+        </p:txBody>
+      </p:sp>
+      <p:pic>
+        <p:nvPicPr>
+          <p:cNvPr id="5" name="Picture 4"/>
+          <p:cNvPicPr>
+            <a:picLocks noChangeAspect="1"/>
+          </p:cNvPicPr>
+          <p:nvPr/>
+        </p:nvPicPr>
+        <p:blipFill>
+          <a:blip r:embed="rId2"/>
+          <a:stretch>
+            <a:fillRect/>
+          </a:stretch>
+        </p:blipFill>
+        <p:spPr>
+          <a:xfrm>
+            <a:off x="7402596" y="27296"/>
+            <a:ext cx="4789404" cy="2961564"/>
+          </a:xfrm>
+          <a:prstGeom prst="rect">
+            <a:avLst/>
+          </a:prstGeom>
+        </p:spPr>
+      </p:pic>
     </p:spTree>
     <p:extLst>
       <p:ext uri="{BB962C8B-B14F-4D97-AF65-F5344CB8AC3E}">
@@ -5426,6 +5472,387 @@
       </p:grpSpPr>
       <p:sp>
         <p:nvSpPr>
+          <p:cNvPr id="120" name="Rectangle 119"/>
+          <p:cNvSpPr>
+            <a:spLocks noGrp="1" noRot="1" noChangeAspect="1" noMove="1" noResize="1" noEditPoints="1" noAdjustHandles="1" noChangeArrowheads="1" noChangeShapeType="1" noTextEdit="1"/>
+          </p:cNvSpPr>
+          <p:nvPr>
+            <p:extLst>
+              <p:ext uri="{386F3935-93C4-4BCD-93E2-E3B085C9AB24}">
+                <p16:designElem xmlns:p16="http://schemas.microsoft.com/office/powerpoint/2015/main" val="1"/>
+              </p:ext>
+            </p:extLst>
+          </p:nvPr>
+        </p:nvSpPr>
+        <p:spPr>
+          <a:xfrm>
+            <a:off x="0" y="0"/>
+            <a:ext cx="12188952" cy="6858000"/>
+          </a:xfrm>
+          <a:prstGeom prst="rect">
+            <a:avLst/>
+          </a:prstGeom>
+          <a:solidFill>
+            <a:schemeClr val="tx1"/>
+          </a:solidFill>
+          <a:ln>
+            <a:noFill/>
+          </a:ln>
+        </p:spPr>
+        <p:style>
+          <a:lnRef idx="2">
+            <a:schemeClr val="accent1">
+              <a:shade val="50000"/>
+            </a:schemeClr>
+          </a:lnRef>
+          <a:fillRef idx="1">
+            <a:schemeClr val="accent1"/>
+          </a:fillRef>
+          <a:effectRef idx="0">
+            <a:schemeClr val="accent1"/>
+          </a:effectRef>
+          <a:fontRef idx="minor">
+            <a:schemeClr val="lt1"/>
+          </a:fontRef>
+        </p:style>
+        <p:txBody>
+          <a:bodyPr rtlCol="0" anchor="ctr"/>
+          <a:lstStyle/>
+          <a:p>
+            <a:pPr algn="ctr"/>
+            <a:endParaRPr lang="en-US"/>
+          </a:p>
+        </p:txBody>
+      </p:sp>
+      <p:sp>
+        <p:nvSpPr>
+          <p:cNvPr id="1208" name="Freeform 23"/>
+          <p:cNvSpPr>
+            <a:spLocks noGrp="1" noRot="1" noChangeAspect="1" noMove="1" noResize="1" noEditPoints="1" noAdjustHandles="1" noChangeArrowheads="1" noChangeShapeType="1" noTextEdit="1"/>
+          </p:cNvSpPr>
+          <p:nvPr>
+            <p:extLst>
+              <p:ext uri="{386F3935-93C4-4BCD-93E2-E3B085C9AB24}">
+                <p16:designElem xmlns:p16="http://schemas.microsoft.com/office/powerpoint/2015/main" val="1"/>
+              </p:ext>
+            </p:extLst>
+          </p:nvPr>
+        </p:nvSpPr>
+        <p:spPr>
+          <a:xfrm>
+            <a:off x="-1" y="0"/>
+            <a:ext cx="7552944" cy="6858000"/>
+          </a:xfrm>
+          <a:custGeom>
+            <a:avLst/>
+            <a:gdLst>
+              <a:gd name="connsiteX0" fmla="*/ 0 w 7552944"/>
+              <a:gd name="connsiteY0" fmla="*/ 0 h 6858000"/>
+              <a:gd name="connsiteX1" fmla="*/ 1067477 w 7552944"/>
+              <a:gd name="connsiteY1" fmla="*/ 0 h 6858000"/>
+              <a:gd name="connsiteX2" fmla="*/ 2201779 w 7552944"/>
+              <a:gd name="connsiteY2" fmla="*/ 0 h 6858000"/>
+              <a:gd name="connsiteX3" fmla="*/ 7552944 w 7552944"/>
+              <a:gd name="connsiteY3" fmla="*/ 0 h 6858000"/>
+              <a:gd name="connsiteX4" fmla="*/ 7552944 w 7552944"/>
+              <a:gd name="connsiteY4" fmla="*/ 1900238 h 6858000"/>
+              <a:gd name="connsiteX5" fmla="*/ 7182528 w 7552944"/>
+              <a:gd name="connsiteY5" fmla="*/ 2178050 h 6858000"/>
+              <a:gd name="connsiteX6" fmla="*/ 7178294 w 7552944"/>
+              <a:gd name="connsiteY6" fmla="*/ 2184400 h 6858000"/>
+              <a:gd name="connsiteX7" fmla="*/ 7171944 w 7552944"/>
+              <a:gd name="connsiteY7" fmla="*/ 2193925 h 6858000"/>
+              <a:gd name="connsiteX8" fmla="*/ 7165594 w 7552944"/>
+              <a:gd name="connsiteY8" fmla="*/ 2201863 h 6858000"/>
+              <a:gd name="connsiteX9" fmla="*/ 7165594 w 7552944"/>
+              <a:gd name="connsiteY9" fmla="*/ 2211388 h 6858000"/>
+              <a:gd name="connsiteX10" fmla="*/ 7165594 w 7552944"/>
+              <a:gd name="connsiteY10" fmla="*/ 2220913 h 6858000"/>
+              <a:gd name="connsiteX11" fmla="*/ 7171944 w 7552944"/>
+              <a:gd name="connsiteY11" fmla="*/ 2228850 h 6858000"/>
+              <a:gd name="connsiteX12" fmla="*/ 7178294 w 7552944"/>
+              <a:gd name="connsiteY12" fmla="*/ 2238375 h 6858000"/>
+              <a:gd name="connsiteX13" fmla="*/ 7182528 w 7552944"/>
+              <a:gd name="connsiteY13" fmla="*/ 2244725 h 6858000"/>
+              <a:gd name="connsiteX14" fmla="*/ 7552944 w 7552944"/>
+              <a:gd name="connsiteY14" fmla="*/ 2522538 h 6858000"/>
+              <a:gd name="connsiteX15" fmla="*/ 7552944 w 7552944"/>
+              <a:gd name="connsiteY15" fmla="*/ 6858000 h 6858000"/>
+              <a:gd name="connsiteX16" fmla="*/ 2201779 w 7552944"/>
+              <a:gd name="connsiteY16" fmla="*/ 6858000 h 6858000"/>
+              <a:gd name="connsiteX17" fmla="*/ 1067477 w 7552944"/>
+              <a:gd name="connsiteY17" fmla="*/ 6858000 h 6858000"/>
+              <a:gd name="connsiteX18" fmla="*/ 0 w 7552944"/>
+              <a:gd name="connsiteY18" fmla="*/ 6858000 h 6858000"/>
+            </a:gdLst>
+            <a:ahLst/>
+            <a:cxnLst>
+              <a:cxn ang="0">
+                <a:pos x="connsiteX0" y="connsiteY0"/>
+              </a:cxn>
+              <a:cxn ang="0">
+                <a:pos x="connsiteX1" y="connsiteY1"/>
+              </a:cxn>
+              <a:cxn ang="0">
+                <a:pos x="connsiteX2" y="connsiteY2"/>
+              </a:cxn>
+              <a:cxn ang="0">
+                <a:pos x="connsiteX3" y="connsiteY3"/>
+              </a:cxn>
+              <a:cxn ang="0">
+                <a:pos x="connsiteX4" y="connsiteY4"/>
+              </a:cxn>
+              <a:cxn ang="0">
+                <a:pos x="connsiteX5" y="connsiteY5"/>
+              </a:cxn>
+              <a:cxn ang="0">
+                <a:pos x="connsiteX6" y="connsiteY6"/>
+              </a:cxn>
+              <a:cxn ang="0">
+                <a:pos x="connsiteX7" y="connsiteY7"/>
+              </a:cxn>
+              <a:cxn ang="0">
+                <a:pos x="connsiteX8" y="connsiteY8"/>
+              </a:cxn>
+              <a:cxn ang="0">
+                <a:pos x="connsiteX9" y="connsiteY9"/>
+              </a:cxn>
+              <a:cxn ang="0">
+                <a:pos x="connsiteX10" y="connsiteY10"/>
+              </a:cxn>
+              <a:cxn ang="0">
+                <a:pos x="connsiteX11" y="connsiteY11"/>
+              </a:cxn>
+              <a:cxn ang="0">
+                <a:pos x="connsiteX12" y="connsiteY12"/>
+              </a:cxn>
+              <a:cxn ang="0">
+                <a:pos x="connsiteX13" y="connsiteY13"/>
+              </a:cxn>
+              <a:cxn ang="0">
+                <a:pos x="connsiteX14" y="connsiteY14"/>
+              </a:cxn>
+              <a:cxn ang="0">
+                <a:pos x="connsiteX15" y="connsiteY15"/>
+              </a:cxn>
+              <a:cxn ang="0">
+                <a:pos x="connsiteX16" y="connsiteY16"/>
+              </a:cxn>
+              <a:cxn ang="0">
+                <a:pos x="connsiteX17" y="connsiteY17"/>
+              </a:cxn>
+              <a:cxn ang="0">
+                <a:pos x="connsiteX18" y="connsiteY18"/>
+              </a:cxn>
+            </a:cxnLst>
+            <a:rect l="l" t="t" r="r" b="b"/>
+            <a:pathLst>
+              <a:path w="7552944" h="6858000">
+                <a:moveTo>
+                  <a:pt x="0" y="0"/>
+                </a:moveTo>
+                <a:lnTo>
+                  <a:pt x="1067477" y="0"/>
+                </a:lnTo>
+                <a:lnTo>
+                  <a:pt x="2201779" y="0"/>
+                </a:lnTo>
+                <a:lnTo>
+                  <a:pt x="7552944" y="0"/>
+                </a:lnTo>
+                <a:lnTo>
+                  <a:pt x="7552944" y="1900238"/>
+                </a:lnTo>
+                <a:lnTo>
+                  <a:pt x="7182528" y="2178050"/>
+                </a:lnTo>
+                <a:lnTo>
+                  <a:pt x="7178294" y="2184400"/>
+                </a:lnTo>
+                <a:lnTo>
+                  <a:pt x="7171944" y="2193925"/>
+                </a:lnTo>
+                <a:lnTo>
+                  <a:pt x="7165594" y="2201863"/>
+                </a:lnTo>
+                <a:lnTo>
+                  <a:pt x="7165594" y="2211388"/>
+                </a:lnTo>
+                <a:lnTo>
+                  <a:pt x="7165594" y="2220913"/>
+                </a:lnTo>
+                <a:lnTo>
+                  <a:pt x="7171944" y="2228850"/>
+                </a:lnTo>
+                <a:lnTo>
+                  <a:pt x="7178294" y="2238375"/>
+                </a:lnTo>
+                <a:lnTo>
+                  <a:pt x="7182528" y="2244725"/>
+                </a:lnTo>
+                <a:lnTo>
+                  <a:pt x="7552944" y="2522538"/>
+                </a:lnTo>
+                <a:lnTo>
+                  <a:pt x="7552944" y="6858000"/>
+                </a:lnTo>
+                <a:lnTo>
+                  <a:pt x="2201779" y="6858000"/>
+                </a:lnTo>
+                <a:lnTo>
+                  <a:pt x="1067477" y="6858000"/>
+                </a:lnTo>
+                <a:lnTo>
+                  <a:pt x="0" y="6858000"/>
+                </a:lnTo>
+                <a:close/>
+              </a:path>
+            </a:pathLst>
+          </a:custGeom>
+          <a:solidFill>
+            <a:schemeClr val="bg1">
+              <a:lumMod val="85000"/>
+              <a:lumOff val="15000"/>
+            </a:schemeClr>
+          </a:solidFill>
+          <a:ln>
+            <a:noFill/>
+          </a:ln>
+        </p:spPr>
+        <p:style>
+          <a:lnRef idx="2">
+            <a:schemeClr val="accent1">
+              <a:shade val="50000"/>
+            </a:schemeClr>
+          </a:lnRef>
+          <a:fillRef idx="1">
+            <a:schemeClr val="accent1"/>
+          </a:fillRef>
+          <a:effectRef idx="0">
+            <a:schemeClr val="accent1"/>
+          </a:effectRef>
+          <a:fontRef idx="minor">
+            <a:schemeClr val="lt1"/>
+          </a:fontRef>
+        </p:style>
+        <p:txBody>
+          <a:bodyPr rtlCol="0" anchor="ctr"/>
+          <a:lstStyle/>
+          <a:p>
+            <a:pPr algn="ctr"/>
+            <a:endParaRPr lang="en-US"/>
+          </a:p>
+        </p:txBody>
+      </p:sp>
+      <p:sp>
+        <p:nvSpPr>
+          <p:cNvPr id="1209" name="Rounded Rectangle 17"/>
+          <p:cNvSpPr>
+            <a:spLocks noGrp="1" noRot="1" noChangeAspect="1" noMove="1" noResize="1" noEditPoints="1" noAdjustHandles="1" noChangeArrowheads="1" noChangeShapeType="1" noTextEdit="1"/>
+          </p:cNvSpPr>
+          <p:nvPr>
+            <p:extLst>
+              <p:ext uri="{386F3935-93C4-4BCD-93E2-E3B085C9AB24}">
+                <p16:designElem xmlns:p16="http://schemas.microsoft.com/office/powerpoint/2015/main" val="1"/>
+              </p:ext>
+            </p:extLst>
+          </p:nvPr>
+        </p:nvSpPr>
+        <p:spPr>
+          <a:xfrm>
+            <a:off x="8193746" y="958640"/>
+            <a:ext cx="3354790" cy="4945244"/>
+          </a:xfrm>
+          <a:prstGeom prst="roundRect">
+            <a:avLst>
+              <a:gd name="adj" fmla="val 3513"/>
+            </a:avLst>
+          </a:prstGeom>
+          <a:solidFill>
+            <a:schemeClr val="tx1"/>
+          </a:solidFill>
+          <a:ln>
+            <a:solidFill>
+              <a:schemeClr val="accent1"/>
+            </a:solidFill>
+          </a:ln>
+          <a:effectLst/>
+        </p:spPr>
+        <p:style>
+          <a:lnRef idx="2">
+            <a:schemeClr val="accent1">
+              <a:shade val="50000"/>
+            </a:schemeClr>
+          </a:lnRef>
+          <a:fillRef idx="1">
+            <a:schemeClr val="accent1"/>
+          </a:fillRef>
+          <a:effectRef idx="0">
+            <a:schemeClr val="accent1"/>
+          </a:effectRef>
+          <a:fontRef idx="minor">
+            <a:schemeClr val="lt1"/>
+          </a:fontRef>
+        </p:style>
+        <p:txBody>
+          <a:bodyPr rtlCol="0" anchor="ctr"/>
+          <a:lstStyle/>
+          <a:p>
+            <a:pPr algn="ctr"/>
+            <a:endParaRPr lang="en-US"/>
+          </a:p>
+        </p:txBody>
+      </p:sp>
+      <p:pic>
+        <p:nvPicPr>
+          <p:cNvPr id="1204" name="Picture 1203"/>
+          <p:cNvPicPr>
+            <a:picLocks noChangeAspect="1"/>
+          </p:cNvPicPr>
+          <p:nvPr/>
+        </p:nvPicPr>
+        <p:blipFill>
+          <a:blip r:embed="rId2"/>
+          <a:stretch>
+            <a:fillRect/>
+          </a:stretch>
+        </p:blipFill>
+        <p:spPr>
+          <a:xfrm>
+            <a:off x="7819400" y="1003812"/>
+            <a:ext cx="4103094" cy="2492629"/>
+          </a:xfrm>
+          <a:prstGeom prst="rect">
+            <a:avLst/>
+          </a:prstGeom>
+        </p:spPr>
+      </p:pic>
+      <p:pic>
+        <p:nvPicPr>
+          <p:cNvPr id="4" name="Picture 2" descr="H:\Bladder_BAF_10152010\SNP_graph_Cartesian_coordinates.bmp"/>
+          <p:cNvPicPr>
+            <a:picLocks noChangeAspect="1" noChangeArrowheads="1"/>
+          </p:cNvPicPr>
+          <p:nvPr/>
+        </p:nvPicPr>
+        <p:blipFill rotWithShape="1">
+          <a:blip r:embed="rId3" cstate="print"/>
+          <a:srcRect/>
+          <a:stretch/>
+        </p:blipFill>
+        <p:spPr bwMode="auto">
+          <a:xfrm>
+            <a:off x="8193746" y="3540245"/>
+            <a:ext cx="3244681" cy="2597217"/>
+          </a:xfrm>
+          <a:prstGeom prst="rect">
+            <a:avLst/>
+          </a:prstGeom>
+          <a:noFill/>
+        </p:spPr>
+      </p:pic>
+      <p:sp>
+        <p:nvSpPr>
           <p:cNvPr id="2" name="Title 1"/>
           <p:cNvSpPr>
             <a:spLocks noGrp="1"/>
@@ -5434,29 +5861,12 @@
             <p:ph type="title"/>
           </p:nvPr>
         </p:nvSpPr>
-        <p:spPr/>
-        <p:txBody>
-          <a:bodyPr/>
-          <a:lstStyle/>
-          <a:p>
-            <a:r>
-              <a:rPr lang="en-US" dirty="0"/>
-              <a:t>Project Problem</a:t>
-            </a:r>
-          </a:p>
-        </p:txBody>
-      </p:sp>
-      <p:sp>
-        <p:nvSpPr>
-          <p:cNvPr id="3" name="Content Placeholder 2"/>
-          <p:cNvSpPr>
-            <a:spLocks noGrp="1"/>
-          </p:cNvSpPr>
-          <p:nvPr>
-            <p:ph idx="1"/>
-          </p:nvPr>
-        </p:nvSpPr>
-        <p:spPr/>
+        <p:spPr>
+          <a:xfrm>
+            <a:off x="810000" y="447188"/>
+            <a:ext cx="6097955" cy="1559412"/>
+          </a:xfrm>
+        </p:spPr>
         <p:txBody>
           <a:bodyPr>
             <a:normAutofit/>
@@ -5465,6 +5875,35 @@
           <a:p>
             <a:r>
               <a:rPr lang="en-US" dirty="0"/>
+              <a:t>Project Problem</a:t>
+            </a:r>
+          </a:p>
+        </p:txBody>
+      </p:sp>
+      <p:sp>
+        <p:nvSpPr>
+          <p:cNvPr id="3" name="Content Placeholder 2"/>
+          <p:cNvSpPr>
+            <a:spLocks noGrp="1"/>
+          </p:cNvSpPr>
+          <p:nvPr>
+            <p:ph idx="1"/>
+          </p:nvPr>
+        </p:nvSpPr>
+        <p:spPr>
+          <a:xfrm>
+            <a:off x="818712" y="2413000"/>
+            <a:ext cx="6075179" cy="3632200"/>
+          </a:xfrm>
+        </p:spPr>
+        <p:txBody>
+          <a:bodyPr>
+            <a:normAutofit/>
+          </a:bodyPr>
+          <a:lstStyle/>
+          <a:p>
+            <a:r>
+              <a:rPr lang="en-US" dirty="0"/>
               <a:t>GWAS discover trait- and disease-associated SNPs, identifying regions with copy number variation (CNV). </a:t>
             </a:r>
           </a:p>
@@ -5488,6 +5927,30 @@
           </a:p>
         </p:txBody>
       </p:sp>
+      <p:pic>
+        <p:nvPicPr>
+          <p:cNvPr id="1210" name="Picture 1209"/>
+          <p:cNvPicPr>
+            <a:picLocks noChangeAspect="1"/>
+          </p:cNvPicPr>
+          <p:nvPr/>
+        </p:nvPicPr>
+        <p:blipFill>
+          <a:blip r:embed="rId4"/>
+          <a:stretch>
+            <a:fillRect/>
+          </a:stretch>
+        </p:blipFill>
+        <p:spPr>
+          <a:xfrm>
+            <a:off x="-2" y="0"/>
+            <a:ext cx="1623352" cy="1003812"/>
+          </a:xfrm>
+          <a:prstGeom prst="rect">
+            <a:avLst/>
+          </a:prstGeom>
+        </p:spPr>
+      </p:pic>
     </p:spTree>
     <p:extLst>
       <p:ext uri="{BB962C8B-B14F-4D97-AF65-F5344CB8AC3E}">
@@ -6046,6 +6509,30 @@
           </a:p>
         </p:txBody>
       </p:sp>
+      <p:pic>
+        <p:nvPicPr>
+          <p:cNvPr id="10" name="Picture 9"/>
+          <p:cNvPicPr>
+            <a:picLocks noChangeAspect="1"/>
+          </p:cNvPicPr>
+          <p:nvPr/>
+        </p:nvPicPr>
+        <p:blipFill>
+          <a:blip r:embed="rId3"/>
+          <a:stretch>
+            <a:fillRect/>
+          </a:stretch>
+        </p:blipFill>
+        <p:spPr>
+          <a:xfrm>
+            <a:off x="-2" y="0"/>
+            <a:ext cx="1623352" cy="1003812"/>
+          </a:xfrm>
+          <a:prstGeom prst="rect">
+            <a:avLst/>
+          </a:prstGeom>
+        </p:spPr>
+      </p:pic>
     </p:spTree>
     <p:extLst>
       <p:ext uri="{BB962C8B-B14F-4D97-AF65-F5344CB8AC3E}">
@@ -6110,15 +6597,84 @@
         </p:nvSpPr>
         <p:spPr>
           <a:xfrm>
-            <a:off x="818712" y="2222287"/>
-            <a:ext cx="4631112" cy="3636511"/>
-          </a:xfrm>
-        </p:spPr>
-        <p:txBody>
-          <a:bodyPr/>
-          <a:lstStyle/>
-          <a:p>
-            <a:endParaRPr lang="en-US" dirty="0"/>
+            <a:off x="518615" y="2222287"/>
+            <a:ext cx="4931209" cy="4369582"/>
+          </a:xfrm>
+        </p:spPr>
+        <p:txBody>
+          <a:bodyPr>
+            <a:normAutofit/>
+          </a:bodyPr>
+          <a:lstStyle/>
+          <a:p>
+            <a:r>
+              <a:rPr lang="en-US" sz="2000" dirty="0"/>
+              <a:t>Genome Studio to process </a:t>
+            </a:r>
+            <a:r>
+              <a:rPr lang="en-US" sz="2000" dirty="0" err="1"/>
+              <a:t>idat</a:t>
+            </a:r>
+            <a:r>
+              <a:rPr lang="en-US" sz="2000" dirty="0"/>
+              <a:t> to GTC files</a:t>
+            </a:r>
+            <a:endParaRPr lang="en-US" sz="1800" dirty="0"/>
+          </a:p>
+          <a:p>
+            <a:r>
+              <a:rPr lang="en-US" sz="2000" dirty="0"/>
+              <a:t>CML</a:t>
+            </a:r>
+          </a:p>
+          <a:p>
+            <a:pPr lvl="1"/>
+            <a:r>
+              <a:rPr lang="en-US" sz="1800" dirty="0"/>
+              <a:t>Scan2Arrray –m (1000 samples)</a:t>
+            </a:r>
+          </a:p>
+          <a:p>
+            <a:pPr lvl="2"/>
+            <a:r>
+              <a:rPr lang="en-US" sz="1600" dirty="0"/>
+              <a:t>Input </a:t>
+            </a:r>
+          </a:p>
+          <a:p>
+            <a:pPr lvl="3"/>
+            <a:r>
+              <a:rPr lang="en-US" sz="1400" dirty="0"/>
+              <a:t>directory for GTC files</a:t>
+            </a:r>
+          </a:p>
+          <a:p>
+            <a:pPr lvl="3"/>
+            <a:r>
+              <a:rPr lang="en-US" sz="1400" dirty="0"/>
+              <a:t>BPM file location</a:t>
+            </a:r>
+          </a:p>
+          <a:p>
+            <a:pPr lvl="2"/>
+            <a:r>
+              <a:rPr lang="en-US" sz="1600" dirty="0"/>
+              <a:t>Output </a:t>
+            </a:r>
+          </a:p>
+          <a:p>
+            <a:pPr lvl="3"/>
+            <a:r>
+              <a:rPr lang="en-US" sz="1400" dirty="0"/>
+              <a:t>PFB File</a:t>
+            </a:r>
+          </a:p>
+          <a:p>
+            <a:pPr lvl="3"/>
+            <a:r>
+              <a:rPr lang="en-US" sz="1400" dirty="0"/>
+              <a:t>Individual txt files</a:t>
+            </a:r>
           </a:p>
         </p:txBody>
       </p:sp>
@@ -6138,8 +6694,208 @@
         </p:blipFill>
         <p:spPr>
           <a:xfrm>
-            <a:off x="5876548" y="2222287"/>
-            <a:ext cx="5505450" cy="409575"/>
+            <a:off x="5310387" y="1966981"/>
+            <a:ext cx="5619749" cy="418078"/>
+          </a:xfrm>
+          <a:prstGeom prst="rect">
+            <a:avLst/>
+          </a:prstGeom>
+        </p:spPr>
+      </p:pic>
+      <p:pic>
+        <p:nvPicPr>
+          <p:cNvPr id="5" name="Picture 4"/>
+          <p:cNvPicPr>
+            <a:picLocks noChangeAspect="1"/>
+          </p:cNvPicPr>
+          <p:nvPr/>
+        </p:nvPicPr>
+        <p:blipFill>
+          <a:blip r:embed="rId3"/>
+          <a:stretch>
+            <a:fillRect/>
+          </a:stretch>
+        </p:blipFill>
+        <p:spPr>
+          <a:xfrm>
+            <a:off x="5310388" y="3804564"/>
+            <a:ext cx="5619749" cy="446302"/>
+          </a:xfrm>
+          <a:prstGeom prst="rect">
+            <a:avLst/>
+          </a:prstGeom>
+        </p:spPr>
+      </p:pic>
+      <p:sp>
+        <p:nvSpPr>
+          <p:cNvPr id="6" name="Arrow: Down 5"/>
+          <p:cNvSpPr/>
+          <p:nvPr/>
+        </p:nvSpPr>
+        <p:spPr>
+          <a:xfrm>
+            <a:off x="7456783" y="2511094"/>
+            <a:ext cx="928048" cy="1170067"/>
+          </a:xfrm>
+          <a:prstGeom prst="downArrow">
+            <a:avLst/>
+          </a:prstGeom>
+        </p:spPr>
+        <p:style>
+          <a:lnRef idx="2">
+            <a:schemeClr val="accent5">
+              <a:shade val="50000"/>
+            </a:schemeClr>
+          </a:lnRef>
+          <a:fillRef idx="1">
+            <a:schemeClr val="accent5"/>
+          </a:fillRef>
+          <a:effectRef idx="0">
+            <a:schemeClr val="accent5"/>
+          </a:effectRef>
+          <a:fontRef idx="minor">
+            <a:schemeClr val="lt1"/>
+          </a:fontRef>
+        </p:style>
+        <p:txBody>
+          <a:bodyPr rtlCol="0" anchor="ctr"/>
+          <a:lstStyle/>
+          <a:p>
+            <a:pPr algn="ctr"/>
+            <a:endParaRPr lang="en-US"/>
+          </a:p>
+        </p:txBody>
+      </p:sp>
+      <p:pic>
+        <p:nvPicPr>
+          <p:cNvPr id="7" name="Picture 6"/>
+          <p:cNvPicPr>
+            <a:picLocks noChangeAspect="1"/>
+          </p:cNvPicPr>
+          <p:nvPr/>
+        </p:nvPicPr>
+        <p:blipFill>
+          <a:blip r:embed="rId4"/>
+          <a:stretch>
+            <a:fillRect/>
+          </a:stretch>
+        </p:blipFill>
+        <p:spPr>
+          <a:xfrm>
+            <a:off x="5310388" y="5890141"/>
+            <a:ext cx="5619749" cy="350452"/>
+          </a:xfrm>
+          <a:prstGeom prst="rect">
+            <a:avLst/>
+          </a:prstGeom>
+        </p:spPr>
+      </p:pic>
+      <p:pic>
+        <p:nvPicPr>
+          <p:cNvPr id="9" name="Picture 8"/>
+          <p:cNvPicPr>
+            <a:picLocks noChangeAspect="1"/>
+          </p:cNvPicPr>
+          <p:nvPr/>
+        </p:nvPicPr>
+        <p:blipFill>
+          <a:blip r:embed="rId5"/>
+          <a:stretch>
+            <a:fillRect/>
+          </a:stretch>
+        </p:blipFill>
+        <p:spPr>
+          <a:xfrm>
+            <a:off x="5310388" y="6277070"/>
+            <a:ext cx="5619749" cy="584173"/>
+          </a:xfrm>
+          <a:prstGeom prst="rect">
+            <a:avLst/>
+          </a:prstGeom>
+        </p:spPr>
+      </p:pic>
+      <p:pic>
+        <p:nvPicPr>
+          <p:cNvPr id="10" name="Picture 9"/>
+          <p:cNvPicPr>
+            <a:picLocks noChangeAspect="1"/>
+          </p:cNvPicPr>
+          <p:nvPr/>
+        </p:nvPicPr>
+        <p:blipFill>
+          <a:blip r:embed="rId6"/>
+          <a:stretch>
+            <a:fillRect/>
+          </a:stretch>
+        </p:blipFill>
+        <p:spPr>
+          <a:xfrm>
+            <a:off x="5310388" y="4289362"/>
+            <a:ext cx="5619750" cy="266700"/>
+          </a:xfrm>
+          <a:prstGeom prst="rect">
+            <a:avLst/>
+          </a:prstGeom>
+        </p:spPr>
+      </p:pic>
+      <p:sp>
+        <p:nvSpPr>
+          <p:cNvPr id="8" name="Arrow: Down 7"/>
+          <p:cNvSpPr/>
+          <p:nvPr/>
+        </p:nvSpPr>
+        <p:spPr>
+          <a:xfrm>
+            <a:off x="7359925" y="4613099"/>
+            <a:ext cx="1024906" cy="1277042"/>
+          </a:xfrm>
+          <a:prstGeom prst="downArrow">
+            <a:avLst/>
+          </a:prstGeom>
+        </p:spPr>
+        <p:style>
+          <a:lnRef idx="2">
+            <a:schemeClr val="accent4">
+              <a:shade val="50000"/>
+            </a:schemeClr>
+          </a:lnRef>
+          <a:fillRef idx="1">
+            <a:schemeClr val="accent4"/>
+          </a:fillRef>
+          <a:effectRef idx="0">
+            <a:schemeClr val="accent4"/>
+          </a:effectRef>
+          <a:fontRef idx="minor">
+            <a:schemeClr val="lt1"/>
+          </a:fontRef>
+        </p:style>
+        <p:txBody>
+          <a:bodyPr rtlCol="0" anchor="ctr"/>
+          <a:lstStyle/>
+          <a:p>
+            <a:pPr algn="ctr"/>
+            <a:endParaRPr lang="en-US"/>
+          </a:p>
+        </p:txBody>
+      </p:sp>
+      <p:pic>
+        <p:nvPicPr>
+          <p:cNvPr id="12" name="Picture 11"/>
+          <p:cNvPicPr>
+            <a:picLocks noChangeAspect="1"/>
+          </p:cNvPicPr>
+          <p:nvPr/>
+        </p:nvPicPr>
+        <p:blipFill>
+          <a:blip r:embed="rId7"/>
+          <a:stretch>
+            <a:fillRect/>
+          </a:stretch>
+        </p:blipFill>
+        <p:spPr>
+          <a:xfrm>
+            <a:off x="10568648" y="0"/>
+            <a:ext cx="1623352" cy="1003812"/>
           </a:xfrm>
           <a:prstGeom prst="rect">
             <a:avLst/>
@@ -6193,6 +6949,360 @@
           <a:p>
             <a:r>
               <a:rPr lang="en-US" dirty="0"/>
+              <a:t>Workflow Example</a:t>
+            </a:r>
+          </a:p>
+        </p:txBody>
+      </p:sp>
+      <p:sp>
+        <p:nvSpPr>
+          <p:cNvPr id="3" name="Content Placeholder 2"/>
+          <p:cNvSpPr>
+            <a:spLocks noGrp="1"/>
+          </p:cNvSpPr>
+          <p:nvPr>
+            <p:ph idx="1"/>
+          </p:nvPr>
+        </p:nvSpPr>
+        <p:spPr>
+          <a:xfrm>
+            <a:off x="518615" y="2222287"/>
+            <a:ext cx="4931209" cy="4369582"/>
+          </a:xfrm>
+        </p:spPr>
+        <p:txBody>
+          <a:bodyPr>
+            <a:normAutofit/>
+          </a:bodyPr>
+          <a:lstStyle/>
+          <a:p>
+            <a:r>
+              <a:rPr lang="en-US" sz="2000" dirty="0"/>
+              <a:t>CML</a:t>
+            </a:r>
+          </a:p>
+          <a:p>
+            <a:pPr lvl="1"/>
+            <a:r>
+              <a:rPr lang="en-US" sz="1800" dirty="0"/>
+              <a:t>Scan2Arrray –p (remaining sample files)</a:t>
+            </a:r>
+          </a:p>
+          <a:p>
+            <a:pPr lvl="2"/>
+            <a:r>
+              <a:rPr lang="en-US" sz="1600" dirty="0"/>
+              <a:t>Input </a:t>
+            </a:r>
+          </a:p>
+          <a:p>
+            <a:pPr lvl="3"/>
+            <a:r>
+              <a:rPr lang="en-US" sz="1400" dirty="0"/>
+              <a:t>directory for GTC files</a:t>
+            </a:r>
+          </a:p>
+          <a:p>
+            <a:pPr lvl="3"/>
+            <a:r>
+              <a:rPr lang="en-US" sz="1400" dirty="0"/>
+              <a:t>BPM file location</a:t>
+            </a:r>
+          </a:p>
+          <a:p>
+            <a:pPr lvl="3"/>
+            <a:r>
+              <a:rPr lang="en-US" sz="1400" dirty="0"/>
+              <a:t>PFB File (-m generated)</a:t>
+            </a:r>
+          </a:p>
+          <a:p>
+            <a:pPr lvl="2"/>
+            <a:r>
+              <a:rPr lang="en-US" sz="1600" dirty="0"/>
+              <a:t>Output </a:t>
+            </a:r>
+          </a:p>
+          <a:p>
+            <a:pPr lvl="3"/>
+            <a:r>
+              <a:rPr lang="en-US" sz="1400" dirty="0"/>
+              <a:t>Individual txt files</a:t>
+            </a:r>
+          </a:p>
+        </p:txBody>
+      </p:sp>
+      <p:pic>
+        <p:nvPicPr>
+          <p:cNvPr id="11" name="Picture 10"/>
+          <p:cNvPicPr>
+            <a:picLocks noChangeAspect="1"/>
+          </p:cNvPicPr>
+          <p:nvPr/>
+        </p:nvPicPr>
+        <p:blipFill>
+          <a:blip r:embed="rId2"/>
+          <a:stretch>
+            <a:fillRect/>
+          </a:stretch>
+        </p:blipFill>
+        <p:spPr>
+          <a:xfrm>
+            <a:off x="5310387" y="1966981"/>
+            <a:ext cx="5619749" cy="418078"/>
+          </a:xfrm>
+          <a:prstGeom prst="rect">
+            <a:avLst/>
+          </a:prstGeom>
+        </p:spPr>
+      </p:pic>
+      <p:pic>
+        <p:nvPicPr>
+          <p:cNvPr id="12" name="Picture 11"/>
+          <p:cNvPicPr>
+            <a:picLocks noChangeAspect="1"/>
+          </p:cNvPicPr>
+          <p:nvPr/>
+        </p:nvPicPr>
+        <p:blipFill>
+          <a:blip r:embed="rId3"/>
+          <a:stretch>
+            <a:fillRect/>
+          </a:stretch>
+        </p:blipFill>
+        <p:spPr>
+          <a:xfrm>
+            <a:off x="5310388" y="3804564"/>
+            <a:ext cx="5619749" cy="446302"/>
+          </a:xfrm>
+          <a:prstGeom prst="rect">
+            <a:avLst/>
+          </a:prstGeom>
+        </p:spPr>
+      </p:pic>
+      <p:sp>
+        <p:nvSpPr>
+          <p:cNvPr id="13" name="Arrow: Down 12"/>
+          <p:cNvSpPr/>
+          <p:nvPr/>
+        </p:nvSpPr>
+        <p:spPr>
+          <a:xfrm>
+            <a:off x="7456783" y="2511094"/>
+            <a:ext cx="928048" cy="1170067"/>
+          </a:xfrm>
+          <a:prstGeom prst="downArrow">
+            <a:avLst/>
+          </a:prstGeom>
+        </p:spPr>
+        <p:style>
+          <a:lnRef idx="2">
+            <a:schemeClr val="accent5">
+              <a:shade val="50000"/>
+            </a:schemeClr>
+          </a:lnRef>
+          <a:fillRef idx="1">
+            <a:schemeClr val="accent5"/>
+          </a:fillRef>
+          <a:effectRef idx="0">
+            <a:schemeClr val="accent5"/>
+          </a:effectRef>
+          <a:fontRef idx="minor">
+            <a:schemeClr val="lt1"/>
+          </a:fontRef>
+        </p:style>
+        <p:txBody>
+          <a:bodyPr rtlCol="0" anchor="ctr"/>
+          <a:lstStyle/>
+          <a:p>
+            <a:pPr algn="ctr"/>
+            <a:endParaRPr lang="en-US"/>
+          </a:p>
+        </p:txBody>
+      </p:sp>
+      <p:pic>
+        <p:nvPicPr>
+          <p:cNvPr id="14" name="Picture 13"/>
+          <p:cNvPicPr>
+            <a:picLocks noChangeAspect="1"/>
+          </p:cNvPicPr>
+          <p:nvPr/>
+        </p:nvPicPr>
+        <p:blipFill>
+          <a:blip r:embed="rId4"/>
+          <a:stretch>
+            <a:fillRect/>
+          </a:stretch>
+        </p:blipFill>
+        <p:spPr>
+          <a:xfrm>
+            <a:off x="5310386" y="4574300"/>
+            <a:ext cx="5619749" cy="350452"/>
+          </a:xfrm>
+          <a:prstGeom prst="rect">
+            <a:avLst/>
+          </a:prstGeom>
+        </p:spPr>
+      </p:pic>
+      <p:pic>
+        <p:nvPicPr>
+          <p:cNvPr id="15" name="Picture 14"/>
+          <p:cNvPicPr>
+            <a:picLocks noChangeAspect="1"/>
+          </p:cNvPicPr>
+          <p:nvPr/>
+        </p:nvPicPr>
+        <p:blipFill>
+          <a:blip r:embed="rId5"/>
+          <a:stretch>
+            <a:fillRect/>
+          </a:stretch>
+        </p:blipFill>
+        <p:spPr>
+          <a:xfrm>
+            <a:off x="5310388" y="6277070"/>
+            <a:ext cx="5619749" cy="584173"/>
+          </a:xfrm>
+          <a:prstGeom prst="rect">
+            <a:avLst/>
+          </a:prstGeom>
+        </p:spPr>
+      </p:pic>
+      <p:pic>
+        <p:nvPicPr>
+          <p:cNvPr id="16" name="Picture 15"/>
+          <p:cNvPicPr>
+            <a:picLocks noChangeAspect="1"/>
+          </p:cNvPicPr>
+          <p:nvPr/>
+        </p:nvPicPr>
+        <p:blipFill>
+          <a:blip r:embed="rId6"/>
+          <a:stretch>
+            <a:fillRect/>
+          </a:stretch>
+        </p:blipFill>
+        <p:spPr>
+          <a:xfrm>
+            <a:off x="5310388" y="4289362"/>
+            <a:ext cx="5619750" cy="266700"/>
+          </a:xfrm>
+          <a:prstGeom prst="rect">
+            <a:avLst/>
+          </a:prstGeom>
+        </p:spPr>
+      </p:pic>
+      <p:sp>
+        <p:nvSpPr>
+          <p:cNvPr id="17" name="Arrow: Down 16"/>
+          <p:cNvSpPr/>
+          <p:nvPr/>
+        </p:nvSpPr>
+        <p:spPr>
+          <a:xfrm>
+            <a:off x="7359925" y="4613099"/>
+            <a:ext cx="1024906" cy="1277042"/>
+          </a:xfrm>
+          <a:prstGeom prst="downArrow">
+            <a:avLst/>
+          </a:prstGeom>
+        </p:spPr>
+        <p:style>
+          <a:lnRef idx="2">
+            <a:schemeClr val="accent4">
+              <a:shade val="50000"/>
+            </a:schemeClr>
+          </a:lnRef>
+          <a:fillRef idx="1">
+            <a:schemeClr val="accent4"/>
+          </a:fillRef>
+          <a:effectRef idx="0">
+            <a:schemeClr val="accent4"/>
+          </a:effectRef>
+          <a:fontRef idx="minor">
+            <a:schemeClr val="lt1"/>
+          </a:fontRef>
+        </p:style>
+        <p:txBody>
+          <a:bodyPr rtlCol="0" anchor="ctr"/>
+          <a:lstStyle/>
+          <a:p>
+            <a:pPr algn="ctr"/>
+            <a:endParaRPr lang="en-US"/>
+          </a:p>
+        </p:txBody>
+      </p:sp>
+      <p:pic>
+        <p:nvPicPr>
+          <p:cNvPr id="18" name="Picture 17"/>
+          <p:cNvPicPr>
+            <a:picLocks noChangeAspect="1"/>
+          </p:cNvPicPr>
+          <p:nvPr/>
+        </p:nvPicPr>
+        <p:blipFill>
+          <a:blip r:embed="rId7"/>
+          <a:stretch>
+            <a:fillRect/>
+          </a:stretch>
+        </p:blipFill>
+        <p:spPr>
+          <a:xfrm>
+            <a:off x="10568648" y="0"/>
+            <a:ext cx="1623352" cy="1003812"/>
+          </a:xfrm>
+          <a:prstGeom prst="rect">
+            <a:avLst/>
+          </a:prstGeom>
+        </p:spPr>
+      </p:pic>
+    </p:spTree>
+    <p:extLst>
+      <p:ext uri="{BB962C8B-B14F-4D97-AF65-F5344CB8AC3E}">
+        <p14:creationId xmlns:p14="http://schemas.microsoft.com/office/powerpoint/2010/main" val="3128398898"/>
+      </p:ext>
+    </p:extLst>
+  </p:cSld>
+  <p:clrMapOvr>
+    <a:masterClrMapping/>
+  </p:clrMapOvr>
+</p:sld>
+</file>
+
+<file path=ppt/slides/slide6.xml><?xml version="1.0" encoding="utf-8"?>
+<p:sld xmlns:a="http://schemas.openxmlformats.org/drawingml/2006/main" xmlns:r="http://schemas.openxmlformats.org/officeDocument/2006/relationships" xmlns:p="http://schemas.openxmlformats.org/presentationml/2006/main">
+  <p:cSld>
+    <p:spTree>
+      <p:nvGrpSpPr>
+        <p:cNvPr id="1" name=""/>
+        <p:cNvGrpSpPr/>
+        <p:nvPr/>
+      </p:nvGrpSpPr>
+      <p:grpSpPr>
+        <a:xfrm>
+          <a:off x="0" y="0"/>
+          <a:ext cx="0" cy="0"/>
+          <a:chOff x="0" y="0"/>
+          <a:chExt cx="0" cy="0"/>
+        </a:xfrm>
+      </p:grpSpPr>
+      <p:sp>
+        <p:nvSpPr>
+          <p:cNvPr id="2" name="Title 1"/>
+          <p:cNvSpPr>
+            <a:spLocks noGrp="1"/>
+          </p:cNvSpPr>
+          <p:nvPr>
+            <p:ph type="title"/>
+          </p:nvPr>
+        </p:nvSpPr>
+        <p:spPr/>
+        <p:txBody>
+          <a:bodyPr/>
+          <a:lstStyle/>
+          <a:p>
+            <a:r>
+              <a:rPr lang="en-US" dirty="0"/>
               <a:t>Output Example</a:t>
             </a:r>
           </a:p>
@@ -6230,7 +7340,7 @@
 </p:sld>
 </file>
 
-<file path=ppt/slides/slide6.xml><?xml version="1.0" encoding="utf-8"?>
+<file path=ppt/slides/slide7.xml><?xml version="1.0" encoding="utf-8"?>
 <p:sld xmlns:a="http://schemas.openxmlformats.org/drawingml/2006/main" xmlns:r="http://schemas.openxmlformats.org/officeDocument/2006/relationships" xmlns:p="http://schemas.openxmlformats.org/presentationml/2006/main">
   <p:cSld>
     <p:spTree>

--- a/files/Final_Present.pptx
+++ b/files/Final_Present.pptx
@@ -213,7 +213,7 @@
           <a:effectLst/>
           <a:extLst>
             <a:ext uri="{91240B29-F687-4f45-9708-019B960494DF}">
-              <a14:hiddenLine xmlns:a14="http://schemas.microsoft.com/office/drawing/2010/main" xmlns="" w="9525">
+              <a14:hiddenLine xmlns="" xmlns:a14="http://schemas.microsoft.com/office/drawing/2010/main" w="9525">
                 <a:solidFill>
                   <a:srgbClr val="000000"/>
                 </a:solidFill>
@@ -1723,7 +1723,7 @@
           <a:ln/>
           <a:extLst>
             <a:ext uri="{91240B29-F687-4f45-9708-019B960494DF}">
-              <a14:hiddenLine xmlns:a14="http://schemas.microsoft.com/office/drawing/2010/main" xmlns="" w="9525">
+              <a14:hiddenLine xmlns="" xmlns:a14="http://schemas.microsoft.com/office/drawing/2010/main" w="9525">
                 <a:solidFill>
                   <a:srgbClr val="000000"/>
                 </a:solidFill>
@@ -1995,7 +1995,7 @@
           <a:ln/>
           <a:extLst>
             <a:ext uri="{91240B29-F687-4f45-9708-019B960494DF}">
-              <a14:hiddenLine xmlns:a14="http://schemas.microsoft.com/office/drawing/2010/main" xmlns="" w="9525">
+              <a14:hiddenLine xmlns="" xmlns:a14="http://schemas.microsoft.com/office/drawing/2010/main" w="9525">
                 <a:solidFill>
                   <a:srgbClr val="000000"/>
                 </a:solidFill>
@@ -2275,7 +2275,7 @@
           <a:ln/>
           <a:extLst>
             <a:ext uri="{91240B29-F687-4f45-9708-019B960494DF}">
-              <a14:hiddenLine xmlns:a14="http://schemas.microsoft.com/office/drawing/2010/main" xmlns="" w="9525">
+              <a14:hiddenLine xmlns="" xmlns:a14="http://schemas.microsoft.com/office/drawing/2010/main" w="9525">
                 <a:solidFill>
                   <a:srgbClr val="000000"/>
                 </a:solidFill>
@@ -2895,7 +2895,7 @@
           <a:ln/>
           <a:extLst>
             <a:ext uri="{91240B29-F687-4f45-9708-019B960494DF}">
-              <a14:hiddenLine xmlns:a14="http://schemas.microsoft.com/office/drawing/2010/main" xmlns="" w="9525">
+              <a14:hiddenLine xmlns="" xmlns:a14="http://schemas.microsoft.com/office/drawing/2010/main" w="9525">
                 <a:solidFill>
                   <a:srgbClr val="000000"/>
                 </a:solidFill>
@@ -3231,7 +3231,7 @@
           <a:ln/>
           <a:extLst>
             <a:ext uri="{91240B29-F687-4f45-9708-019B960494DF}">
-              <a14:hiddenLine xmlns:a14="http://schemas.microsoft.com/office/drawing/2010/main" xmlns="" w="9525">
+              <a14:hiddenLine xmlns="" xmlns:a14="http://schemas.microsoft.com/office/drawing/2010/main" w="9525">
                 <a:solidFill>
                   <a:srgbClr val="000000"/>
                 </a:solidFill>
@@ -3705,7 +3705,7 @@
           <a:ln/>
           <a:extLst>
             <a:ext uri="{91240B29-F687-4f45-9708-019B960494DF}">
-              <a14:hiddenLine xmlns:a14="http://schemas.microsoft.com/office/drawing/2010/main" xmlns="" w="9525">
+              <a14:hiddenLine xmlns="" xmlns:a14="http://schemas.microsoft.com/office/drawing/2010/main" w="9525">
                 <a:solidFill>
                   <a:srgbClr val="000000"/>
                 </a:solidFill>
@@ -4128,7 +4128,7 @@
           <a:ln/>
           <a:extLst>
             <a:ext uri="{91240B29-F687-4f45-9708-019B960494DF}">
-              <a14:hiddenLine xmlns:a14="http://schemas.microsoft.com/office/drawing/2010/main" xmlns="" w="9525">
+              <a14:hiddenLine xmlns="" xmlns:a14="http://schemas.microsoft.com/office/drawing/2010/main" w="9525">
                 <a:solidFill>
                   <a:srgbClr val="000000"/>
                 </a:solidFill>
@@ -5358,7 +5358,7 @@
             <a:spLocks noGrp="1"/>
           </p:cNvSpPr>
           <p:nvPr>
-            <p:ph type="ctrTitle"/>
+            <p:ph type="title"/>
           </p:nvPr>
         </p:nvSpPr>
         <p:spPr/>
@@ -5369,49 +5369,6 @@
             <a:r>
               <a:rPr lang="en-US" dirty="0"/>
               <a:t>NCBI 2017 Hackathon</a:t>
-            </a:r>
-          </a:p>
-        </p:txBody>
-      </p:sp>
-      <p:sp>
-        <p:nvSpPr>
-          <p:cNvPr id="3" name="Subtitle 2"/>
-          <p:cNvSpPr>
-            <a:spLocks noGrp="1"/>
-          </p:cNvSpPr>
-          <p:nvPr>
-            <p:ph type="subTitle" idx="1"/>
-          </p:nvPr>
-        </p:nvSpPr>
-        <p:spPr>
-          <a:xfrm>
-            <a:off x="810001" y="5280847"/>
-            <a:ext cx="10572000" cy="1038066"/>
-          </a:xfrm>
-        </p:spPr>
-        <p:txBody>
-          <a:bodyPr>
-            <a:normAutofit/>
-          </a:bodyPr>
-          <a:lstStyle/>
-          <a:p>
-            <a:r>
-              <a:rPr lang="en-US" dirty="0"/>
-              <a:t>Eric Karlins | Maria Brown</a:t>
-            </a:r>
-          </a:p>
-          <a:p>
-            <a:r>
-              <a:rPr lang="en-US" dirty="0"/>
-              <a:t>Nick </a:t>
-            </a:r>
-            <a:r>
-              <a:rPr lang="en-US" dirty="0" err="1"/>
-              <a:t>Giangreco</a:t>
-            </a:r>
-            <a:r>
-              <a:rPr lang="en-US" dirty="0"/>
-              <a:t> | Samantha Sevilla</a:t>
             </a:r>
           </a:p>
         </p:txBody>
@@ -5432,7 +5389,7 @@
         </p:blipFill>
         <p:spPr>
           <a:xfrm>
-            <a:off x="7402596" y="27296"/>
+            <a:off x="3281357" y="323052"/>
             <a:ext cx="4789404" cy="2961564"/>
           </a:xfrm>
           <a:prstGeom prst="rect">
@@ -5440,6 +5397,235 @@
           </a:prstGeom>
         </p:spPr>
       </p:pic>
+      <p:graphicFrame>
+        <p:nvGraphicFramePr>
+          <p:cNvPr id="8" name="Table 7"/>
+          <p:cNvGraphicFramePr>
+            <a:graphicFrameLocks noGrp="1"/>
+          </p:cNvGraphicFramePr>
+          <p:nvPr>
+            <p:extLst>
+              <p:ext uri="{D42A27DB-BD31-4B8C-83A1-F6EECF244321}">
+                <p14:modId xmlns:p14="http://schemas.microsoft.com/office/powerpoint/2010/main" val="98706705"/>
+              </p:ext>
+            </p:extLst>
+          </p:nvPr>
+        </p:nvGraphicFramePr>
+        <p:xfrm>
+          <a:off x="2685983" y="1346676"/>
+          <a:ext cx="5980152" cy="1604720"/>
+        </p:xfrm>
+        <a:graphic>
+          <a:graphicData uri="http://schemas.openxmlformats.org/drawingml/2006/table">
+            <a:tbl>
+              <a:tblPr firstRow="1" bandRow="1">
+                <a:tableStyleId>{7DF18680-E054-41AD-8BC1-D1AEF772440D}</a:tableStyleId>
+              </a:tblPr>
+              <a:tblGrid>
+                <a:gridCol w="1949066">
+                  <a:extLst>
+                    <a:ext uri="{9D8B030D-6E8A-4147-A177-3AD203B41FA5}">
+                      <a16:colId xmlns:a16="http://schemas.microsoft.com/office/drawing/2014/main" val="4190180903"/>
+                    </a:ext>
+                  </a:extLst>
+                </a:gridCol>
+                <a:gridCol w="4031086">
+                  <a:extLst>
+                    <a:ext uri="{9D8B030D-6E8A-4147-A177-3AD203B41FA5}">
+                      <a16:colId xmlns:a16="http://schemas.microsoft.com/office/drawing/2014/main" val="2787284683"/>
+                    </a:ext>
+                  </a:extLst>
+                </a:gridCol>
+              </a:tblGrid>
+              <a:tr h="320944">
+                <a:tc>
+                  <a:txBody>
+                    <a:bodyPr/>
+                    <a:lstStyle/>
+                    <a:p>
+                      <a:pPr algn="ctr"/>
+                      <a:r>
+                        <a:rPr lang="en-US" sz="1400" dirty="0"/>
+                        <a:t>Contributors</a:t>
+                      </a:r>
+                    </a:p>
+                  </a:txBody>
+                  <a:tcPr/>
+                </a:tc>
+                <a:tc>
+                  <a:txBody>
+                    <a:bodyPr/>
+                    <a:lstStyle/>
+                    <a:p>
+                      <a:pPr algn="ctr"/>
+                      <a:r>
+                        <a:rPr lang="en-US" sz="1400" dirty="0"/>
+                        <a:t>Years of</a:t>
+                      </a:r>
+                      <a:r>
+                        <a:rPr lang="en-US" sz="1400" baseline="0" dirty="0"/>
+                        <a:t> Bioinformatics Experience</a:t>
+                      </a:r>
+                      <a:endParaRPr lang="en-US" sz="1400" dirty="0"/>
+                    </a:p>
+                  </a:txBody>
+                  <a:tcPr/>
+                </a:tc>
+                <a:extLst>
+                  <a:ext uri="{0D108BD9-81ED-4DB2-BD59-A6C34878D82A}">
+                    <a16:rowId xmlns:a16="http://schemas.microsoft.com/office/drawing/2014/main" val="1534888173"/>
+                  </a:ext>
+                </a:extLst>
+              </a:tr>
+              <a:tr h="320944">
+                <a:tc>
+                  <a:txBody>
+                    <a:bodyPr/>
+                    <a:lstStyle/>
+                    <a:p>
+                      <a:pPr algn="ctr"/>
+                      <a:r>
+                        <a:rPr lang="en-US" sz="1400" dirty="0"/>
+                        <a:t>Eric Karlins (Lead)</a:t>
+                      </a:r>
+                    </a:p>
+                  </a:txBody>
+                  <a:tcPr/>
+                </a:tc>
+                <a:tc>
+                  <a:txBody>
+                    <a:bodyPr/>
+                    <a:lstStyle/>
+                    <a:p>
+                      <a:pPr algn="ctr"/>
+                      <a:r>
+                        <a:rPr lang="en-US" sz="1400" dirty="0"/>
+                        <a:t>4</a:t>
+                      </a:r>
+                    </a:p>
+                  </a:txBody>
+                  <a:tcPr/>
+                </a:tc>
+                <a:extLst>
+                  <a:ext uri="{0D108BD9-81ED-4DB2-BD59-A6C34878D82A}">
+                    <a16:rowId xmlns:a16="http://schemas.microsoft.com/office/drawing/2014/main" val="3675628065"/>
+                  </a:ext>
+                </a:extLst>
+              </a:tr>
+              <a:tr h="320944">
+                <a:tc>
+                  <a:txBody>
+                    <a:bodyPr/>
+                    <a:lstStyle/>
+                    <a:p>
+                      <a:pPr algn="ctr"/>
+                      <a:r>
+                        <a:rPr lang="en-US" sz="1400" dirty="0"/>
+                        <a:t>Maria Brown</a:t>
+                      </a:r>
+                    </a:p>
+                  </a:txBody>
+                  <a:tcPr/>
+                </a:tc>
+                <a:tc>
+                  <a:txBody>
+                    <a:bodyPr/>
+                    <a:lstStyle/>
+                    <a:p>
+                      <a:pPr algn="ctr"/>
+                      <a:r>
+                        <a:rPr lang="en-US" sz="1400" dirty="0"/>
+                        <a:t>&lt;1</a:t>
+                      </a:r>
+                    </a:p>
+                  </a:txBody>
+                  <a:tcPr/>
+                </a:tc>
+                <a:extLst>
+                  <a:ext uri="{0D108BD9-81ED-4DB2-BD59-A6C34878D82A}">
+                    <a16:rowId xmlns:a16="http://schemas.microsoft.com/office/drawing/2014/main" val="2631868713"/>
+                  </a:ext>
+                </a:extLst>
+              </a:tr>
+              <a:tr h="320944">
+                <a:tc>
+                  <a:txBody>
+                    <a:bodyPr/>
+                    <a:lstStyle/>
+                    <a:p>
+                      <a:pPr algn="ctr"/>
+                      <a:r>
+                        <a:rPr lang="en-US" sz="1400" dirty="0"/>
+                        <a:t>Samantha </a:t>
+                      </a:r>
+                      <a:r>
+                        <a:rPr lang="en-US" sz="1400" dirty="0" err="1"/>
+                        <a:t>Sevilla</a:t>
+                      </a:r>
+                      <a:endParaRPr lang="en-US" sz="1400" dirty="0"/>
+                    </a:p>
+                  </a:txBody>
+                  <a:tcPr/>
+                </a:tc>
+                <a:tc>
+                  <a:txBody>
+                    <a:bodyPr/>
+                    <a:lstStyle/>
+                    <a:p>
+                      <a:pPr algn="ctr"/>
+                      <a:r>
+                        <a:rPr lang="en-US" sz="1400" dirty="0"/>
+                        <a:t>&lt;1</a:t>
+                      </a:r>
+                    </a:p>
+                  </a:txBody>
+                  <a:tcPr/>
+                </a:tc>
+                <a:extLst>
+                  <a:ext uri="{0D108BD9-81ED-4DB2-BD59-A6C34878D82A}">
+                    <a16:rowId xmlns:a16="http://schemas.microsoft.com/office/drawing/2014/main" val="1091931969"/>
+                  </a:ext>
+                </a:extLst>
+              </a:tr>
+              <a:tr h="320944">
+                <a:tc>
+                  <a:txBody>
+                    <a:bodyPr/>
+                    <a:lstStyle/>
+                    <a:p>
+                      <a:pPr algn="ctr"/>
+                      <a:r>
+                        <a:rPr lang="en-US" sz="1400" dirty="0"/>
+                        <a:t>Nick Giangreco</a:t>
+                      </a:r>
+                    </a:p>
+                  </a:txBody>
+                  <a:tcPr/>
+                </a:tc>
+                <a:tc>
+                  <a:txBody>
+                    <a:bodyPr/>
+                    <a:lstStyle/>
+                    <a:p>
+                      <a:pPr algn="ctr"/>
+                      <a:r>
+                        <a:rPr lang="en-US" sz="1400" dirty="0"/>
+                        <a:t>3</a:t>
+                      </a:r>
+                    </a:p>
+                  </a:txBody>
+                  <a:tcPr/>
+                </a:tc>
+                <a:extLst>
+                  <a:ext uri="{0D108BD9-81ED-4DB2-BD59-A6C34878D82A}">
+                    <a16:rowId xmlns:a16="http://schemas.microsoft.com/office/drawing/2014/main" val="186440778"/>
+                  </a:ext>
+                </a:extLst>
+              </a:tr>
+            </a:tbl>
+          </a:graphicData>
+        </a:graphic>
+      </p:graphicFrame>
     </p:spTree>
     <p:extLst>
       <p:ext uri="{BB962C8B-B14F-4D97-AF65-F5344CB8AC3E}">
@@ -5450,6 +5636,200 @@
   <p:clrMapOvr>
     <a:masterClrMapping/>
   </p:clrMapOvr>
+  <p:timing>
+    <p:tnLst>
+      <p:par>
+        <p:cTn id="1" dur="indefinite" restart="never" nodeType="tmRoot">
+          <p:childTnLst>
+            <p:seq concurrent="1" nextAc="seek">
+              <p:cTn id="2" dur="indefinite" nodeType="mainSeq">
+                <p:childTnLst>
+                  <p:par>
+                    <p:cTn id="3" fill="hold">
+                      <p:stCondLst>
+                        <p:cond delay="indefinite"/>
+                      </p:stCondLst>
+                      <p:childTnLst>
+                        <p:par>
+                          <p:cTn id="4" fill="hold">
+                            <p:stCondLst>
+                              <p:cond delay="0"/>
+                            </p:stCondLst>
+                            <p:childTnLst>
+                              <p:par>
+                                <p:cTn id="5" presetID="2" presetClass="entr" presetSubtype="4" fill="hold" nodeType="clickEffect">
+                                  <p:stCondLst>
+                                    <p:cond delay="0"/>
+                                  </p:stCondLst>
+                                  <p:childTnLst>
+                                    <p:set>
+                                      <p:cBhvr>
+                                        <p:cTn id="6" dur="1" fill="hold">
+                                          <p:stCondLst>
+                                            <p:cond delay="0"/>
+                                          </p:stCondLst>
+                                        </p:cTn>
+                                        <p:tgtEl>
+                                          <p:spTgt spid="5"/>
+                                        </p:tgtEl>
+                                        <p:attrNameLst>
+                                          <p:attrName>style.visibility</p:attrName>
+                                        </p:attrNameLst>
+                                      </p:cBhvr>
+                                      <p:to>
+                                        <p:strVal val="visible"/>
+                                      </p:to>
+                                    </p:set>
+                                    <p:anim calcmode="lin" valueType="num">
+                                      <p:cBhvr additive="base">
+                                        <p:cTn id="7" dur="500" fill="hold"/>
+                                        <p:tgtEl>
+                                          <p:spTgt spid="5"/>
+                                        </p:tgtEl>
+                                        <p:attrNameLst>
+                                          <p:attrName>ppt_x</p:attrName>
+                                        </p:attrNameLst>
+                                      </p:cBhvr>
+                                      <p:tavLst>
+                                        <p:tav tm="0">
+                                          <p:val>
+                                            <p:strVal val="#ppt_x"/>
+                                          </p:val>
+                                        </p:tav>
+                                        <p:tav tm="100000">
+                                          <p:val>
+                                            <p:strVal val="#ppt_x"/>
+                                          </p:val>
+                                        </p:tav>
+                                      </p:tavLst>
+                                    </p:anim>
+                                    <p:anim calcmode="lin" valueType="num">
+                                      <p:cBhvr additive="base">
+                                        <p:cTn id="8" dur="500" fill="hold"/>
+                                        <p:tgtEl>
+                                          <p:spTgt spid="5"/>
+                                        </p:tgtEl>
+                                        <p:attrNameLst>
+                                          <p:attrName>ppt_y</p:attrName>
+                                        </p:attrNameLst>
+                                      </p:cBhvr>
+                                      <p:tavLst>
+                                        <p:tav tm="0">
+                                          <p:val>
+                                            <p:strVal val="1+#ppt_h/2"/>
+                                          </p:val>
+                                        </p:tav>
+                                        <p:tav tm="100000">
+                                          <p:val>
+                                            <p:strVal val="#ppt_y"/>
+                                          </p:val>
+                                        </p:tav>
+                                      </p:tavLst>
+                                    </p:anim>
+                                  </p:childTnLst>
+                                </p:cTn>
+                              </p:par>
+                              <p:par>
+                                <p:cTn id="9" presetID="2" presetClass="exit" presetSubtype="4" fill="hold" nodeType="withEffect">
+                                  <p:stCondLst>
+                                    <p:cond delay="0"/>
+                                  </p:stCondLst>
+                                  <p:childTnLst>
+                                    <p:anim calcmode="lin" valueType="num">
+                                      <p:cBhvr additive="base">
+                                        <p:cTn id="10" dur="500"/>
+                                        <p:tgtEl>
+                                          <p:spTgt spid="8"/>
+                                        </p:tgtEl>
+                                        <p:attrNameLst>
+                                          <p:attrName>ppt_x</p:attrName>
+                                        </p:attrNameLst>
+                                      </p:cBhvr>
+                                      <p:tavLst>
+                                        <p:tav tm="0">
+                                          <p:val>
+                                            <p:strVal val="ppt_x"/>
+                                          </p:val>
+                                        </p:tav>
+                                        <p:tav tm="100000">
+                                          <p:val>
+                                            <p:strVal val="ppt_x"/>
+                                          </p:val>
+                                        </p:tav>
+                                      </p:tavLst>
+                                    </p:anim>
+                                    <p:anim calcmode="lin" valueType="num">
+                                      <p:cBhvr additive="base">
+                                        <p:cTn id="11" dur="500"/>
+                                        <p:tgtEl>
+                                          <p:spTgt spid="8"/>
+                                        </p:tgtEl>
+                                        <p:attrNameLst>
+                                          <p:attrName>ppt_y</p:attrName>
+                                        </p:attrNameLst>
+                                      </p:cBhvr>
+                                      <p:tavLst>
+                                        <p:tav tm="0">
+                                          <p:val>
+                                            <p:strVal val="ppt_y"/>
+                                          </p:val>
+                                        </p:tav>
+                                        <p:tav tm="100000">
+                                          <p:val>
+                                            <p:strVal val="1+ppt_h/2"/>
+                                          </p:val>
+                                        </p:tav>
+                                      </p:tavLst>
+                                    </p:anim>
+                                    <p:set>
+                                      <p:cBhvr>
+                                        <p:cTn id="12" dur="1" fill="hold">
+                                          <p:stCondLst>
+                                            <p:cond delay="499"/>
+                                          </p:stCondLst>
+                                        </p:cTn>
+                                        <p:tgtEl>
+                                          <p:spTgt spid="8"/>
+                                        </p:tgtEl>
+                                        <p:attrNameLst>
+                                          <p:attrName>style.visibility</p:attrName>
+                                        </p:attrNameLst>
+                                      </p:cBhvr>
+                                      <p:to>
+                                        <p:strVal val="hidden"/>
+                                      </p:to>
+                                    </p:set>
+                                  </p:childTnLst>
+                                </p:cTn>
+                              </p:par>
+                            </p:childTnLst>
+                          </p:cTn>
+                        </p:par>
+                      </p:childTnLst>
+                    </p:cTn>
+                  </p:par>
+                </p:childTnLst>
+              </p:cTn>
+              <p:prevCondLst>
+                <p:cond evt="onPrev" delay="0">
+                  <p:tgtEl>
+                    <p:sldTgt/>
+                  </p:tgtEl>
+                </p:cond>
+              </p:prevCondLst>
+              <p:nextCondLst>
+                <p:cond evt="onNext" delay="0">
+                  <p:tgtEl>
+                    <p:sldTgt/>
+                  </p:tgtEl>
+                </p:cond>
+              </p:nextCondLst>
+            </p:seq>
+          </p:childTnLst>
+        </p:cTn>
+      </p:par>
+    </p:tnLst>
+  </p:timing>
 </p:sld>
 </file>
 

--- a/files/Final_Present.pptx
+++ b/files/Final_Present.pptx
@@ -116,6 +116,5085 @@
     </p:ext>
   </p:extLst>
 </p:presentation>
+</file>
+
+<file path=ppt/diagrams/colors1.xml><?xml version="1.0" encoding="utf-8"?>
+<dgm:colorsDef xmlns:dgm="http://schemas.openxmlformats.org/drawingml/2006/diagram" xmlns:a="http://schemas.openxmlformats.org/drawingml/2006/main" uniqueId="urn:microsoft.com/office/officeart/2005/8/colors/colorful1">
+  <dgm:title val=""/>
+  <dgm:desc val=""/>
+  <dgm:catLst>
+    <dgm:cat type="colorful" pri="10100"/>
+  </dgm:catLst>
+  <dgm:styleLbl name="node0">
+    <dgm:fillClrLst meth="repeat">
+      <a:schemeClr val="accent1"/>
+    </dgm:fillClrLst>
+    <dgm:linClrLst meth="repeat">
+      <a:schemeClr val="lt1"/>
+    </dgm:linClrLst>
+    <dgm:effectClrLst/>
+    <dgm:txLinClrLst/>
+    <dgm:txFillClrLst/>
+    <dgm:txEffectClrLst/>
+  </dgm:styleLbl>
+  <dgm:styleLbl name="node1">
+    <dgm:fillClrLst meth="repeat">
+      <a:schemeClr val="accent2"/>
+      <a:schemeClr val="accent3"/>
+      <a:schemeClr val="accent4"/>
+      <a:schemeClr val="accent5"/>
+      <a:schemeClr val="accent6"/>
+    </dgm:fillClrLst>
+    <dgm:linClrLst meth="repeat">
+      <a:schemeClr val="lt1"/>
+    </dgm:linClrLst>
+    <dgm:effectClrLst/>
+    <dgm:txLinClrLst/>
+    <dgm:txFillClrLst/>
+    <dgm:txEffectClrLst/>
+  </dgm:styleLbl>
+  <dgm:styleLbl name="alignNode1">
+    <dgm:fillClrLst meth="repeat">
+      <a:schemeClr val="accent2"/>
+      <a:schemeClr val="accent3"/>
+      <a:schemeClr val="accent4"/>
+      <a:schemeClr val="accent5"/>
+      <a:schemeClr val="accent6"/>
+    </dgm:fillClrLst>
+    <dgm:linClrLst meth="repeat">
+      <a:schemeClr val="accent2"/>
+      <a:schemeClr val="accent3"/>
+      <a:schemeClr val="accent4"/>
+      <a:schemeClr val="accent5"/>
+      <a:schemeClr val="accent6"/>
+    </dgm:linClrLst>
+    <dgm:effectClrLst/>
+    <dgm:txLinClrLst/>
+    <dgm:txFillClrLst/>
+    <dgm:txEffectClrLst/>
+  </dgm:styleLbl>
+  <dgm:styleLbl name="lnNode1">
+    <dgm:fillClrLst meth="repeat">
+      <a:schemeClr val="accent2"/>
+      <a:schemeClr val="accent3"/>
+      <a:schemeClr val="accent4"/>
+      <a:schemeClr val="accent5"/>
+      <a:schemeClr val="accent6"/>
+    </dgm:fillClrLst>
+    <dgm:linClrLst meth="repeat">
+      <a:schemeClr val="lt1"/>
+    </dgm:linClrLst>
+    <dgm:effectClrLst/>
+    <dgm:txLinClrLst/>
+    <dgm:txFillClrLst/>
+    <dgm:txEffectClrLst/>
+  </dgm:styleLbl>
+  <dgm:styleLbl name="vennNode1">
+    <dgm:fillClrLst meth="repeat">
+      <a:schemeClr val="accent2">
+        <a:alpha val="50000"/>
+      </a:schemeClr>
+      <a:schemeClr val="accent3">
+        <a:alpha val="50000"/>
+      </a:schemeClr>
+      <a:schemeClr val="accent4">
+        <a:alpha val="50000"/>
+      </a:schemeClr>
+      <a:schemeClr val="accent5">
+        <a:alpha val="50000"/>
+      </a:schemeClr>
+      <a:schemeClr val="accent6">
+        <a:alpha val="50000"/>
+      </a:schemeClr>
+    </dgm:fillClrLst>
+    <dgm:linClrLst meth="repeat">
+      <a:schemeClr val="lt1"/>
+    </dgm:linClrLst>
+    <dgm:effectClrLst/>
+    <dgm:txLinClrLst/>
+    <dgm:txFillClrLst/>
+    <dgm:txEffectClrLst/>
+  </dgm:styleLbl>
+  <dgm:styleLbl name="node2">
+    <dgm:fillClrLst>
+      <a:schemeClr val="accent2"/>
+    </dgm:fillClrLst>
+    <dgm:linClrLst meth="repeat">
+      <a:schemeClr val="lt1"/>
+    </dgm:linClrLst>
+    <dgm:effectClrLst/>
+    <dgm:txLinClrLst/>
+    <dgm:txFillClrLst/>
+    <dgm:txEffectClrLst/>
+  </dgm:styleLbl>
+  <dgm:styleLbl name="node3">
+    <dgm:fillClrLst>
+      <a:schemeClr val="accent3"/>
+    </dgm:fillClrLst>
+    <dgm:linClrLst meth="repeat">
+      <a:schemeClr val="lt1"/>
+    </dgm:linClrLst>
+    <dgm:effectClrLst/>
+    <dgm:txLinClrLst/>
+    <dgm:txFillClrLst/>
+    <dgm:txEffectClrLst/>
+  </dgm:styleLbl>
+  <dgm:styleLbl name="node4">
+    <dgm:fillClrLst>
+      <a:schemeClr val="accent4"/>
+    </dgm:fillClrLst>
+    <dgm:linClrLst meth="repeat">
+      <a:schemeClr val="lt1"/>
+    </dgm:linClrLst>
+    <dgm:effectClrLst/>
+    <dgm:txLinClrLst/>
+    <dgm:txFillClrLst/>
+    <dgm:txEffectClrLst/>
+  </dgm:styleLbl>
+  <dgm:styleLbl name="fgImgPlace1">
+    <dgm:fillClrLst meth="repeat">
+      <a:schemeClr val="accent2">
+        <a:tint val="50000"/>
+      </a:schemeClr>
+      <a:schemeClr val="accent3">
+        <a:tint val="50000"/>
+      </a:schemeClr>
+      <a:schemeClr val="accent4">
+        <a:tint val="50000"/>
+      </a:schemeClr>
+      <a:schemeClr val="accent5">
+        <a:tint val="50000"/>
+      </a:schemeClr>
+      <a:schemeClr val="accent6">
+        <a:tint val="50000"/>
+      </a:schemeClr>
+    </dgm:fillClrLst>
+    <dgm:linClrLst meth="repeat">
+      <a:schemeClr val="lt1"/>
+    </dgm:linClrLst>
+    <dgm:effectClrLst/>
+    <dgm:txLinClrLst/>
+    <dgm:txFillClrLst meth="repeat">
+      <a:schemeClr val="lt1"/>
+    </dgm:txFillClrLst>
+    <dgm:txEffectClrLst/>
+  </dgm:styleLbl>
+  <dgm:styleLbl name="alignImgPlace1">
+    <dgm:fillClrLst>
+      <a:schemeClr val="accent1">
+        <a:tint val="50000"/>
+      </a:schemeClr>
+      <a:schemeClr val="accent2">
+        <a:tint val="20000"/>
+      </a:schemeClr>
+    </dgm:fillClrLst>
+    <dgm:linClrLst meth="repeat">
+      <a:schemeClr val="lt1"/>
+    </dgm:linClrLst>
+    <dgm:effectClrLst/>
+    <dgm:txLinClrLst/>
+    <dgm:txFillClrLst meth="repeat">
+      <a:schemeClr val="lt1"/>
+    </dgm:txFillClrLst>
+    <dgm:txEffectClrLst/>
+  </dgm:styleLbl>
+  <dgm:styleLbl name="bgImgPlace1">
+    <dgm:fillClrLst>
+      <a:schemeClr val="accent1">
+        <a:tint val="50000"/>
+      </a:schemeClr>
+      <a:schemeClr val="accent2">
+        <a:tint val="20000"/>
+      </a:schemeClr>
+    </dgm:fillClrLst>
+    <dgm:linClrLst meth="repeat">
+      <a:schemeClr val="lt1"/>
+    </dgm:linClrLst>
+    <dgm:effectClrLst/>
+    <dgm:txLinClrLst/>
+    <dgm:txFillClrLst meth="repeat">
+      <a:schemeClr val="lt1"/>
+    </dgm:txFillClrLst>
+    <dgm:txEffectClrLst/>
+  </dgm:styleLbl>
+  <dgm:styleLbl name="sibTrans2D1">
+    <dgm:fillClrLst meth="repeat">
+      <a:schemeClr val="accent2"/>
+      <a:schemeClr val="accent3"/>
+      <a:schemeClr val="accent4"/>
+      <a:schemeClr val="accent5"/>
+      <a:schemeClr val="accent6"/>
+    </dgm:fillClrLst>
+    <dgm:linClrLst meth="cycle">
+      <a:schemeClr val="lt1"/>
+    </dgm:linClrLst>
+    <dgm:effectClrLst/>
+    <dgm:txLinClrLst/>
+    <dgm:txFillClrLst/>
+    <dgm:txEffectClrLst/>
+  </dgm:styleLbl>
+  <dgm:styleLbl name="fgSibTrans2D1">
+    <dgm:fillClrLst meth="repeat">
+      <a:schemeClr val="accent2"/>
+      <a:schemeClr val="accent3"/>
+      <a:schemeClr val="accent4"/>
+      <a:schemeClr val="accent5"/>
+      <a:schemeClr val="accent6"/>
+    </dgm:fillClrLst>
+    <dgm:linClrLst meth="cycle">
+      <a:schemeClr val="lt1"/>
+    </dgm:linClrLst>
+    <dgm:effectClrLst/>
+    <dgm:txLinClrLst/>
+    <dgm:txFillClrLst meth="repeat">
+      <a:schemeClr val="lt1"/>
+    </dgm:txFillClrLst>
+    <dgm:txEffectClrLst/>
+  </dgm:styleLbl>
+  <dgm:styleLbl name="bgSibTrans2D1">
+    <dgm:fillClrLst meth="repeat">
+      <a:schemeClr val="accent2"/>
+      <a:schemeClr val="accent3"/>
+      <a:schemeClr val="accent4"/>
+      <a:schemeClr val="accent5"/>
+      <a:schemeClr val="accent6"/>
+    </dgm:fillClrLst>
+    <dgm:linClrLst meth="cycle">
+      <a:schemeClr val="lt1"/>
+    </dgm:linClrLst>
+    <dgm:effectClrLst/>
+    <dgm:txLinClrLst/>
+    <dgm:txFillClrLst meth="repeat">
+      <a:schemeClr val="lt1"/>
+    </dgm:txFillClrLst>
+    <dgm:txEffectClrLst/>
+  </dgm:styleLbl>
+  <dgm:styleLbl name="sibTrans1D1">
+    <dgm:fillClrLst meth="repeat">
+      <a:schemeClr val="accent2"/>
+      <a:schemeClr val="accent3"/>
+      <a:schemeClr val="accent4"/>
+      <a:schemeClr val="accent5"/>
+      <a:schemeClr val="accent6"/>
+    </dgm:fillClrLst>
+    <dgm:linClrLst meth="repeat">
+      <a:schemeClr val="accent2"/>
+      <a:schemeClr val="accent3"/>
+      <a:schemeClr val="accent4"/>
+      <a:schemeClr val="accent5"/>
+      <a:schemeClr val="accent6"/>
+    </dgm:linClrLst>
+    <dgm:effectClrLst/>
+    <dgm:txLinClrLst/>
+    <dgm:txFillClrLst meth="repeat">
+      <a:schemeClr val="tx1"/>
+    </dgm:txFillClrLst>
+    <dgm:txEffectClrLst/>
+  </dgm:styleLbl>
+  <dgm:styleLbl name="callout">
+    <dgm:fillClrLst meth="repeat">
+      <a:schemeClr val="accent2"/>
+    </dgm:fillClrLst>
+    <dgm:linClrLst meth="repeat">
+      <a:schemeClr val="accent2">
+        <a:tint val="50000"/>
+      </a:schemeClr>
+    </dgm:linClrLst>
+    <dgm:effectClrLst/>
+    <dgm:txLinClrLst/>
+    <dgm:txFillClrLst meth="repeat">
+      <a:schemeClr val="tx1"/>
+    </dgm:txFillClrLst>
+    <dgm:txEffectClrLst/>
+  </dgm:styleLbl>
+  <dgm:styleLbl name="asst0">
+    <dgm:fillClrLst meth="repeat">
+      <a:schemeClr val="accent1"/>
+    </dgm:fillClrLst>
+    <dgm:linClrLst meth="repeat">
+      <a:schemeClr val="lt1"/>
+    </dgm:linClrLst>
+    <dgm:effectClrLst/>
+    <dgm:txLinClrLst/>
+    <dgm:txFillClrLst/>
+    <dgm:txEffectClrLst/>
+  </dgm:styleLbl>
+  <dgm:styleLbl name="asst1">
+    <dgm:fillClrLst meth="repeat">
+      <a:schemeClr val="accent2"/>
+    </dgm:fillClrLst>
+    <dgm:linClrLst meth="repeat">
+      <a:schemeClr val="lt1"/>
+    </dgm:linClrLst>
+    <dgm:effectClrLst/>
+    <dgm:txLinClrLst/>
+    <dgm:txFillClrLst/>
+    <dgm:txEffectClrLst/>
+  </dgm:styleLbl>
+  <dgm:styleLbl name="asst2">
+    <dgm:fillClrLst>
+      <a:schemeClr val="accent3"/>
+    </dgm:fillClrLst>
+    <dgm:linClrLst meth="repeat">
+      <a:schemeClr val="lt1"/>
+    </dgm:linClrLst>
+    <dgm:effectClrLst/>
+    <dgm:txLinClrLst/>
+    <dgm:txFillClrLst/>
+    <dgm:txEffectClrLst/>
+  </dgm:styleLbl>
+  <dgm:styleLbl name="asst3">
+    <dgm:fillClrLst>
+      <a:schemeClr val="accent4"/>
+    </dgm:fillClrLst>
+    <dgm:linClrLst meth="repeat">
+      <a:schemeClr val="lt1"/>
+    </dgm:linClrLst>
+    <dgm:effectClrLst/>
+    <dgm:txLinClrLst/>
+    <dgm:txFillClrLst/>
+    <dgm:txEffectClrLst/>
+  </dgm:styleLbl>
+  <dgm:styleLbl name="asst4">
+    <dgm:fillClrLst>
+      <a:schemeClr val="accent5"/>
+    </dgm:fillClrLst>
+    <dgm:linClrLst meth="repeat">
+      <a:schemeClr val="lt1"/>
+    </dgm:linClrLst>
+    <dgm:effectClrLst/>
+    <dgm:txLinClrLst/>
+    <dgm:txFillClrLst/>
+    <dgm:txEffectClrLst/>
+  </dgm:styleLbl>
+  <dgm:styleLbl name="parChTrans2D1">
+    <dgm:fillClrLst meth="repeat">
+      <a:schemeClr val="accent2"/>
+    </dgm:fillClrLst>
+    <dgm:linClrLst meth="repeat">
+      <a:schemeClr val="lt1"/>
+    </dgm:linClrLst>
+    <dgm:effectClrLst/>
+    <dgm:txLinClrLst/>
+    <dgm:txFillClrLst meth="repeat">
+      <a:schemeClr val="lt1"/>
+    </dgm:txFillClrLst>
+    <dgm:txEffectClrLst/>
+  </dgm:styleLbl>
+  <dgm:styleLbl name="parChTrans2D2">
+    <dgm:fillClrLst meth="repeat">
+      <a:schemeClr val="accent3"/>
+    </dgm:fillClrLst>
+    <dgm:linClrLst meth="repeat">
+      <a:schemeClr val="lt1"/>
+    </dgm:linClrLst>
+    <dgm:effectClrLst/>
+    <dgm:txLinClrLst/>
+    <dgm:txFillClrLst/>
+    <dgm:txEffectClrLst/>
+  </dgm:styleLbl>
+  <dgm:styleLbl name="parChTrans2D3">
+    <dgm:fillClrLst meth="repeat">
+      <a:schemeClr val="accent4"/>
+    </dgm:fillClrLst>
+    <dgm:linClrLst meth="repeat">
+      <a:schemeClr val="lt1"/>
+    </dgm:linClrLst>
+    <dgm:effectClrLst/>
+    <dgm:txLinClrLst/>
+    <dgm:txFillClrLst/>
+    <dgm:txEffectClrLst/>
+  </dgm:styleLbl>
+  <dgm:styleLbl name="parChTrans2D4">
+    <dgm:fillClrLst meth="repeat">
+      <a:schemeClr val="accent5"/>
+    </dgm:fillClrLst>
+    <dgm:linClrLst meth="repeat">
+      <a:schemeClr val="lt1"/>
+    </dgm:linClrLst>
+    <dgm:effectClrLst/>
+    <dgm:txLinClrLst/>
+    <dgm:txFillClrLst meth="repeat">
+      <a:schemeClr val="lt1"/>
+    </dgm:txFillClrLst>
+    <dgm:txEffectClrLst/>
+  </dgm:styleLbl>
+  <dgm:styleLbl name="parChTrans1D1">
+    <dgm:fillClrLst meth="repeat">
+      <a:schemeClr val="accent2"/>
+    </dgm:fillClrLst>
+    <dgm:linClrLst meth="repeat">
+      <a:schemeClr val="accent1"/>
+    </dgm:linClrLst>
+    <dgm:effectClrLst/>
+    <dgm:txLinClrLst/>
+    <dgm:txFillClrLst meth="repeat">
+      <a:schemeClr val="tx1"/>
+    </dgm:txFillClrLst>
+    <dgm:txEffectClrLst/>
+  </dgm:styleLbl>
+  <dgm:styleLbl name="parChTrans1D2">
+    <dgm:fillClrLst meth="repeat">
+      <a:schemeClr val="accent3">
+        <a:tint val="90000"/>
+      </a:schemeClr>
+    </dgm:fillClrLst>
+    <dgm:linClrLst meth="repeat">
+      <a:schemeClr val="accent2"/>
+    </dgm:linClrLst>
+    <dgm:effectClrLst/>
+    <dgm:txLinClrLst/>
+    <dgm:txFillClrLst meth="repeat">
+      <a:schemeClr val="tx1"/>
+    </dgm:txFillClrLst>
+    <dgm:txEffectClrLst/>
+  </dgm:styleLbl>
+  <dgm:styleLbl name="parChTrans1D3">
+    <dgm:fillClrLst meth="repeat">
+      <a:schemeClr val="accent4">
+        <a:tint val="70000"/>
+      </a:schemeClr>
+    </dgm:fillClrLst>
+    <dgm:linClrLst meth="repeat">
+      <a:schemeClr val="accent3"/>
+    </dgm:linClrLst>
+    <dgm:effectClrLst/>
+    <dgm:txLinClrLst/>
+    <dgm:txFillClrLst meth="repeat">
+      <a:schemeClr val="tx1"/>
+    </dgm:txFillClrLst>
+    <dgm:txEffectClrLst/>
+  </dgm:styleLbl>
+  <dgm:styleLbl name="parChTrans1D4">
+    <dgm:fillClrLst meth="repeat">
+      <a:schemeClr val="accent5">
+        <a:tint val="50000"/>
+      </a:schemeClr>
+    </dgm:fillClrLst>
+    <dgm:linClrLst meth="repeat">
+      <a:schemeClr val="accent4"/>
+    </dgm:linClrLst>
+    <dgm:effectClrLst/>
+    <dgm:txLinClrLst/>
+    <dgm:txFillClrLst meth="repeat">
+      <a:schemeClr val="tx1"/>
+    </dgm:txFillClrLst>
+    <dgm:txEffectClrLst/>
+  </dgm:styleLbl>
+  <dgm:styleLbl name="fgAcc1">
+    <dgm:fillClrLst meth="repeat">
+      <a:schemeClr val="lt1">
+        <a:alpha val="90000"/>
+      </a:schemeClr>
+    </dgm:fillClrLst>
+    <dgm:linClrLst meth="repeat">
+      <a:schemeClr val="accent2"/>
+      <a:schemeClr val="accent3"/>
+      <a:schemeClr val="accent4"/>
+      <a:schemeClr val="accent5"/>
+      <a:schemeClr val="accent6"/>
+    </dgm:linClrLst>
+    <dgm:effectClrLst/>
+    <dgm:txLinClrLst/>
+    <dgm:txFillClrLst meth="repeat">
+      <a:schemeClr val="dk1"/>
+    </dgm:txFillClrLst>
+    <dgm:txEffectClrLst/>
+  </dgm:styleLbl>
+  <dgm:styleLbl name="conFgAcc1">
+    <dgm:fillClrLst meth="repeat">
+      <a:schemeClr val="lt1">
+        <a:alpha val="90000"/>
+      </a:schemeClr>
+    </dgm:fillClrLst>
+    <dgm:linClrLst meth="repeat">
+      <a:schemeClr val="accent2"/>
+      <a:schemeClr val="accent3"/>
+      <a:schemeClr val="accent4"/>
+      <a:schemeClr val="accent5"/>
+      <a:schemeClr val="accent6"/>
+    </dgm:linClrLst>
+    <dgm:effectClrLst/>
+    <dgm:txLinClrLst/>
+    <dgm:txFillClrLst meth="repeat">
+      <a:schemeClr val="dk1"/>
+    </dgm:txFillClrLst>
+    <dgm:txEffectClrLst/>
+  </dgm:styleLbl>
+  <dgm:styleLbl name="alignAcc1">
+    <dgm:fillClrLst meth="repeat">
+      <a:schemeClr val="lt1">
+        <a:alpha val="90000"/>
+      </a:schemeClr>
+    </dgm:fillClrLst>
+    <dgm:linClrLst meth="repeat">
+      <a:schemeClr val="accent2"/>
+      <a:schemeClr val="accent3"/>
+      <a:schemeClr val="accent4"/>
+      <a:schemeClr val="accent5"/>
+      <a:schemeClr val="accent6"/>
+    </dgm:linClrLst>
+    <dgm:effectClrLst/>
+    <dgm:txLinClrLst/>
+    <dgm:txFillClrLst meth="repeat">
+      <a:schemeClr val="dk1"/>
+    </dgm:txFillClrLst>
+    <dgm:txEffectClrLst/>
+  </dgm:styleLbl>
+  <dgm:styleLbl name="trAlignAcc1">
+    <dgm:fillClrLst meth="repeat">
+      <a:schemeClr val="lt1">
+        <a:alpha val="40000"/>
+      </a:schemeClr>
+    </dgm:fillClrLst>
+    <dgm:linClrLst meth="repeat">
+      <a:schemeClr val="accent1"/>
+    </dgm:linClrLst>
+    <dgm:effectClrLst/>
+    <dgm:txLinClrLst/>
+    <dgm:txFillClrLst meth="repeat">
+      <a:schemeClr val="dk1"/>
+    </dgm:txFillClrLst>
+    <dgm:txEffectClrLst/>
+  </dgm:styleLbl>
+  <dgm:styleLbl name="bgAcc1">
+    <dgm:fillClrLst meth="repeat">
+      <a:schemeClr val="lt1">
+        <a:alpha val="90000"/>
+      </a:schemeClr>
+    </dgm:fillClrLst>
+    <dgm:linClrLst meth="repeat">
+      <a:schemeClr val="accent2"/>
+      <a:schemeClr val="accent3"/>
+      <a:schemeClr val="accent4"/>
+      <a:schemeClr val="accent5"/>
+      <a:schemeClr val="accent6"/>
+    </dgm:linClrLst>
+    <dgm:effectClrLst/>
+    <dgm:txLinClrLst/>
+    <dgm:txFillClrLst meth="repeat">
+      <a:schemeClr val="dk1"/>
+    </dgm:txFillClrLst>
+    <dgm:txEffectClrLst/>
+  </dgm:styleLbl>
+  <dgm:styleLbl name="solidFgAcc1">
+    <dgm:fillClrLst meth="repeat">
+      <a:schemeClr val="lt1"/>
+    </dgm:fillClrLst>
+    <dgm:linClrLst meth="repeat">
+      <a:schemeClr val="accent2"/>
+      <a:schemeClr val="accent3"/>
+      <a:schemeClr val="accent4"/>
+      <a:schemeClr val="accent5"/>
+      <a:schemeClr val="accent6"/>
+    </dgm:linClrLst>
+    <dgm:effectClrLst/>
+    <dgm:txLinClrLst/>
+    <dgm:txFillClrLst meth="repeat">
+      <a:schemeClr val="dk1"/>
+    </dgm:txFillClrLst>
+    <dgm:txEffectClrLst/>
+  </dgm:styleLbl>
+  <dgm:styleLbl name="solidAlignAcc1">
+    <dgm:fillClrLst meth="repeat">
+      <a:schemeClr val="lt1"/>
+    </dgm:fillClrLst>
+    <dgm:linClrLst meth="repeat">
+      <a:schemeClr val="accent2"/>
+      <a:schemeClr val="accent3"/>
+      <a:schemeClr val="accent4"/>
+      <a:schemeClr val="accent5"/>
+      <a:schemeClr val="accent6"/>
+    </dgm:linClrLst>
+    <dgm:effectClrLst/>
+    <dgm:txLinClrLst/>
+    <dgm:txFillClrLst meth="repeat">
+      <a:schemeClr val="dk1"/>
+    </dgm:txFillClrLst>
+    <dgm:txEffectClrLst/>
+  </dgm:styleLbl>
+  <dgm:styleLbl name="solidBgAcc1">
+    <dgm:fillClrLst meth="repeat">
+      <a:schemeClr val="lt1"/>
+    </dgm:fillClrLst>
+    <dgm:linClrLst meth="repeat">
+      <a:schemeClr val="accent2"/>
+      <a:schemeClr val="accent3"/>
+      <a:schemeClr val="accent4"/>
+      <a:schemeClr val="accent5"/>
+      <a:schemeClr val="accent6"/>
+    </dgm:linClrLst>
+    <dgm:effectClrLst/>
+    <dgm:txLinClrLst/>
+    <dgm:txFillClrLst meth="repeat">
+      <a:schemeClr val="dk1"/>
+    </dgm:txFillClrLst>
+    <dgm:txEffectClrLst/>
+  </dgm:styleLbl>
+  <dgm:styleLbl name="fgAccFollowNode1">
+    <dgm:fillClrLst meth="repeat">
+      <a:schemeClr val="accent2">
+        <a:tint val="40000"/>
+        <a:alpha val="90000"/>
+      </a:schemeClr>
+      <a:schemeClr val="accent3">
+        <a:tint val="40000"/>
+        <a:alpha val="90000"/>
+      </a:schemeClr>
+      <a:schemeClr val="accent4">
+        <a:tint val="40000"/>
+        <a:alpha val="90000"/>
+      </a:schemeClr>
+      <a:schemeClr val="accent5">
+        <a:tint val="40000"/>
+        <a:alpha val="90000"/>
+      </a:schemeClr>
+      <a:schemeClr val="accent6">
+        <a:tint val="40000"/>
+        <a:alpha val="90000"/>
+      </a:schemeClr>
+    </dgm:fillClrLst>
+    <dgm:linClrLst meth="repeat">
+      <a:schemeClr val="accent2">
+        <a:tint val="40000"/>
+        <a:alpha val="90000"/>
+      </a:schemeClr>
+      <a:schemeClr val="accent3">
+        <a:tint val="40000"/>
+        <a:alpha val="90000"/>
+      </a:schemeClr>
+      <a:schemeClr val="accent4">
+        <a:tint val="40000"/>
+        <a:alpha val="90000"/>
+      </a:schemeClr>
+      <a:schemeClr val="accent5">
+        <a:tint val="40000"/>
+        <a:alpha val="90000"/>
+      </a:schemeClr>
+      <a:schemeClr val="accent6">
+        <a:tint val="40000"/>
+        <a:alpha val="90000"/>
+      </a:schemeClr>
+    </dgm:linClrLst>
+    <dgm:effectClrLst/>
+    <dgm:txLinClrLst/>
+    <dgm:txFillClrLst meth="repeat">
+      <a:schemeClr val="dk1"/>
+    </dgm:txFillClrLst>
+    <dgm:txEffectClrLst/>
+  </dgm:styleLbl>
+  <dgm:styleLbl name="alignAccFollowNode1">
+    <dgm:fillClrLst meth="repeat">
+      <a:schemeClr val="accent2">
+        <a:tint val="40000"/>
+        <a:alpha val="90000"/>
+      </a:schemeClr>
+      <a:schemeClr val="accent3">
+        <a:tint val="40000"/>
+        <a:alpha val="90000"/>
+      </a:schemeClr>
+      <a:schemeClr val="accent4">
+        <a:tint val="40000"/>
+        <a:alpha val="90000"/>
+      </a:schemeClr>
+      <a:schemeClr val="accent5">
+        <a:tint val="40000"/>
+        <a:alpha val="90000"/>
+      </a:schemeClr>
+      <a:schemeClr val="accent6">
+        <a:tint val="40000"/>
+        <a:alpha val="90000"/>
+      </a:schemeClr>
+    </dgm:fillClrLst>
+    <dgm:linClrLst meth="repeat">
+      <a:schemeClr val="accent2">
+        <a:tint val="40000"/>
+        <a:alpha val="90000"/>
+      </a:schemeClr>
+      <a:schemeClr val="accent3">
+        <a:tint val="40000"/>
+        <a:alpha val="90000"/>
+      </a:schemeClr>
+      <a:schemeClr val="accent4">
+        <a:tint val="40000"/>
+        <a:alpha val="90000"/>
+      </a:schemeClr>
+      <a:schemeClr val="accent5">
+        <a:tint val="40000"/>
+        <a:alpha val="90000"/>
+      </a:schemeClr>
+      <a:schemeClr val="accent6">
+        <a:tint val="40000"/>
+        <a:alpha val="90000"/>
+      </a:schemeClr>
+    </dgm:linClrLst>
+    <dgm:effectClrLst/>
+    <dgm:txLinClrLst/>
+    <dgm:txFillClrLst meth="repeat">
+      <a:schemeClr val="dk1"/>
+    </dgm:txFillClrLst>
+    <dgm:txEffectClrLst/>
+  </dgm:styleLbl>
+  <dgm:styleLbl name="bgAccFollowNode1">
+    <dgm:fillClrLst meth="repeat">
+      <a:schemeClr val="accent2">
+        <a:tint val="40000"/>
+        <a:alpha val="90000"/>
+      </a:schemeClr>
+      <a:schemeClr val="accent3">
+        <a:tint val="40000"/>
+        <a:alpha val="90000"/>
+      </a:schemeClr>
+      <a:schemeClr val="accent4">
+        <a:tint val="40000"/>
+        <a:alpha val="90000"/>
+      </a:schemeClr>
+      <a:schemeClr val="accent5">
+        <a:tint val="40000"/>
+        <a:alpha val="90000"/>
+      </a:schemeClr>
+      <a:schemeClr val="accent6">
+        <a:tint val="40000"/>
+        <a:alpha val="90000"/>
+      </a:schemeClr>
+    </dgm:fillClrLst>
+    <dgm:linClrLst meth="repeat">
+      <a:schemeClr val="accent2">
+        <a:tint val="40000"/>
+        <a:alpha val="90000"/>
+      </a:schemeClr>
+      <a:schemeClr val="accent3">
+        <a:tint val="40000"/>
+        <a:alpha val="90000"/>
+      </a:schemeClr>
+      <a:schemeClr val="accent4">
+        <a:tint val="40000"/>
+        <a:alpha val="90000"/>
+      </a:schemeClr>
+      <a:schemeClr val="accent5">
+        <a:tint val="40000"/>
+        <a:alpha val="90000"/>
+      </a:schemeClr>
+      <a:schemeClr val="accent6">
+        <a:tint val="40000"/>
+        <a:alpha val="90000"/>
+      </a:schemeClr>
+    </dgm:linClrLst>
+    <dgm:effectClrLst/>
+    <dgm:txLinClrLst/>
+    <dgm:txFillClrLst meth="repeat">
+      <a:schemeClr val="dk1"/>
+    </dgm:txFillClrLst>
+    <dgm:txEffectClrLst/>
+  </dgm:styleLbl>
+  <dgm:styleLbl name="fgAcc0">
+    <dgm:fillClrLst meth="repeat">
+      <a:schemeClr val="lt1">
+        <a:alpha val="90000"/>
+      </a:schemeClr>
+    </dgm:fillClrLst>
+    <dgm:linClrLst>
+      <a:schemeClr val="accent1"/>
+    </dgm:linClrLst>
+    <dgm:effectClrLst/>
+    <dgm:txLinClrLst/>
+    <dgm:txFillClrLst meth="repeat">
+      <a:schemeClr val="dk1"/>
+    </dgm:txFillClrLst>
+    <dgm:txEffectClrLst/>
+  </dgm:styleLbl>
+  <dgm:styleLbl name="fgAcc2">
+    <dgm:fillClrLst meth="repeat">
+      <a:schemeClr val="lt1">
+        <a:alpha val="90000"/>
+      </a:schemeClr>
+    </dgm:fillClrLst>
+    <dgm:linClrLst>
+      <a:schemeClr val="accent2"/>
+    </dgm:linClrLst>
+    <dgm:effectClrLst/>
+    <dgm:txLinClrLst/>
+    <dgm:txFillClrLst meth="repeat">
+      <a:schemeClr val="dk1"/>
+    </dgm:txFillClrLst>
+    <dgm:txEffectClrLst/>
+  </dgm:styleLbl>
+  <dgm:styleLbl name="fgAcc3">
+    <dgm:fillClrLst meth="repeat">
+      <a:schemeClr val="lt1">
+        <a:alpha val="90000"/>
+      </a:schemeClr>
+    </dgm:fillClrLst>
+    <dgm:linClrLst>
+      <a:schemeClr val="accent3"/>
+    </dgm:linClrLst>
+    <dgm:effectClrLst/>
+    <dgm:txLinClrLst/>
+    <dgm:txFillClrLst meth="repeat">
+      <a:schemeClr val="dk1"/>
+    </dgm:txFillClrLst>
+    <dgm:txEffectClrLst/>
+  </dgm:styleLbl>
+  <dgm:styleLbl name="fgAcc4">
+    <dgm:fillClrLst meth="repeat">
+      <a:schemeClr val="lt1">
+        <a:alpha val="90000"/>
+      </a:schemeClr>
+    </dgm:fillClrLst>
+    <dgm:linClrLst>
+      <a:schemeClr val="accent4"/>
+    </dgm:linClrLst>
+    <dgm:effectClrLst/>
+    <dgm:txLinClrLst/>
+    <dgm:txFillClrLst meth="repeat">
+      <a:schemeClr val="dk1"/>
+    </dgm:txFillClrLst>
+    <dgm:txEffectClrLst/>
+  </dgm:styleLbl>
+  <dgm:styleLbl name="bgShp">
+    <dgm:fillClrLst meth="repeat">
+      <a:schemeClr val="accent2">
+        <a:tint val="40000"/>
+      </a:schemeClr>
+    </dgm:fillClrLst>
+    <dgm:linClrLst meth="repeat">
+      <a:schemeClr val="dk1"/>
+    </dgm:linClrLst>
+    <dgm:effectClrLst/>
+    <dgm:txLinClrLst/>
+    <dgm:txFillClrLst meth="repeat">
+      <a:schemeClr val="dk1"/>
+    </dgm:txFillClrLst>
+    <dgm:txEffectClrLst/>
+  </dgm:styleLbl>
+  <dgm:styleLbl name="dkBgShp">
+    <dgm:fillClrLst meth="repeat">
+      <a:schemeClr val="accent2">
+        <a:shade val="90000"/>
+      </a:schemeClr>
+    </dgm:fillClrLst>
+    <dgm:linClrLst meth="repeat">
+      <a:schemeClr val="dk1"/>
+    </dgm:linClrLst>
+    <dgm:effectClrLst/>
+    <dgm:txLinClrLst/>
+    <dgm:txFillClrLst meth="repeat">
+      <a:schemeClr val="lt1"/>
+    </dgm:txFillClrLst>
+    <dgm:txEffectClrLst/>
+  </dgm:styleLbl>
+  <dgm:styleLbl name="trBgShp">
+    <dgm:fillClrLst meth="repeat">
+      <a:schemeClr val="accent1">
+        <a:tint val="50000"/>
+        <a:alpha val="40000"/>
+      </a:schemeClr>
+    </dgm:fillClrLst>
+    <dgm:linClrLst meth="repeat">
+      <a:schemeClr val="accent2"/>
+    </dgm:linClrLst>
+    <dgm:effectClrLst/>
+    <dgm:txLinClrLst/>
+    <dgm:txFillClrLst meth="repeat">
+      <a:schemeClr val="lt1"/>
+    </dgm:txFillClrLst>
+    <dgm:txEffectClrLst/>
+  </dgm:styleLbl>
+  <dgm:styleLbl name="fgShp">
+    <dgm:fillClrLst meth="repeat">
+      <a:schemeClr val="accent2">
+        <a:tint val="40000"/>
+      </a:schemeClr>
+    </dgm:fillClrLst>
+    <dgm:linClrLst meth="repeat">
+      <a:schemeClr val="lt1"/>
+    </dgm:linClrLst>
+    <dgm:effectClrLst/>
+    <dgm:txLinClrLst/>
+    <dgm:txFillClrLst meth="repeat">
+      <a:schemeClr val="dk1"/>
+    </dgm:txFillClrLst>
+    <dgm:txEffectClrLst/>
+  </dgm:styleLbl>
+  <dgm:styleLbl name="revTx">
+    <dgm:fillClrLst meth="repeat">
+      <a:schemeClr val="lt1">
+        <a:alpha val="0"/>
+      </a:schemeClr>
+    </dgm:fillClrLst>
+    <dgm:linClrLst meth="repeat">
+      <a:schemeClr val="dk1">
+        <a:alpha val="0"/>
+      </a:schemeClr>
+    </dgm:linClrLst>
+    <dgm:effectClrLst/>
+    <dgm:txLinClrLst/>
+    <dgm:txFillClrLst meth="repeat">
+      <a:schemeClr val="tx1"/>
+    </dgm:txFillClrLst>
+    <dgm:txEffectClrLst/>
+  </dgm:styleLbl>
+</dgm:colorsDef>
+</file>
+
+<file path=ppt/diagrams/colors2.xml><?xml version="1.0" encoding="utf-8"?>
+<dgm:colorsDef xmlns:dgm="http://schemas.openxmlformats.org/drawingml/2006/diagram" xmlns:a="http://schemas.openxmlformats.org/drawingml/2006/main" uniqueId="urn:microsoft.com/office/officeart/2005/8/colors/colorful1">
+  <dgm:title val=""/>
+  <dgm:desc val=""/>
+  <dgm:catLst>
+    <dgm:cat type="colorful" pri="10100"/>
+  </dgm:catLst>
+  <dgm:styleLbl name="node0">
+    <dgm:fillClrLst meth="repeat">
+      <a:schemeClr val="accent1"/>
+    </dgm:fillClrLst>
+    <dgm:linClrLst meth="repeat">
+      <a:schemeClr val="lt1"/>
+    </dgm:linClrLst>
+    <dgm:effectClrLst/>
+    <dgm:txLinClrLst/>
+    <dgm:txFillClrLst/>
+    <dgm:txEffectClrLst/>
+  </dgm:styleLbl>
+  <dgm:styleLbl name="node1">
+    <dgm:fillClrLst meth="repeat">
+      <a:schemeClr val="accent2"/>
+      <a:schemeClr val="accent3"/>
+      <a:schemeClr val="accent4"/>
+      <a:schemeClr val="accent5"/>
+      <a:schemeClr val="accent6"/>
+    </dgm:fillClrLst>
+    <dgm:linClrLst meth="repeat">
+      <a:schemeClr val="lt1"/>
+    </dgm:linClrLst>
+    <dgm:effectClrLst/>
+    <dgm:txLinClrLst/>
+    <dgm:txFillClrLst/>
+    <dgm:txEffectClrLst/>
+  </dgm:styleLbl>
+  <dgm:styleLbl name="alignNode1">
+    <dgm:fillClrLst meth="repeat">
+      <a:schemeClr val="accent2"/>
+      <a:schemeClr val="accent3"/>
+      <a:schemeClr val="accent4"/>
+      <a:schemeClr val="accent5"/>
+      <a:schemeClr val="accent6"/>
+    </dgm:fillClrLst>
+    <dgm:linClrLst meth="repeat">
+      <a:schemeClr val="accent2"/>
+      <a:schemeClr val="accent3"/>
+      <a:schemeClr val="accent4"/>
+      <a:schemeClr val="accent5"/>
+      <a:schemeClr val="accent6"/>
+    </dgm:linClrLst>
+    <dgm:effectClrLst/>
+    <dgm:txLinClrLst/>
+    <dgm:txFillClrLst/>
+    <dgm:txEffectClrLst/>
+  </dgm:styleLbl>
+  <dgm:styleLbl name="lnNode1">
+    <dgm:fillClrLst meth="repeat">
+      <a:schemeClr val="accent2"/>
+      <a:schemeClr val="accent3"/>
+      <a:schemeClr val="accent4"/>
+      <a:schemeClr val="accent5"/>
+      <a:schemeClr val="accent6"/>
+    </dgm:fillClrLst>
+    <dgm:linClrLst meth="repeat">
+      <a:schemeClr val="lt1"/>
+    </dgm:linClrLst>
+    <dgm:effectClrLst/>
+    <dgm:txLinClrLst/>
+    <dgm:txFillClrLst/>
+    <dgm:txEffectClrLst/>
+  </dgm:styleLbl>
+  <dgm:styleLbl name="vennNode1">
+    <dgm:fillClrLst meth="repeat">
+      <a:schemeClr val="accent2">
+        <a:alpha val="50000"/>
+      </a:schemeClr>
+      <a:schemeClr val="accent3">
+        <a:alpha val="50000"/>
+      </a:schemeClr>
+      <a:schemeClr val="accent4">
+        <a:alpha val="50000"/>
+      </a:schemeClr>
+      <a:schemeClr val="accent5">
+        <a:alpha val="50000"/>
+      </a:schemeClr>
+      <a:schemeClr val="accent6">
+        <a:alpha val="50000"/>
+      </a:schemeClr>
+    </dgm:fillClrLst>
+    <dgm:linClrLst meth="repeat">
+      <a:schemeClr val="lt1"/>
+    </dgm:linClrLst>
+    <dgm:effectClrLst/>
+    <dgm:txLinClrLst/>
+    <dgm:txFillClrLst/>
+    <dgm:txEffectClrLst/>
+  </dgm:styleLbl>
+  <dgm:styleLbl name="node2">
+    <dgm:fillClrLst>
+      <a:schemeClr val="accent2"/>
+    </dgm:fillClrLst>
+    <dgm:linClrLst meth="repeat">
+      <a:schemeClr val="lt1"/>
+    </dgm:linClrLst>
+    <dgm:effectClrLst/>
+    <dgm:txLinClrLst/>
+    <dgm:txFillClrLst/>
+    <dgm:txEffectClrLst/>
+  </dgm:styleLbl>
+  <dgm:styleLbl name="node3">
+    <dgm:fillClrLst>
+      <a:schemeClr val="accent3"/>
+    </dgm:fillClrLst>
+    <dgm:linClrLst meth="repeat">
+      <a:schemeClr val="lt1"/>
+    </dgm:linClrLst>
+    <dgm:effectClrLst/>
+    <dgm:txLinClrLst/>
+    <dgm:txFillClrLst/>
+    <dgm:txEffectClrLst/>
+  </dgm:styleLbl>
+  <dgm:styleLbl name="node4">
+    <dgm:fillClrLst>
+      <a:schemeClr val="accent4"/>
+    </dgm:fillClrLst>
+    <dgm:linClrLst meth="repeat">
+      <a:schemeClr val="lt1"/>
+    </dgm:linClrLst>
+    <dgm:effectClrLst/>
+    <dgm:txLinClrLst/>
+    <dgm:txFillClrLst/>
+    <dgm:txEffectClrLst/>
+  </dgm:styleLbl>
+  <dgm:styleLbl name="fgImgPlace1">
+    <dgm:fillClrLst meth="repeat">
+      <a:schemeClr val="accent2">
+        <a:tint val="50000"/>
+      </a:schemeClr>
+      <a:schemeClr val="accent3">
+        <a:tint val="50000"/>
+      </a:schemeClr>
+      <a:schemeClr val="accent4">
+        <a:tint val="50000"/>
+      </a:schemeClr>
+      <a:schemeClr val="accent5">
+        <a:tint val="50000"/>
+      </a:schemeClr>
+      <a:schemeClr val="accent6">
+        <a:tint val="50000"/>
+      </a:schemeClr>
+    </dgm:fillClrLst>
+    <dgm:linClrLst meth="repeat">
+      <a:schemeClr val="lt1"/>
+    </dgm:linClrLst>
+    <dgm:effectClrLst/>
+    <dgm:txLinClrLst/>
+    <dgm:txFillClrLst meth="repeat">
+      <a:schemeClr val="lt1"/>
+    </dgm:txFillClrLst>
+    <dgm:txEffectClrLst/>
+  </dgm:styleLbl>
+  <dgm:styleLbl name="alignImgPlace1">
+    <dgm:fillClrLst>
+      <a:schemeClr val="accent1">
+        <a:tint val="50000"/>
+      </a:schemeClr>
+      <a:schemeClr val="accent2">
+        <a:tint val="20000"/>
+      </a:schemeClr>
+    </dgm:fillClrLst>
+    <dgm:linClrLst meth="repeat">
+      <a:schemeClr val="lt1"/>
+    </dgm:linClrLst>
+    <dgm:effectClrLst/>
+    <dgm:txLinClrLst/>
+    <dgm:txFillClrLst meth="repeat">
+      <a:schemeClr val="lt1"/>
+    </dgm:txFillClrLst>
+    <dgm:txEffectClrLst/>
+  </dgm:styleLbl>
+  <dgm:styleLbl name="bgImgPlace1">
+    <dgm:fillClrLst>
+      <a:schemeClr val="accent1">
+        <a:tint val="50000"/>
+      </a:schemeClr>
+      <a:schemeClr val="accent2">
+        <a:tint val="20000"/>
+      </a:schemeClr>
+    </dgm:fillClrLst>
+    <dgm:linClrLst meth="repeat">
+      <a:schemeClr val="lt1"/>
+    </dgm:linClrLst>
+    <dgm:effectClrLst/>
+    <dgm:txLinClrLst/>
+    <dgm:txFillClrLst meth="repeat">
+      <a:schemeClr val="lt1"/>
+    </dgm:txFillClrLst>
+    <dgm:txEffectClrLst/>
+  </dgm:styleLbl>
+  <dgm:styleLbl name="sibTrans2D1">
+    <dgm:fillClrLst meth="repeat">
+      <a:schemeClr val="accent2"/>
+      <a:schemeClr val="accent3"/>
+      <a:schemeClr val="accent4"/>
+      <a:schemeClr val="accent5"/>
+      <a:schemeClr val="accent6"/>
+    </dgm:fillClrLst>
+    <dgm:linClrLst meth="cycle">
+      <a:schemeClr val="lt1"/>
+    </dgm:linClrLst>
+    <dgm:effectClrLst/>
+    <dgm:txLinClrLst/>
+    <dgm:txFillClrLst/>
+    <dgm:txEffectClrLst/>
+  </dgm:styleLbl>
+  <dgm:styleLbl name="fgSibTrans2D1">
+    <dgm:fillClrLst meth="repeat">
+      <a:schemeClr val="accent2"/>
+      <a:schemeClr val="accent3"/>
+      <a:schemeClr val="accent4"/>
+      <a:schemeClr val="accent5"/>
+      <a:schemeClr val="accent6"/>
+    </dgm:fillClrLst>
+    <dgm:linClrLst meth="cycle">
+      <a:schemeClr val="lt1"/>
+    </dgm:linClrLst>
+    <dgm:effectClrLst/>
+    <dgm:txLinClrLst/>
+    <dgm:txFillClrLst meth="repeat">
+      <a:schemeClr val="lt1"/>
+    </dgm:txFillClrLst>
+    <dgm:txEffectClrLst/>
+  </dgm:styleLbl>
+  <dgm:styleLbl name="bgSibTrans2D1">
+    <dgm:fillClrLst meth="repeat">
+      <a:schemeClr val="accent2"/>
+      <a:schemeClr val="accent3"/>
+      <a:schemeClr val="accent4"/>
+      <a:schemeClr val="accent5"/>
+      <a:schemeClr val="accent6"/>
+    </dgm:fillClrLst>
+    <dgm:linClrLst meth="cycle">
+      <a:schemeClr val="lt1"/>
+    </dgm:linClrLst>
+    <dgm:effectClrLst/>
+    <dgm:txLinClrLst/>
+    <dgm:txFillClrLst meth="repeat">
+      <a:schemeClr val="lt1"/>
+    </dgm:txFillClrLst>
+    <dgm:txEffectClrLst/>
+  </dgm:styleLbl>
+  <dgm:styleLbl name="sibTrans1D1">
+    <dgm:fillClrLst meth="repeat">
+      <a:schemeClr val="accent2"/>
+      <a:schemeClr val="accent3"/>
+      <a:schemeClr val="accent4"/>
+      <a:schemeClr val="accent5"/>
+      <a:schemeClr val="accent6"/>
+    </dgm:fillClrLst>
+    <dgm:linClrLst meth="repeat">
+      <a:schemeClr val="accent2"/>
+      <a:schemeClr val="accent3"/>
+      <a:schemeClr val="accent4"/>
+      <a:schemeClr val="accent5"/>
+      <a:schemeClr val="accent6"/>
+    </dgm:linClrLst>
+    <dgm:effectClrLst/>
+    <dgm:txLinClrLst/>
+    <dgm:txFillClrLst meth="repeat">
+      <a:schemeClr val="tx1"/>
+    </dgm:txFillClrLst>
+    <dgm:txEffectClrLst/>
+  </dgm:styleLbl>
+  <dgm:styleLbl name="callout">
+    <dgm:fillClrLst meth="repeat">
+      <a:schemeClr val="accent2"/>
+    </dgm:fillClrLst>
+    <dgm:linClrLst meth="repeat">
+      <a:schemeClr val="accent2">
+        <a:tint val="50000"/>
+      </a:schemeClr>
+    </dgm:linClrLst>
+    <dgm:effectClrLst/>
+    <dgm:txLinClrLst/>
+    <dgm:txFillClrLst meth="repeat">
+      <a:schemeClr val="tx1"/>
+    </dgm:txFillClrLst>
+    <dgm:txEffectClrLst/>
+  </dgm:styleLbl>
+  <dgm:styleLbl name="asst0">
+    <dgm:fillClrLst meth="repeat">
+      <a:schemeClr val="accent1"/>
+    </dgm:fillClrLst>
+    <dgm:linClrLst meth="repeat">
+      <a:schemeClr val="lt1"/>
+    </dgm:linClrLst>
+    <dgm:effectClrLst/>
+    <dgm:txLinClrLst/>
+    <dgm:txFillClrLst/>
+    <dgm:txEffectClrLst/>
+  </dgm:styleLbl>
+  <dgm:styleLbl name="asst1">
+    <dgm:fillClrLst meth="repeat">
+      <a:schemeClr val="accent2"/>
+    </dgm:fillClrLst>
+    <dgm:linClrLst meth="repeat">
+      <a:schemeClr val="lt1"/>
+    </dgm:linClrLst>
+    <dgm:effectClrLst/>
+    <dgm:txLinClrLst/>
+    <dgm:txFillClrLst/>
+    <dgm:txEffectClrLst/>
+  </dgm:styleLbl>
+  <dgm:styleLbl name="asst2">
+    <dgm:fillClrLst>
+      <a:schemeClr val="accent3"/>
+    </dgm:fillClrLst>
+    <dgm:linClrLst meth="repeat">
+      <a:schemeClr val="lt1"/>
+    </dgm:linClrLst>
+    <dgm:effectClrLst/>
+    <dgm:txLinClrLst/>
+    <dgm:txFillClrLst/>
+    <dgm:txEffectClrLst/>
+  </dgm:styleLbl>
+  <dgm:styleLbl name="asst3">
+    <dgm:fillClrLst>
+      <a:schemeClr val="accent4"/>
+    </dgm:fillClrLst>
+    <dgm:linClrLst meth="repeat">
+      <a:schemeClr val="lt1"/>
+    </dgm:linClrLst>
+    <dgm:effectClrLst/>
+    <dgm:txLinClrLst/>
+    <dgm:txFillClrLst/>
+    <dgm:txEffectClrLst/>
+  </dgm:styleLbl>
+  <dgm:styleLbl name="asst4">
+    <dgm:fillClrLst>
+      <a:schemeClr val="accent5"/>
+    </dgm:fillClrLst>
+    <dgm:linClrLst meth="repeat">
+      <a:schemeClr val="lt1"/>
+    </dgm:linClrLst>
+    <dgm:effectClrLst/>
+    <dgm:txLinClrLst/>
+    <dgm:txFillClrLst/>
+    <dgm:txEffectClrLst/>
+  </dgm:styleLbl>
+  <dgm:styleLbl name="parChTrans2D1">
+    <dgm:fillClrLst meth="repeat">
+      <a:schemeClr val="accent2"/>
+    </dgm:fillClrLst>
+    <dgm:linClrLst meth="repeat">
+      <a:schemeClr val="lt1"/>
+    </dgm:linClrLst>
+    <dgm:effectClrLst/>
+    <dgm:txLinClrLst/>
+    <dgm:txFillClrLst meth="repeat">
+      <a:schemeClr val="lt1"/>
+    </dgm:txFillClrLst>
+    <dgm:txEffectClrLst/>
+  </dgm:styleLbl>
+  <dgm:styleLbl name="parChTrans2D2">
+    <dgm:fillClrLst meth="repeat">
+      <a:schemeClr val="accent3"/>
+    </dgm:fillClrLst>
+    <dgm:linClrLst meth="repeat">
+      <a:schemeClr val="lt1"/>
+    </dgm:linClrLst>
+    <dgm:effectClrLst/>
+    <dgm:txLinClrLst/>
+    <dgm:txFillClrLst/>
+    <dgm:txEffectClrLst/>
+  </dgm:styleLbl>
+  <dgm:styleLbl name="parChTrans2D3">
+    <dgm:fillClrLst meth="repeat">
+      <a:schemeClr val="accent4"/>
+    </dgm:fillClrLst>
+    <dgm:linClrLst meth="repeat">
+      <a:schemeClr val="lt1"/>
+    </dgm:linClrLst>
+    <dgm:effectClrLst/>
+    <dgm:txLinClrLst/>
+    <dgm:txFillClrLst/>
+    <dgm:txEffectClrLst/>
+  </dgm:styleLbl>
+  <dgm:styleLbl name="parChTrans2D4">
+    <dgm:fillClrLst meth="repeat">
+      <a:schemeClr val="accent5"/>
+    </dgm:fillClrLst>
+    <dgm:linClrLst meth="repeat">
+      <a:schemeClr val="lt1"/>
+    </dgm:linClrLst>
+    <dgm:effectClrLst/>
+    <dgm:txLinClrLst/>
+    <dgm:txFillClrLst meth="repeat">
+      <a:schemeClr val="lt1"/>
+    </dgm:txFillClrLst>
+    <dgm:txEffectClrLst/>
+  </dgm:styleLbl>
+  <dgm:styleLbl name="parChTrans1D1">
+    <dgm:fillClrLst meth="repeat">
+      <a:schemeClr val="accent2"/>
+    </dgm:fillClrLst>
+    <dgm:linClrLst meth="repeat">
+      <a:schemeClr val="accent1"/>
+    </dgm:linClrLst>
+    <dgm:effectClrLst/>
+    <dgm:txLinClrLst/>
+    <dgm:txFillClrLst meth="repeat">
+      <a:schemeClr val="tx1"/>
+    </dgm:txFillClrLst>
+    <dgm:txEffectClrLst/>
+  </dgm:styleLbl>
+  <dgm:styleLbl name="parChTrans1D2">
+    <dgm:fillClrLst meth="repeat">
+      <a:schemeClr val="accent3">
+        <a:tint val="90000"/>
+      </a:schemeClr>
+    </dgm:fillClrLst>
+    <dgm:linClrLst meth="repeat">
+      <a:schemeClr val="accent2"/>
+    </dgm:linClrLst>
+    <dgm:effectClrLst/>
+    <dgm:txLinClrLst/>
+    <dgm:txFillClrLst meth="repeat">
+      <a:schemeClr val="tx1"/>
+    </dgm:txFillClrLst>
+    <dgm:txEffectClrLst/>
+  </dgm:styleLbl>
+  <dgm:styleLbl name="parChTrans1D3">
+    <dgm:fillClrLst meth="repeat">
+      <a:schemeClr val="accent4">
+        <a:tint val="70000"/>
+      </a:schemeClr>
+    </dgm:fillClrLst>
+    <dgm:linClrLst meth="repeat">
+      <a:schemeClr val="accent3"/>
+    </dgm:linClrLst>
+    <dgm:effectClrLst/>
+    <dgm:txLinClrLst/>
+    <dgm:txFillClrLst meth="repeat">
+      <a:schemeClr val="tx1"/>
+    </dgm:txFillClrLst>
+    <dgm:txEffectClrLst/>
+  </dgm:styleLbl>
+  <dgm:styleLbl name="parChTrans1D4">
+    <dgm:fillClrLst meth="repeat">
+      <a:schemeClr val="accent5">
+        <a:tint val="50000"/>
+      </a:schemeClr>
+    </dgm:fillClrLst>
+    <dgm:linClrLst meth="repeat">
+      <a:schemeClr val="accent4"/>
+    </dgm:linClrLst>
+    <dgm:effectClrLst/>
+    <dgm:txLinClrLst/>
+    <dgm:txFillClrLst meth="repeat">
+      <a:schemeClr val="tx1"/>
+    </dgm:txFillClrLst>
+    <dgm:txEffectClrLst/>
+  </dgm:styleLbl>
+  <dgm:styleLbl name="fgAcc1">
+    <dgm:fillClrLst meth="repeat">
+      <a:schemeClr val="lt1">
+        <a:alpha val="90000"/>
+      </a:schemeClr>
+    </dgm:fillClrLst>
+    <dgm:linClrLst meth="repeat">
+      <a:schemeClr val="accent2"/>
+      <a:schemeClr val="accent3"/>
+      <a:schemeClr val="accent4"/>
+      <a:schemeClr val="accent5"/>
+      <a:schemeClr val="accent6"/>
+    </dgm:linClrLst>
+    <dgm:effectClrLst/>
+    <dgm:txLinClrLst/>
+    <dgm:txFillClrLst meth="repeat">
+      <a:schemeClr val="dk1"/>
+    </dgm:txFillClrLst>
+    <dgm:txEffectClrLst/>
+  </dgm:styleLbl>
+  <dgm:styleLbl name="conFgAcc1">
+    <dgm:fillClrLst meth="repeat">
+      <a:schemeClr val="lt1">
+        <a:alpha val="90000"/>
+      </a:schemeClr>
+    </dgm:fillClrLst>
+    <dgm:linClrLst meth="repeat">
+      <a:schemeClr val="accent2"/>
+      <a:schemeClr val="accent3"/>
+      <a:schemeClr val="accent4"/>
+      <a:schemeClr val="accent5"/>
+      <a:schemeClr val="accent6"/>
+    </dgm:linClrLst>
+    <dgm:effectClrLst/>
+    <dgm:txLinClrLst/>
+    <dgm:txFillClrLst meth="repeat">
+      <a:schemeClr val="dk1"/>
+    </dgm:txFillClrLst>
+    <dgm:txEffectClrLst/>
+  </dgm:styleLbl>
+  <dgm:styleLbl name="alignAcc1">
+    <dgm:fillClrLst meth="repeat">
+      <a:schemeClr val="lt1">
+        <a:alpha val="90000"/>
+      </a:schemeClr>
+    </dgm:fillClrLst>
+    <dgm:linClrLst meth="repeat">
+      <a:schemeClr val="accent2"/>
+      <a:schemeClr val="accent3"/>
+      <a:schemeClr val="accent4"/>
+      <a:schemeClr val="accent5"/>
+      <a:schemeClr val="accent6"/>
+    </dgm:linClrLst>
+    <dgm:effectClrLst/>
+    <dgm:txLinClrLst/>
+    <dgm:txFillClrLst meth="repeat">
+      <a:schemeClr val="dk1"/>
+    </dgm:txFillClrLst>
+    <dgm:txEffectClrLst/>
+  </dgm:styleLbl>
+  <dgm:styleLbl name="trAlignAcc1">
+    <dgm:fillClrLst meth="repeat">
+      <a:schemeClr val="lt1">
+        <a:alpha val="40000"/>
+      </a:schemeClr>
+    </dgm:fillClrLst>
+    <dgm:linClrLst meth="repeat">
+      <a:schemeClr val="accent1"/>
+    </dgm:linClrLst>
+    <dgm:effectClrLst/>
+    <dgm:txLinClrLst/>
+    <dgm:txFillClrLst meth="repeat">
+      <a:schemeClr val="dk1"/>
+    </dgm:txFillClrLst>
+    <dgm:txEffectClrLst/>
+  </dgm:styleLbl>
+  <dgm:styleLbl name="bgAcc1">
+    <dgm:fillClrLst meth="repeat">
+      <a:schemeClr val="lt1">
+        <a:alpha val="90000"/>
+      </a:schemeClr>
+    </dgm:fillClrLst>
+    <dgm:linClrLst meth="repeat">
+      <a:schemeClr val="accent2"/>
+      <a:schemeClr val="accent3"/>
+      <a:schemeClr val="accent4"/>
+      <a:schemeClr val="accent5"/>
+      <a:schemeClr val="accent6"/>
+    </dgm:linClrLst>
+    <dgm:effectClrLst/>
+    <dgm:txLinClrLst/>
+    <dgm:txFillClrLst meth="repeat">
+      <a:schemeClr val="dk1"/>
+    </dgm:txFillClrLst>
+    <dgm:txEffectClrLst/>
+  </dgm:styleLbl>
+  <dgm:styleLbl name="solidFgAcc1">
+    <dgm:fillClrLst meth="repeat">
+      <a:schemeClr val="lt1"/>
+    </dgm:fillClrLst>
+    <dgm:linClrLst meth="repeat">
+      <a:schemeClr val="accent2"/>
+      <a:schemeClr val="accent3"/>
+      <a:schemeClr val="accent4"/>
+      <a:schemeClr val="accent5"/>
+      <a:schemeClr val="accent6"/>
+    </dgm:linClrLst>
+    <dgm:effectClrLst/>
+    <dgm:txLinClrLst/>
+    <dgm:txFillClrLst meth="repeat">
+      <a:schemeClr val="dk1"/>
+    </dgm:txFillClrLst>
+    <dgm:txEffectClrLst/>
+  </dgm:styleLbl>
+  <dgm:styleLbl name="solidAlignAcc1">
+    <dgm:fillClrLst meth="repeat">
+      <a:schemeClr val="lt1"/>
+    </dgm:fillClrLst>
+    <dgm:linClrLst meth="repeat">
+      <a:schemeClr val="accent2"/>
+      <a:schemeClr val="accent3"/>
+      <a:schemeClr val="accent4"/>
+      <a:schemeClr val="accent5"/>
+      <a:schemeClr val="accent6"/>
+    </dgm:linClrLst>
+    <dgm:effectClrLst/>
+    <dgm:txLinClrLst/>
+    <dgm:txFillClrLst meth="repeat">
+      <a:schemeClr val="dk1"/>
+    </dgm:txFillClrLst>
+    <dgm:txEffectClrLst/>
+  </dgm:styleLbl>
+  <dgm:styleLbl name="solidBgAcc1">
+    <dgm:fillClrLst meth="repeat">
+      <a:schemeClr val="lt1"/>
+    </dgm:fillClrLst>
+    <dgm:linClrLst meth="repeat">
+      <a:schemeClr val="accent2"/>
+      <a:schemeClr val="accent3"/>
+      <a:schemeClr val="accent4"/>
+      <a:schemeClr val="accent5"/>
+      <a:schemeClr val="accent6"/>
+    </dgm:linClrLst>
+    <dgm:effectClrLst/>
+    <dgm:txLinClrLst/>
+    <dgm:txFillClrLst meth="repeat">
+      <a:schemeClr val="dk1"/>
+    </dgm:txFillClrLst>
+    <dgm:txEffectClrLst/>
+  </dgm:styleLbl>
+  <dgm:styleLbl name="fgAccFollowNode1">
+    <dgm:fillClrLst meth="repeat">
+      <a:schemeClr val="accent2">
+        <a:tint val="40000"/>
+        <a:alpha val="90000"/>
+      </a:schemeClr>
+      <a:schemeClr val="accent3">
+        <a:tint val="40000"/>
+        <a:alpha val="90000"/>
+      </a:schemeClr>
+      <a:schemeClr val="accent4">
+        <a:tint val="40000"/>
+        <a:alpha val="90000"/>
+      </a:schemeClr>
+      <a:schemeClr val="accent5">
+        <a:tint val="40000"/>
+        <a:alpha val="90000"/>
+      </a:schemeClr>
+      <a:schemeClr val="accent6">
+        <a:tint val="40000"/>
+        <a:alpha val="90000"/>
+      </a:schemeClr>
+    </dgm:fillClrLst>
+    <dgm:linClrLst meth="repeat">
+      <a:schemeClr val="accent2">
+        <a:tint val="40000"/>
+        <a:alpha val="90000"/>
+      </a:schemeClr>
+      <a:schemeClr val="accent3">
+        <a:tint val="40000"/>
+        <a:alpha val="90000"/>
+      </a:schemeClr>
+      <a:schemeClr val="accent4">
+        <a:tint val="40000"/>
+        <a:alpha val="90000"/>
+      </a:schemeClr>
+      <a:schemeClr val="accent5">
+        <a:tint val="40000"/>
+        <a:alpha val="90000"/>
+      </a:schemeClr>
+      <a:schemeClr val="accent6">
+        <a:tint val="40000"/>
+        <a:alpha val="90000"/>
+      </a:schemeClr>
+    </dgm:linClrLst>
+    <dgm:effectClrLst/>
+    <dgm:txLinClrLst/>
+    <dgm:txFillClrLst meth="repeat">
+      <a:schemeClr val="dk1"/>
+    </dgm:txFillClrLst>
+    <dgm:txEffectClrLst/>
+  </dgm:styleLbl>
+  <dgm:styleLbl name="alignAccFollowNode1">
+    <dgm:fillClrLst meth="repeat">
+      <a:schemeClr val="accent2">
+        <a:tint val="40000"/>
+        <a:alpha val="90000"/>
+      </a:schemeClr>
+      <a:schemeClr val="accent3">
+        <a:tint val="40000"/>
+        <a:alpha val="90000"/>
+      </a:schemeClr>
+      <a:schemeClr val="accent4">
+        <a:tint val="40000"/>
+        <a:alpha val="90000"/>
+      </a:schemeClr>
+      <a:schemeClr val="accent5">
+        <a:tint val="40000"/>
+        <a:alpha val="90000"/>
+      </a:schemeClr>
+      <a:schemeClr val="accent6">
+        <a:tint val="40000"/>
+        <a:alpha val="90000"/>
+      </a:schemeClr>
+    </dgm:fillClrLst>
+    <dgm:linClrLst meth="repeat">
+      <a:schemeClr val="accent2">
+        <a:tint val="40000"/>
+        <a:alpha val="90000"/>
+      </a:schemeClr>
+      <a:schemeClr val="accent3">
+        <a:tint val="40000"/>
+        <a:alpha val="90000"/>
+      </a:schemeClr>
+      <a:schemeClr val="accent4">
+        <a:tint val="40000"/>
+        <a:alpha val="90000"/>
+      </a:schemeClr>
+      <a:schemeClr val="accent5">
+        <a:tint val="40000"/>
+        <a:alpha val="90000"/>
+      </a:schemeClr>
+      <a:schemeClr val="accent6">
+        <a:tint val="40000"/>
+        <a:alpha val="90000"/>
+      </a:schemeClr>
+    </dgm:linClrLst>
+    <dgm:effectClrLst/>
+    <dgm:txLinClrLst/>
+    <dgm:txFillClrLst meth="repeat">
+      <a:schemeClr val="dk1"/>
+    </dgm:txFillClrLst>
+    <dgm:txEffectClrLst/>
+  </dgm:styleLbl>
+  <dgm:styleLbl name="bgAccFollowNode1">
+    <dgm:fillClrLst meth="repeat">
+      <a:schemeClr val="accent2">
+        <a:tint val="40000"/>
+        <a:alpha val="90000"/>
+      </a:schemeClr>
+      <a:schemeClr val="accent3">
+        <a:tint val="40000"/>
+        <a:alpha val="90000"/>
+      </a:schemeClr>
+      <a:schemeClr val="accent4">
+        <a:tint val="40000"/>
+        <a:alpha val="90000"/>
+      </a:schemeClr>
+      <a:schemeClr val="accent5">
+        <a:tint val="40000"/>
+        <a:alpha val="90000"/>
+      </a:schemeClr>
+      <a:schemeClr val="accent6">
+        <a:tint val="40000"/>
+        <a:alpha val="90000"/>
+      </a:schemeClr>
+    </dgm:fillClrLst>
+    <dgm:linClrLst meth="repeat">
+      <a:schemeClr val="accent2">
+        <a:tint val="40000"/>
+        <a:alpha val="90000"/>
+      </a:schemeClr>
+      <a:schemeClr val="accent3">
+        <a:tint val="40000"/>
+        <a:alpha val="90000"/>
+      </a:schemeClr>
+      <a:schemeClr val="accent4">
+        <a:tint val="40000"/>
+        <a:alpha val="90000"/>
+      </a:schemeClr>
+      <a:schemeClr val="accent5">
+        <a:tint val="40000"/>
+        <a:alpha val="90000"/>
+      </a:schemeClr>
+      <a:schemeClr val="accent6">
+        <a:tint val="40000"/>
+        <a:alpha val="90000"/>
+      </a:schemeClr>
+    </dgm:linClrLst>
+    <dgm:effectClrLst/>
+    <dgm:txLinClrLst/>
+    <dgm:txFillClrLst meth="repeat">
+      <a:schemeClr val="dk1"/>
+    </dgm:txFillClrLst>
+    <dgm:txEffectClrLst/>
+  </dgm:styleLbl>
+  <dgm:styleLbl name="fgAcc0">
+    <dgm:fillClrLst meth="repeat">
+      <a:schemeClr val="lt1">
+        <a:alpha val="90000"/>
+      </a:schemeClr>
+    </dgm:fillClrLst>
+    <dgm:linClrLst>
+      <a:schemeClr val="accent1"/>
+    </dgm:linClrLst>
+    <dgm:effectClrLst/>
+    <dgm:txLinClrLst/>
+    <dgm:txFillClrLst meth="repeat">
+      <a:schemeClr val="dk1"/>
+    </dgm:txFillClrLst>
+    <dgm:txEffectClrLst/>
+  </dgm:styleLbl>
+  <dgm:styleLbl name="fgAcc2">
+    <dgm:fillClrLst meth="repeat">
+      <a:schemeClr val="lt1">
+        <a:alpha val="90000"/>
+      </a:schemeClr>
+    </dgm:fillClrLst>
+    <dgm:linClrLst>
+      <a:schemeClr val="accent2"/>
+    </dgm:linClrLst>
+    <dgm:effectClrLst/>
+    <dgm:txLinClrLst/>
+    <dgm:txFillClrLst meth="repeat">
+      <a:schemeClr val="dk1"/>
+    </dgm:txFillClrLst>
+    <dgm:txEffectClrLst/>
+  </dgm:styleLbl>
+  <dgm:styleLbl name="fgAcc3">
+    <dgm:fillClrLst meth="repeat">
+      <a:schemeClr val="lt1">
+        <a:alpha val="90000"/>
+      </a:schemeClr>
+    </dgm:fillClrLst>
+    <dgm:linClrLst>
+      <a:schemeClr val="accent3"/>
+    </dgm:linClrLst>
+    <dgm:effectClrLst/>
+    <dgm:txLinClrLst/>
+    <dgm:txFillClrLst meth="repeat">
+      <a:schemeClr val="dk1"/>
+    </dgm:txFillClrLst>
+    <dgm:txEffectClrLst/>
+  </dgm:styleLbl>
+  <dgm:styleLbl name="fgAcc4">
+    <dgm:fillClrLst meth="repeat">
+      <a:schemeClr val="lt1">
+        <a:alpha val="90000"/>
+      </a:schemeClr>
+    </dgm:fillClrLst>
+    <dgm:linClrLst>
+      <a:schemeClr val="accent4"/>
+    </dgm:linClrLst>
+    <dgm:effectClrLst/>
+    <dgm:txLinClrLst/>
+    <dgm:txFillClrLst meth="repeat">
+      <a:schemeClr val="dk1"/>
+    </dgm:txFillClrLst>
+    <dgm:txEffectClrLst/>
+  </dgm:styleLbl>
+  <dgm:styleLbl name="bgShp">
+    <dgm:fillClrLst meth="repeat">
+      <a:schemeClr val="accent2">
+        <a:tint val="40000"/>
+      </a:schemeClr>
+    </dgm:fillClrLst>
+    <dgm:linClrLst meth="repeat">
+      <a:schemeClr val="dk1"/>
+    </dgm:linClrLst>
+    <dgm:effectClrLst/>
+    <dgm:txLinClrLst/>
+    <dgm:txFillClrLst meth="repeat">
+      <a:schemeClr val="dk1"/>
+    </dgm:txFillClrLst>
+    <dgm:txEffectClrLst/>
+  </dgm:styleLbl>
+  <dgm:styleLbl name="dkBgShp">
+    <dgm:fillClrLst meth="repeat">
+      <a:schemeClr val="accent2">
+        <a:shade val="90000"/>
+      </a:schemeClr>
+    </dgm:fillClrLst>
+    <dgm:linClrLst meth="repeat">
+      <a:schemeClr val="dk1"/>
+    </dgm:linClrLst>
+    <dgm:effectClrLst/>
+    <dgm:txLinClrLst/>
+    <dgm:txFillClrLst meth="repeat">
+      <a:schemeClr val="lt1"/>
+    </dgm:txFillClrLst>
+    <dgm:txEffectClrLst/>
+  </dgm:styleLbl>
+  <dgm:styleLbl name="trBgShp">
+    <dgm:fillClrLst meth="repeat">
+      <a:schemeClr val="accent1">
+        <a:tint val="50000"/>
+        <a:alpha val="40000"/>
+      </a:schemeClr>
+    </dgm:fillClrLst>
+    <dgm:linClrLst meth="repeat">
+      <a:schemeClr val="accent2"/>
+    </dgm:linClrLst>
+    <dgm:effectClrLst/>
+    <dgm:txLinClrLst/>
+    <dgm:txFillClrLst meth="repeat">
+      <a:schemeClr val="lt1"/>
+    </dgm:txFillClrLst>
+    <dgm:txEffectClrLst/>
+  </dgm:styleLbl>
+  <dgm:styleLbl name="fgShp">
+    <dgm:fillClrLst meth="repeat">
+      <a:schemeClr val="accent2">
+        <a:tint val="40000"/>
+      </a:schemeClr>
+    </dgm:fillClrLst>
+    <dgm:linClrLst meth="repeat">
+      <a:schemeClr val="lt1"/>
+    </dgm:linClrLst>
+    <dgm:effectClrLst/>
+    <dgm:txLinClrLst/>
+    <dgm:txFillClrLst meth="repeat">
+      <a:schemeClr val="dk1"/>
+    </dgm:txFillClrLst>
+    <dgm:txEffectClrLst/>
+  </dgm:styleLbl>
+  <dgm:styleLbl name="revTx">
+    <dgm:fillClrLst meth="repeat">
+      <a:schemeClr val="lt1">
+        <a:alpha val="0"/>
+      </a:schemeClr>
+    </dgm:fillClrLst>
+    <dgm:linClrLst meth="repeat">
+      <a:schemeClr val="dk1">
+        <a:alpha val="0"/>
+      </a:schemeClr>
+    </dgm:linClrLst>
+    <dgm:effectClrLst/>
+    <dgm:txLinClrLst/>
+    <dgm:txFillClrLst meth="repeat">
+      <a:schemeClr val="tx1"/>
+    </dgm:txFillClrLst>
+    <dgm:txEffectClrLst/>
+  </dgm:styleLbl>
+</dgm:colorsDef>
+</file>
+
+<file path=ppt/diagrams/data1.xml><?xml version="1.0" encoding="utf-8"?>
+<dgm:dataModel xmlns:dgm="http://schemas.openxmlformats.org/drawingml/2006/diagram" xmlns:a="http://schemas.openxmlformats.org/drawingml/2006/main">
+  <dgm:ptLst>
+    <dgm:pt modelId="{FF58CDBE-CCF5-4CC5-A774-1417A77661A3}" type="doc">
+      <dgm:prSet loTypeId="urn:microsoft.com/office/officeart/2005/8/layout/hProcess9" loCatId="process" qsTypeId="urn:microsoft.com/office/officeart/2005/8/quickstyle/simple1" qsCatId="simple" csTypeId="urn:microsoft.com/office/officeart/2005/8/colors/colorful1" csCatId="colorful" phldr="1"/>
+      <dgm:spPr/>
+    </dgm:pt>
+    <dgm:pt modelId="{7B6740FF-7962-4FA0-8A96-CF03DCD18D7A}">
+      <dgm:prSet phldrT="[Text]"/>
+      <dgm:spPr/>
+      <dgm:t>
+        <a:bodyPr/>
+        <a:lstStyle/>
+        <a:p>
+          <a:r>
+            <a:rPr lang="en-US" b="1" dirty="0" smtClean="0"/>
+            <a:t>Genome Studio</a:t>
+          </a:r>
+          <a:endParaRPr lang="en-US" b="1" dirty="0"/>
+        </a:p>
+      </dgm:t>
+    </dgm:pt>
+    <dgm:pt modelId="{BB451FAD-9AFA-4D1F-B20E-6901BACD442F}" type="parTrans" cxnId="{900BD8B6-E244-4115-B348-B68D1DBA8FC8}">
+      <dgm:prSet/>
+      <dgm:spPr/>
+      <dgm:t>
+        <a:bodyPr/>
+        <a:lstStyle/>
+        <a:p>
+          <a:endParaRPr lang="en-US"/>
+        </a:p>
+      </dgm:t>
+    </dgm:pt>
+    <dgm:pt modelId="{4449D89B-ABFC-4DE5-9F69-6F158BE79CD7}" type="sibTrans" cxnId="{900BD8B6-E244-4115-B348-B68D1DBA8FC8}">
+      <dgm:prSet/>
+      <dgm:spPr/>
+      <dgm:t>
+        <a:bodyPr/>
+        <a:lstStyle/>
+        <a:p>
+          <a:endParaRPr lang="en-US"/>
+        </a:p>
+      </dgm:t>
+    </dgm:pt>
+    <dgm:pt modelId="{CD695D2B-4A06-43A0-A1E7-3A9A846CA1E2}">
+      <dgm:prSet phldrT="[Text]"/>
+      <dgm:spPr/>
+      <dgm:t>
+        <a:bodyPr/>
+        <a:lstStyle/>
+        <a:p>
+          <a:r>
+            <a:rPr lang="en-US" b="1" dirty="0" err="1" smtClean="0"/>
+            <a:t>SnakeMake</a:t>
+          </a:r>
+          <a:endParaRPr lang="en-US" b="1" dirty="0"/>
+        </a:p>
+      </dgm:t>
+    </dgm:pt>
+    <dgm:pt modelId="{FF6566DF-016C-458B-933A-B3B68883423C}" type="parTrans" cxnId="{A489FEB1-DCFC-4D96-B3E8-8E4C159F11CC}">
+      <dgm:prSet/>
+      <dgm:spPr/>
+      <dgm:t>
+        <a:bodyPr/>
+        <a:lstStyle/>
+        <a:p>
+          <a:endParaRPr lang="en-US"/>
+        </a:p>
+      </dgm:t>
+    </dgm:pt>
+    <dgm:pt modelId="{D2CC89C9-8746-4710-8958-B32658E17D17}" type="sibTrans" cxnId="{A489FEB1-DCFC-4D96-B3E8-8E4C159F11CC}">
+      <dgm:prSet/>
+      <dgm:spPr/>
+      <dgm:t>
+        <a:bodyPr/>
+        <a:lstStyle/>
+        <a:p>
+          <a:endParaRPr lang="en-US"/>
+        </a:p>
+      </dgm:t>
+    </dgm:pt>
+    <dgm:pt modelId="{81AE8944-436D-498A-A0E8-E1847ED70C29}">
+      <dgm:prSet phldrT="[Text]"/>
+      <dgm:spPr/>
+      <dgm:t>
+        <a:bodyPr/>
+        <a:lstStyle/>
+        <a:p>
+          <a:r>
+            <a:rPr lang="en-US" b="1" dirty="0" smtClean="0"/>
+            <a:t>R Script</a:t>
+          </a:r>
+          <a:endParaRPr lang="en-US" b="1" dirty="0"/>
+        </a:p>
+      </dgm:t>
+    </dgm:pt>
+    <dgm:pt modelId="{9BEEE955-910B-4FDC-A621-CABF6BB45508}" type="parTrans" cxnId="{73E65776-21E1-4B9A-B4B3-609F363AD914}">
+      <dgm:prSet/>
+      <dgm:spPr/>
+      <dgm:t>
+        <a:bodyPr/>
+        <a:lstStyle/>
+        <a:p>
+          <a:endParaRPr lang="en-US"/>
+        </a:p>
+      </dgm:t>
+    </dgm:pt>
+    <dgm:pt modelId="{43CDD7DA-8552-4FDD-8731-A7ADCDEF165A}" type="sibTrans" cxnId="{73E65776-21E1-4B9A-B4B3-609F363AD914}">
+      <dgm:prSet/>
+      <dgm:spPr/>
+      <dgm:t>
+        <a:bodyPr/>
+        <a:lstStyle/>
+        <a:p>
+          <a:endParaRPr lang="en-US"/>
+        </a:p>
+      </dgm:t>
+    </dgm:pt>
+    <dgm:pt modelId="{6628B3FB-B17E-4AB7-B809-6CD5821A04D1}">
+      <dgm:prSet phldrT="[Text]"/>
+      <dgm:spPr/>
+      <dgm:t>
+        <a:bodyPr/>
+        <a:lstStyle/>
+        <a:p>
+          <a:r>
+            <a:rPr lang="en-US" b="1" dirty="0" smtClean="0"/>
+            <a:t>Python Script</a:t>
+          </a:r>
+          <a:endParaRPr lang="en-US" b="1" dirty="0"/>
+        </a:p>
+      </dgm:t>
+    </dgm:pt>
+    <dgm:pt modelId="{8F22D4C7-715B-483D-B8E9-666FD2640C3E}" type="parTrans" cxnId="{888685F7-41DB-4E9A-A0A0-6D51B5388C00}">
+      <dgm:prSet/>
+      <dgm:spPr/>
+      <dgm:t>
+        <a:bodyPr/>
+        <a:lstStyle/>
+        <a:p>
+          <a:endParaRPr lang="en-US"/>
+        </a:p>
+      </dgm:t>
+    </dgm:pt>
+    <dgm:pt modelId="{0C34B4CA-4818-4FE0-86BF-1547AFF18090}" type="sibTrans" cxnId="{888685F7-41DB-4E9A-A0A0-6D51B5388C00}">
+      <dgm:prSet/>
+      <dgm:spPr/>
+      <dgm:t>
+        <a:bodyPr/>
+        <a:lstStyle/>
+        <a:p>
+          <a:endParaRPr lang="en-US"/>
+        </a:p>
+      </dgm:t>
+    </dgm:pt>
+    <dgm:pt modelId="{182A5E59-2349-4AA3-9B90-8A26A99C8872}">
+      <dgm:prSet phldrT="[Text]"/>
+      <dgm:spPr/>
+      <dgm:t>
+        <a:bodyPr/>
+        <a:lstStyle/>
+        <a:p>
+          <a:r>
+            <a:rPr lang="en-US" b="1" dirty="0" smtClean="0"/>
+            <a:t>Perl Script</a:t>
+          </a:r>
+          <a:endParaRPr lang="en-US" b="1" dirty="0"/>
+        </a:p>
+      </dgm:t>
+    </dgm:pt>
+    <dgm:pt modelId="{5879922F-3903-451B-A0D4-F5D3F3EDB154}" type="parTrans" cxnId="{42CD711A-2661-4F72-AAEF-C1EFA8E9DA9F}">
+      <dgm:prSet/>
+      <dgm:spPr/>
+      <dgm:t>
+        <a:bodyPr/>
+        <a:lstStyle/>
+        <a:p>
+          <a:endParaRPr lang="en-US"/>
+        </a:p>
+      </dgm:t>
+    </dgm:pt>
+    <dgm:pt modelId="{D464B0BA-3C15-44F6-9DAB-2DBFBBB37AF4}" type="sibTrans" cxnId="{42CD711A-2661-4F72-AAEF-C1EFA8E9DA9F}">
+      <dgm:prSet/>
+      <dgm:spPr/>
+      <dgm:t>
+        <a:bodyPr/>
+        <a:lstStyle/>
+        <a:p>
+          <a:endParaRPr lang="en-US"/>
+        </a:p>
+      </dgm:t>
+    </dgm:pt>
+    <dgm:pt modelId="{A0EAFC38-075E-4B6E-8AA8-319EE2EB2C0C}" type="pres">
+      <dgm:prSet presAssocID="{FF58CDBE-CCF5-4CC5-A774-1417A77661A3}" presName="CompostProcess" presStyleCnt="0">
+        <dgm:presLayoutVars>
+          <dgm:dir/>
+          <dgm:resizeHandles val="exact"/>
+        </dgm:presLayoutVars>
+      </dgm:prSet>
+      <dgm:spPr/>
+    </dgm:pt>
+    <dgm:pt modelId="{69DE8397-723D-490E-B1CE-D5AF760B0645}" type="pres">
+      <dgm:prSet presAssocID="{FF58CDBE-CCF5-4CC5-A774-1417A77661A3}" presName="arrow" presStyleLbl="bgShp" presStyleIdx="0" presStyleCnt="1"/>
+      <dgm:spPr/>
+    </dgm:pt>
+    <dgm:pt modelId="{12399483-8BC7-4FB1-9165-495625B1F49C}" type="pres">
+      <dgm:prSet presAssocID="{FF58CDBE-CCF5-4CC5-A774-1417A77661A3}" presName="linearProcess" presStyleCnt="0"/>
+      <dgm:spPr/>
+    </dgm:pt>
+    <dgm:pt modelId="{961F8D94-59DC-46C9-8C4C-3FC81EBE83A2}" type="pres">
+      <dgm:prSet presAssocID="{7B6740FF-7962-4FA0-8A96-CF03DCD18D7A}" presName="textNode" presStyleLbl="node1" presStyleIdx="0" presStyleCnt="3">
+        <dgm:presLayoutVars>
+          <dgm:bulletEnabled val="1"/>
+        </dgm:presLayoutVars>
+      </dgm:prSet>
+      <dgm:spPr/>
+    </dgm:pt>
+    <dgm:pt modelId="{A60EFD57-230B-4E82-B751-1DCFE9FE3F02}" type="pres">
+      <dgm:prSet presAssocID="{4449D89B-ABFC-4DE5-9F69-6F158BE79CD7}" presName="sibTrans" presStyleCnt="0"/>
+      <dgm:spPr/>
+    </dgm:pt>
+    <dgm:pt modelId="{8A6B9CFA-7158-4A80-A5E9-D5BB7D4C6B71}" type="pres">
+      <dgm:prSet presAssocID="{CD695D2B-4A06-43A0-A1E7-3A9A846CA1E2}" presName="textNode" presStyleLbl="node1" presStyleIdx="1" presStyleCnt="3">
+        <dgm:presLayoutVars>
+          <dgm:bulletEnabled val="1"/>
+        </dgm:presLayoutVars>
+      </dgm:prSet>
+      <dgm:spPr/>
+      <dgm:t>
+        <a:bodyPr/>
+        <a:lstStyle/>
+        <a:p>
+          <a:endParaRPr lang="en-US"/>
+        </a:p>
+      </dgm:t>
+    </dgm:pt>
+    <dgm:pt modelId="{032B720B-3E68-40B7-B5AC-2E35ADC32C61}" type="pres">
+      <dgm:prSet presAssocID="{D2CC89C9-8746-4710-8958-B32658E17D17}" presName="sibTrans" presStyleCnt="0"/>
+      <dgm:spPr/>
+    </dgm:pt>
+    <dgm:pt modelId="{84F309D0-2FE9-46CC-8A1C-F80DAF3D129B}" type="pres">
+      <dgm:prSet presAssocID="{81AE8944-436D-498A-A0E8-E1847ED70C29}" presName="textNode" presStyleLbl="node1" presStyleIdx="2" presStyleCnt="3">
+        <dgm:presLayoutVars>
+          <dgm:bulletEnabled val="1"/>
+        </dgm:presLayoutVars>
+      </dgm:prSet>
+      <dgm:spPr/>
+      <dgm:t>
+        <a:bodyPr/>
+        <a:lstStyle/>
+        <a:p>
+          <a:endParaRPr lang="en-US"/>
+        </a:p>
+      </dgm:t>
+    </dgm:pt>
+  </dgm:ptLst>
+  <dgm:cxnLst>
+    <dgm:cxn modelId="{900BD8B6-E244-4115-B348-B68D1DBA8FC8}" srcId="{FF58CDBE-CCF5-4CC5-A774-1417A77661A3}" destId="{7B6740FF-7962-4FA0-8A96-CF03DCD18D7A}" srcOrd="0" destOrd="0" parTransId="{BB451FAD-9AFA-4D1F-B20E-6901BACD442F}" sibTransId="{4449D89B-ABFC-4DE5-9F69-6F158BE79CD7}"/>
+    <dgm:cxn modelId="{73E65776-21E1-4B9A-B4B3-609F363AD914}" srcId="{FF58CDBE-CCF5-4CC5-A774-1417A77661A3}" destId="{81AE8944-436D-498A-A0E8-E1847ED70C29}" srcOrd="2" destOrd="0" parTransId="{9BEEE955-910B-4FDC-A621-CABF6BB45508}" sibTransId="{43CDD7DA-8552-4FDD-8731-A7ADCDEF165A}"/>
+    <dgm:cxn modelId="{87DE7395-A4E5-4D9B-B830-346BDD29E121}" type="presOf" srcId="{CD695D2B-4A06-43A0-A1E7-3A9A846CA1E2}" destId="{8A6B9CFA-7158-4A80-A5E9-D5BB7D4C6B71}" srcOrd="0" destOrd="0" presId="urn:microsoft.com/office/officeart/2005/8/layout/hProcess9"/>
+    <dgm:cxn modelId="{B735C2CF-86AA-47FC-8EBA-4EE7D59AFB5C}" type="presOf" srcId="{7B6740FF-7962-4FA0-8A96-CF03DCD18D7A}" destId="{961F8D94-59DC-46C9-8C4C-3FC81EBE83A2}" srcOrd="0" destOrd="0" presId="urn:microsoft.com/office/officeart/2005/8/layout/hProcess9"/>
+    <dgm:cxn modelId="{EE903FB8-3F72-4D97-8F4D-4D122F5E87DA}" type="presOf" srcId="{182A5E59-2349-4AA3-9B90-8A26A99C8872}" destId="{8A6B9CFA-7158-4A80-A5E9-D5BB7D4C6B71}" srcOrd="0" destOrd="2" presId="urn:microsoft.com/office/officeart/2005/8/layout/hProcess9"/>
+    <dgm:cxn modelId="{42CD711A-2661-4F72-AAEF-C1EFA8E9DA9F}" srcId="{CD695D2B-4A06-43A0-A1E7-3A9A846CA1E2}" destId="{182A5E59-2349-4AA3-9B90-8A26A99C8872}" srcOrd="1" destOrd="0" parTransId="{5879922F-3903-451B-A0D4-F5D3F3EDB154}" sibTransId="{D464B0BA-3C15-44F6-9DAB-2DBFBBB37AF4}"/>
+    <dgm:cxn modelId="{888685F7-41DB-4E9A-A0A0-6D51B5388C00}" srcId="{CD695D2B-4A06-43A0-A1E7-3A9A846CA1E2}" destId="{6628B3FB-B17E-4AB7-B809-6CD5821A04D1}" srcOrd="0" destOrd="0" parTransId="{8F22D4C7-715B-483D-B8E9-666FD2640C3E}" sibTransId="{0C34B4CA-4818-4FE0-86BF-1547AFF18090}"/>
+    <dgm:cxn modelId="{E5835B9A-A9B4-4F83-9BC4-630379F233DD}" type="presOf" srcId="{81AE8944-436D-498A-A0E8-E1847ED70C29}" destId="{84F309D0-2FE9-46CC-8A1C-F80DAF3D129B}" srcOrd="0" destOrd="0" presId="urn:microsoft.com/office/officeart/2005/8/layout/hProcess9"/>
+    <dgm:cxn modelId="{D39B6449-3E60-4A6B-8DD2-E92665FD7C6C}" type="presOf" srcId="{6628B3FB-B17E-4AB7-B809-6CD5821A04D1}" destId="{8A6B9CFA-7158-4A80-A5E9-D5BB7D4C6B71}" srcOrd="0" destOrd="1" presId="urn:microsoft.com/office/officeart/2005/8/layout/hProcess9"/>
+    <dgm:cxn modelId="{A489FEB1-DCFC-4D96-B3E8-8E4C159F11CC}" srcId="{FF58CDBE-CCF5-4CC5-A774-1417A77661A3}" destId="{CD695D2B-4A06-43A0-A1E7-3A9A846CA1E2}" srcOrd="1" destOrd="0" parTransId="{FF6566DF-016C-458B-933A-B3B68883423C}" sibTransId="{D2CC89C9-8746-4710-8958-B32658E17D17}"/>
+    <dgm:cxn modelId="{AAD7B4C4-1CDE-4E48-8BAB-8EE0FBB3F2C8}" type="presOf" srcId="{FF58CDBE-CCF5-4CC5-A774-1417A77661A3}" destId="{A0EAFC38-075E-4B6E-8AA8-319EE2EB2C0C}" srcOrd="0" destOrd="0" presId="urn:microsoft.com/office/officeart/2005/8/layout/hProcess9"/>
+    <dgm:cxn modelId="{FD068582-3126-400B-9C65-F653939065BE}" type="presParOf" srcId="{A0EAFC38-075E-4B6E-8AA8-319EE2EB2C0C}" destId="{69DE8397-723D-490E-B1CE-D5AF760B0645}" srcOrd="0" destOrd="0" presId="urn:microsoft.com/office/officeart/2005/8/layout/hProcess9"/>
+    <dgm:cxn modelId="{9701657A-FA5A-403C-AC64-E727E8B8DC51}" type="presParOf" srcId="{A0EAFC38-075E-4B6E-8AA8-319EE2EB2C0C}" destId="{12399483-8BC7-4FB1-9165-495625B1F49C}" srcOrd="1" destOrd="0" presId="urn:microsoft.com/office/officeart/2005/8/layout/hProcess9"/>
+    <dgm:cxn modelId="{296C9CF3-2B06-4C0E-AC2C-0F72A1F3FF72}" type="presParOf" srcId="{12399483-8BC7-4FB1-9165-495625B1F49C}" destId="{961F8D94-59DC-46C9-8C4C-3FC81EBE83A2}" srcOrd="0" destOrd="0" presId="urn:microsoft.com/office/officeart/2005/8/layout/hProcess9"/>
+    <dgm:cxn modelId="{BF055F79-DE51-4448-B119-431DAD74463A}" type="presParOf" srcId="{12399483-8BC7-4FB1-9165-495625B1F49C}" destId="{A60EFD57-230B-4E82-B751-1DCFE9FE3F02}" srcOrd="1" destOrd="0" presId="urn:microsoft.com/office/officeart/2005/8/layout/hProcess9"/>
+    <dgm:cxn modelId="{7A9EDB46-47DB-4167-BEC7-A3EB3D3E2280}" type="presParOf" srcId="{12399483-8BC7-4FB1-9165-495625B1F49C}" destId="{8A6B9CFA-7158-4A80-A5E9-D5BB7D4C6B71}" srcOrd="2" destOrd="0" presId="urn:microsoft.com/office/officeart/2005/8/layout/hProcess9"/>
+    <dgm:cxn modelId="{5FE78943-A2C2-49A6-8DC9-885B58D65D2A}" type="presParOf" srcId="{12399483-8BC7-4FB1-9165-495625B1F49C}" destId="{032B720B-3E68-40B7-B5AC-2E35ADC32C61}" srcOrd="3" destOrd="0" presId="urn:microsoft.com/office/officeart/2005/8/layout/hProcess9"/>
+    <dgm:cxn modelId="{C7F00444-9209-417E-A7F7-0EC30D2714EE}" type="presParOf" srcId="{12399483-8BC7-4FB1-9165-495625B1F49C}" destId="{84F309D0-2FE9-46CC-8A1C-F80DAF3D129B}" srcOrd="4" destOrd="0" presId="urn:microsoft.com/office/officeart/2005/8/layout/hProcess9"/>
+  </dgm:cxnLst>
+  <dgm:bg/>
+  <dgm:whole/>
+  <dgm:extLst>
+    <a:ext uri="http://schemas.microsoft.com/office/drawing/2008/diagram">
+      <dsp:dataModelExt xmlns:dsp="http://schemas.microsoft.com/office/drawing/2008/diagram" relId="rId6" minVer="http://schemas.openxmlformats.org/drawingml/2006/diagram"/>
+    </a:ext>
+  </dgm:extLst>
+</dgm:dataModel>
+</file>
+
+<file path=ppt/diagrams/data2.xml><?xml version="1.0" encoding="utf-8"?>
+<dgm:dataModel xmlns:dgm="http://schemas.openxmlformats.org/drawingml/2006/diagram" xmlns:a="http://schemas.openxmlformats.org/drawingml/2006/main">
+  <dgm:ptLst>
+    <dgm:pt modelId="{FF58CDBE-CCF5-4CC5-A774-1417A77661A3}" type="doc">
+      <dgm:prSet loTypeId="urn:microsoft.com/office/officeart/2005/8/layout/hProcess9" loCatId="process" qsTypeId="urn:microsoft.com/office/officeart/2005/8/quickstyle/simple1" qsCatId="simple" csTypeId="urn:microsoft.com/office/officeart/2005/8/colors/colorful1" csCatId="colorful" phldr="1"/>
+      <dgm:spPr/>
+    </dgm:pt>
+    <dgm:pt modelId="{CD695D2B-4A06-43A0-A1E7-3A9A846CA1E2}">
+      <dgm:prSet phldrT="[Text]" custT="1"/>
+      <dgm:spPr/>
+      <dgm:t>
+        <a:bodyPr/>
+        <a:lstStyle/>
+        <a:p>
+          <a:r>
+            <a:rPr lang="en-US" sz="2000" b="1" dirty="0" err="1" smtClean="0"/>
+            <a:t>SnakeMake</a:t>
+          </a:r>
+          <a:endParaRPr lang="en-US" sz="2000" b="1" dirty="0" smtClean="0"/>
+        </a:p>
+        <a:p>
+          <a:endParaRPr lang="en-US" sz="2000" b="1" dirty="0" smtClean="0"/>
+        </a:p>
+        <a:p>
+          <a:endParaRPr lang="en-US" sz="2000" b="1" dirty="0"/>
+        </a:p>
+      </dgm:t>
+    </dgm:pt>
+    <dgm:pt modelId="{FF6566DF-016C-458B-933A-B3B68883423C}" type="parTrans" cxnId="{A489FEB1-DCFC-4D96-B3E8-8E4C159F11CC}">
+      <dgm:prSet/>
+      <dgm:spPr/>
+      <dgm:t>
+        <a:bodyPr/>
+        <a:lstStyle/>
+        <a:p>
+          <a:endParaRPr lang="en-US"/>
+        </a:p>
+      </dgm:t>
+    </dgm:pt>
+    <dgm:pt modelId="{D2CC89C9-8746-4710-8958-B32658E17D17}" type="sibTrans" cxnId="{A489FEB1-DCFC-4D96-B3E8-8E4C159F11CC}">
+      <dgm:prSet/>
+      <dgm:spPr/>
+      <dgm:t>
+        <a:bodyPr/>
+        <a:lstStyle/>
+        <a:p>
+          <a:endParaRPr lang="en-US"/>
+        </a:p>
+      </dgm:t>
+    </dgm:pt>
+    <dgm:pt modelId="{A0EAFC38-075E-4B6E-8AA8-319EE2EB2C0C}" type="pres">
+      <dgm:prSet presAssocID="{FF58CDBE-CCF5-4CC5-A774-1417A77661A3}" presName="CompostProcess" presStyleCnt="0">
+        <dgm:presLayoutVars>
+          <dgm:dir/>
+          <dgm:resizeHandles val="exact"/>
+        </dgm:presLayoutVars>
+      </dgm:prSet>
+      <dgm:spPr/>
+    </dgm:pt>
+    <dgm:pt modelId="{69DE8397-723D-490E-B1CE-D5AF760B0645}" type="pres">
+      <dgm:prSet presAssocID="{FF58CDBE-CCF5-4CC5-A774-1417A77661A3}" presName="arrow" presStyleLbl="bgShp" presStyleIdx="0" presStyleCnt="1"/>
+      <dgm:spPr/>
+    </dgm:pt>
+    <dgm:pt modelId="{12399483-8BC7-4FB1-9165-495625B1F49C}" type="pres">
+      <dgm:prSet presAssocID="{FF58CDBE-CCF5-4CC5-A774-1417A77661A3}" presName="linearProcess" presStyleCnt="0"/>
+      <dgm:spPr/>
+    </dgm:pt>
+    <dgm:pt modelId="{8A6B9CFA-7158-4A80-A5E9-D5BB7D4C6B71}" type="pres">
+      <dgm:prSet presAssocID="{CD695D2B-4A06-43A0-A1E7-3A9A846CA1E2}" presName="textNode" presStyleLbl="node1" presStyleIdx="0" presStyleCnt="1" custScaleX="208020" custLinFactNeighborX="-17290" custLinFactNeighborY="-3236">
+        <dgm:presLayoutVars>
+          <dgm:bulletEnabled val="1"/>
+        </dgm:presLayoutVars>
+      </dgm:prSet>
+      <dgm:spPr/>
+      <dgm:t>
+        <a:bodyPr/>
+        <a:lstStyle/>
+        <a:p>
+          <a:endParaRPr lang="en-US"/>
+        </a:p>
+      </dgm:t>
+    </dgm:pt>
+  </dgm:ptLst>
+  <dgm:cxnLst>
+    <dgm:cxn modelId="{A489FEB1-DCFC-4D96-B3E8-8E4C159F11CC}" srcId="{FF58CDBE-CCF5-4CC5-A774-1417A77661A3}" destId="{CD695D2B-4A06-43A0-A1E7-3A9A846CA1E2}" srcOrd="0" destOrd="0" parTransId="{FF6566DF-016C-458B-933A-B3B68883423C}" sibTransId="{D2CC89C9-8746-4710-8958-B32658E17D17}"/>
+    <dgm:cxn modelId="{3806F940-57A9-477F-81A3-D8987ADC2BBA}" type="presOf" srcId="{CD695D2B-4A06-43A0-A1E7-3A9A846CA1E2}" destId="{8A6B9CFA-7158-4A80-A5E9-D5BB7D4C6B71}" srcOrd="0" destOrd="0" presId="urn:microsoft.com/office/officeart/2005/8/layout/hProcess9"/>
+    <dgm:cxn modelId="{D151A65D-E2FA-461A-8CCC-78A1899E674B}" type="presOf" srcId="{FF58CDBE-CCF5-4CC5-A774-1417A77661A3}" destId="{A0EAFC38-075E-4B6E-8AA8-319EE2EB2C0C}" srcOrd="0" destOrd="0" presId="urn:microsoft.com/office/officeart/2005/8/layout/hProcess9"/>
+    <dgm:cxn modelId="{B97BD6FE-3E24-4EC0-A991-966094782456}" type="presParOf" srcId="{A0EAFC38-075E-4B6E-8AA8-319EE2EB2C0C}" destId="{69DE8397-723D-490E-B1CE-D5AF760B0645}" srcOrd="0" destOrd="0" presId="urn:microsoft.com/office/officeart/2005/8/layout/hProcess9"/>
+    <dgm:cxn modelId="{328F3F1F-9670-4CDB-A83A-39FD9B3EF6B6}" type="presParOf" srcId="{A0EAFC38-075E-4B6E-8AA8-319EE2EB2C0C}" destId="{12399483-8BC7-4FB1-9165-495625B1F49C}" srcOrd="1" destOrd="0" presId="urn:microsoft.com/office/officeart/2005/8/layout/hProcess9"/>
+    <dgm:cxn modelId="{D9716649-A61D-4F06-9D78-1700943829B2}" type="presParOf" srcId="{12399483-8BC7-4FB1-9165-495625B1F49C}" destId="{8A6B9CFA-7158-4A80-A5E9-D5BB7D4C6B71}" srcOrd="0" destOrd="0" presId="urn:microsoft.com/office/officeart/2005/8/layout/hProcess9"/>
+  </dgm:cxnLst>
+  <dgm:bg/>
+  <dgm:whole/>
+  <dgm:extLst>
+    <a:ext uri="http://schemas.microsoft.com/office/drawing/2008/diagram">
+      <dsp:dataModelExt xmlns:dsp="http://schemas.microsoft.com/office/drawing/2008/diagram" relId="rId11" minVer="http://schemas.openxmlformats.org/drawingml/2006/diagram"/>
+    </a:ext>
+  </dgm:extLst>
+</dgm:dataModel>
+</file>
+
+<file path=ppt/diagrams/drawing1.xml><?xml version="1.0" encoding="utf-8"?>
+<dsp:drawing xmlns:dgm="http://schemas.openxmlformats.org/drawingml/2006/diagram" xmlns:dsp="http://schemas.microsoft.com/office/drawing/2008/diagram" xmlns:a="http://schemas.openxmlformats.org/drawingml/2006/main">
+  <dsp:spTree>
+    <dsp:nvGrpSpPr>
+      <dsp:cNvPr id="0" name=""/>
+      <dsp:cNvGrpSpPr/>
+    </dsp:nvGrpSpPr>
+    <dsp:grpSpPr/>
+    <dsp:sp modelId="{69DE8397-723D-490E-B1CE-D5AF760B0645}">
+      <dsp:nvSpPr>
+        <dsp:cNvPr id="0" name=""/>
+        <dsp:cNvSpPr/>
+      </dsp:nvSpPr>
+      <dsp:spPr>
+        <a:xfrm>
+          <a:off x="381289" y="0"/>
+          <a:ext cx="4321285" cy="2980493"/>
+        </a:xfrm>
+        <a:prstGeom prst="rightArrow">
+          <a:avLst/>
+        </a:prstGeom>
+        <a:solidFill>
+          <a:schemeClr val="accent2">
+            <a:tint val="40000"/>
+            <a:hueOff val="0"/>
+            <a:satOff val="0"/>
+            <a:lumOff val="0"/>
+            <a:alphaOff val="0"/>
+          </a:schemeClr>
+        </a:solidFill>
+        <a:ln>
+          <a:noFill/>
+        </a:ln>
+        <a:effectLst/>
+      </dsp:spPr>
+      <dsp:style>
+        <a:lnRef idx="0">
+          <a:scrgbClr r="0" g="0" b="0"/>
+        </a:lnRef>
+        <a:fillRef idx="1">
+          <a:scrgbClr r="0" g="0" b="0"/>
+        </a:fillRef>
+        <a:effectRef idx="0">
+          <a:scrgbClr r="0" g="0" b="0"/>
+        </a:effectRef>
+        <a:fontRef idx="minor"/>
+      </dsp:style>
+    </dsp:sp>
+    <dsp:sp modelId="{961F8D94-59DC-46C9-8C4C-3FC81EBE83A2}">
+      <dsp:nvSpPr>
+        <dsp:cNvPr id="0" name=""/>
+        <dsp:cNvSpPr/>
+      </dsp:nvSpPr>
+      <dsp:spPr>
+        <a:xfrm>
+          <a:off x="5461" y="894147"/>
+          <a:ext cx="1636369" cy="1192197"/>
+        </a:xfrm>
+        <a:prstGeom prst="roundRect">
+          <a:avLst/>
+        </a:prstGeom>
+        <a:solidFill>
+          <a:schemeClr val="accent2">
+            <a:hueOff val="0"/>
+            <a:satOff val="0"/>
+            <a:lumOff val="0"/>
+            <a:alphaOff val="0"/>
+          </a:schemeClr>
+        </a:solidFill>
+        <a:ln w="15875" cap="rnd" cmpd="sng" algn="ctr">
+          <a:solidFill>
+            <a:schemeClr val="lt1">
+              <a:hueOff val="0"/>
+              <a:satOff val="0"/>
+              <a:lumOff val="0"/>
+              <a:alphaOff val="0"/>
+            </a:schemeClr>
+          </a:solidFill>
+          <a:prstDash val="solid"/>
+        </a:ln>
+        <a:effectLst/>
+      </dsp:spPr>
+      <dsp:style>
+        <a:lnRef idx="2">
+          <a:scrgbClr r="0" g="0" b="0"/>
+        </a:lnRef>
+        <a:fillRef idx="1">
+          <a:scrgbClr r="0" g="0" b="0"/>
+        </a:fillRef>
+        <a:effectRef idx="0">
+          <a:scrgbClr r="0" g="0" b="0"/>
+        </a:effectRef>
+        <a:fontRef idx="minor">
+          <a:schemeClr val="lt1"/>
+        </a:fontRef>
+      </dsp:style>
+      <dsp:txBody>
+        <a:bodyPr spcFirstLastPara="0" vert="horz" wrap="square" lIns="68580" tIns="68580" rIns="68580" bIns="68580" numCol="1" spcCol="1270" anchor="ctr" anchorCtr="0">
+          <a:noAutofit/>
+        </a:bodyPr>
+        <a:lstStyle/>
+        <a:p>
+          <a:pPr lvl="0" algn="ctr" defTabSz="800100">
+            <a:lnSpc>
+              <a:spcPct val="90000"/>
+            </a:lnSpc>
+            <a:spcBef>
+              <a:spcPct val="0"/>
+            </a:spcBef>
+            <a:spcAft>
+              <a:spcPct val="35000"/>
+            </a:spcAft>
+          </a:pPr>
+          <a:r>
+            <a:rPr lang="en-US" sz="1800" b="1" kern="1200" dirty="0" smtClean="0"/>
+            <a:t>Genome Studio</a:t>
+          </a:r>
+          <a:endParaRPr lang="en-US" sz="1800" b="1" kern="1200" dirty="0"/>
+        </a:p>
+      </dsp:txBody>
+      <dsp:txXfrm>
+        <a:off x="63659" y="952345"/>
+        <a:ext cx="1519973" cy="1075801"/>
+      </dsp:txXfrm>
+    </dsp:sp>
+    <dsp:sp modelId="{8A6B9CFA-7158-4A80-A5E9-D5BB7D4C6B71}">
+      <dsp:nvSpPr>
+        <dsp:cNvPr id="0" name=""/>
+        <dsp:cNvSpPr/>
+      </dsp:nvSpPr>
+      <dsp:spPr>
+        <a:xfrm>
+          <a:off x="1723747" y="894147"/>
+          <a:ext cx="1636369" cy="1192197"/>
+        </a:xfrm>
+        <a:prstGeom prst="roundRect">
+          <a:avLst/>
+        </a:prstGeom>
+        <a:solidFill>
+          <a:schemeClr val="accent3">
+            <a:hueOff val="0"/>
+            <a:satOff val="0"/>
+            <a:lumOff val="0"/>
+            <a:alphaOff val="0"/>
+          </a:schemeClr>
+        </a:solidFill>
+        <a:ln w="15875" cap="rnd" cmpd="sng" algn="ctr">
+          <a:solidFill>
+            <a:schemeClr val="lt1">
+              <a:hueOff val="0"/>
+              <a:satOff val="0"/>
+              <a:lumOff val="0"/>
+              <a:alphaOff val="0"/>
+            </a:schemeClr>
+          </a:solidFill>
+          <a:prstDash val="solid"/>
+        </a:ln>
+        <a:effectLst/>
+      </dsp:spPr>
+      <dsp:style>
+        <a:lnRef idx="2">
+          <a:scrgbClr r="0" g="0" b="0"/>
+        </a:lnRef>
+        <a:fillRef idx="1">
+          <a:scrgbClr r="0" g="0" b="0"/>
+        </a:fillRef>
+        <a:effectRef idx="0">
+          <a:scrgbClr r="0" g="0" b="0"/>
+        </a:effectRef>
+        <a:fontRef idx="minor">
+          <a:schemeClr val="lt1"/>
+        </a:fontRef>
+      </dsp:style>
+      <dsp:txBody>
+        <a:bodyPr spcFirstLastPara="0" vert="horz" wrap="square" lIns="68580" tIns="68580" rIns="68580" bIns="68580" numCol="1" spcCol="1270" anchor="t" anchorCtr="0">
+          <a:noAutofit/>
+        </a:bodyPr>
+        <a:lstStyle/>
+        <a:p>
+          <a:pPr lvl="0" algn="l" defTabSz="800100">
+            <a:lnSpc>
+              <a:spcPct val="90000"/>
+            </a:lnSpc>
+            <a:spcBef>
+              <a:spcPct val="0"/>
+            </a:spcBef>
+            <a:spcAft>
+              <a:spcPct val="35000"/>
+            </a:spcAft>
+          </a:pPr>
+          <a:r>
+            <a:rPr lang="en-US" sz="1800" b="1" kern="1200" dirty="0" err="1" smtClean="0"/>
+            <a:t>SnakeMake</a:t>
+          </a:r>
+          <a:endParaRPr lang="en-US" sz="1800" b="1" kern="1200" dirty="0"/>
+        </a:p>
+        <a:p>
+          <a:pPr marL="114300" lvl="1" indent="-114300" algn="l" defTabSz="622300">
+            <a:lnSpc>
+              <a:spcPct val="90000"/>
+            </a:lnSpc>
+            <a:spcBef>
+              <a:spcPct val="0"/>
+            </a:spcBef>
+            <a:spcAft>
+              <a:spcPct val="15000"/>
+            </a:spcAft>
+            <a:buChar char="••"/>
+          </a:pPr>
+          <a:r>
+            <a:rPr lang="en-US" sz="1400" b="1" kern="1200" dirty="0" smtClean="0"/>
+            <a:t>Python Script</a:t>
+          </a:r>
+          <a:endParaRPr lang="en-US" sz="1400" b="1" kern="1200" dirty="0"/>
+        </a:p>
+        <a:p>
+          <a:pPr marL="114300" lvl="1" indent="-114300" algn="l" defTabSz="622300">
+            <a:lnSpc>
+              <a:spcPct val="90000"/>
+            </a:lnSpc>
+            <a:spcBef>
+              <a:spcPct val="0"/>
+            </a:spcBef>
+            <a:spcAft>
+              <a:spcPct val="15000"/>
+            </a:spcAft>
+            <a:buChar char="••"/>
+          </a:pPr>
+          <a:r>
+            <a:rPr lang="en-US" sz="1400" b="1" kern="1200" dirty="0" smtClean="0"/>
+            <a:t>Perl Script</a:t>
+          </a:r>
+          <a:endParaRPr lang="en-US" sz="1400" b="1" kern="1200" dirty="0"/>
+        </a:p>
+      </dsp:txBody>
+      <dsp:txXfrm>
+        <a:off x="1781945" y="952345"/>
+        <a:ext cx="1519973" cy="1075801"/>
+      </dsp:txXfrm>
+    </dsp:sp>
+    <dsp:sp modelId="{84F309D0-2FE9-46CC-8A1C-F80DAF3D129B}">
+      <dsp:nvSpPr>
+        <dsp:cNvPr id="0" name=""/>
+        <dsp:cNvSpPr/>
+      </dsp:nvSpPr>
+      <dsp:spPr>
+        <a:xfrm>
+          <a:off x="3442034" y="894147"/>
+          <a:ext cx="1636369" cy="1192197"/>
+        </a:xfrm>
+        <a:prstGeom prst="roundRect">
+          <a:avLst/>
+        </a:prstGeom>
+        <a:solidFill>
+          <a:schemeClr val="accent4">
+            <a:hueOff val="0"/>
+            <a:satOff val="0"/>
+            <a:lumOff val="0"/>
+            <a:alphaOff val="0"/>
+          </a:schemeClr>
+        </a:solidFill>
+        <a:ln w="15875" cap="rnd" cmpd="sng" algn="ctr">
+          <a:solidFill>
+            <a:schemeClr val="lt1">
+              <a:hueOff val="0"/>
+              <a:satOff val="0"/>
+              <a:lumOff val="0"/>
+              <a:alphaOff val="0"/>
+            </a:schemeClr>
+          </a:solidFill>
+          <a:prstDash val="solid"/>
+        </a:ln>
+        <a:effectLst/>
+      </dsp:spPr>
+      <dsp:style>
+        <a:lnRef idx="2">
+          <a:scrgbClr r="0" g="0" b="0"/>
+        </a:lnRef>
+        <a:fillRef idx="1">
+          <a:scrgbClr r="0" g="0" b="0"/>
+        </a:fillRef>
+        <a:effectRef idx="0">
+          <a:scrgbClr r="0" g="0" b="0"/>
+        </a:effectRef>
+        <a:fontRef idx="minor">
+          <a:schemeClr val="lt1"/>
+        </a:fontRef>
+      </dsp:style>
+      <dsp:txBody>
+        <a:bodyPr spcFirstLastPara="0" vert="horz" wrap="square" lIns="68580" tIns="68580" rIns="68580" bIns="68580" numCol="1" spcCol="1270" anchor="ctr" anchorCtr="0">
+          <a:noAutofit/>
+        </a:bodyPr>
+        <a:lstStyle/>
+        <a:p>
+          <a:pPr lvl="0" algn="ctr" defTabSz="800100">
+            <a:lnSpc>
+              <a:spcPct val="90000"/>
+            </a:lnSpc>
+            <a:spcBef>
+              <a:spcPct val="0"/>
+            </a:spcBef>
+            <a:spcAft>
+              <a:spcPct val="35000"/>
+            </a:spcAft>
+          </a:pPr>
+          <a:r>
+            <a:rPr lang="en-US" sz="1800" b="1" kern="1200" dirty="0" smtClean="0"/>
+            <a:t>R Script</a:t>
+          </a:r>
+          <a:endParaRPr lang="en-US" sz="1800" b="1" kern="1200" dirty="0"/>
+        </a:p>
+      </dsp:txBody>
+      <dsp:txXfrm>
+        <a:off x="3500232" y="952345"/>
+        <a:ext cx="1519973" cy="1075801"/>
+      </dsp:txXfrm>
+    </dsp:sp>
+  </dsp:spTree>
+</dsp:drawing>
+</file>
+
+<file path=ppt/diagrams/drawing2.xml><?xml version="1.0" encoding="utf-8"?>
+<dsp:drawing xmlns:dgm="http://schemas.openxmlformats.org/drawingml/2006/diagram" xmlns:dsp="http://schemas.microsoft.com/office/drawing/2008/diagram" xmlns:a="http://schemas.openxmlformats.org/drawingml/2006/main">
+  <dsp:spTree>
+    <dsp:nvGrpSpPr>
+      <dsp:cNvPr id="0" name=""/>
+      <dsp:cNvGrpSpPr/>
+    </dsp:nvGrpSpPr>
+    <dsp:grpSpPr/>
+    <dsp:sp modelId="{69DE8397-723D-490E-B1CE-D5AF760B0645}">
+      <dsp:nvSpPr>
+        <dsp:cNvPr id="0" name=""/>
+        <dsp:cNvSpPr/>
+      </dsp:nvSpPr>
+      <dsp:spPr>
+        <a:xfrm>
+          <a:off x="430967" y="0"/>
+          <a:ext cx="4884296" cy="3182361"/>
+        </a:xfrm>
+        <a:prstGeom prst="rightArrow">
+          <a:avLst/>
+        </a:prstGeom>
+        <a:solidFill>
+          <a:schemeClr val="accent2">
+            <a:tint val="40000"/>
+            <a:hueOff val="0"/>
+            <a:satOff val="0"/>
+            <a:lumOff val="0"/>
+            <a:alphaOff val="0"/>
+          </a:schemeClr>
+        </a:solidFill>
+        <a:ln>
+          <a:noFill/>
+        </a:ln>
+        <a:effectLst/>
+      </dsp:spPr>
+      <dsp:style>
+        <a:lnRef idx="0">
+          <a:scrgbClr r="0" g="0" b="0"/>
+        </a:lnRef>
+        <a:fillRef idx="1">
+          <a:scrgbClr r="0" g="0" b="0"/>
+        </a:fillRef>
+        <a:effectRef idx="0">
+          <a:scrgbClr r="0" g="0" b="0"/>
+        </a:effectRef>
+        <a:fontRef idx="minor"/>
+      </dsp:style>
+    </dsp:sp>
+    <dsp:sp modelId="{8A6B9CFA-7158-4A80-A5E9-D5BB7D4C6B71}">
+      <dsp:nvSpPr>
+        <dsp:cNvPr id="0" name=""/>
+        <dsp:cNvSpPr/>
+      </dsp:nvSpPr>
+      <dsp:spPr>
+        <a:xfrm>
+          <a:off x="629589" y="913516"/>
+          <a:ext cx="3847471" cy="1272944"/>
+        </a:xfrm>
+        <a:prstGeom prst="roundRect">
+          <a:avLst/>
+        </a:prstGeom>
+        <a:solidFill>
+          <a:schemeClr val="accent2">
+            <a:hueOff val="0"/>
+            <a:satOff val="0"/>
+            <a:lumOff val="0"/>
+            <a:alphaOff val="0"/>
+          </a:schemeClr>
+        </a:solidFill>
+        <a:ln w="15875" cap="rnd" cmpd="sng" algn="ctr">
+          <a:solidFill>
+            <a:schemeClr val="lt1">
+              <a:hueOff val="0"/>
+              <a:satOff val="0"/>
+              <a:lumOff val="0"/>
+              <a:alphaOff val="0"/>
+            </a:schemeClr>
+          </a:solidFill>
+          <a:prstDash val="solid"/>
+        </a:ln>
+        <a:effectLst/>
+      </dsp:spPr>
+      <dsp:style>
+        <a:lnRef idx="2">
+          <a:scrgbClr r="0" g="0" b="0"/>
+        </a:lnRef>
+        <a:fillRef idx="1">
+          <a:scrgbClr r="0" g="0" b="0"/>
+        </a:fillRef>
+        <a:effectRef idx="0">
+          <a:scrgbClr r="0" g="0" b="0"/>
+        </a:effectRef>
+        <a:fontRef idx="minor">
+          <a:schemeClr val="lt1"/>
+        </a:fontRef>
+      </dsp:style>
+      <dsp:txBody>
+        <a:bodyPr spcFirstLastPara="0" vert="horz" wrap="square" lIns="76200" tIns="76200" rIns="76200" bIns="76200" numCol="1" spcCol="1270" anchor="ctr" anchorCtr="0">
+          <a:noAutofit/>
+        </a:bodyPr>
+        <a:lstStyle/>
+        <a:p>
+          <a:pPr lvl="0" algn="ctr" defTabSz="889000">
+            <a:lnSpc>
+              <a:spcPct val="90000"/>
+            </a:lnSpc>
+            <a:spcBef>
+              <a:spcPct val="0"/>
+            </a:spcBef>
+            <a:spcAft>
+              <a:spcPct val="35000"/>
+            </a:spcAft>
+          </a:pPr>
+          <a:r>
+            <a:rPr lang="en-US" sz="2000" b="1" kern="1200" dirty="0" err="1" smtClean="0"/>
+            <a:t>SnakeMake</a:t>
+          </a:r>
+          <a:endParaRPr lang="en-US" sz="2000" b="1" kern="1200" dirty="0" smtClean="0"/>
+        </a:p>
+        <a:p>
+          <a:pPr lvl="0" algn="ctr" defTabSz="889000">
+            <a:lnSpc>
+              <a:spcPct val="90000"/>
+            </a:lnSpc>
+            <a:spcBef>
+              <a:spcPct val="0"/>
+            </a:spcBef>
+            <a:spcAft>
+              <a:spcPct val="35000"/>
+            </a:spcAft>
+          </a:pPr>
+          <a:endParaRPr lang="en-US" sz="2000" b="1" kern="1200" dirty="0" smtClean="0"/>
+        </a:p>
+        <a:p>
+          <a:pPr lvl="0" algn="ctr" defTabSz="889000">
+            <a:lnSpc>
+              <a:spcPct val="90000"/>
+            </a:lnSpc>
+            <a:spcBef>
+              <a:spcPct val="0"/>
+            </a:spcBef>
+            <a:spcAft>
+              <a:spcPct val="35000"/>
+            </a:spcAft>
+          </a:pPr>
+          <a:endParaRPr lang="en-US" sz="2000" b="1" kern="1200" dirty="0"/>
+        </a:p>
+      </dsp:txBody>
+      <dsp:txXfrm>
+        <a:off x="691729" y="975656"/>
+        <a:ext cx="3723191" cy="1148664"/>
+      </dsp:txXfrm>
+    </dsp:sp>
+  </dsp:spTree>
+</dsp:drawing>
+</file>
+
+<file path=ppt/diagrams/layout1.xml><?xml version="1.0" encoding="utf-8"?>
+<dgm:layoutDef xmlns:dgm="http://schemas.openxmlformats.org/drawingml/2006/diagram" xmlns:a="http://schemas.openxmlformats.org/drawingml/2006/main" uniqueId="urn:microsoft.com/office/officeart/2005/8/layout/hProcess9">
+  <dgm:title val=""/>
+  <dgm:desc val=""/>
+  <dgm:catLst>
+    <dgm:cat type="process" pri="5000"/>
+    <dgm:cat type="convert" pri="13000"/>
+  </dgm:catLst>
+  <dgm:sampData useDef="1">
+    <dgm:dataModel>
+      <dgm:ptLst/>
+      <dgm:bg/>
+      <dgm:whole/>
+    </dgm:dataModel>
+  </dgm:sampData>
+  <dgm:styleData>
+    <dgm:dataModel>
+      <dgm:ptLst>
+        <dgm:pt modelId="0" type="doc"/>
+        <dgm:pt modelId="1"/>
+        <dgm:pt modelId="2"/>
+      </dgm:ptLst>
+      <dgm:cxnLst>
+        <dgm:cxn modelId="3" srcId="0" destId="1" srcOrd="0" destOrd="0"/>
+        <dgm:cxn modelId="4" srcId="0" destId="2" srcOrd="1" destOrd="0"/>
+      </dgm:cxnLst>
+      <dgm:bg/>
+      <dgm:whole/>
+    </dgm:dataModel>
+  </dgm:styleData>
+  <dgm:clrData>
+    <dgm:dataModel>
+      <dgm:ptLst>
+        <dgm:pt modelId="0" type="doc"/>
+        <dgm:pt modelId="1"/>
+        <dgm:pt modelId="2"/>
+        <dgm:pt modelId="3"/>
+        <dgm:pt modelId="4"/>
+      </dgm:ptLst>
+      <dgm:cxnLst>
+        <dgm:cxn modelId="5" srcId="0" destId="1" srcOrd="0" destOrd="0"/>
+        <dgm:cxn modelId="6" srcId="0" destId="2" srcOrd="1" destOrd="0"/>
+        <dgm:cxn modelId="7" srcId="0" destId="3" srcOrd="2" destOrd="0"/>
+        <dgm:cxn modelId="8" srcId="0" destId="4" srcOrd="3" destOrd="0"/>
+      </dgm:cxnLst>
+      <dgm:bg/>
+      <dgm:whole/>
+    </dgm:dataModel>
+  </dgm:clrData>
+  <dgm:layoutNode name="CompostProcess">
+    <dgm:varLst>
+      <dgm:dir/>
+      <dgm:resizeHandles val="exact"/>
+    </dgm:varLst>
+    <dgm:alg type="composite">
+      <dgm:param type="horzAlign" val="ctr"/>
+      <dgm:param type="vertAlign" val="mid"/>
+    </dgm:alg>
+    <dgm:shape xmlns:r="http://schemas.openxmlformats.org/officeDocument/2006/relationships" r:blip="">
+      <dgm:adjLst/>
+    </dgm:shape>
+    <dgm:presOf/>
+    <dgm:constrLst>
+      <dgm:constr type="w" for="ch" forName="arrow" refType="w" fact="0.85"/>
+      <dgm:constr type="h" for="ch" forName="arrow" refType="h"/>
+      <dgm:constr type="ctrX" for="ch" forName="arrow" refType="w" fact="0.5"/>
+      <dgm:constr type="ctrY" for="ch" forName="arrow" refType="h" fact="0.5"/>
+      <dgm:constr type="w" for="ch" forName="linearProcess" refType="w"/>
+      <dgm:constr type="h" for="ch" forName="linearProcess" refType="h" fact="0.4"/>
+      <dgm:constr type="ctrX" for="ch" forName="linearProcess" refType="w" fact="0.5"/>
+      <dgm:constr type="ctrY" for="ch" forName="linearProcess" refType="h" fact="0.5"/>
+    </dgm:constrLst>
+    <dgm:ruleLst/>
+    <dgm:layoutNode name="arrow" styleLbl="bgShp">
+      <dgm:alg type="sp"/>
+      <dgm:choose name="Name0">
+        <dgm:if name="Name1" func="var" arg="dir" op="equ" val="norm">
+          <dgm:shape xmlns:r="http://schemas.openxmlformats.org/officeDocument/2006/relationships" type="rightArrow" r:blip="">
+            <dgm:adjLst/>
+          </dgm:shape>
+        </dgm:if>
+        <dgm:else name="Name2">
+          <dgm:shape xmlns:r="http://schemas.openxmlformats.org/officeDocument/2006/relationships" type="leftArrow" r:blip="">
+            <dgm:adjLst/>
+          </dgm:shape>
+        </dgm:else>
+      </dgm:choose>
+      <dgm:presOf/>
+      <dgm:constrLst/>
+      <dgm:ruleLst/>
+    </dgm:layoutNode>
+    <dgm:layoutNode name="linearProcess">
+      <dgm:choose name="Name3">
+        <dgm:if name="Name4" func="var" arg="dir" op="equ" val="norm">
+          <dgm:alg type="lin"/>
+        </dgm:if>
+        <dgm:else name="Name5">
+          <dgm:alg type="lin">
+            <dgm:param type="linDir" val="fromR"/>
+          </dgm:alg>
+        </dgm:else>
+      </dgm:choose>
+      <dgm:shape xmlns:r="http://schemas.openxmlformats.org/officeDocument/2006/relationships" r:blip="">
+        <dgm:adjLst/>
+      </dgm:shape>
+      <dgm:presOf/>
+      <dgm:constrLst>
+        <dgm:constr type="userA" for="ch" ptType="node" refType="w"/>
+        <dgm:constr type="h" for="ch" ptType="node" refType="h"/>
+        <dgm:constr type="w" for="ch" ptType="node" op="equ"/>
+        <dgm:constr type="w" for="ch" forName="sibTrans" refType="w" fact="0.05"/>
+        <dgm:constr type="primFontSz" for="ch" ptType="node" op="equ" val="65"/>
+      </dgm:constrLst>
+      <dgm:ruleLst/>
+      <dgm:forEach name="Name6" axis="ch" ptType="node">
+        <dgm:layoutNode name="textNode" styleLbl="node1">
+          <dgm:varLst>
+            <dgm:bulletEnabled val="1"/>
+          </dgm:varLst>
+          <dgm:alg type="tx"/>
+          <dgm:shape xmlns:r="http://schemas.openxmlformats.org/officeDocument/2006/relationships" type="roundRect" r:blip="">
+            <dgm:adjLst/>
+          </dgm:shape>
+          <dgm:presOf axis="desOrSelf" ptType="node"/>
+          <dgm:constrLst>
+            <dgm:constr type="userA"/>
+            <dgm:constr type="w" refType="userA" fact="0.3"/>
+            <dgm:constr type="tMarg" refType="primFontSz" fact="0.3"/>
+            <dgm:constr type="bMarg" refType="primFontSz" fact="0.3"/>
+            <dgm:constr type="lMarg" refType="primFontSz" fact="0.3"/>
+            <dgm:constr type="rMarg" refType="primFontSz" fact="0.3"/>
+          </dgm:constrLst>
+          <dgm:ruleLst>
+            <dgm:rule type="w" val="NaN" fact="1" max="NaN"/>
+            <dgm:rule type="primFontSz" val="5" fact="NaN" max="NaN"/>
+          </dgm:ruleLst>
+        </dgm:layoutNode>
+        <dgm:forEach name="Name7" axis="followSib" ptType="sibTrans" cnt="1">
+          <dgm:layoutNode name="sibTrans">
+            <dgm:alg type="sp"/>
+            <dgm:shape xmlns:r="http://schemas.openxmlformats.org/officeDocument/2006/relationships" r:blip="">
+              <dgm:adjLst/>
+            </dgm:shape>
+            <dgm:presOf/>
+            <dgm:constrLst/>
+            <dgm:ruleLst/>
+          </dgm:layoutNode>
+        </dgm:forEach>
+      </dgm:forEach>
+    </dgm:layoutNode>
+  </dgm:layoutNode>
+</dgm:layoutDef>
+</file>
+
+<file path=ppt/diagrams/layout2.xml><?xml version="1.0" encoding="utf-8"?>
+<dgm:layoutDef xmlns:dgm="http://schemas.openxmlformats.org/drawingml/2006/diagram" xmlns:a="http://schemas.openxmlformats.org/drawingml/2006/main" uniqueId="urn:microsoft.com/office/officeart/2005/8/layout/hProcess9">
+  <dgm:title val=""/>
+  <dgm:desc val=""/>
+  <dgm:catLst>
+    <dgm:cat type="process" pri="5000"/>
+    <dgm:cat type="convert" pri="13000"/>
+  </dgm:catLst>
+  <dgm:sampData useDef="1">
+    <dgm:dataModel>
+      <dgm:ptLst/>
+      <dgm:bg/>
+      <dgm:whole/>
+    </dgm:dataModel>
+  </dgm:sampData>
+  <dgm:styleData>
+    <dgm:dataModel>
+      <dgm:ptLst>
+        <dgm:pt modelId="0" type="doc"/>
+        <dgm:pt modelId="1"/>
+        <dgm:pt modelId="2"/>
+      </dgm:ptLst>
+      <dgm:cxnLst>
+        <dgm:cxn modelId="3" srcId="0" destId="1" srcOrd="0" destOrd="0"/>
+        <dgm:cxn modelId="4" srcId="0" destId="2" srcOrd="1" destOrd="0"/>
+      </dgm:cxnLst>
+      <dgm:bg/>
+      <dgm:whole/>
+    </dgm:dataModel>
+  </dgm:styleData>
+  <dgm:clrData>
+    <dgm:dataModel>
+      <dgm:ptLst>
+        <dgm:pt modelId="0" type="doc"/>
+        <dgm:pt modelId="1"/>
+        <dgm:pt modelId="2"/>
+        <dgm:pt modelId="3"/>
+        <dgm:pt modelId="4"/>
+      </dgm:ptLst>
+      <dgm:cxnLst>
+        <dgm:cxn modelId="5" srcId="0" destId="1" srcOrd="0" destOrd="0"/>
+        <dgm:cxn modelId="6" srcId="0" destId="2" srcOrd="1" destOrd="0"/>
+        <dgm:cxn modelId="7" srcId="0" destId="3" srcOrd="2" destOrd="0"/>
+        <dgm:cxn modelId="8" srcId="0" destId="4" srcOrd="3" destOrd="0"/>
+      </dgm:cxnLst>
+      <dgm:bg/>
+      <dgm:whole/>
+    </dgm:dataModel>
+  </dgm:clrData>
+  <dgm:layoutNode name="CompostProcess">
+    <dgm:varLst>
+      <dgm:dir/>
+      <dgm:resizeHandles val="exact"/>
+    </dgm:varLst>
+    <dgm:alg type="composite">
+      <dgm:param type="horzAlign" val="ctr"/>
+      <dgm:param type="vertAlign" val="mid"/>
+    </dgm:alg>
+    <dgm:shape xmlns:r="http://schemas.openxmlformats.org/officeDocument/2006/relationships" r:blip="">
+      <dgm:adjLst/>
+    </dgm:shape>
+    <dgm:presOf/>
+    <dgm:constrLst>
+      <dgm:constr type="w" for="ch" forName="arrow" refType="w" fact="0.85"/>
+      <dgm:constr type="h" for="ch" forName="arrow" refType="h"/>
+      <dgm:constr type="ctrX" for="ch" forName="arrow" refType="w" fact="0.5"/>
+      <dgm:constr type="ctrY" for="ch" forName="arrow" refType="h" fact="0.5"/>
+      <dgm:constr type="w" for="ch" forName="linearProcess" refType="w"/>
+      <dgm:constr type="h" for="ch" forName="linearProcess" refType="h" fact="0.4"/>
+      <dgm:constr type="ctrX" for="ch" forName="linearProcess" refType="w" fact="0.5"/>
+      <dgm:constr type="ctrY" for="ch" forName="linearProcess" refType="h" fact="0.5"/>
+    </dgm:constrLst>
+    <dgm:ruleLst/>
+    <dgm:layoutNode name="arrow" styleLbl="bgShp">
+      <dgm:alg type="sp"/>
+      <dgm:choose name="Name0">
+        <dgm:if name="Name1" func="var" arg="dir" op="equ" val="norm">
+          <dgm:shape xmlns:r="http://schemas.openxmlformats.org/officeDocument/2006/relationships" type="rightArrow" r:blip="">
+            <dgm:adjLst/>
+          </dgm:shape>
+        </dgm:if>
+        <dgm:else name="Name2">
+          <dgm:shape xmlns:r="http://schemas.openxmlformats.org/officeDocument/2006/relationships" type="leftArrow" r:blip="">
+            <dgm:adjLst/>
+          </dgm:shape>
+        </dgm:else>
+      </dgm:choose>
+      <dgm:presOf/>
+      <dgm:constrLst/>
+      <dgm:ruleLst/>
+    </dgm:layoutNode>
+    <dgm:layoutNode name="linearProcess">
+      <dgm:choose name="Name3">
+        <dgm:if name="Name4" func="var" arg="dir" op="equ" val="norm">
+          <dgm:alg type="lin"/>
+        </dgm:if>
+        <dgm:else name="Name5">
+          <dgm:alg type="lin">
+            <dgm:param type="linDir" val="fromR"/>
+          </dgm:alg>
+        </dgm:else>
+      </dgm:choose>
+      <dgm:shape xmlns:r="http://schemas.openxmlformats.org/officeDocument/2006/relationships" r:blip="">
+        <dgm:adjLst/>
+      </dgm:shape>
+      <dgm:presOf/>
+      <dgm:constrLst>
+        <dgm:constr type="userA" for="ch" ptType="node" refType="w"/>
+        <dgm:constr type="h" for="ch" ptType="node" refType="h"/>
+        <dgm:constr type="w" for="ch" ptType="node" op="equ"/>
+        <dgm:constr type="w" for="ch" forName="sibTrans" refType="w" fact="0.05"/>
+        <dgm:constr type="primFontSz" for="ch" ptType="node" op="equ" val="65"/>
+      </dgm:constrLst>
+      <dgm:ruleLst/>
+      <dgm:forEach name="Name6" axis="ch" ptType="node">
+        <dgm:layoutNode name="textNode" styleLbl="node1">
+          <dgm:varLst>
+            <dgm:bulletEnabled val="1"/>
+          </dgm:varLst>
+          <dgm:alg type="tx"/>
+          <dgm:shape xmlns:r="http://schemas.openxmlformats.org/officeDocument/2006/relationships" type="roundRect" r:blip="">
+            <dgm:adjLst/>
+          </dgm:shape>
+          <dgm:presOf axis="desOrSelf" ptType="node"/>
+          <dgm:constrLst>
+            <dgm:constr type="userA"/>
+            <dgm:constr type="w" refType="userA" fact="0.3"/>
+            <dgm:constr type="tMarg" refType="primFontSz" fact="0.3"/>
+            <dgm:constr type="bMarg" refType="primFontSz" fact="0.3"/>
+            <dgm:constr type="lMarg" refType="primFontSz" fact="0.3"/>
+            <dgm:constr type="rMarg" refType="primFontSz" fact="0.3"/>
+          </dgm:constrLst>
+          <dgm:ruleLst>
+            <dgm:rule type="w" val="NaN" fact="1" max="NaN"/>
+            <dgm:rule type="primFontSz" val="5" fact="NaN" max="NaN"/>
+          </dgm:ruleLst>
+        </dgm:layoutNode>
+        <dgm:forEach name="Name7" axis="followSib" ptType="sibTrans" cnt="1">
+          <dgm:layoutNode name="sibTrans">
+            <dgm:alg type="sp"/>
+            <dgm:shape xmlns:r="http://schemas.openxmlformats.org/officeDocument/2006/relationships" r:blip="">
+              <dgm:adjLst/>
+            </dgm:shape>
+            <dgm:presOf/>
+            <dgm:constrLst/>
+            <dgm:ruleLst/>
+          </dgm:layoutNode>
+        </dgm:forEach>
+      </dgm:forEach>
+    </dgm:layoutNode>
+  </dgm:layoutNode>
+</dgm:layoutDef>
+</file>
+
+<file path=ppt/diagrams/quickStyle1.xml><?xml version="1.0" encoding="utf-8"?>
+<dgm:styleDef xmlns:dgm="http://schemas.openxmlformats.org/drawingml/2006/diagram" xmlns:a="http://schemas.openxmlformats.org/drawingml/2006/main" uniqueId="urn:microsoft.com/office/officeart/2005/8/quickstyle/simple1">
+  <dgm:title val=""/>
+  <dgm:desc val=""/>
+  <dgm:catLst>
+    <dgm:cat type="simple" pri="10100"/>
+  </dgm:catLst>
+  <dgm:scene3d>
+    <a:camera prst="orthographicFront"/>
+    <a:lightRig rig="threePt" dir="t"/>
+  </dgm:scene3d>
+  <dgm:styleLbl name="node0">
+    <dgm:scene3d>
+      <a:camera prst="orthographicFront"/>
+      <a:lightRig rig="threePt" dir="t"/>
+    </dgm:scene3d>
+    <dgm:sp3d/>
+    <dgm:txPr/>
+    <dgm:style>
+      <a:lnRef idx="2">
+        <a:scrgbClr r="0" g="0" b="0"/>
+      </a:lnRef>
+      <a:fillRef idx="1">
+        <a:scrgbClr r="0" g="0" b="0"/>
+      </a:fillRef>
+      <a:effectRef idx="0">
+        <a:scrgbClr r="0" g="0" b="0"/>
+      </a:effectRef>
+      <a:fontRef idx="minor">
+        <a:schemeClr val="lt1"/>
+      </a:fontRef>
+    </dgm:style>
+  </dgm:styleLbl>
+  <dgm:styleLbl name="lnNode1">
+    <dgm:scene3d>
+      <a:camera prst="orthographicFront"/>
+      <a:lightRig rig="threePt" dir="t"/>
+    </dgm:scene3d>
+    <dgm:sp3d/>
+    <dgm:txPr/>
+    <dgm:style>
+      <a:lnRef idx="2">
+        <a:scrgbClr r="0" g="0" b="0"/>
+      </a:lnRef>
+      <a:fillRef idx="1">
+        <a:scrgbClr r="0" g="0" b="0"/>
+      </a:fillRef>
+      <a:effectRef idx="0">
+        <a:scrgbClr r="0" g="0" b="0"/>
+      </a:effectRef>
+      <a:fontRef idx="minor">
+        <a:schemeClr val="lt1"/>
+      </a:fontRef>
+    </dgm:style>
+  </dgm:styleLbl>
+  <dgm:styleLbl name="vennNode1">
+    <dgm:scene3d>
+      <a:camera prst="orthographicFront"/>
+      <a:lightRig rig="threePt" dir="t"/>
+    </dgm:scene3d>
+    <dgm:sp3d/>
+    <dgm:txPr/>
+    <dgm:style>
+      <a:lnRef idx="2">
+        <a:scrgbClr r="0" g="0" b="0"/>
+      </a:lnRef>
+      <a:fillRef idx="1">
+        <a:scrgbClr r="0" g="0" b="0"/>
+      </a:fillRef>
+      <a:effectRef idx="0">
+        <a:scrgbClr r="0" g="0" b="0"/>
+      </a:effectRef>
+      <a:fontRef idx="minor">
+        <a:schemeClr val="tx1"/>
+      </a:fontRef>
+    </dgm:style>
+  </dgm:styleLbl>
+  <dgm:styleLbl name="alignNode1">
+    <dgm:scene3d>
+      <a:camera prst="orthographicFront"/>
+      <a:lightRig rig="threePt" dir="t"/>
+    </dgm:scene3d>
+    <dgm:sp3d/>
+    <dgm:txPr/>
+    <dgm:style>
+      <a:lnRef idx="2">
+        <a:scrgbClr r="0" g="0" b="0"/>
+      </a:lnRef>
+      <a:fillRef idx="1">
+        <a:scrgbClr r="0" g="0" b="0"/>
+      </a:fillRef>
+      <a:effectRef idx="0">
+        <a:scrgbClr r="0" g="0" b="0"/>
+      </a:effectRef>
+      <a:fontRef idx="minor">
+        <a:schemeClr val="lt1"/>
+      </a:fontRef>
+    </dgm:style>
+  </dgm:styleLbl>
+  <dgm:styleLbl name="node1">
+    <dgm:scene3d>
+      <a:camera prst="orthographicFront"/>
+      <a:lightRig rig="threePt" dir="t"/>
+    </dgm:scene3d>
+    <dgm:sp3d/>
+    <dgm:txPr/>
+    <dgm:style>
+      <a:lnRef idx="2">
+        <a:scrgbClr r="0" g="0" b="0"/>
+      </a:lnRef>
+      <a:fillRef idx="1">
+        <a:scrgbClr r="0" g="0" b="0"/>
+      </a:fillRef>
+      <a:effectRef idx="0">
+        <a:scrgbClr r="0" g="0" b="0"/>
+      </a:effectRef>
+      <a:fontRef idx="minor">
+        <a:schemeClr val="lt1"/>
+      </a:fontRef>
+    </dgm:style>
+  </dgm:styleLbl>
+  <dgm:styleLbl name="node2">
+    <dgm:scene3d>
+      <a:camera prst="orthographicFront"/>
+      <a:lightRig rig="threePt" dir="t"/>
+    </dgm:scene3d>
+    <dgm:sp3d/>
+    <dgm:txPr/>
+    <dgm:style>
+      <a:lnRef idx="2">
+        <a:scrgbClr r="0" g="0" b="0"/>
+      </a:lnRef>
+      <a:fillRef idx="1">
+        <a:scrgbClr r="0" g="0" b="0"/>
+      </a:fillRef>
+      <a:effectRef idx="0">
+        <a:scrgbClr r="0" g="0" b="0"/>
+      </a:effectRef>
+      <a:fontRef idx="minor">
+        <a:schemeClr val="lt1"/>
+      </a:fontRef>
+    </dgm:style>
+  </dgm:styleLbl>
+  <dgm:styleLbl name="node3">
+    <dgm:scene3d>
+      <a:camera prst="orthographicFront"/>
+      <a:lightRig rig="threePt" dir="t"/>
+    </dgm:scene3d>
+    <dgm:sp3d/>
+    <dgm:txPr/>
+    <dgm:style>
+      <a:lnRef idx="2">
+        <a:scrgbClr r="0" g="0" b="0"/>
+      </a:lnRef>
+      <a:fillRef idx="1">
+        <a:scrgbClr r="0" g="0" b="0"/>
+      </a:fillRef>
+      <a:effectRef idx="0">
+        <a:scrgbClr r="0" g="0" b="0"/>
+      </a:effectRef>
+      <a:fontRef idx="minor">
+        <a:schemeClr val="lt1"/>
+      </a:fontRef>
+    </dgm:style>
+  </dgm:styleLbl>
+  <dgm:styleLbl name="node4">
+    <dgm:scene3d>
+      <a:camera prst="orthographicFront"/>
+      <a:lightRig rig="threePt" dir="t"/>
+    </dgm:scene3d>
+    <dgm:sp3d/>
+    <dgm:txPr/>
+    <dgm:style>
+      <a:lnRef idx="2">
+        <a:scrgbClr r="0" g="0" b="0"/>
+      </a:lnRef>
+      <a:fillRef idx="1">
+        <a:scrgbClr r="0" g="0" b="0"/>
+      </a:fillRef>
+      <a:effectRef idx="0">
+        <a:scrgbClr r="0" g="0" b="0"/>
+      </a:effectRef>
+      <a:fontRef idx="minor">
+        <a:schemeClr val="lt1"/>
+      </a:fontRef>
+    </dgm:style>
+  </dgm:styleLbl>
+  <dgm:styleLbl name="fgImgPlace1">
+    <dgm:scene3d>
+      <a:camera prst="orthographicFront"/>
+      <a:lightRig rig="threePt" dir="t"/>
+    </dgm:scene3d>
+    <dgm:sp3d/>
+    <dgm:txPr/>
+    <dgm:style>
+      <a:lnRef idx="2">
+        <a:scrgbClr r="0" g="0" b="0"/>
+      </a:lnRef>
+      <a:fillRef idx="1">
+        <a:scrgbClr r="0" g="0" b="0"/>
+      </a:fillRef>
+      <a:effectRef idx="0">
+        <a:scrgbClr r="0" g="0" b="0"/>
+      </a:effectRef>
+      <a:fontRef idx="minor"/>
+    </dgm:style>
+  </dgm:styleLbl>
+  <dgm:styleLbl name="alignImgPlace1">
+    <dgm:scene3d>
+      <a:camera prst="orthographicFront"/>
+      <a:lightRig rig="threePt" dir="t"/>
+    </dgm:scene3d>
+    <dgm:sp3d/>
+    <dgm:txPr/>
+    <dgm:style>
+      <a:lnRef idx="2">
+        <a:scrgbClr r="0" g="0" b="0"/>
+      </a:lnRef>
+      <a:fillRef idx="1">
+        <a:scrgbClr r="0" g="0" b="0"/>
+      </a:fillRef>
+      <a:effectRef idx="0">
+        <a:scrgbClr r="0" g="0" b="0"/>
+      </a:effectRef>
+      <a:fontRef idx="minor"/>
+    </dgm:style>
+  </dgm:styleLbl>
+  <dgm:styleLbl name="bgImgPlace1">
+    <dgm:scene3d>
+      <a:camera prst="orthographicFront"/>
+      <a:lightRig rig="threePt" dir="t"/>
+    </dgm:scene3d>
+    <dgm:sp3d/>
+    <dgm:txPr/>
+    <dgm:style>
+      <a:lnRef idx="2">
+        <a:scrgbClr r="0" g="0" b="0"/>
+      </a:lnRef>
+      <a:fillRef idx="1">
+        <a:scrgbClr r="0" g="0" b="0"/>
+      </a:fillRef>
+      <a:effectRef idx="0">
+        <a:scrgbClr r="0" g="0" b="0"/>
+      </a:effectRef>
+      <a:fontRef idx="minor"/>
+    </dgm:style>
+  </dgm:styleLbl>
+  <dgm:styleLbl name="sibTrans2D1">
+    <dgm:scene3d>
+      <a:camera prst="orthographicFront"/>
+      <a:lightRig rig="threePt" dir="t"/>
+    </dgm:scene3d>
+    <dgm:sp3d/>
+    <dgm:txPr/>
+    <dgm:style>
+      <a:lnRef idx="0">
+        <a:scrgbClr r="0" g="0" b="0"/>
+      </a:lnRef>
+      <a:fillRef idx="1">
+        <a:scrgbClr r="0" g="0" b="0"/>
+      </a:fillRef>
+      <a:effectRef idx="0">
+        <a:scrgbClr r="0" g="0" b="0"/>
+      </a:effectRef>
+      <a:fontRef idx="minor">
+        <a:schemeClr val="lt1"/>
+      </a:fontRef>
+    </dgm:style>
+  </dgm:styleLbl>
+  <dgm:styleLbl name="fgSibTrans2D1">
+    <dgm:scene3d>
+      <a:camera prst="orthographicFront"/>
+      <a:lightRig rig="threePt" dir="t"/>
+    </dgm:scene3d>
+    <dgm:sp3d/>
+    <dgm:txPr/>
+    <dgm:style>
+      <a:lnRef idx="0">
+        <a:scrgbClr r="0" g="0" b="0"/>
+      </a:lnRef>
+      <a:fillRef idx="1">
+        <a:scrgbClr r="0" g="0" b="0"/>
+      </a:fillRef>
+      <a:effectRef idx="0">
+        <a:scrgbClr r="0" g="0" b="0"/>
+      </a:effectRef>
+      <a:fontRef idx="minor">
+        <a:schemeClr val="lt1"/>
+      </a:fontRef>
+    </dgm:style>
+  </dgm:styleLbl>
+  <dgm:styleLbl name="bgSibTrans2D1">
+    <dgm:scene3d>
+      <a:camera prst="orthographicFront"/>
+      <a:lightRig rig="threePt" dir="t"/>
+    </dgm:scene3d>
+    <dgm:sp3d/>
+    <dgm:txPr/>
+    <dgm:style>
+      <a:lnRef idx="0">
+        <a:scrgbClr r="0" g="0" b="0"/>
+      </a:lnRef>
+      <a:fillRef idx="1">
+        <a:scrgbClr r="0" g="0" b="0"/>
+      </a:fillRef>
+      <a:effectRef idx="0">
+        <a:scrgbClr r="0" g="0" b="0"/>
+      </a:effectRef>
+      <a:fontRef idx="minor">
+        <a:schemeClr val="lt1"/>
+      </a:fontRef>
+    </dgm:style>
+  </dgm:styleLbl>
+  <dgm:styleLbl name="sibTrans1D1">
+    <dgm:scene3d>
+      <a:camera prst="orthographicFront"/>
+      <a:lightRig rig="threePt" dir="t"/>
+    </dgm:scene3d>
+    <dgm:sp3d/>
+    <dgm:txPr/>
+    <dgm:style>
+      <a:lnRef idx="1">
+        <a:scrgbClr r="0" g="0" b="0"/>
+      </a:lnRef>
+      <a:fillRef idx="0">
+        <a:scrgbClr r="0" g="0" b="0"/>
+      </a:fillRef>
+      <a:effectRef idx="0">
+        <a:scrgbClr r="0" g="0" b="0"/>
+      </a:effectRef>
+      <a:fontRef idx="minor"/>
+    </dgm:style>
+  </dgm:styleLbl>
+  <dgm:styleLbl name="callout">
+    <dgm:scene3d>
+      <a:camera prst="orthographicFront"/>
+      <a:lightRig rig="threePt" dir="t"/>
+    </dgm:scene3d>
+    <dgm:sp3d/>
+    <dgm:txPr/>
+    <dgm:style>
+      <a:lnRef idx="2">
+        <a:scrgbClr r="0" g="0" b="0"/>
+      </a:lnRef>
+      <a:fillRef idx="1">
+        <a:scrgbClr r="0" g="0" b="0"/>
+      </a:fillRef>
+      <a:effectRef idx="0">
+        <a:scrgbClr r="0" g="0" b="0"/>
+      </a:effectRef>
+      <a:fontRef idx="minor"/>
+    </dgm:style>
+  </dgm:styleLbl>
+  <dgm:styleLbl name="asst0">
+    <dgm:scene3d>
+      <a:camera prst="orthographicFront"/>
+      <a:lightRig rig="threePt" dir="t"/>
+    </dgm:scene3d>
+    <dgm:sp3d/>
+    <dgm:txPr/>
+    <dgm:style>
+      <a:lnRef idx="2">
+        <a:scrgbClr r="0" g="0" b="0"/>
+      </a:lnRef>
+      <a:fillRef idx="1">
+        <a:scrgbClr r="0" g="0" b="0"/>
+      </a:fillRef>
+      <a:effectRef idx="0">
+        <a:scrgbClr r="0" g="0" b="0"/>
+      </a:effectRef>
+      <a:fontRef idx="minor">
+        <a:schemeClr val="lt1"/>
+      </a:fontRef>
+    </dgm:style>
+  </dgm:styleLbl>
+  <dgm:styleLbl name="asst1">
+    <dgm:scene3d>
+      <a:camera prst="orthographicFront"/>
+      <a:lightRig rig="threePt" dir="t"/>
+    </dgm:scene3d>
+    <dgm:sp3d/>
+    <dgm:txPr/>
+    <dgm:style>
+      <a:lnRef idx="2">
+        <a:scrgbClr r="0" g="0" b="0"/>
+      </a:lnRef>
+      <a:fillRef idx="1">
+        <a:scrgbClr r="0" g="0" b="0"/>
+      </a:fillRef>
+      <a:effectRef idx="0">
+        <a:scrgbClr r="0" g="0" b="0"/>
+      </a:effectRef>
+      <a:fontRef idx="minor">
+        <a:schemeClr val="lt1"/>
+      </a:fontRef>
+    </dgm:style>
+  </dgm:styleLbl>
+  <dgm:styleLbl name="asst2">
+    <dgm:scene3d>
+      <a:camera prst="orthographicFront"/>
+      <a:lightRig rig="threePt" dir="t"/>
+    </dgm:scene3d>
+    <dgm:sp3d/>
+    <dgm:txPr/>
+    <dgm:style>
+      <a:lnRef idx="2">
+        <a:scrgbClr r="0" g="0" b="0"/>
+      </a:lnRef>
+      <a:fillRef idx="1">
+        <a:scrgbClr r="0" g="0" b="0"/>
+      </a:fillRef>
+      <a:effectRef idx="0">
+        <a:scrgbClr r="0" g="0" b="0"/>
+      </a:effectRef>
+      <a:fontRef idx="minor">
+        <a:schemeClr val="lt1"/>
+      </a:fontRef>
+    </dgm:style>
+  </dgm:styleLbl>
+  <dgm:styleLbl name="asst3">
+    <dgm:scene3d>
+      <a:camera prst="orthographicFront"/>
+      <a:lightRig rig="threePt" dir="t"/>
+    </dgm:scene3d>
+    <dgm:sp3d/>
+    <dgm:txPr/>
+    <dgm:style>
+      <a:lnRef idx="2">
+        <a:scrgbClr r="0" g="0" b="0"/>
+      </a:lnRef>
+      <a:fillRef idx="1">
+        <a:scrgbClr r="0" g="0" b="0"/>
+      </a:fillRef>
+      <a:effectRef idx="0">
+        <a:scrgbClr r="0" g="0" b="0"/>
+      </a:effectRef>
+      <a:fontRef idx="minor">
+        <a:schemeClr val="lt1"/>
+      </a:fontRef>
+    </dgm:style>
+  </dgm:styleLbl>
+  <dgm:styleLbl name="asst4">
+    <dgm:scene3d>
+      <a:camera prst="orthographicFront"/>
+      <a:lightRig rig="threePt" dir="t"/>
+    </dgm:scene3d>
+    <dgm:sp3d/>
+    <dgm:txPr/>
+    <dgm:style>
+      <a:lnRef idx="2">
+        <a:scrgbClr r="0" g="0" b="0"/>
+      </a:lnRef>
+      <a:fillRef idx="1">
+        <a:scrgbClr r="0" g="0" b="0"/>
+      </a:fillRef>
+      <a:effectRef idx="0">
+        <a:scrgbClr r="0" g="0" b="0"/>
+      </a:effectRef>
+      <a:fontRef idx="minor">
+        <a:schemeClr val="lt1"/>
+      </a:fontRef>
+    </dgm:style>
+  </dgm:styleLbl>
+  <dgm:styleLbl name="parChTrans2D1">
+    <dgm:scene3d>
+      <a:camera prst="orthographicFront"/>
+      <a:lightRig rig="threePt" dir="t"/>
+    </dgm:scene3d>
+    <dgm:sp3d/>
+    <dgm:txPr/>
+    <dgm:style>
+      <a:lnRef idx="2">
+        <a:scrgbClr r="0" g="0" b="0"/>
+      </a:lnRef>
+      <a:fillRef idx="1">
+        <a:scrgbClr r="0" g="0" b="0"/>
+      </a:fillRef>
+      <a:effectRef idx="0">
+        <a:scrgbClr r="0" g="0" b="0"/>
+      </a:effectRef>
+      <a:fontRef idx="minor">
+        <a:schemeClr val="lt1"/>
+      </a:fontRef>
+    </dgm:style>
+  </dgm:styleLbl>
+  <dgm:styleLbl name="parChTrans2D2">
+    <dgm:scene3d>
+      <a:camera prst="orthographicFront"/>
+      <a:lightRig rig="threePt" dir="t"/>
+    </dgm:scene3d>
+    <dgm:sp3d/>
+    <dgm:txPr/>
+    <dgm:style>
+      <a:lnRef idx="2">
+        <a:scrgbClr r="0" g="0" b="0"/>
+      </a:lnRef>
+      <a:fillRef idx="1">
+        <a:scrgbClr r="0" g="0" b="0"/>
+      </a:fillRef>
+      <a:effectRef idx="0">
+        <a:scrgbClr r="0" g="0" b="0"/>
+      </a:effectRef>
+      <a:fontRef idx="minor">
+        <a:schemeClr val="lt1"/>
+      </a:fontRef>
+    </dgm:style>
+  </dgm:styleLbl>
+  <dgm:styleLbl name="parChTrans2D3">
+    <dgm:scene3d>
+      <a:camera prst="orthographicFront"/>
+      <a:lightRig rig="threePt" dir="t"/>
+    </dgm:scene3d>
+    <dgm:sp3d/>
+    <dgm:txPr/>
+    <dgm:style>
+      <a:lnRef idx="2">
+        <a:scrgbClr r="0" g="0" b="0"/>
+      </a:lnRef>
+      <a:fillRef idx="1">
+        <a:scrgbClr r="0" g="0" b="0"/>
+      </a:fillRef>
+      <a:effectRef idx="0">
+        <a:scrgbClr r="0" g="0" b="0"/>
+      </a:effectRef>
+      <a:fontRef idx="minor">
+        <a:schemeClr val="lt1"/>
+      </a:fontRef>
+    </dgm:style>
+  </dgm:styleLbl>
+  <dgm:styleLbl name="parChTrans2D4">
+    <dgm:scene3d>
+      <a:camera prst="orthographicFront"/>
+      <a:lightRig rig="threePt" dir="t"/>
+    </dgm:scene3d>
+    <dgm:sp3d/>
+    <dgm:txPr/>
+    <dgm:style>
+      <a:lnRef idx="2">
+        <a:scrgbClr r="0" g="0" b="0"/>
+      </a:lnRef>
+      <a:fillRef idx="1">
+        <a:scrgbClr r="0" g="0" b="0"/>
+      </a:fillRef>
+      <a:effectRef idx="0">
+        <a:scrgbClr r="0" g="0" b="0"/>
+      </a:effectRef>
+      <a:fontRef idx="minor">
+        <a:schemeClr val="lt1"/>
+      </a:fontRef>
+    </dgm:style>
+  </dgm:styleLbl>
+  <dgm:styleLbl name="parChTrans1D1">
+    <dgm:scene3d>
+      <a:camera prst="orthographicFront"/>
+      <a:lightRig rig="threePt" dir="t"/>
+    </dgm:scene3d>
+    <dgm:sp3d/>
+    <dgm:txPr/>
+    <dgm:style>
+      <a:lnRef idx="2">
+        <a:scrgbClr r="0" g="0" b="0"/>
+      </a:lnRef>
+      <a:fillRef idx="0">
+        <a:scrgbClr r="0" g="0" b="0"/>
+      </a:fillRef>
+      <a:effectRef idx="0">
+        <a:scrgbClr r="0" g="0" b="0"/>
+      </a:effectRef>
+      <a:fontRef idx="minor"/>
+    </dgm:style>
+  </dgm:styleLbl>
+  <dgm:styleLbl name="parChTrans1D2">
+    <dgm:scene3d>
+      <a:camera prst="orthographicFront"/>
+      <a:lightRig rig="threePt" dir="t"/>
+    </dgm:scene3d>
+    <dgm:sp3d/>
+    <dgm:txPr/>
+    <dgm:style>
+      <a:lnRef idx="2">
+        <a:scrgbClr r="0" g="0" b="0"/>
+      </a:lnRef>
+      <a:fillRef idx="0">
+        <a:scrgbClr r="0" g="0" b="0"/>
+      </a:fillRef>
+      <a:effectRef idx="0">
+        <a:scrgbClr r="0" g="0" b="0"/>
+      </a:effectRef>
+      <a:fontRef idx="minor"/>
+    </dgm:style>
+  </dgm:styleLbl>
+  <dgm:styleLbl name="parChTrans1D3">
+    <dgm:scene3d>
+      <a:camera prst="orthographicFront"/>
+      <a:lightRig rig="threePt" dir="t"/>
+    </dgm:scene3d>
+    <dgm:sp3d/>
+    <dgm:txPr/>
+    <dgm:style>
+      <a:lnRef idx="2">
+        <a:scrgbClr r="0" g="0" b="0"/>
+      </a:lnRef>
+      <a:fillRef idx="0">
+        <a:scrgbClr r="0" g="0" b="0"/>
+      </a:fillRef>
+      <a:effectRef idx="0">
+        <a:scrgbClr r="0" g="0" b="0"/>
+      </a:effectRef>
+      <a:fontRef idx="minor"/>
+    </dgm:style>
+  </dgm:styleLbl>
+  <dgm:styleLbl name="parChTrans1D4">
+    <dgm:scene3d>
+      <a:camera prst="orthographicFront"/>
+      <a:lightRig rig="threePt" dir="t"/>
+    </dgm:scene3d>
+    <dgm:sp3d/>
+    <dgm:txPr/>
+    <dgm:style>
+      <a:lnRef idx="2">
+        <a:scrgbClr r="0" g="0" b="0"/>
+      </a:lnRef>
+      <a:fillRef idx="0">
+        <a:scrgbClr r="0" g="0" b="0"/>
+      </a:fillRef>
+      <a:effectRef idx="0">
+        <a:scrgbClr r="0" g="0" b="0"/>
+      </a:effectRef>
+      <a:fontRef idx="minor"/>
+    </dgm:style>
+  </dgm:styleLbl>
+  <dgm:styleLbl name="fgAcc1">
+    <dgm:scene3d>
+      <a:camera prst="orthographicFront"/>
+      <a:lightRig rig="threePt" dir="t"/>
+    </dgm:scene3d>
+    <dgm:sp3d/>
+    <dgm:txPr/>
+    <dgm:style>
+      <a:lnRef idx="2">
+        <a:scrgbClr r="0" g="0" b="0"/>
+      </a:lnRef>
+      <a:fillRef idx="1">
+        <a:scrgbClr r="0" g="0" b="0"/>
+      </a:fillRef>
+      <a:effectRef idx="0">
+        <a:scrgbClr r="0" g="0" b="0"/>
+      </a:effectRef>
+      <a:fontRef idx="minor"/>
+    </dgm:style>
+  </dgm:styleLbl>
+  <dgm:styleLbl name="conFgAcc1">
+    <dgm:scene3d>
+      <a:camera prst="orthographicFront"/>
+      <a:lightRig rig="threePt" dir="t"/>
+    </dgm:scene3d>
+    <dgm:sp3d/>
+    <dgm:txPr/>
+    <dgm:style>
+      <a:lnRef idx="2">
+        <a:scrgbClr r="0" g="0" b="0"/>
+      </a:lnRef>
+      <a:fillRef idx="1">
+        <a:scrgbClr r="0" g="0" b="0"/>
+      </a:fillRef>
+      <a:effectRef idx="0">
+        <a:scrgbClr r="0" g="0" b="0"/>
+      </a:effectRef>
+      <a:fontRef idx="minor"/>
+    </dgm:style>
+  </dgm:styleLbl>
+  <dgm:styleLbl name="alignAcc1">
+    <dgm:scene3d>
+      <a:camera prst="orthographicFront"/>
+      <a:lightRig rig="threePt" dir="t"/>
+    </dgm:scene3d>
+    <dgm:sp3d/>
+    <dgm:txPr/>
+    <dgm:style>
+      <a:lnRef idx="2">
+        <a:scrgbClr r="0" g="0" b="0"/>
+      </a:lnRef>
+      <a:fillRef idx="1">
+        <a:scrgbClr r="0" g="0" b="0"/>
+      </a:fillRef>
+      <a:effectRef idx="0">
+        <a:scrgbClr r="0" g="0" b="0"/>
+      </a:effectRef>
+      <a:fontRef idx="minor"/>
+    </dgm:style>
+  </dgm:styleLbl>
+  <dgm:styleLbl name="trAlignAcc1">
+    <dgm:scene3d>
+      <a:camera prst="orthographicFront"/>
+      <a:lightRig rig="threePt" dir="t"/>
+    </dgm:scene3d>
+    <dgm:sp3d/>
+    <dgm:txPr/>
+    <dgm:style>
+      <a:lnRef idx="1">
+        <a:scrgbClr r="0" g="0" b="0"/>
+      </a:lnRef>
+      <a:fillRef idx="1">
+        <a:scrgbClr r="0" g="0" b="0"/>
+      </a:fillRef>
+      <a:effectRef idx="0">
+        <a:scrgbClr r="0" g="0" b="0"/>
+      </a:effectRef>
+      <a:fontRef idx="minor"/>
+    </dgm:style>
+  </dgm:styleLbl>
+  <dgm:styleLbl name="bgAcc1">
+    <dgm:scene3d>
+      <a:camera prst="orthographicFront"/>
+      <a:lightRig rig="threePt" dir="t"/>
+    </dgm:scene3d>
+    <dgm:sp3d/>
+    <dgm:txPr/>
+    <dgm:style>
+      <a:lnRef idx="2">
+        <a:scrgbClr r="0" g="0" b="0"/>
+      </a:lnRef>
+      <a:fillRef idx="1">
+        <a:scrgbClr r="0" g="0" b="0"/>
+      </a:fillRef>
+      <a:effectRef idx="0">
+        <a:scrgbClr r="0" g="0" b="0"/>
+      </a:effectRef>
+      <a:fontRef idx="minor"/>
+    </dgm:style>
+  </dgm:styleLbl>
+  <dgm:styleLbl name="solidFgAcc1">
+    <dgm:scene3d>
+      <a:camera prst="orthographicFront"/>
+      <a:lightRig rig="threePt" dir="t"/>
+    </dgm:scene3d>
+    <dgm:sp3d/>
+    <dgm:txPr/>
+    <dgm:style>
+      <a:lnRef idx="2">
+        <a:scrgbClr r="0" g="0" b="0"/>
+      </a:lnRef>
+      <a:fillRef idx="1">
+        <a:scrgbClr r="0" g="0" b="0"/>
+      </a:fillRef>
+      <a:effectRef idx="0">
+        <a:scrgbClr r="0" g="0" b="0"/>
+      </a:effectRef>
+      <a:fontRef idx="minor"/>
+    </dgm:style>
+  </dgm:styleLbl>
+  <dgm:styleLbl name="solidAlignAcc1">
+    <dgm:scene3d>
+      <a:camera prst="orthographicFront"/>
+      <a:lightRig rig="threePt" dir="t"/>
+    </dgm:scene3d>
+    <dgm:sp3d/>
+    <dgm:txPr/>
+    <dgm:style>
+      <a:lnRef idx="2">
+        <a:scrgbClr r="0" g="0" b="0"/>
+      </a:lnRef>
+      <a:fillRef idx="1">
+        <a:scrgbClr r="0" g="0" b="0"/>
+      </a:fillRef>
+      <a:effectRef idx="0">
+        <a:scrgbClr r="0" g="0" b="0"/>
+      </a:effectRef>
+      <a:fontRef idx="minor"/>
+    </dgm:style>
+  </dgm:styleLbl>
+  <dgm:styleLbl name="solidBgAcc1">
+    <dgm:scene3d>
+      <a:camera prst="orthographicFront"/>
+      <a:lightRig rig="threePt" dir="t"/>
+    </dgm:scene3d>
+    <dgm:sp3d/>
+    <dgm:txPr/>
+    <dgm:style>
+      <a:lnRef idx="2">
+        <a:scrgbClr r="0" g="0" b="0"/>
+      </a:lnRef>
+      <a:fillRef idx="1">
+        <a:scrgbClr r="0" g="0" b="0"/>
+      </a:fillRef>
+      <a:effectRef idx="0">
+        <a:scrgbClr r="0" g="0" b="0"/>
+      </a:effectRef>
+      <a:fontRef idx="minor"/>
+    </dgm:style>
+  </dgm:styleLbl>
+  <dgm:styleLbl name="fgAccFollowNode1">
+    <dgm:scene3d>
+      <a:camera prst="orthographicFront"/>
+      <a:lightRig rig="threePt" dir="t"/>
+    </dgm:scene3d>
+    <dgm:sp3d/>
+    <dgm:txPr/>
+    <dgm:style>
+      <a:lnRef idx="2">
+        <a:scrgbClr r="0" g="0" b="0"/>
+      </a:lnRef>
+      <a:fillRef idx="1">
+        <a:scrgbClr r="0" g="0" b="0"/>
+      </a:fillRef>
+      <a:effectRef idx="0">
+        <a:scrgbClr r="0" g="0" b="0"/>
+      </a:effectRef>
+      <a:fontRef idx="minor"/>
+    </dgm:style>
+  </dgm:styleLbl>
+  <dgm:styleLbl name="alignAccFollowNode1">
+    <dgm:scene3d>
+      <a:camera prst="orthographicFront"/>
+      <a:lightRig rig="threePt" dir="t"/>
+    </dgm:scene3d>
+    <dgm:sp3d/>
+    <dgm:txPr/>
+    <dgm:style>
+      <a:lnRef idx="2">
+        <a:scrgbClr r="0" g="0" b="0"/>
+      </a:lnRef>
+      <a:fillRef idx="1">
+        <a:scrgbClr r="0" g="0" b="0"/>
+      </a:fillRef>
+      <a:effectRef idx="0">
+        <a:scrgbClr r="0" g="0" b="0"/>
+      </a:effectRef>
+      <a:fontRef idx="minor"/>
+    </dgm:style>
+  </dgm:styleLbl>
+  <dgm:styleLbl name="bgAccFollowNode1">
+    <dgm:scene3d>
+      <a:camera prst="orthographicFront"/>
+      <a:lightRig rig="threePt" dir="t"/>
+    </dgm:scene3d>
+    <dgm:sp3d/>
+    <dgm:txPr/>
+    <dgm:style>
+      <a:lnRef idx="2">
+        <a:scrgbClr r="0" g="0" b="0"/>
+      </a:lnRef>
+      <a:fillRef idx="1">
+        <a:scrgbClr r="0" g="0" b="0"/>
+      </a:fillRef>
+      <a:effectRef idx="0">
+        <a:scrgbClr r="0" g="0" b="0"/>
+      </a:effectRef>
+      <a:fontRef idx="minor"/>
+    </dgm:style>
+  </dgm:styleLbl>
+  <dgm:styleLbl name="fgAcc0">
+    <dgm:scene3d>
+      <a:camera prst="orthographicFront"/>
+      <a:lightRig rig="threePt" dir="t"/>
+    </dgm:scene3d>
+    <dgm:sp3d/>
+    <dgm:txPr/>
+    <dgm:style>
+      <a:lnRef idx="2">
+        <a:scrgbClr r="0" g="0" b="0"/>
+      </a:lnRef>
+      <a:fillRef idx="1">
+        <a:scrgbClr r="0" g="0" b="0"/>
+      </a:fillRef>
+      <a:effectRef idx="0">
+        <a:scrgbClr r="0" g="0" b="0"/>
+      </a:effectRef>
+      <a:fontRef idx="minor"/>
+    </dgm:style>
+  </dgm:styleLbl>
+  <dgm:styleLbl name="fgAcc2">
+    <dgm:scene3d>
+      <a:camera prst="orthographicFront"/>
+      <a:lightRig rig="threePt" dir="t"/>
+    </dgm:scene3d>
+    <dgm:sp3d/>
+    <dgm:txPr/>
+    <dgm:style>
+      <a:lnRef idx="2">
+        <a:scrgbClr r="0" g="0" b="0"/>
+      </a:lnRef>
+      <a:fillRef idx="1">
+        <a:scrgbClr r="0" g="0" b="0"/>
+      </a:fillRef>
+      <a:effectRef idx="0">
+        <a:scrgbClr r="0" g="0" b="0"/>
+      </a:effectRef>
+      <a:fontRef idx="minor"/>
+    </dgm:style>
+  </dgm:styleLbl>
+  <dgm:styleLbl name="fgAcc3">
+    <dgm:scene3d>
+      <a:camera prst="orthographicFront"/>
+      <a:lightRig rig="threePt" dir="t"/>
+    </dgm:scene3d>
+    <dgm:sp3d/>
+    <dgm:txPr/>
+    <dgm:style>
+      <a:lnRef idx="2">
+        <a:scrgbClr r="0" g="0" b="0"/>
+      </a:lnRef>
+      <a:fillRef idx="1">
+        <a:scrgbClr r="0" g="0" b="0"/>
+      </a:fillRef>
+      <a:effectRef idx="0">
+        <a:scrgbClr r="0" g="0" b="0"/>
+      </a:effectRef>
+      <a:fontRef idx="minor"/>
+    </dgm:style>
+  </dgm:styleLbl>
+  <dgm:styleLbl name="fgAcc4">
+    <dgm:scene3d>
+      <a:camera prst="orthographicFront"/>
+      <a:lightRig rig="threePt" dir="t"/>
+    </dgm:scene3d>
+    <dgm:sp3d/>
+    <dgm:txPr/>
+    <dgm:style>
+      <a:lnRef idx="2">
+        <a:scrgbClr r="0" g="0" b="0"/>
+      </a:lnRef>
+      <a:fillRef idx="1">
+        <a:scrgbClr r="0" g="0" b="0"/>
+      </a:fillRef>
+      <a:effectRef idx="0">
+        <a:scrgbClr r="0" g="0" b="0"/>
+      </a:effectRef>
+      <a:fontRef idx="minor"/>
+    </dgm:style>
+  </dgm:styleLbl>
+  <dgm:styleLbl name="bgShp">
+    <dgm:scene3d>
+      <a:camera prst="orthographicFront"/>
+      <a:lightRig rig="threePt" dir="t"/>
+    </dgm:scene3d>
+    <dgm:sp3d/>
+    <dgm:txPr/>
+    <dgm:style>
+      <a:lnRef idx="0">
+        <a:scrgbClr r="0" g="0" b="0"/>
+      </a:lnRef>
+      <a:fillRef idx="1">
+        <a:scrgbClr r="0" g="0" b="0"/>
+      </a:fillRef>
+      <a:effectRef idx="0">
+        <a:scrgbClr r="0" g="0" b="0"/>
+      </a:effectRef>
+      <a:fontRef idx="minor"/>
+    </dgm:style>
+  </dgm:styleLbl>
+  <dgm:styleLbl name="dkBgShp">
+    <dgm:scene3d>
+      <a:camera prst="orthographicFront"/>
+      <a:lightRig rig="threePt" dir="t"/>
+    </dgm:scene3d>
+    <dgm:sp3d/>
+    <dgm:txPr/>
+    <dgm:style>
+      <a:lnRef idx="0">
+        <a:scrgbClr r="0" g="0" b="0"/>
+      </a:lnRef>
+      <a:fillRef idx="1">
+        <a:scrgbClr r="0" g="0" b="0"/>
+      </a:fillRef>
+      <a:effectRef idx="0">
+        <a:scrgbClr r="0" g="0" b="0"/>
+      </a:effectRef>
+      <a:fontRef idx="minor"/>
+    </dgm:style>
+  </dgm:styleLbl>
+  <dgm:styleLbl name="trBgShp">
+    <dgm:scene3d>
+      <a:camera prst="orthographicFront"/>
+      <a:lightRig rig="threePt" dir="t"/>
+    </dgm:scene3d>
+    <dgm:sp3d/>
+    <dgm:txPr/>
+    <dgm:style>
+      <a:lnRef idx="0">
+        <a:scrgbClr r="0" g="0" b="0"/>
+      </a:lnRef>
+      <a:fillRef idx="1">
+        <a:scrgbClr r="0" g="0" b="0"/>
+      </a:fillRef>
+      <a:effectRef idx="0">
+        <a:scrgbClr r="0" g="0" b="0"/>
+      </a:effectRef>
+      <a:fontRef idx="minor"/>
+    </dgm:style>
+  </dgm:styleLbl>
+  <dgm:styleLbl name="fgShp">
+    <dgm:scene3d>
+      <a:camera prst="orthographicFront"/>
+      <a:lightRig rig="threePt" dir="t"/>
+    </dgm:scene3d>
+    <dgm:sp3d/>
+    <dgm:txPr/>
+    <dgm:style>
+      <a:lnRef idx="2">
+        <a:scrgbClr r="0" g="0" b="0"/>
+      </a:lnRef>
+      <a:fillRef idx="1">
+        <a:scrgbClr r="0" g="0" b="0"/>
+      </a:fillRef>
+      <a:effectRef idx="0">
+        <a:scrgbClr r="0" g="0" b="0"/>
+      </a:effectRef>
+      <a:fontRef idx="minor"/>
+    </dgm:style>
+  </dgm:styleLbl>
+  <dgm:styleLbl name="revTx">
+    <dgm:scene3d>
+      <a:camera prst="orthographicFront"/>
+      <a:lightRig rig="threePt" dir="t"/>
+    </dgm:scene3d>
+    <dgm:sp3d/>
+    <dgm:txPr/>
+    <dgm:style>
+      <a:lnRef idx="0">
+        <a:scrgbClr r="0" g="0" b="0"/>
+      </a:lnRef>
+      <a:fillRef idx="0">
+        <a:scrgbClr r="0" g="0" b="0"/>
+      </a:fillRef>
+      <a:effectRef idx="0">
+        <a:scrgbClr r="0" g="0" b="0"/>
+      </a:effectRef>
+      <a:fontRef idx="minor"/>
+    </dgm:style>
+  </dgm:styleLbl>
+</dgm:styleDef>
+</file>
+
+<file path=ppt/diagrams/quickStyle2.xml><?xml version="1.0" encoding="utf-8"?>
+<dgm:styleDef xmlns:dgm="http://schemas.openxmlformats.org/drawingml/2006/diagram" xmlns:a="http://schemas.openxmlformats.org/drawingml/2006/main" uniqueId="urn:microsoft.com/office/officeart/2005/8/quickstyle/simple1">
+  <dgm:title val=""/>
+  <dgm:desc val=""/>
+  <dgm:catLst>
+    <dgm:cat type="simple" pri="10100"/>
+  </dgm:catLst>
+  <dgm:scene3d>
+    <a:camera prst="orthographicFront"/>
+    <a:lightRig rig="threePt" dir="t"/>
+  </dgm:scene3d>
+  <dgm:styleLbl name="node0">
+    <dgm:scene3d>
+      <a:camera prst="orthographicFront"/>
+      <a:lightRig rig="threePt" dir="t"/>
+    </dgm:scene3d>
+    <dgm:sp3d/>
+    <dgm:txPr/>
+    <dgm:style>
+      <a:lnRef idx="2">
+        <a:scrgbClr r="0" g="0" b="0"/>
+      </a:lnRef>
+      <a:fillRef idx="1">
+        <a:scrgbClr r="0" g="0" b="0"/>
+      </a:fillRef>
+      <a:effectRef idx="0">
+        <a:scrgbClr r="0" g="0" b="0"/>
+      </a:effectRef>
+      <a:fontRef idx="minor">
+        <a:schemeClr val="lt1"/>
+      </a:fontRef>
+    </dgm:style>
+  </dgm:styleLbl>
+  <dgm:styleLbl name="lnNode1">
+    <dgm:scene3d>
+      <a:camera prst="orthographicFront"/>
+      <a:lightRig rig="threePt" dir="t"/>
+    </dgm:scene3d>
+    <dgm:sp3d/>
+    <dgm:txPr/>
+    <dgm:style>
+      <a:lnRef idx="2">
+        <a:scrgbClr r="0" g="0" b="0"/>
+      </a:lnRef>
+      <a:fillRef idx="1">
+        <a:scrgbClr r="0" g="0" b="0"/>
+      </a:fillRef>
+      <a:effectRef idx="0">
+        <a:scrgbClr r="0" g="0" b="0"/>
+      </a:effectRef>
+      <a:fontRef idx="minor">
+        <a:schemeClr val="lt1"/>
+      </a:fontRef>
+    </dgm:style>
+  </dgm:styleLbl>
+  <dgm:styleLbl name="vennNode1">
+    <dgm:scene3d>
+      <a:camera prst="orthographicFront"/>
+      <a:lightRig rig="threePt" dir="t"/>
+    </dgm:scene3d>
+    <dgm:sp3d/>
+    <dgm:txPr/>
+    <dgm:style>
+      <a:lnRef idx="2">
+        <a:scrgbClr r="0" g="0" b="0"/>
+      </a:lnRef>
+      <a:fillRef idx="1">
+        <a:scrgbClr r="0" g="0" b="0"/>
+      </a:fillRef>
+      <a:effectRef idx="0">
+        <a:scrgbClr r="0" g="0" b="0"/>
+      </a:effectRef>
+      <a:fontRef idx="minor">
+        <a:schemeClr val="tx1"/>
+      </a:fontRef>
+    </dgm:style>
+  </dgm:styleLbl>
+  <dgm:styleLbl name="alignNode1">
+    <dgm:scene3d>
+      <a:camera prst="orthographicFront"/>
+      <a:lightRig rig="threePt" dir="t"/>
+    </dgm:scene3d>
+    <dgm:sp3d/>
+    <dgm:txPr/>
+    <dgm:style>
+      <a:lnRef idx="2">
+        <a:scrgbClr r="0" g="0" b="0"/>
+      </a:lnRef>
+      <a:fillRef idx="1">
+        <a:scrgbClr r="0" g="0" b="0"/>
+      </a:fillRef>
+      <a:effectRef idx="0">
+        <a:scrgbClr r="0" g="0" b="0"/>
+      </a:effectRef>
+      <a:fontRef idx="minor">
+        <a:schemeClr val="lt1"/>
+      </a:fontRef>
+    </dgm:style>
+  </dgm:styleLbl>
+  <dgm:styleLbl name="node1">
+    <dgm:scene3d>
+      <a:camera prst="orthographicFront"/>
+      <a:lightRig rig="threePt" dir="t"/>
+    </dgm:scene3d>
+    <dgm:sp3d/>
+    <dgm:txPr/>
+    <dgm:style>
+      <a:lnRef idx="2">
+        <a:scrgbClr r="0" g="0" b="0"/>
+      </a:lnRef>
+      <a:fillRef idx="1">
+        <a:scrgbClr r="0" g="0" b="0"/>
+      </a:fillRef>
+      <a:effectRef idx="0">
+        <a:scrgbClr r="0" g="0" b="0"/>
+      </a:effectRef>
+      <a:fontRef idx="minor">
+        <a:schemeClr val="lt1"/>
+      </a:fontRef>
+    </dgm:style>
+  </dgm:styleLbl>
+  <dgm:styleLbl name="node2">
+    <dgm:scene3d>
+      <a:camera prst="orthographicFront"/>
+      <a:lightRig rig="threePt" dir="t"/>
+    </dgm:scene3d>
+    <dgm:sp3d/>
+    <dgm:txPr/>
+    <dgm:style>
+      <a:lnRef idx="2">
+        <a:scrgbClr r="0" g="0" b="0"/>
+      </a:lnRef>
+      <a:fillRef idx="1">
+        <a:scrgbClr r="0" g="0" b="0"/>
+      </a:fillRef>
+      <a:effectRef idx="0">
+        <a:scrgbClr r="0" g="0" b="0"/>
+      </a:effectRef>
+      <a:fontRef idx="minor">
+        <a:schemeClr val="lt1"/>
+      </a:fontRef>
+    </dgm:style>
+  </dgm:styleLbl>
+  <dgm:styleLbl name="node3">
+    <dgm:scene3d>
+      <a:camera prst="orthographicFront"/>
+      <a:lightRig rig="threePt" dir="t"/>
+    </dgm:scene3d>
+    <dgm:sp3d/>
+    <dgm:txPr/>
+    <dgm:style>
+      <a:lnRef idx="2">
+        <a:scrgbClr r="0" g="0" b="0"/>
+      </a:lnRef>
+      <a:fillRef idx="1">
+        <a:scrgbClr r="0" g="0" b="0"/>
+      </a:fillRef>
+      <a:effectRef idx="0">
+        <a:scrgbClr r="0" g="0" b="0"/>
+      </a:effectRef>
+      <a:fontRef idx="minor">
+        <a:schemeClr val="lt1"/>
+      </a:fontRef>
+    </dgm:style>
+  </dgm:styleLbl>
+  <dgm:styleLbl name="node4">
+    <dgm:scene3d>
+      <a:camera prst="orthographicFront"/>
+      <a:lightRig rig="threePt" dir="t"/>
+    </dgm:scene3d>
+    <dgm:sp3d/>
+    <dgm:txPr/>
+    <dgm:style>
+      <a:lnRef idx="2">
+        <a:scrgbClr r="0" g="0" b="0"/>
+      </a:lnRef>
+      <a:fillRef idx="1">
+        <a:scrgbClr r="0" g="0" b="0"/>
+      </a:fillRef>
+      <a:effectRef idx="0">
+        <a:scrgbClr r="0" g="0" b="0"/>
+      </a:effectRef>
+      <a:fontRef idx="minor">
+        <a:schemeClr val="lt1"/>
+      </a:fontRef>
+    </dgm:style>
+  </dgm:styleLbl>
+  <dgm:styleLbl name="fgImgPlace1">
+    <dgm:scene3d>
+      <a:camera prst="orthographicFront"/>
+      <a:lightRig rig="threePt" dir="t"/>
+    </dgm:scene3d>
+    <dgm:sp3d/>
+    <dgm:txPr/>
+    <dgm:style>
+      <a:lnRef idx="2">
+        <a:scrgbClr r="0" g="0" b="0"/>
+      </a:lnRef>
+      <a:fillRef idx="1">
+        <a:scrgbClr r="0" g="0" b="0"/>
+      </a:fillRef>
+      <a:effectRef idx="0">
+        <a:scrgbClr r="0" g="0" b="0"/>
+      </a:effectRef>
+      <a:fontRef idx="minor"/>
+    </dgm:style>
+  </dgm:styleLbl>
+  <dgm:styleLbl name="alignImgPlace1">
+    <dgm:scene3d>
+      <a:camera prst="orthographicFront"/>
+      <a:lightRig rig="threePt" dir="t"/>
+    </dgm:scene3d>
+    <dgm:sp3d/>
+    <dgm:txPr/>
+    <dgm:style>
+      <a:lnRef idx="2">
+        <a:scrgbClr r="0" g="0" b="0"/>
+      </a:lnRef>
+      <a:fillRef idx="1">
+        <a:scrgbClr r="0" g="0" b="0"/>
+      </a:fillRef>
+      <a:effectRef idx="0">
+        <a:scrgbClr r="0" g="0" b="0"/>
+      </a:effectRef>
+      <a:fontRef idx="minor"/>
+    </dgm:style>
+  </dgm:styleLbl>
+  <dgm:styleLbl name="bgImgPlace1">
+    <dgm:scene3d>
+      <a:camera prst="orthographicFront"/>
+      <a:lightRig rig="threePt" dir="t"/>
+    </dgm:scene3d>
+    <dgm:sp3d/>
+    <dgm:txPr/>
+    <dgm:style>
+      <a:lnRef idx="2">
+        <a:scrgbClr r="0" g="0" b="0"/>
+      </a:lnRef>
+      <a:fillRef idx="1">
+        <a:scrgbClr r="0" g="0" b="0"/>
+      </a:fillRef>
+      <a:effectRef idx="0">
+        <a:scrgbClr r="0" g="0" b="0"/>
+      </a:effectRef>
+      <a:fontRef idx="minor"/>
+    </dgm:style>
+  </dgm:styleLbl>
+  <dgm:styleLbl name="sibTrans2D1">
+    <dgm:scene3d>
+      <a:camera prst="orthographicFront"/>
+      <a:lightRig rig="threePt" dir="t"/>
+    </dgm:scene3d>
+    <dgm:sp3d/>
+    <dgm:txPr/>
+    <dgm:style>
+      <a:lnRef idx="0">
+        <a:scrgbClr r="0" g="0" b="0"/>
+      </a:lnRef>
+      <a:fillRef idx="1">
+        <a:scrgbClr r="0" g="0" b="0"/>
+      </a:fillRef>
+      <a:effectRef idx="0">
+        <a:scrgbClr r="0" g="0" b="0"/>
+      </a:effectRef>
+      <a:fontRef idx="minor">
+        <a:schemeClr val="lt1"/>
+      </a:fontRef>
+    </dgm:style>
+  </dgm:styleLbl>
+  <dgm:styleLbl name="fgSibTrans2D1">
+    <dgm:scene3d>
+      <a:camera prst="orthographicFront"/>
+      <a:lightRig rig="threePt" dir="t"/>
+    </dgm:scene3d>
+    <dgm:sp3d/>
+    <dgm:txPr/>
+    <dgm:style>
+      <a:lnRef idx="0">
+        <a:scrgbClr r="0" g="0" b="0"/>
+      </a:lnRef>
+      <a:fillRef idx="1">
+        <a:scrgbClr r="0" g="0" b="0"/>
+      </a:fillRef>
+      <a:effectRef idx="0">
+        <a:scrgbClr r="0" g="0" b="0"/>
+      </a:effectRef>
+      <a:fontRef idx="minor">
+        <a:schemeClr val="lt1"/>
+      </a:fontRef>
+    </dgm:style>
+  </dgm:styleLbl>
+  <dgm:styleLbl name="bgSibTrans2D1">
+    <dgm:scene3d>
+      <a:camera prst="orthographicFront"/>
+      <a:lightRig rig="threePt" dir="t"/>
+    </dgm:scene3d>
+    <dgm:sp3d/>
+    <dgm:txPr/>
+    <dgm:style>
+      <a:lnRef idx="0">
+        <a:scrgbClr r="0" g="0" b="0"/>
+      </a:lnRef>
+      <a:fillRef idx="1">
+        <a:scrgbClr r="0" g="0" b="0"/>
+      </a:fillRef>
+      <a:effectRef idx="0">
+        <a:scrgbClr r="0" g="0" b="0"/>
+      </a:effectRef>
+      <a:fontRef idx="minor">
+        <a:schemeClr val="lt1"/>
+      </a:fontRef>
+    </dgm:style>
+  </dgm:styleLbl>
+  <dgm:styleLbl name="sibTrans1D1">
+    <dgm:scene3d>
+      <a:camera prst="orthographicFront"/>
+      <a:lightRig rig="threePt" dir="t"/>
+    </dgm:scene3d>
+    <dgm:sp3d/>
+    <dgm:txPr/>
+    <dgm:style>
+      <a:lnRef idx="1">
+        <a:scrgbClr r="0" g="0" b="0"/>
+      </a:lnRef>
+      <a:fillRef idx="0">
+        <a:scrgbClr r="0" g="0" b="0"/>
+      </a:fillRef>
+      <a:effectRef idx="0">
+        <a:scrgbClr r="0" g="0" b="0"/>
+      </a:effectRef>
+      <a:fontRef idx="minor"/>
+    </dgm:style>
+  </dgm:styleLbl>
+  <dgm:styleLbl name="callout">
+    <dgm:scene3d>
+      <a:camera prst="orthographicFront"/>
+      <a:lightRig rig="threePt" dir="t"/>
+    </dgm:scene3d>
+    <dgm:sp3d/>
+    <dgm:txPr/>
+    <dgm:style>
+      <a:lnRef idx="2">
+        <a:scrgbClr r="0" g="0" b="0"/>
+      </a:lnRef>
+      <a:fillRef idx="1">
+        <a:scrgbClr r="0" g="0" b="0"/>
+      </a:fillRef>
+      <a:effectRef idx="0">
+        <a:scrgbClr r="0" g="0" b="0"/>
+      </a:effectRef>
+      <a:fontRef idx="minor"/>
+    </dgm:style>
+  </dgm:styleLbl>
+  <dgm:styleLbl name="asst0">
+    <dgm:scene3d>
+      <a:camera prst="orthographicFront"/>
+      <a:lightRig rig="threePt" dir="t"/>
+    </dgm:scene3d>
+    <dgm:sp3d/>
+    <dgm:txPr/>
+    <dgm:style>
+      <a:lnRef idx="2">
+        <a:scrgbClr r="0" g="0" b="0"/>
+      </a:lnRef>
+      <a:fillRef idx="1">
+        <a:scrgbClr r="0" g="0" b="0"/>
+      </a:fillRef>
+      <a:effectRef idx="0">
+        <a:scrgbClr r="0" g="0" b="0"/>
+      </a:effectRef>
+      <a:fontRef idx="minor">
+        <a:schemeClr val="lt1"/>
+      </a:fontRef>
+    </dgm:style>
+  </dgm:styleLbl>
+  <dgm:styleLbl name="asst1">
+    <dgm:scene3d>
+      <a:camera prst="orthographicFront"/>
+      <a:lightRig rig="threePt" dir="t"/>
+    </dgm:scene3d>
+    <dgm:sp3d/>
+    <dgm:txPr/>
+    <dgm:style>
+      <a:lnRef idx="2">
+        <a:scrgbClr r="0" g="0" b="0"/>
+      </a:lnRef>
+      <a:fillRef idx="1">
+        <a:scrgbClr r="0" g="0" b="0"/>
+      </a:fillRef>
+      <a:effectRef idx="0">
+        <a:scrgbClr r="0" g="0" b="0"/>
+      </a:effectRef>
+      <a:fontRef idx="minor">
+        <a:schemeClr val="lt1"/>
+      </a:fontRef>
+    </dgm:style>
+  </dgm:styleLbl>
+  <dgm:styleLbl name="asst2">
+    <dgm:scene3d>
+      <a:camera prst="orthographicFront"/>
+      <a:lightRig rig="threePt" dir="t"/>
+    </dgm:scene3d>
+    <dgm:sp3d/>
+    <dgm:txPr/>
+    <dgm:style>
+      <a:lnRef idx="2">
+        <a:scrgbClr r="0" g="0" b="0"/>
+      </a:lnRef>
+      <a:fillRef idx="1">
+        <a:scrgbClr r="0" g="0" b="0"/>
+      </a:fillRef>
+      <a:effectRef idx="0">
+        <a:scrgbClr r="0" g="0" b="0"/>
+      </a:effectRef>
+      <a:fontRef idx="minor">
+        <a:schemeClr val="lt1"/>
+      </a:fontRef>
+    </dgm:style>
+  </dgm:styleLbl>
+  <dgm:styleLbl name="asst3">
+    <dgm:scene3d>
+      <a:camera prst="orthographicFront"/>
+      <a:lightRig rig="threePt" dir="t"/>
+    </dgm:scene3d>
+    <dgm:sp3d/>
+    <dgm:txPr/>
+    <dgm:style>
+      <a:lnRef idx="2">
+        <a:scrgbClr r="0" g="0" b="0"/>
+      </a:lnRef>
+      <a:fillRef idx="1">
+        <a:scrgbClr r="0" g="0" b="0"/>
+      </a:fillRef>
+      <a:effectRef idx="0">
+        <a:scrgbClr r="0" g="0" b="0"/>
+      </a:effectRef>
+      <a:fontRef idx="minor">
+        <a:schemeClr val="lt1"/>
+      </a:fontRef>
+    </dgm:style>
+  </dgm:styleLbl>
+  <dgm:styleLbl name="asst4">
+    <dgm:scene3d>
+      <a:camera prst="orthographicFront"/>
+      <a:lightRig rig="threePt" dir="t"/>
+    </dgm:scene3d>
+    <dgm:sp3d/>
+    <dgm:txPr/>
+    <dgm:style>
+      <a:lnRef idx="2">
+        <a:scrgbClr r="0" g="0" b="0"/>
+      </a:lnRef>
+      <a:fillRef idx="1">
+        <a:scrgbClr r="0" g="0" b="0"/>
+      </a:fillRef>
+      <a:effectRef idx="0">
+        <a:scrgbClr r="0" g="0" b="0"/>
+      </a:effectRef>
+      <a:fontRef idx="minor">
+        <a:schemeClr val="lt1"/>
+      </a:fontRef>
+    </dgm:style>
+  </dgm:styleLbl>
+  <dgm:styleLbl name="parChTrans2D1">
+    <dgm:scene3d>
+      <a:camera prst="orthographicFront"/>
+      <a:lightRig rig="threePt" dir="t"/>
+    </dgm:scene3d>
+    <dgm:sp3d/>
+    <dgm:txPr/>
+    <dgm:style>
+      <a:lnRef idx="2">
+        <a:scrgbClr r="0" g="0" b="0"/>
+      </a:lnRef>
+      <a:fillRef idx="1">
+        <a:scrgbClr r="0" g="0" b="0"/>
+      </a:fillRef>
+      <a:effectRef idx="0">
+        <a:scrgbClr r="0" g="0" b="0"/>
+      </a:effectRef>
+      <a:fontRef idx="minor">
+        <a:schemeClr val="lt1"/>
+      </a:fontRef>
+    </dgm:style>
+  </dgm:styleLbl>
+  <dgm:styleLbl name="parChTrans2D2">
+    <dgm:scene3d>
+      <a:camera prst="orthographicFront"/>
+      <a:lightRig rig="threePt" dir="t"/>
+    </dgm:scene3d>
+    <dgm:sp3d/>
+    <dgm:txPr/>
+    <dgm:style>
+      <a:lnRef idx="2">
+        <a:scrgbClr r="0" g="0" b="0"/>
+      </a:lnRef>
+      <a:fillRef idx="1">
+        <a:scrgbClr r="0" g="0" b="0"/>
+      </a:fillRef>
+      <a:effectRef idx="0">
+        <a:scrgbClr r="0" g="0" b="0"/>
+      </a:effectRef>
+      <a:fontRef idx="minor">
+        <a:schemeClr val="lt1"/>
+      </a:fontRef>
+    </dgm:style>
+  </dgm:styleLbl>
+  <dgm:styleLbl name="parChTrans2D3">
+    <dgm:scene3d>
+      <a:camera prst="orthographicFront"/>
+      <a:lightRig rig="threePt" dir="t"/>
+    </dgm:scene3d>
+    <dgm:sp3d/>
+    <dgm:txPr/>
+    <dgm:style>
+      <a:lnRef idx="2">
+        <a:scrgbClr r="0" g="0" b="0"/>
+      </a:lnRef>
+      <a:fillRef idx="1">
+        <a:scrgbClr r="0" g="0" b="0"/>
+      </a:fillRef>
+      <a:effectRef idx="0">
+        <a:scrgbClr r="0" g="0" b="0"/>
+      </a:effectRef>
+      <a:fontRef idx="minor">
+        <a:schemeClr val="lt1"/>
+      </a:fontRef>
+    </dgm:style>
+  </dgm:styleLbl>
+  <dgm:styleLbl name="parChTrans2D4">
+    <dgm:scene3d>
+      <a:camera prst="orthographicFront"/>
+      <a:lightRig rig="threePt" dir="t"/>
+    </dgm:scene3d>
+    <dgm:sp3d/>
+    <dgm:txPr/>
+    <dgm:style>
+      <a:lnRef idx="2">
+        <a:scrgbClr r="0" g="0" b="0"/>
+      </a:lnRef>
+      <a:fillRef idx="1">
+        <a:scrgbClr r="0" g="0" b="0"/>
+      </a:fillRef>
+      <a:effectRef idx="0">
+        <a:scrgbClr r="0" g="0" b="0"/>
+      </a:effectRef>
+      <a:fontRef idx="minor">
+        <a:schemeClr val="lt1"/>
+      </a:fontRef>
+    </dgm:style>
+  </dgm:styleLbl>
+  <dgm:styleLbl name="parChTrans1D1">
+    <dgm:scene3d>
+      <a:camera prst="orthographicFront"/>
+      <a:lightRig rig="threePt" dir="t"/>
+    </dgm:scene3d>
+    <dgm:sp3d/>
+    <dgm:txPr/>
+    <dgm:style>
+      <a:lnRef idx="2">
+        <a:scrgbClr r="0" g="0" b="0"/>
+      </a:lnRef>
+      <a:fillRef idx="0">
+        <a:scrgbClr r="0" g="0" b="0"/>
+      </a:fillRef>
+      <a:effectRef idx="0">
+        <a:scrgbClr r="0" g="0" b="0"/>
+      </a:effectRef>
+      <a:fontRef idx="minor"/>
+    </dgm:style>
+  </dgm:styleLbl>
+  <dgm:styleLbl name="parChTrans1D2">
+    <dgm:scene3d>
+      <a:camera prst="orthographicFront"/>
+      <a:lightRig rig="threePt" dir="t"/>
+    </dgm:scene3d>
+    <dgm:sp3d/>
+    <dgm:txPr/>
+    <dgm:style>
+      <a:lnRef idx="2">
+        <a:scrgbClr r="0" g="0" b="0"/>
+      </a:lnRef>
+      <a:fillRef idx="0">
+        <a:scrgbClr r="0" g="0" b="0"/>
+      </a:fillRef>
+      <a:effectRef idx="0">
+        <a:scrgbClr r="0" g="0" b="0"/>
+      </a:effectRef>
+      <a:fontRef idx="minor"/>
+    </dgm:style>
+  </dgm:styleLbl>
+  <dgm:styleLbl name="parChTrans1D3">
+    <dgm:scene3d>
+      <a:camera prst="orthographicFront"/>
+      <a:lightRig rig="threePt" dir="t"/>
+    </dgm:scene3d>
+    <dgm:sp3d/>
+    <dgm:txPr/>
+    <dgm:style>
+      <a:lnRef idx="2">
+        <a:scrgbClr r="0" g="0" b="0"/>
+      </a:lnRef>
+      <a:fillRef idx="0">
+        <a:scrgbClr r="0" g="0" b="0"/>
+      </a:fillRef>
+      <a:effectRef idx="0">
+        <a:scrgbClr r="0" g="0" b="0"/>
+      </a:effectRef>
+      <a:fontRef idx="minor"/>
+    </dgm:style>
+  </dgm:styleLbl>
+  <dgm:styleLbl name="parChTrans1D4">
+    <dgm:scene3d>
+      <a:camera prst="orthographicFront"/>
+      <a:lightRig rig="threePt" dir="t"/>
+    </dgm:scene3d>
+    <dgm:sp3d/>
+    <dgm:txPr/>
+    <dgm:style>
+      <a:lnRef idx="2">
+        <a:scrgbClr r="0" g="0" b="0"/>
+      </a:lnRef>
+      <a:fillRef idx="0">
+        <a:scrgbClr r="0" g="0" b="0"/>
+      </a:fillRef>
+      <a:effectRef idx="0">
+        <a:scrgbClr r="0" g="0" b="0"/>
+      </a:effectRef>
+      <a:fontRef idx="minor"/>
+    </dgm:style>
+  </dgm:styleLbl>
+  <dgm:styleLbl name="fgAcc1">
+    <dgm:scene3d>
+      <a:camera prst="orthographicFront"/>
+      <a:lightRig rig="threePt" dir="t"/>
+    </dgm:scene3d>
+    <dgm:sp3d/>
+    <dgm:txPr/>
+    <dgm:style>
+      <a:lnRef idx="2">
+        <a:scrgbClr r="0" g="0" b="0"/>
+      </a:lnRef>
+      <a:fillRef idx="1">
+        <a:scrgbClr r="0" g="0" b="0"/>
+      </a:fillRef>
+      <a:effectRef idx="0">
+        <a:scrgbClr r="0" g="0" b="0"/>
+      </a:effectRef>
+      <a:fontRef idx="minor"/>
+    </dgm:style>
+  </dgm:styleLbl>
+  <dgm:styleLbl name="conFgAcc1">
+    <dgm:scene3d>
+      <a:camera prst="orthographicFront"/>
+      <a:lightRig rig="threePt" dir="t"/>
+    </dgm:scene3d>
+    <dgm:sp3d/>
+    <dgm:txPr/>
+    <dgm:style>
+      <a:lnRef idx="2">
+        <a:scrgbClr r="0" g="0" b="0"/>
+      </a:lnRef>
+      <a:fillRef idx="1">
+        <a:scrgbClr r="0" g="0" b="0"/>
+      </a:fillRef>
+      <a:effectRef idx="0">
+        <a:scrgbClr r="0" g="0" b="0"/>
+      </a:effectRef>
+      <a:fontRef idx="minor"/>
+    </dgm:style>
+  </dgm:styleLbl>
+  <dgm:styleLbl name="alignAcc1">
+    <dgm:scene3d>
+      <a:camera prst="orthographicFront"/>
+      <a:lightRig rig="threePt" dir="t"/>
+    </dgm:scene3d>
+    <dgm:sp3d/>
+    <dgm:txPr/>
+    <dgm:style>
+      <a:lnRef idx="2">
+        <a:scrgbClr r="0" g="0" b="0"/>
+      </a:lnRef>
+      <a:fillRef idx="1">
+        <a:scrgbClr r="0" g="0" b="0"/>
+      </a:fillRef>
+      <a:effectRef idx="0">
+        <a:scrgbClr r="0" g="0" b="0"/>
+      </a:effectRef>
+      <a:fontRef idx="minor"/>
+    </dgm:style>
+  </dgm:styleLbl>
+  <dgm:styleLbl name="trAlignAcc1">
+    <dgm:scene3d>
+      <a:camera prst="orthographicFront"/>
+      <a:lightRig rig="threePt" dir="t"/>
+    </dgm:scene3d>
+    <dgm:sp3d/>
+    <dgm:txPr/>
+    <dgm:style>
+      <a:lnRef idx="1">
+        <a:scrgbClr r="0" g="0" b="0"/>
+      </a:lnRef>
+      <a:fillRef idx="1">
+        <a:scrgbClr r="0" g="0" b="0"/>
+      </a:fillRef>
+      <a:effectRef idx="0">
+        <a:scrgbClr r="0" g="0" b="0"/>
+      </a:effectRef>
+      <a:fontRef idx="minor"/>
+    </dgm:style>
+  </dgm:styleLbl>
+  <dgm:styleLbl name="bgAcc1">
+    <dgm:scene3d>
+      <a:camera prst="orthographicFront"/>
+      <a:lightRig rig="threePt" dir="t"/>
+    </dgm:scene3d>
+    <dgm:sp3d/>
+    <dgm:txPr/>
+    <dgm:style>
+      <a:lnRef idx="2">
+        <a:scrgbClr r="0" g="0" b="0"/>
+      </a:lnRef>
+      <a:fillRef idx="1">
+        <a:scrgbClr r="0" g="0" b="0"/>
+      </a:fillRef>
+      <a:effectRef idx="0">
+        <a:scrgbClr r="0" g="0" b="0"/>
+      </a:effectRef>
+      <a:fontRef idx="minor"/>
+    </dgm:style>
+  </dgm:styleLbl>
+  <dgm:styleLbl name="solidFgAcc1">
+    <dgm:scene3d>
+      <a:camera prst="orthographicFront"/>
+      <a:lightRig rig="threePt" dir="t"/>
+    </dgm:scene3d>
+    <dgm:sp3d/>
+    <dgm:txPr/>
+    <dgm:style>
+      <a:lnRef idx="2">
+        <a:scrgbClr r="0" g="0" b="0"/>
+      </a:lnRef>
+      <a:fillRef idx="1">
+        <a:scrgbClr r="0" g="0" b="0"/>
+      </a:fillRef>
+      <a:effectRef idx="0">
+        <a:scrgbClr r="0" g="0" b="0"/>
+      </a:effectRef>
+      <a:fontRef idx="minor"/>
+    </dgm:style>
+  </dgm:styleLbl>
+  <dgm:styleLbl name="solidAlignAcc1">
+    <dgm:scene3d>
+      <a:camera prst="orthographicFront"/>
+      <a:lightRig rig="threePt" dir="t"/>
+    </dgm:scene3d>
+    <dgm:sp3d/>
+    <dgm:txPr/>
+    <dgm:style>
+      <a:lnRef idx="2">
+        <a:scrgbClr r="0" g="0" b="0"/>
+      </a:lnRef>
+      <a:fillRef idx="1">
+        <a:scrgbClr r="0" g="0" b="0"/>
+      </a:fillRef>
+      <a:effectRef idx="0">
+        <a:scrgbClr r="0" g="0" b="0"/>
+      </a:effectRef>
+      <a:fontRef idx="minor"/>
+    </dgm:style>
+  </dgm:styleLbl>
+  <dgm:styleLbl name="solidBgAcc1">
+    <dgm:scene3d>
+      <a:camera prst="orthographicFront"/>
+      <a:lightRig rig="threePt" dir="t"/>
+    </dgm:scene3d>
+    <dgm:sp3d/>
+    <dgm:txPr/>
+    <dgm:style>
+      <a:lnRef idx="2">
+        <a:scrgbClr r="0" g="0" b="0"/>
+      </a:lnRef>
+      <a:fillRef idx="1">
+        <a:scrgbClr r="0" g="0" b="0"/>
+      </a:fillRef>
+      <a:effectRef idx="0">
+        <a:scrgbClr r="0" g="0" b="0"/>
+      </a:effectRef>
+      <a:fontRef idx="minor"/>
+    </dgm:style>
+  </dgm:styleLbl>
+  <dgm:styleLbl name="fgAccFollowNode1">
+    <dgm:scene3d>
+      <a:camera prst="orthographicFront"/>
+      <a:lightRig rig="threePt" dir="t"/>
+    </dgm:scene3d>
+    <dgm:sp3d/>
+    <dgm:txPr/>
+    <dgm:style>
+      <a:lnRef idx="2">
+        <a:scrgbClr r="0" g="0" b="0"/>
+      </a:lnRef>
+      <a:fillRef idx="1">
+        <a:scrgbClr r="0" g="0" b="0"/>
+      </a:fillRef>
+      <a:effectRef idx="0">
+        <a:scrgbClr r="0" g="0" b="0"/>
+      </a:effectRef>
+      <a:fontRef idx="minor"/>
+    </dgm:style>
+  </dgm:styleLbl>
+  <dgm:styleLbl name="alignAccFollowNode1">
+    <dgm:scene3d>
+      <a:camera prst="orthographicFront"/>
+      <a:lightRig rig="threePt" dir="t"/>
+    </dgm:scene3d>
+    <dgm:sp3d/>
+    <dgm:txPr/>
+    <dgm:style>
+      <a:lnRef idx="2">
+        <a:scrgbClr r="0" g="0" b="0"/>
+      </a:lnRef>
+      <a:fillRef idx="1">
+        <a:scrgbClr r="0" g="0" b="0"/>
+      </a:fillRef>
+      <a:effectRef idx="0">
+        <a:scrgbClr r="0" g="0" b="0"/>
+      </a:effectRef>
+      <a:fontRef idx="minor"/>
+    </dgm:style>
+  </dgm:styleLbl>
+  <dgm:styleLbl name="bgAccFollowNode1">
+    <dgm:scene3d>
+      <a:camera prst="orthographicFront"/>
+      <a:lightRig rig="threePt" dir="t"/>
+    </dgm:scene3d>
+    <dgm:sp3d/>
+    <dgm:txPr/>
+    <dgm:style>
+      <a:lnRef idx="2">
+        <a:scrgbClr r="0" g="0" b="0"/>
+      </a:lnRef>
+      <a:fillRef idx="1">
+        <a:scrgbClr r="0" g="0" b="0"/>
+      </a:fillRef>
+      <a:effectRef idx="0">
+        <a:scrgbClr r="0" g="0" b="0"/>
+      </a:effectRef>
+      <a:fontRef idx="minor"/>
+    </dgm:style>
+  </dgm:styleLbl>
+  <dgm:styleLbl name="fgAcc0">
+    <dgm:scene3d>
+      <a:camera prst="orthographicFront"/>
+      <a:lightRig rig="threePt" dir="t"/>
+    </dgm:scene3d>
+    <dgm:sp3d/>
+    <dgm:txPr/>
+    <dgm:style>
+      <a:lnRef idx="2">
+        <a:scrgbClr r="0" g="0" b="0"/>
+      </a:lnRef>
+      <a:fillRef idx="1">
+        <a:scrgbClr r="0" g="0" b="0"/>
+      </a:fillRef>
+      <a:effectRef idx="0">
+        <a:scrgbClr r="0" g="0" b="0"/>
+      </a:effectRef>
+      <a:fontRef idx="minor"/>
+    </dgm:style>
+  </dgm:styleLbl>
+  <dgm:styleLbl name="fgAcc2">
+    <dgm:scene3d>
+      <a:camera prst="orthographicFront"/>
+      <a:lightRig rig="threePt" dir="t"/>
+    </dgm:scene3d>
+    <dgm:sp3d/>
+    <dgm:txPr/>
+    <dgm:style>
+      <a:lnRef idx="2">
+        <a:scrgbClr r="0" g="0" b="0"/>
+      </a:lnRef>
+      <a:fillRef idx="1">
+        <a:scrgbClr r="0" g="0" b="0"/>
+      </a:fillRef>
+      <a:effectRef idx="0">
+        <a:scrgbClr r="0" g="0" b="0"/>
+      </a:effectRef>
+      <a:fontRef idx="minor"/>
+    </dgm:style>
+  </dgm:styleLbl>
+  <dgm:styleLbl name="fgAcc3">
+    <dgm:scene3d>
+      <a:camera prst="orthographicFront"/>
+      <a:lightRig rig="threePt" dir="t"/>
+    </dgm:scene3d>
+    <dgm:sp3d/>
+    <dgm:txPr/>
+    <dgm:style>
+      <a:lnRef idx="2">
+        <a:scrgbClr r="0" g="0" b="0"/>
+      </a:lnRef>
+      <a:fillRef idx="1">
+        <a:scrgbClr r="0" g="0" b="0"/>
+      </a:fillRef>
+      <a:effectRef idx="0">
+        <a:scrgbClr r="0" g="0" b="0"/>
+      </a:effectRef>
+      <a:fontRef idx="minor"/>
+    </dgm:style>
+  </dgm:styleLbl>
+  <dgm:styleLbl name="fgAcc4">
+    <dgm:scene3d>
+      <a:camera prst="orthographicFront"/>
+      <a:lightRig rig="threePt" dir="t"/>
+    </dgm:scene3d>
+    <dgm:sp3d/>
+    <dgm:txPr/>
+    <dgm:style>
+      <a:lnRef idx="2">
+        <a:scrgbClr r="0" g="0" b="0"/>
+      </a:lnRef>
+      <a:fillRef idx="1">
+        <a:scrgbClr r="0" g="0" b="0"/>
+      </a:fillRef>
+      <a:effectRef idx="0">
+        <a:scrgbClr r="0" g="0" b="0"/>
+      </a:effectRef>
+      <a:fontRef idx="minor"/>
+    </dgm:style>
+  </dgm:styleLbl>
+  <dgm:styleLbl name="bgShp">
+    <dgm:scene3d>
+      <a:camera prst="orthographicFront"/>
+      <a:lightRig rig="threePt" dir="t"/>
+    </dgm:scene3d>
+    <dgm:sp3d/>
+    <dgm:txPr/>
+    <dgm:style>
+      <a:lnRef idx="0">
+        <a:scrgbClr r="0" g="0" b="0"/>
+      </a:lnRef>
+      <a:fillRef idx="1">
+        <a:scrgbClr r="0" g="0" b="0"/>
+      </a:fillRef>
+      <a:effectRef idx="0">
+        <a:scrgbClr r="0" g="0" b="0"/>
+      </a:effectRef>
+      <a:fontRef idx="minor"/>
+    </dgm:style>
+  </dgm:styleLbl>
+  <dgm:styleLbl name="dkBgShp">
+    <dgm:scene3d>
+      <a:camera prst="orthographicFront"/>
+      <a:lightRig rig="threePt" dir="t"/>
+    </dgm:scene3d>
+    <dgm:sp3d/>
+    <dgm:txPr/>
+    <dgm:style>
+      <a:lnRef idx="0">
+        <a:scrgbClr r="0" g="0" b="0"/>
+      </a:lnRef>
+      <a:fillRef idx="1">
+        <a:scrgbClr r="0" g="0" b="0"/>
+      </a:fillRef>
+      <a:effectRef idx="0">
+        <a:scrgbClr r="0" g="0" b="0"/>
+      </a:effectRef>
+      <a:fontRef idx="minor"/>
+    </dgm:style>
+  </dgm:styleLbl>
+  <dgm:styleLbl name="trBgShp">
+    <dgm:scene3d>
+      <a:camera prst="orthographicFront"/>
+      <a:lightRig rig="threePt" dir="t"/>
+    </dgm:scene3d>
+    <dgm:sp3d/>
+    <dgm:txPr/>
+    <dgm:style>
+      <a:lnRef idx="0">
+        <a:scrgbClr r="0" g="0" b="0"/>
+      </a:lnRef>
+      <a:fillRef idx="1">
+        <a:scrgbClr r="0" g="0" b="0"/>
+      </a:fillRef>
+      <a:effectRef idx="0">
+        <a:scrgbClr r="0" g="0" b="0"/>
+      </a:effectRef>
+      <a:fontRef idx="minor"/>
+    </dgm:style>
+  </dgm:styleLbl>
+  <dgm:styleLbl name="fgShp">
+    <dgm:scene3d>
+      <a:camera prst="orthographicFront"/>
+      <a:lightRig rig="threePt" dir="t"/>
+    </dgm:scene3d>
+    <dgm:sp3d/>
+    <dgm:txPr/>
+    <dgm:style>
+      <a:lnRef idx="2">
+        <a:scrgbClr r="0" g="0" b="0"/>
+      </a:lnRef>
+      <a:fillRef idx="1">
+        <a:scrgbClr r="0" g="0" b="0"/>
+      </a:fillRef>
+      <a:effectRef idx="0">
+        <a:scrgbClr r="0" g="0" b="0"/>
+      </a:effectRef>
+      <a:fontRef idx="minor"/>
+    </dgm:style>
+  </dgm:styleLbl>
+  <dgm:styleLbl name="revTx">
+    <dgm:scene3d>
+      <a:camera prst="orthographicFront"/>
+      <a:lightRig rig="threePt" dir="t"/>
+    </dgm:scene3d>
+    <dgm:sp3d/>
+    <dgm:txPr/>
+    <dgm:style>
+      <a:lnRef idx="0">
+        <a:scrgbClr r="0" g="0" b="0"/>
+      </a:lnRef>
+      <a:fillRef idx="0">
+        <a:scrgbClr r="0" g="0" b="0"/>
+      </a:fillRef>
+      <a:effectRef idx="0">
+        <a:scrgbClr r="0" g="0" b="0"/>
+      </a:effectRef>
+      <a:fontRef idx="minor"/>
+    </dgm:style>
+  </dgm:styleLbl>
+</dgm:styleDef>
 </file>
 
 <file path=ppt/slideLayouts/slideLayout1.xml><?xml version="1.0" encoding="utf-8"?>
@@ -5425,14 +10504,14 @@
                 <a:gridCol w="1949066">
                   <a:extLst>
                     <a:ext uri="{9D8B030D-6E8A-4147-A177-3AD203B41FA5}">
-                      <a16:colId xmlns:a16="http://schemas.microsoft.com/office/drawing/2014/main" val="4190180903"/>
+                      <a16:colId xmlns="" xmlns:a16="http://schemas.microsoft.com/office/drawing/2014/main" val="4190180903"/>
                     </a:ext>
                   </a:extLst>
                 </a:gridCol>
                 <a:gridCol w="4031086">
                   <a:extLst>
                     <a:ext uri="{9D8B030D-6E8A-4147-A177-3AD203B41FA5}">
-                      <a16:colId xmlns:a16="http://schemas.microsoft.com/office/drawing/2014/main" val="2787284683"/>
+                      <a16:colId xmlns="" xmlns:a16="http://schemas.microsoft.com/office/drawing/2014/main" val="2787284683"/>
                     </a:ext>
                   </a:extLst>
                 </a:gridCol>
@@ -5473,7 +10552,7 @@
                 </a:tc>
                 <a:extLst>
                   <a:ext uri="{0D108BD9-81ED-4DB2-BD59-A6C34878D82A}">
-                    <a16:rowId xmlns:a16="http://schemas.microsoft.com/office/drawing/2014/main" val="1534888173"/>
+                    <a16:rowId xmlns="" xmlns:a16="http://schemas.microsoft.com/office/drawing/2014/main" val="1534888173"/>
                   </a:ext>
                 </a:extLst>
               </a:tr>
@@ -5508,7 +10587,7 @@
                 </a:tc>
                 <a:extLst>
                   <a:ext uri="{0D108BD9-81ED-4DB2-BD59-A6C34878D82A}">
-                    <a16:rowId xmlns:a16="http://schemas.microsoft.com/office/drawing/2014/main" val="3675628065"/>
+                    <a16:rowId xmlns="" xmlns:a16="http://schemas.microsoft.com/office/drawing/2014/main" val="3675628065"/>
                   </a:ext>
                 </a:extLst>
               </a:tr>
@@ -5543,7 +10622,7 @@
                 </a:tc>
                 <a:extLst>
                   <a:ext uri="{0D108BD9-81ED-4DB2-BD59-A6C34878D82A}">
-                    <a16:rowId xmlns:a16="http://schemas.microsoft.com/office/drawing/2014/main" val="2631868713"/>
+                    <a16:rowId xmlns="" xmlns:a16="http://schemas.microsoft.com/office/drawing/2014/main" val="2631868713"/>
                   </a:ext>
                 </a:extLst>
               </a:tr>
@@ -5583,7 +10662,7 @@
                 </a:tc>
                 <a:extLst>
                   <a:ext uri="{0D108BD9-81ED-4DB2-BD59-A6C34878D82A}">
-                    <a16:rowId xmlns:a16="http://schemas.microsoft.com/office/drawing/2014/main" val="1091931969"/>
+                    <a16:rowId xmlns="" xmlns:a16="http://schemas.microsoft.com/office/drawing/2014/main" val="1091931969"/>
                   </a:ext>
                 </a:extLst>
               </a:tr>
@@ -5618,7 +10697,7 @@
                 </a:tc>
                 <a:extLst>
                   <a:ext uri="{0D108BD9-81ED-4DB2-BD59-A6C34878D82A}">
-                    <a16:rowId xmlns:a16="http://schemas.microsoft.com/office/drawing/2014/main" val="186440778"/>
+                    <a16:rowId xmlns="" xmlns:a16="http://schemas.microsoft.com/office/drawing/2014/main" val="186440778"/>
                   </a:ext>
                 </a:extLst>
               </a:tr>
@@ -5859,7 +10938,7 @@
           <p:nvPr>
             <p:extLst>
               <p:ext uri="{386F3935-93C4-4BCD-93E2-E3B085C9AB24}">
-                <p16:designElem xmlns:p16="http://schemas.microsoft.com/office/powerpoint/2015/main" val="1"/>
+                <p16:designElem xmlns="" xmlns:p16="http://schemas.microsoft.com/office/powerpoint/2015/main" val="1"/>
               </p:ext>
             </p:extLst>
           </p:nvPr>
@@ -5913,7 +10992,7 @@
           <p:nvPr>
             <p:extLst>
               <p:ext uri="{386F3935-93C4-4BCD-93E2-E3B085C9AB24}">
-                <p16:designElem xmlns:p16="http://schemas.microsoft.com/office/powerpoint/2015/main" val="1"/>
+                <p16:designElem xmlns="" xmlns:p16="http://schemas.microsoft.com/office/powerpoint/2015/main" val="1"/>
               </p:ext>
             </p:extLst>
           </p:nvPr>
@@ -6133,7 +11212,7 @@
           <p:nvPr>
             <p:extLst>
               <p:ext uri="{386F3935-93C4-4BCD-93E2-E3B085C9AB24}">
-                <p16:designElem xmlns:p16="http://schemas.microsoft.com/office/powerpoint/2015/main" val="1"/>
+                <p16:designElem xmlns="" xmlns:p16="http://schemas.microsoft.com/office/powerpoint/2015/main" val="1"/>
               </p:ext>
             </p:extLst>
           </p:nvPr>
@@ -6341,6 +11420,13 @@
   <p:clrMapOvr>
     <a:masterClrMapping/>
   </p:clrMapOvr>
+  <p:timing>
+    <p:tnLst>
+      <p:par>
+        <p:cTn id="1" dur="indefinite" restart="never" nodeType="tmRoot"/>
+      </p:par>
+    </p:tnLst>
+  </p:timing>
 </p:sld>
 </file>
 
@@ -6370,7 +11456,7 @@
           <p:nvPr>
             <p:extLst>
               <p:ext uri="{386F3935-93C4-4BCD-93E2-E3B085C9AB24}">
-                <p16:designElem xmlns:p16="http://schemas.microsoft.com/office/powerpoint/2015/main" val="1"/>
+                <p16:designElem xmlns="" xmlns:p16="http://schemas.microsoft.com/office/powerpoint/2015/main" val="1"/>
               </p:ext>
             </p:extLst>
           </p:nvPr>
@@ -6424,7 +11510,7 @@
           <p:nvPr>
             <p:extLst>
               <p:ext uri="{386F3935-93C4-4BCD-93E2-E3B085C9AB24}">
-                <p16:designElem xmlns:p16="http://schemas.microsoft.com/office/powerpoint/2015/main" val="1"/>
+                <p16:designElem xmlns="" xmlns:p16="http://schemas.microsoft.com/office/powerpoint/2015/main" val="1"/>
               </p:ext>
             </p:extLst>
           </p:nvPr>
@@ -6614,7 +11700,7 @@
           <p:nvPr>
             <p:extLst>
               <p:ext uri="{386F3935-93C4-4BCD-93E2-E3B085C9AB24}">
-                <p16:designElem xmlns:p16="http://schemas.microsoft.com/office/powerpoint/2015/main" val="1"/>
+                <p16:designElem xmlns="" xmlns:p16="http://schemas.microsoft.com/office/powerpoint/2015/main" val="1"/>
               </p:ext>
             </p:extLst>
           </p:nvPr>
@@ -6664,29 +11750,6 @@
           </a:p>
         </p:txBody>
       </p:sp>
-      <p:pic>
-        <p:nvPicPr>
-          <p:cNvPr id="21" name="Content Placeholder 3"/>
-          <p:cNvPicPr>
-            <a:picLocks noChangeAspect="1"/>
-          </p:cNvPicPr>
-          <p:nvPr/>
-        </p:nvPicPr>
-        <p:blipFill rotWithShape="1">
-          <a:blip r:embed="rId2"/>
-          <a:srcRect r="2008"/>
-          <a:stretch/>
-        </p:blipFill>
-        <p:spPr>
-          <a:xfrm>
-            <a:off x="4948674" y="768096"/>
-            <a:ext cx="7084829" cy="5440603"/>
-          </a:xfrm>
-          <a:prstGeom prst="rect">
-            <a:avLst/>
-          </a:prstGeom>
-        </p:spPr>
-      </p:pic>
       <p:sp>
         <p:nvSpPr>
           <p:cNvPr id="2" name="Title 1"/>
@@ -6699,8 +11762,8 @@
         </p:nvSpPr>
         <p:spPr>
           <a:xfrm>
-            <a:off x="810001" y="447188"/>
-            <a:ext cx="3413084" cy="1559412"/>
+            <a:off x="404734" y="447188"/>
+            <a:ext cx="3818351" cy="1559412"/>
           </a:xfrm>
         </p:spPr>
         <p:txBody>
@@ -6711,8 +11774,13 @@
           <a:p>
             <a:r>
               <a:rPr lang="en-US" sz="3200" dirty="0"/>
-              <a:t>Project Workflow</a:t>
-            </a:r>
+              <a:t>Project </a:t>
+            </a:r>
+            <a:r>
+              <a:rPr lang="en-US" sz="3200" dirty="0" smtClean="0"/>
+              <a:t>Workflow: Current</a:t>
+            </a:r>
+            <a:endParaRPr lang="en-US" sz="3200" dirty="0"/>
           </a:p>
         </p:txBody>
       </p:sp>
@@ -6728,13 +11796,13 @@
         </p:nvSpPr>
         <p:spPr>
           <a:xfrm>
-            <a:off x="818713" y="2413000"/>
-            <a:ext cx="3404372" cy="3632200"/>
+            <a:off x="239843" y="2413000"/>
+            <a:ext cx="3983242" cy="4212652"/>
           </a:xfrm>
         </p:spPr>
         <p:txBody>
           <a:bodyPr>
-            <a:normAutofit lnSpcReduction="10000"/>
+            <a:normAutofit/>
           </a:bodyPr>
           <a:lstStyle/>
           <a:p>
@@ -6760,16 +11828,17 @@
           <a:p>
             <a:pPr lvl="1"/>
             <a:r>
+              <a:rPr lang="en-US" sz="1400" dirty="0" smtClean="0"/>
+              <a:t>Perl</a:t>
+            </a:r>
+          </a:p>
+          <a:p>
+            <a:pPr lvl="1"/>
+            <a:r>
               <a:rPr lang="en-US" sz="1400" dirty="0"/>
               <a:t>R</a:t>
             </a:r>
-          </a:p>
-          <a:p>
-            <a:pPr lvl="1"/>
-            <a:r>
-              <a:rPr lang="en-US" sz="1400" dirty="0"/>
-              <a:t>Perl</a:t>
-            </a:r>
+            <a:endParaRPr lang="en-US" sz="1400" dirty="0"/>
           </a:p>
           <a:p>
             <a:r>
@@ -6816,8 +11885,20 @@
             <a:pPr lvl="1"/>
             <a:r>
               <a:rPr lang="en-US" sz="1400" dirty="0"/>
-              <a:t>Output: CNV Calls</a:t>
-            </a:r>
+              <a:t>Output: CNV </a:t>
+            </a:r>
+            <a:r>
+              <a:rPr lang="en-US" sz="1400" dirty="0" smtClean="0"/>
+              <a:t>Calls</a:t>
+            </a:r>
+          </a:p>
+          <a:p>
+            <a:pPr lvl="1"/>
+            <a:r>
+              <a:rPr lang="en-US" sz="1400" dirty="0" smtClean="0"/>
+              <a:t>Output: Plots</a:t>
+            </a:r>
+            <a:endParaRPr lang="en-US" sz="1400" dirty="0"/>
           </a:p>
         </p:txBody>
       </p:sp>
@@ -6829,8 +11910,8 @@
         </p:nvSpPr>
         <p:spPr>
           <a:xfrm>
-            <a:off x="2318502" y="3193961"/>
-            <a:ext cx="321971" cy="901521"/>
+            <a:off x="1623350" y="3142340"/>
+            <a:ext cx="352658" cy="635427"/>
           </a:xfrm>
           <a:prstGeom prst="rightBrace">
             <a:avLst/>
@@ -6867,7 +11948,7 @@
         </p:nvSpPr>
         <p:spPr>
           <a:xfrm>
-            <a:off x="2640473" y="3460055"/>
+            <a:off x="2129960" y="3275387"/>
             <a:ext cx="1582612" cy="369332"/>
           </a:xfrm>
           <a:prstGeom prst="rect">
@@ -6898,7 +11979,7 @@
           <p:nvPr/>
         </p:nvPicPr>
         <p:blipFill>
-          <a:blip r:embed="rId3"/>
+          <a:blip r:embed="rId2"/>
           <a:stretch>
             <a:fillRect/>
           </a:stretch>
@@ -6907,6 +11988,36 @@
           <a:xfrm>
             <a:off x="-2" y="0"/>
             <a:ext cx="1623352" cy="1003812"/>
+          </a:xfrm>
+          <a:prstGeom prst="rect">
+            <a:avLst/>
+          </a:prstGeom>
+        </p:spPr>
+      </p:pic>
+      <p:pic>
+        <p:nvPicPr>
+          <p:cNvPr id="5" name="Picture 4"/>
+          <p:cNvPicPr>
+            <a:picLocks noChangeAspect="1"/>
+          </p:cNvPicPr>
+          <p:nvPr/>
+        </p:nvPicPr>
+        <p:blipFill>
+          <a:blip r:embed="rId3">
+            <a:extLst>
+              <a:ext uri="{28A0092B-C50C-407E-A947-70E740481C1C}">
+                <a14:useLocalDpi xmlns:a14="http://schemas.microsoft.com/office/drawing/2010/main" val="0"/>
+              </a:ext>
+            </a:extLst>
+          </a:blip>
+          <a:stretch>
+            <a:fillRect/>
+          </a:stretch>
+        </p:blipFill>
+        <p:spPr>
+          <a:xfrm>
+            <a:off x="4717359" y="846447"/>
+            <a:ext cx="7392762" cy="5165106"/>
           </a:xfrm>
           <a:prstGeom prst="rect">
             <a:avLst/>
@@ -6923,6 +12034,13 @@
   <p:clrMapOvr>
     <a:masterClrMapping/>
   </p:clrMapOvr>
+  <p:timing>
+    <p:tnLst>
+      <p:par>
+        <p:cTn id="1" dur="indefinite" restart="never" nodeType="tmRoot"/>
+      </p:par>
+    </p:tnLst>
+  </p:timing>
 </p:sld>
 </file>
 
@@ -6959,9 +12077,10 @@
           <a:lstStyle/>
           <a:p>
             <a:r>
-              <a:rPr lang="en-US" dirty="0"/>
-              <a:t>Workflow Example</a:t>
-            </a:r>
+              <a:rPr lang="en-US" dirty="0" smtClean="0"/>
+              <a:t>Current Project Workflow (Scan2CNV)</a:t>
+            </a:r>
+            <a:endParaRPr lang="en-US" dirty="0"/>
           </a:p>
         </p:txBody>
       </p:sp>
@@ -6983,78 +12102,80 @@
         </p:spPr>
         <p:txBody>
           <a:bodyPr>
-            <a:normAutofit/>
+            <a:noAutofit/>
           </a:bodyPr>
           <a:lstStyle/>
           <a:p>
             <a:r>
+              <a:rPr lang="en-US" sz="2400" dirty="0"/>
+              <a:t>Genome Studio to process </a:t>
+            </a:r>
+            <a:r>
+              <a:rPr lang="en-US" sz="2400" dirty="0" err="1"/>
+              <a:t>idat</a:t>
+            </a:r>
+            <a:r>
+              <a:rPr lang="en-US" sz="2400" dirty="0"/>
+              <a:t> to GTC files</a:t>
+            </a:r>
+            <a:endParaRPr lang="en-US" sz="2000" dirty="0"/>
+          </a:p>
+          <a:p>
+            <a:r>
+              <a:rPr lang="en-US" sz="2200" dirty="0" smtClean="0"/>
+              <a:t>Scan2Arrray </a:t>
+            </a:r>
+            <a:r>
+              <a:rPr lang="en-US" sz="2200" dirty="0"/>
+              <a:t>–m (1000 samples)</a:t>
+            </a:r>
+          </a:p>
+          <a:p>
+            <a:pPr lvl="1"/>
+            <a:r>
               <a:rPr lang="en-US" sz="2000" dirty="0"/>
-              <a:t>Genome Studio to process </a:t>
-            </a:r>
-            <a:r>
-              <a:rPr lang="en-US" sz="2000" dirty="0" err="1"/>
-              <a:t>idat</a:t>
-            </a:r>
+              <a:t>Input </a:t>
+            </a:r>
+          </a:p>
+          <a:p>
+            <a:pPr lvl="2"/>
+            <a:r>
+              <a:rPr lang="en-US" sz="1800" dirty="0"/>
+              <a:t>directory for GTC files</a:t>
+            </a:r>
+          </a:p>
+          <a:p>
+            <a:pPr lvl="2"/>
+            <a:r>
+              <a:rPr lang="en-US" sz="1800" dirty="0"/>
+              <a:t>BPM file location</a:t>
+            </a:r>
+          </a:p>
+          <a:p>
+            <a:pPr lvl="1"/>
             <a:r>
               <a:rPr lang="en-US" sz="2000" dirty="0"/>
-              <a:t> to GTC files</a:t>
+              <a:t>Output </a:t>
+            </a:r>
+          </a:p>
+          <a:p>
+            <a:pPr lvl="2"/>
+            <a:r>
+              <a:rPr lang="en-US" sz="1800" dirty="0"/>
+              <a:t>PFB </a:t>
+            </a:r>
+            <a:r>
+              <a:rPr lang="en-US" sz="1800" dirty="0" smtClean="0"/>
+              <a:t>File</a:t>
+            </a:r>
+          </a:p>
+          <a:p>
+            <a:pPr lvl="2"/>
+            <a:r>
+              <a:rPr lang="en-US" sz="1800" dirty="0" smtClean="0"/>
+              <a:t>Text files – CNV Calls</a:t>
             </a:r>
             <a:endParaRPr lang="en-US" sz="1800" dirty="0"/>
-          </a:p>
-          <a:p>
-            <a:r>
-              <a:rPr lang="en-US" sz="2000" dirty="0"/>
-              <a:t>CML</a:t>
-            </a:r>
-          </a:p>
-          <a:p>
-            <a:pPr lvl="1"/>
-            <a:r>
-              <a:rPr lang="en-US" sz="1800" dirty="0"/>
-              <a:t>Scan2Arrray –m (1000 samples)</a:t>
-            </a:r>
-          </a:p>
-          <a:p>
-            <a:pPr lvl="2"/>
-            <a:r>
-              <a:rPr lang="en-US" sz="1600" dirty="0"/>
-              <a:t>Input </a:t>
-            </a:r>
-          </a:p>
-          <a:p>
-            <a:pPr lvl="3"/>
-            <a:r>
-              <a:rPr lang="en-US" sz="1400" dirty="0"/>
-              <a:t>directory for GTC files</a:t>
-            </a:r>
-          </a:p>
-          <a:p>
-            <a:pPr lvl="3"/>
-            <a:r>
-              <a:rPr lang="en-US" sz="1400" dirty="0"/>
-              <a:t>BPM file location</a:t>
-            </a:r>
-          </a:p>
-          <a:p>
-            <a:pPr lvl="2"/>
-            <a:r>
-              <a:rPr lang="en-US" sz="1600" dirty="0"/>
-              <a:t>Output </a:t>
-            </a:r>
-          </a:p>
-          <a:p>
-            <a:pPr lvl="3"/>
-            <a:r>
-              <a:rPr lang="en-US" sz="1400" dirty="0"/>
-              <a:t>PFB File</a:t>
-            </a:r>
-          </a:p>
-          <a:p>
-            <a:pPr lvl="3"/>
-            <a:r>
-              <a:rPr lang="en-US" sz="1400" dirty="0"/>
-              <a:t>Individual txt files</a:t>
-            </a:r>
           </a:p>
         </p:txBody>
       </p:sp>
@@ -7292,6 +12413,13 @@
   <p:clrMapOvr>
     <a:masterClrMapping/>
   </p:clrMapOvr>
+  <p:timing>
+    <p:tnLst>
+      <p:par>
+        <p:cTn id="1" dur="indefinite" restart="never" nodeType="tmRoot"/>
+      </p:par>
+    </p:tnLst>
+  </p:timing>
 </p:sld>
 </file>
 
@@ -7329,8 +12457,17 @@
           <a:p>
             <a:r>
               <a:rPr lang="en-US" dirty="0"/>
-              <a:t>Workflow Example</a:t>
-            </a:r>
+              <a:t>Current Project </a:t>
+            </a:r>
+            <a:r>
+              <a:rPr lang="en-US" dirty="0" smtClean="0"/>
+              <a:t>Workflow</a:t>
+            </a:r>
+            <a:r>
+              <a:rPr lang="en-US" dirty="0"/>
+              <a:t> (Scan2CNV)</a:t>
+            </a:r>
+            <a:endParaRPr lang="en-US" dirty="0"/>
           </a:p>
         </p:txBody>
       </p:sp>
@@ -7346,8 +12483,8 @@
         </p:nvSpPr>
         <p:spPr>
           <a:xfrm>
-            <a:off x="518615" y="2222287"/>
-            <a:ext cx="4931209" cy="4369582"/>
+            <a:off x="194873" y="2222287"/>
+            <a:ext cx="5254952" cy="4369582"/>
           </a:xfrm>
         </p:spPr>
         <p:txBody>
@@ -7357,58 +12494,68 @@
           <a:lstStyle/>
           <a:p>
             <a:r>
+              <a:rPr lang="en-US" sz="2000" dirty="0" smtClean="0"/>
+              <a:t>Scan2Arrray </a:t>
+            </a:r>
+            <a:r>
               <a:rPr lang="en-US" sz="2000" dirty="0"/>
-              <a:t>CML</a:t>
+              <a:t>–p (remaining sample files)</a:t>
             </a:r>
           </a:p>
           <a:p>
             <a:pPr lvl="1"/>
             <a:r>
               <a:rPr lang="en-US" sz="1800" dirty="0"/>
-              <a:t>Scan2Arrray –p (remaining sample files)</a:t>
+              <a:t>Input </a:t>
             </a:r>
           </a:p>
           <a:p>
             <a:pPr lvl="2"/>
             <a:r>
               <a:rPr lang="en-US" sz="1600" dirty="0"/>
-              <a:t>Input </a:t>
-            </a:r>
-          </a:p>
-          <a:p>
-            <a:pPr lvl="3"/>
-            <a:r>
-              <a:rPr lang="en-US" sz="1400" dirty="0"/>
               <a:t>directory for GTC files</a:t>
             </a:r>
           </a:p>
           <a:p>
-            <a:pPr lvl="3"/>
-            <a:r>
-              <a:rPr lang="en-US" sz="1400" dirty="0"/>
+            <a:pPr lvl="2"/>
+            <a:r>
+              <a:rPr lang="en-US" sz="1600" dirty="0"/>
               <a:t>BPM file location</a:t>
             </a:r>
           </a:p>
           <a:p>
-            <a:pPr lvl="3"/>
-            <a:r>
-              <a:rPr lang="en-US" sz="1400" dirty="0"/>
-              <a:t>PFB File (-m generated)</a:t>
-            </a:r>
-          </a:p>
-          <a:p>
             <a:pPr lvl="2"/>
             <a:r>
               <a:rPr lang="en-US" sz="1600" dirty="0"/>
+              <a:t>PFB File (-m generated</a:t>
+            </a:r>
+            <a:r>
+              <a:rPr lang="en-US" sz="1600" dirty="0" smtClean="0"/>
+              <a:t>)</a:t>
+            </a:r>
+          </a:p>
+          <a:p>
+            <a:pPr lvl="2"/>
+            <a:r>
+              <a:rPr lang="en-US" sz="1600" dirty="0" smtClean="0"/>
+              <a:t>HMM File</a:t>
+            </a:r>
+            <a:endParaRPr lang="en-US" sz="1600" dirty="0"/>
+          </a:p>
+          <a:p>
+            <a:pPr lvl="1"/>
+            <a:r>
+              <a:rPr lang="en-US" sz="1800" dirty="0"/>
               <a:t>Output </a:t>
             </a:r>
           </a:p>
           <a:p>
-            <a:pPr lvl="3"/>
-            <a:r>
-              <a:rPr lang="en-US" sz="1400" dirty="0"/>
-              <a:t>Individual txt files</a:t>
-            </a:r>
+            <a:pPr lvl="2"/>
+            <a:r>
+              <a:rPr lang="en-US" sz="1600" dirty="0" smtClean="0"/>
+              <a:t>Txt files – CNV Calls</a:t>
+            </a:r>
+            <a:endParaRPr lang="en-US" sz="1600" dirty="0"/>
           </a:p>
         </p:txBody>
       </p:sp>
@@ -7452,7 +12599,7 @@
         </p:blipFill>
         <p:spPr>
           <a:xfrm>
-            <a:off x="5310388" y="3804564"/>
+            <a:off x="5310387" y="3713955"/>
             <a:ext cx="5619749" cy="446302"/>
           </a:xfrm>
           <a:prstGeom prst="rect">
@@ -7516,7 +12663,7 @@
         </p:blipFill>
         <p:spPr>
           <a:xfrm>
-            <a:off x="5310386" y="4574300"/>
+            <a:off x="5310386" y="4521175"/>
             <a:ext cx="5619749" cy="350452"/>
           </a:xfrm>
           <a:prstGeom prst="rect">
@@ -7564,7 +12711,7 @@
         </p:blipFill>
         <p:spPr>
           <a:xfrm>
-            <a:off x="5310388" y="4289362"/>
+            <a:off x="5310387" y="4219110"/>
             <a:ext cx="5619750" cy="266700"/>
           </a:xfrm>
           <a:prstGeom prst="rect">
@@ -7580,8 +12727,8 @@
         </p:nvSpPr>
         <p:spPr>
           <a:xfrm>
-            <a:off x="7359925" y="4613099"/>
-            <a:ext cx="1024906" cy="1277042"/>
+            <a:off x="7359925" y="5402169"/>
+            <a:ext cx="1024906" cy="839536"/>
           </a:xfrm>
           <a:prstGeom prst="downArrow">
             <a:avLst/>
@@ -7636,6 +12783,35 @@
           </a:prstGeom>
         </p:spPr>
       </p:pic>
+      <p:pic>
+        <p:nvPicPr>
+          <p:cNvPr id="4" name="Picture 3"/>
+          <p:cNvPicPr>
+            <a:picLocks noChangeAspect="1"/>
+          </p:cNvPicPr>
+          <p:nvPr/>
+        </p:nvPicPr>
+        <p:blipFill rotWithShape="1">
+          <a:blip r:embed="rId8">
+            <a:extLst>
+              <a:ext uri="{28A0092B-C50C-407E-A947-70E740481C1C}">
+                <a14:useLocalDpi xmlns:a14="http://schemas.microsoft.com/office/drawing/2010/main" val="0"/>
+              </a:ext>
+            </a:extLst>
+          </a:blip>
+          <a:srcRect l="8951" t="2864"/>
+          <a:stretch/>
+        </p:blipFill>
+        <p:spPr>
+          <a:xfrm>
+            <a:off x="5035690" y="4900685"/>
+            <a:ext cx="6698282" cy="285846"/>
+          </a:xfrm>
+          <a:prstGeom prst="rect">
+            <a:avLst/>
+          </a:prstGeom>
+        </p:spPr>
+      </p:pic>
     </p:spTree>
     <p:extLst>
       <p:ext uri="{BB962C8B-B14F-4D97-AF65-F5344CB8AC3E}">
@@ -7646,6 +12822,13 @@
   <p:clrMapOvr>
     <a:masterClrMapping/>
   </p:clrMapOvr>
+  <p:timing>
+    <p:tnLst>
+      <p:par>
+        <p:cTn id="1" dur="indefinite" restart="never" nodeType="tmRoot"/>
+      </p:par>
+    </p:tnLst>
+  </p:timing>
 </p:sld>
 </file>
 
@@ -7682,9 +12865,14 @@
           <a:lstStyle/>
           <a:p>
             <a:r>
-              <a:rPr lang="en-US" dirty="0"/>
-              <a:t>Output Example</a:t>
-            </a:r>
+              <a:rPr lang="en-US" dirty="0" smtClean="0"/>
+              <a:t>Current Outpu</a:t>
+            </a:r>
+            <a:r>
+              <a:rPr lang="en-US" dirty="0" smtClean="0"/>
+              <a:t>t (R)</a:t>
+            </a:r>
+            <a:endParaRPr lang="en-US" dirty="0"/>
           </a:p>
         </p:txBody>
       </p:sp>
@@ -7717,6 +12905,13 @@
   <p:clrMapOvr>
     <a:masterClrMapping/>
   </p:clrMapOvr>
+  <p:timing>
+    <p:tnLst>
+      <p:par>
+        <p:cTn id="1" dur="indefinite" restart="never" nodeType="tmRoot"/>
+      </p:par>
+    </p:tnLst>
+  </p:timing>
 </p:sld>
 </file>
 
@@ -7769,46 +12964,506 @@
             <p:ph idx="1"/>
           </p:nvPr>
         </p:nvSpPr>
-        <p:spPr/>
+        <p:spPr>
+          <a:xfrm>
+            <a:off x="104181" y="5043012"/>
+            <a:ext cx="5991818" cy="1421709"/>
+          </a:xfrm>
+        </p:spPr>
         <p:txBody>
-          <a:bodyPr/>
+          <a:bodyPr>
+            <a:normAutofit/>
+          </a:bodyPr>
           <a:lstStyle/>
           <a:p>
             <a:r>
-              <a:rPr lang="en-US" dirty="0"/>
-              <a:t>Combine multiple output CNV callers</a:t>
+              <a:rPr lang="en-US" sz="2000" dirty="0"/>
+              <a:t>Completing pipeline to connect Python to </a:t>
+            </a:r>
+            <a:r>
+              <a:rPr lang="en-US" sz="2000" dirty="0" smtClean="0"/>
+              <a:t>R</a:t>
+            </a:r>
+          </a:p>
+          <a:p>
+            <a:r>
+              <a:rPr lang="en-US" sz="2000" dirty="0"/>
+              <a:t>Re-format pipeline for other users </a:t>
+            </a:r>
+          </a:p>
+        </p:txBody>
+      </p:sp>
+      <p:graphicFrame>
+        <p:nvGraphicFramePr>
+          <p:cNvPr id="5" name="Diagram 4"/>
+          <p:cNvGraphicFramePr/>
+          <p:nvPr>
+            <p:extLst>
+              <p:ext uri="{D42A27DB-BD31-4B8C-83A1-F6EECF244321}">
+                <p14:modId xmlns:p14="http://schemas.microsoft.com/office/powerpoint/2010/main" val="1846179170"/>
+              </p:ext>
+            </p:extLst>
+          </p:nvPr>
+        </p:nvGraphicFramePr>
+        <p:xfrm>
+          <a:off x="84943" y="2000523"/>
+          <a:ext cx="5083865" cy="2980493"/>
+        </p:xfrm>
+        <a:graphic>
+          <a:graphicData uri="http://schemas.openxmlformats.org/drawingml/2006/diagram">
+            <dgm:relIds xmlns:dgm="http://schemas.openxmlformats.org/drawingml/2006/diagram" xmlns:r="http://schemas.openxmlformats.org/officeDocument/2006/relationships" r:dm="rId2" r:lo="rId3" r:qs="rId4" r:cs="rId5"/>
+          </a:graphicData>
+        </a:graphic>
+      </p:graphicFrame>
+      <p:graphicFrame>
+        <p:nvGraphicFramePr>
+          <p:cNvPr id="6" name="Diagram 5"/>
+          <p:cNvGraphicFramePr/>
+          <p:nvPr>
+            <p:extLst>
+              <p:ext uri="{D42A27DB-BD31-4B8C-83A1-F6EECF244321}">
+                <p14:modId xmlns:p14="http://schemas.microsoft.com/office/powerpoint/2010/main" val="1532233707"/>
+              </p:ext>
+            </p:extLst>
+          </p:nvPr>
+        </p:nvGraphicFramePr>
+        <p:xfrm>
+          <a:off x="6095999" y="1965582"/>
+          <a:ext cx="5746231" cy="3182362"/>
+        </p:xfrm>
+        <a:graphic>
+          <a:graphicData uri="http://schemas.openxmlformats.org/drawingml/2006/diagram">
+            <dgm:relIds xmlns:dgm="http://schemas.openxmlformats.org/drawingml/2006/diagram" xmlns:r="http://schemas.openxmlformats.org/officeDocument/2006/relationships" r:dm="rId7" r:lo="rId8" r:qs="rId9" r:cs="rId10"/>
+          </a:graphicData>
+        </a:graphic>
+      </p:graphicFrame>
+      <p:sp>
+        <p:nvSpPr>
+          <p:cNvPr id="9" name="Rectangle 8"/>
+          <p:cNvSpPr/>
+          <p:nvPr/>
+        </p:nvSpPr>
+        <p:spPr>
+          <a:xfrm>
+            <a:off x="359763" y="1558977"/>
+            <a:ext cx="4811843" cy="329784"/>
+          </a:xfrm>
+          <a:prstGeom prst="rect">
+            <a:avLst/>
+          </a:prstGeom>
+        </p:spPr>
+        <p:style>
+          <a:lnRef idx="2">
+            <a:schemeClr val="accent6">
+              <a:shade val="50000"/>
+            </a:schemeClr>
+          </a:lnRef>
+          <a:fillRef idx="1">
+            <a:schemeClr val="accent6"/>
+          </a:fillRef>
+          <a:effectRef idx="0">
+            <a:schemeClr val="accent6"/>
+          </a:effectRef>
+          <a:fontRef idx="minor">
+            <a:schemeClr val="lt1"/>
+          </a:fontRef>
+        </p:style>
+        <p:txBody>
+          <a:bodyPr rtlCol="0" anchor="ctr"/>
+          <a:lstStyle/>
+          <a:p>
+            <a:pPr algn="ctr"/>
+            <a:r>
+              <a:rPr lang="en-US" dirty="0" smtClean="0"/>
+              <a:t>Today’s Pipeline</a:t>
+            </a:r>
+          </a:p>
+        </p:txBody>
+      </p:sp>
+      <p:sp>
+        <p:nvSpPr>
+          <p:cNvPr id="11" name="Rectangle 10"/>
+          <p:cNvSpPr/>
+          <p:nvPr/>
+        </p:nvSpPr>
+        <p:spPr>
+          <a:xfrm>
+            <a:off x="6351581" y="1573968"/>
+            <a:ext cx="5030417" cy="314793"/>
+          </a:xfrm>
+          <a:prstGeom prst="rect">
+            <a:avLst/>
+          </a:prstGeom>
+        </p:spPr>
+        <p:style>
+          <a:lnRef idx="2">
+            <a:schemeClr val="accent6">
+              <a:shade val="50000"/>
+            </a:schemeClr>
+          </a:lnRef>
+          <a:fillRef idx="1">
+            <a:schemeClr val="accent6"/>
+          </a:fillRef>
+          <a:effectRef idx="0">
+            <a:schemeClr val="accent6"/>
+          </a:effectRef>
+          <a:fontRef idx="minor">
+            <a:schemeClr val="lt1"/>
+          </a:fontRef>
+        </p:style>
+        <p:txBody>
+          <a:bodyPr rtlCol="0" anchor="ctr"/>
+          <a:lstStyle/>
+          <a:p>
+            <a:pPr algn="ctr"/>
+            <a:r>
+              <a:rPr lang="en-US" dirty="0" smtClean="0"/>
+              <a:t>Goal Pipeline</a:t>
+            </a:r>
+          </a:p>
+        </p:txBody>
+      </p:sp>
+      <p:sp>
+        <p:nvSpPr>
+          <p:cNvPr id="12" name="Content Placeholder 2"/>
+          <p:cNvSpPr txBox="1">
+            <a:spLocks/>
+          </p:cNvSpPr>
+          <p:nvPr/>
+        </p:nvSpPr>
+        <p:spPr>
+          <a:xfrm>
+            <a:off x="6351581" y="5306518"/>
+            <a:ext cx="5610570" cy="1263134"/>
+          </a:xfrm>
+          <a:prstGeom prst="rect">
+            <a:avLst/>
+          </a:prstGeom>
+          <a:effectLst>
+            <a:outerShdw blurRad="50800" dir="14400000">
+              <a:srgbClr val="000000">
+                <a:alpha val="40000"/>
+              </a:srgbClr>
+            </a:outerShdw>
+          </a:effectLst>
+        </p:spPr>
+        <p:txBody>
+          <a:bodyPr vert="horz" lIns="91440" tIns="45720" rIns="91440" bIns="45720" rtlCol="0" anchor="ctr">
+            <a:noAutofit/>
+          </a:bodyPr>
+          <a:lstStyle>
+            <a:lvl1pPr marL="342900" indent="-342900" algn="l" defTabSz="457200" rtl="0" eaLnBrk="1" latinLnBrk="0" hangingPunct="1">
+              <a:spcBef>
+                <a:spcPct val="20000"/>
+              </a:spcBef>
+              <a:spcAft>
+                <a:spcPts val="600"/>
+              </a:spcAft>
+              <a:buClr>
+                <a:schemeClr val="accent1"/>
+              </a:buClr>
+              <a:buFont typeface="Wingdings 2" charset="2"/>
+              <a:buChar char=""/>
+              <a:defRPr sz="1800" kern="1200">
+                <a:solidFill>
+                  <a:schemeClr val="tx1"/>
+                </a:solidFill>
+                <a:latin typeface="+mn-lt"/>
+                <a:ea typeface="+mn-ea"/>
+                <a:cs typeface="+mn-cs"/>
+              </a:defRPr>
+            </a:lvl1pPr>
+            <a:lvl2pPr marL="742950" indent="-285750" algn="l" defTabSz="457200" rtl="0" eaLnBrk="1" latinLnBrk="0" hangingPunct="1">
+              <a:spcBef>
+                <a:spcPct val="20000"/>
+              </a:spcBef>
+              <a:spcAft>
+                <a:spcPts val="600"/>
+              </a:spcAft>
+              <a:buClr>
+                <a:schemeClr val="accent1"/>
+              </a:buClr>
+              <a:buFont typeface="Wingdings 2" charset="2"/>
+              <a:buChar char=""/>
+              <a:defRPr sz="1600" kern="1200">
+                <a:solidFill>
+                  <a:schemeClr val="tx1"/>
+                </a:solidFill>
+                <a:latin typeface="+mn-lt"/>
+                <a:ea typeface="+mn-ea"/>
+                <a:cs typeface="+mn-cs"/>
+              </a:defRPr>
+            </a:lvl2pPr>
+            <a:lvl3pPr marL="1143000" indent="-228600" algn="l" defTabSz="457200" rtl="0" eaLnBrk="1" latinLnBrk="0" hangingPunct="1">
+              <a:spcBef>
+                <a:spcPct val="20000"/>
+              </a:spcBef>
+              <a:spcAft>
+                <a:spcPts val="600"/>
+              </a:spcAft>
+              <a:buClr>
+                <a:schemeClr val="accent1"/>
+              </a:buClr>
+              <a:buFont typeface="Wingdings 2" charset="2"/>
+              <a:buChar char=""/>
+              <a:defRPr sz="1400" kern="1200">
+                <a:solidFill>
+                  <a:schemeClr val="tx1"/>
+                </a:solidFill>
+                <a:latin typeface="+mn-lt"/>
+                <a:ea typeface="+mn-ea"/>
+                <a:cs typeface="+mn-cs"/>
+              </a:defRPr>
+            </a:lvl3pPr>
+            <a:lvl4pPr marL="1600200" indent="-228600" algn="l" defTabSz="457200" rtl="0" eaLnBrk="1" latinLnBrk="0" hangingPunct="1">
+              <a:spcBef>
+                <a:spcPct val="20000"/>
+              </a:spcBef>
+              <a:spcAft>
+                <a:spcPts val="600"/>
+              </a:spcAft>
+              <a:buClr>
+                <a:schemeClr val="accent1"/>
+              </a:buClr>
+              <a:buFont typeface="Wingdings 2" charset="2"/>
+              <a:buChar char=""/>
+              <a:defRPr sz="1200" kern="1200">
+                <a:solidFill>
+                  <a:schemeClr val="tx1"/>
+                </a:solidFill>
+                <a:latin typeface="+mn-lt"/>
+                <a:ea typeface="+mn-ea"/>
+                <a:cs typeface="+mn-cs"/>
+              </a:defRPr>
+            </a:lvl4pPr>
+            <a:lvl5pPr marL="2057400" indent="-228600" algn="l" defTabSz="457200" rtl="0" eaLnBrk="1" latinLnBrk="0" hangingPunct="1">
+              <a:spcBef>
+                <a:spcPct val="20000"/>
+              </a:spcBef>
+              <a:spcAft>
+                <a:spcPts val="600"/>
+              </a:spcAft>
+              <a:buClr>
+                <a:schemeClr val="accent1"/>
+              </a:buClr>
+              <a:buFont typeface="Wingdings 2" charset="2"/>
+              <a:buChar char=""/>
+              <a:defRPr sz="1200" kern="1200">
+                <a:solidFill>
+                  <a:schemeClr val="tx1"/>
+                </a:solidFill>
+                <a:latin typeface="+mn-lt"/>
+                <a:ea typeface="+mn-ea"/>
+                <a:cs typeface="+mn-cs"/>
+              </a:defRPr>
+            </a:lvl5pPr>
+            <a:lvl6pPr marL="2400000" indent="-228600" algn="l" defTabSz="457200" rtl="0" eaLnBrk="1" latinLnBrk="0" hangingPunct="1">
+              <a:spcBef>
+                <a:spcPct val="20000"/>
+              </a:spcBef>
+              <a:spcAft>
+                <a:spcPts val="600"/>
+              </a:spcAft>
+              <a:buClr>
+                <a:schemeClr val="accent1"/>
+              </a:buClr>
+              <a:buFont typeface="Wingdings 2" charset="2"/>
+              <a:buChar char=""/>
+              <a:defRPr sz="1200" kern="1200">
+                <a:solidFill>
+                  <a:schemeClr val="tx1"/>
+                </a:solidFill>
+                <a:latin typeface="+mn-lt"/>
+                <a:ea typeface="+mn-ea"/>
+                <a:cs typeface="+mn-cs"/>
+              </a:defRPr>
+            </a:lvl6pPr>
+            <a:lvl7pPr marL="2800000" indent="-228600" algn="l" defTabSz="457200" rtl="0" eaLnBrk="1" latinLnBrk="0" hangingPunct="1">
+              <a:spcBef>
+                <a:spcPct val="20000"/>
+              </a:spcBef>
+              <a:spcAft>
+                <a:spcPts val="600"/>
+              </a:spcAft>
+              <a:buClr>
+                <a:schemeClr val="accent1"/>
+              </a:buClr>
+              <a:buFont typeface="Wingdings 2" charset="2"/>
+              <a:buChar char=""/>
+              <a:defRPr sz="1200" kern="1200">
+                <a:solidFill>
+                  <a:schemeClr val="tx1"/>
+                </a:solidFill>
+                <a:latin typeface="+mn-lt"/>
+                <a:ea typeface="+mn-ea"/>
+                <a:cs typeface="+mn-cs"/>
+              </a:defRPr>
+            </a:lvl7pPr>
+            <a:lvl8pPr marL="3200000" indent="-228600" algn="l" defTabSz="457200" rtl="0" eaLnBrk="1" latinLnBrk="0" hangingPunct="1">
+              <a:spcBef>
+                <a:spcPct val="20000"/>
+              </a:spcBef>
+              <a:spcAft>
+                <a:spcPts val="600"/>
+              </a:spcAft>
+              <a:buClr>
+                <a:schemeClr val="accent1"/>
+              </a:buClr>
+              <a:buFont typeface="Wingdings 2" charset="2"/>
+              <a:buChar char=""/>
+              <a:defRPr sz="1200" kern="1200">
+                <a:solidFill>
+                  <a:schemeClr val="tx1"/>
+                </a:solidFill>
+                <a:latin typeface="+mn-lt"/>
+                <a:ea typeface="+mn-ea"/>
+                <a:cs typeface="+mn-cs"/>
+              </a:defRPr>
+            </a:lvl8pPr>
+            <a:lvl9pPr marL="3600000" indent="-228600" algn="l" defTabSz="457200" rtl="0" eaLnBrk="1" latinLnBrk="0" hangingPunct="1">
+              <a:spcBef>
+                <a:spcPct val="20000"/>
+              </a:spcBef>
+              <a:spcAft>
+                <a:spcPts val="600"/>
+              </a:spcAft>
+              <a:buClr>
+                <a:schemeClr val="accent1"/>
+              </a:buClr>
+              <a:buFont typeface="Wingdings 2" charset="2"/>
+              <a:buChar char=""/>
+              <a:defRPr sz="1200" kern="1200">
+                <a:solidFill>
+                  <a:schemeClr val="tx1"/>
+                </a:solidFill>
+                <a:latin typeface="+mn-lt"/>
+                <a:ea typeface="+mn-ea"/>
+                <a:cs typeface="+mn-cs"/>
+              </a:defRPr>
+            </a:lvl9pPr>
+          </a:lstStyle>
+          <a:p>
+            <a:r>
+              <a:rPr lang="en-US" sz="2000" dirty="0" smtClean="0"/>
+              <a:t>Combine </a:t>
+            </a:r>
+            <a:r>
+              <a:rPr lang="en-US" sz="2000" dirty="0"/>
+              <a:t>multiple output CNV callers</a:t>
             </a:r>
           </a:p>
           <a:p>
             <a:pPr lvl="1"/>
             <a:r>
-              <a:rPr lang="en-US" dirty="0"/>
-              <a:t>Combined Statistics</a:t>
+              <a:rPr lang="en-US" sz="1800" dirty="0"/>
+              <a:t>Combined </a:t>
+            </a:r>
+            <a:r>
+              <a:rPr lang="en-US" sz="1800" dirty="0" smtClean="0"/>
+              <a:t>Statistics | Overlapping </a:t>
+            </a:r>
+            <a:r>
+              <a:rPr lang="en-US" sz="1800" dirty="0"/>
+              <a:t>calls</a:t>
             </a:r>
           </a:p>
           <a:p>
             <a:pPr lvl="1"/>
-            <a:r>
-              <a:rPr lang="en-US" dirty="0"/>
-              <a:t>Overlapping calls</a:t>
-            </a:r>
-          </a:p>
-          <a:p>
-            <a:r>
-              <a:rPr lang="en-US" dirty="0"/>
-              <a:t>Re-format pipeline for other users </a:t>
-            </a:r>
-          </a:p>
-          <a:p>
-            <a:pPr lvl="1"/>
-            <a:r>
-              <a:rPr lang="en-US"/>
-              <a:t>Currently specific </a:t>
-            </a:r>
-            <a:r>
-              <a:rPr lang="en-US" dirty="0"/>
-              <a:t>for NCI cluster</a:t>
-            </a:r>
+            <a:endParaRPr lang="en-US" sz="1800" dirty="0" smtClean="0"/>
+          </a:p>
+        </p:txBody>
+      </p:sp>
+      <p:sp>
+        <p:nvSpPr>
+          <p:cNvPr id="13" name="Rectangle 12"/>
+          <p:cNvSpPr/>
+          <p:nvPr/>
+        </p:nvSpPr>
+        <p:spPr>
+          <a:xfrm>
+            <a:off x="8866789" y="3305248"/>
+            <a:ext cx="1478922" cy="584775"/>
+          </a:xfrm>
+          <a:prstGeom prst="rect">
+            <a:avLst/>
+          </a:prstGeom>
+        </p:spPr>
+        <p:txBody>
+          <a:bodyPr wrap="square">
+            <a:spAutoFit/>
+          </a:bodyPr>
+          <a:lstStyle/>
+          <a:p>
+            <a:pPr marL="285750" lvl="0" indent="-285750">
+              <a:buFont typeface="Arial" panose="020B0604020202020204" pitchFamily="34" charset="0"/>
+              <a:buChar char="•"/>
+            </a:pPr>
+            <a:r>
+              <a:rPr lang="en-US" sz="1600" b="1" dirty="0" smtClean="0"/>
+              <a:t>Perl </a:t>
+            </a:r>
+            <a:r>
+              <a:rPr lang="en-US" sz="1600" b="1" dirty="0"/>
+              <a:t>Script</a:t>
+            </a:r>
+          </a:p>
+          <a:p>
+            <a:pPr marL="285750" lvl="0" indent="-285750">
+              <a:buFont typeface="Arial" panose="020B0604020202020204" pitchFamily="34" charset="0"/>
+              <a:buChar char="•"/>
+            </a:pPr>
+            <a:r>
+              <a:rPr lang="en-US" sz="1600" b="1" dirty="0"/>
+              <a:t>R Script</a:t>
+            </a:r>
+            <a:endParaRPr lang="en-US" sz="1600" b="1" dirty="0"/>
+          </a:p>
+        </p:txBody>
+      </p:sp>
+      <p:sp>
+        <p:nvSpPr>
+          <p:cNvPr id="14" name="Rectangle 13"/>
+          <p:cNvSpPr/>
+          <p:nvPr/>
+        </p:nvSpPr>
+        <p:spPr>
+          <a:xfrm>
+            <a:off x="6723196" y="3305248"/>
+            <a:ext cx="2143593" cy="584775"/>
+          </a:xfrm>
+          <a:prstGeom prst="rect">
+            <a:avLst/>
+          </a:prstGeom>
+        </p:spPr>
+        <p:txBody>
+          <a:bodyPr wrap="square">
+            <a:spAutoFit/>
+          </a:bodyPr>
+          <a:lstStyle/>
+          <a:p>
+            <a:pPr marL="285750" lvl="0" indent="-285750">
+              <a:buFont typeface="Arial" panose="020B0604020202020204" pitchFamily="34" charset="0"/>
+              <a:buChar char="•"/>
+            </a:pPr>
+            <a:r>
+              <a:rPr lang="en-US" sz="1600" b="1" dirty="0"/>
+              <a:t>Genome Studio</a:t>
+            </a:r>
+          </a:p>
+          <a:p>
+            <a:pPr marL="285750" lvl="0" indent="-285750">
+              <a:buFont typeface="Arial" panose="020B0604020202020204" pitchFamily="34" charset="0"/>
+              <a:buChar char="•"/>
+            </a:pPr>
+            <a:r>
+              <a:rPr lang="en-US" sz="1600" b="1" dirty="0"/>
+              <a:t>Python </a:t>
+            </a:r>
+            <a:r>
+              <a:rPr lang="en-US" sz="1600" b="1" dirty="0" smtClean="0"/>
+              <a:t>Script</a:t>
+            </a:r>
+            <a:endParaRPr lang="en-US" sz="1600" b="1" dirty="0"/>
           </a:p>
         </p:txBody>
       </p:sp>
@@ -7822,6 +13477,13 @@
   <p:clrMapOvr>
     <a:masterClrMapping/>
   </p:clrMapOvr>
+  <p:timing>
+    <p:tnLst>
+      <p:par>
+        <p:cTn id="1" dur="indefinite" restart="never" nodeType="tmRoot"/>
+      </p:par>
+    </p:tnLst>
+  </p:timing>
 </p:sld>
 </file>
 

--- a/files/Final_Present.pptx
+++ b/files/Final_Present.pptx
@@ -1,6 +1,6 @@
 
 <file path=ppt/presentation.xml><?xml version="1.0" encoding="utf-8"?>
-<p:presentation xmlns:a="http://schemas.openxmlformats.org/drawingml/2006/main" xmlns:r="http://schemas.openxmlformats.org/officeDocument/2006/relationships" xmlns:p="http://schemas.openxmlformats.org/presentationml/2006/main" autoCompressPictures="0">
+<p:presentation xmlns:a="http://schemas.openxmlformats.org/drawingml/2006/main" xmlns:r="http://schemas.openxmlformats.org/officeDocument/2006/relationships" xmlns:p="http://schemas.openxmlformats.org/presentationml/2006/main" saveSubsetFonts="1" autoCompressPictures="0">
   <p:sldMasterIdLst>
     <p:sldMasterId id="2147483648" r:id="rId1"/>
   </p:sldMasterIdLst>
@@ -2172,6 +2172,13 @@
         </dgm:presLayoutVars>
       </dgm:prSet>
       <dgm:spPr/>
+      <dgm:t>
+        <a:bodyPr/>
+        <a:lstStyle/>
+        <a:p>
+          <a:endParaRPr lang="en-US"/>
+        </a:p>
+      </dgm:t>
     </dgm:pt>
     <dgm:pt modelId="{A60EFD57-230B-4E82-B751-1DCFE9FE3F02}" type="pres">
       <dgm:prSet presAssocID="{4449D89B-ABFC-4DE5-9F69-6F158BE79CD7}" presName="sibTrans" presStyleCnt="0"/>
@@ -2213,17 +2220,17 @@
     </dgm:pt>
   </dgm:ptLst>
   <dgm:cxnLst>
+    <dgm:cxn modelId="{42CD711A-2661-4F72-AAEF-C1EFA8E9DA9F}" srcId="{CD695D2B-4A06-43A0-A1E7-3A9A846CA1E2}" destId="{182A5E59-2349-4AA3-9B90-8A26A99C8872}" srcOrd="1" destOrd="0" parTransId="{5879922F-3903-451B-A0D4-F5D3F3EDB154}" sibTransId="{D464B0BA-3C15-44F6-9DAB-2DBFBBB37AF4}"/>
+    <dgm:cxn modelId="{D39B6449-3E60-4A6B-8DD2-E92665FD7C6C}" type="presOf" srcId="{6628B3FB-B17E-4AB7-B809-6CD5821A04D1}" destId="{8A6B9CFA-7158-4A80-A5E9-D5BB7D4C6B71}" srcOrd="0" destOrd="1" presId="urn:microsoft.com/office/officeart/2005/8/layout/hProcess9"/>
     <dgm:cxn modelId="{900BD8B6-E244-4115-B348-B68D1DBA8FC8}" srcId="{FF58CDBE-CCF5-4CC5-A774-1417A77661A3}" destId="{7B6740FF-7962-4FA0-8A96-CF03DCD18D7A}" srcOrd="0" destOrd="0" parTransId="{BB451FAD-9AFA-4D1F-B20E-6901BACD442F}" sibTransId="{4449D89B-ABFC-4DE5-9F69-6F158BE79CD7}"/>
-    <dgm:cxn modelId="{73E65776-21E1-4B9A-B4B3-609F363AD914}" srcId="{FF58CDBE-CCF5-4CC5-A774-1417A77661A3}" destId="{81AE8944-436D-498A-A0E8-E1847ED70C29}" srcOrd="2" destOrd="0" parTransId="{9BEEE955-910B-4FDC-A621-CABF6BB45508}" sibTransId="{43CDD7DA-8552-4FDD-8731-A7ADCDEF165A}"/>
+    <dgm:cxn modelId="{EE903FB8-3F72-4D97-8F4D-4D122F5E87DA}" type="presOf" srcId="{182A5E59-2349-4AA3-9B90-8A26A99C8872}" destId="{8A6B9CFA-7158-4A80-A5E9-D5BB7D4C6B71}" srcOrd="0" destOrd="2" presId="urn:microsoft.com/office/officeart/2005/8/layout/hProcess9"/>
+    <dgm:cxn modelId="{A489FEB1-DCFC-4D96-B3E8-8E4C159F11CC}" srcId="{FF58CDBE-CCF5-4CC5-A774-1417A77661A3}" destId="{CD695D2B-4A06-43A0-A1E7-3A9A846CA1E2}" srcOrd="1" destOrd="0" parTransId="{FF6566DF-016C-458B-933A-B3B68883423C}" sibTransId="{D2CC89C9-8746-4710-8958-B32658E17D17}"/>
+    <dgm:cxn modelId="{AAD7B4C4-1CDE-4E48-8BAB-8EE0FBB3F2C8}" type="presOf" srcId="{FF58CDBE-CCF5-4CC5-A774-1417A77661A3}" destId="{A0EAFC38-075E-4B6E-8AA8-319EE2EB2C0C}" srcOrd="0" destOrd="0" presId="urn:microsoft.com/office/officeart/2005/8/layout/hProcess9"/>
     <dgm:cxn modelId="{87DE7395-A4E5-4D9B-B830-346BDD29E121}" type="presOf" srcId="{CD695D2B-4A06-43A0-A1E7-3A9A846CA1E2}" destId="{8A6B9CFA-7158-4A80-A5E9-D5BB7D4C6B71}" srcOrd="0" destOrd="0" presId="urn:microsoft.com/office/officeart/2005/8/layout/hProcess9"/>
     <dgm:cxn modelId="{B735C2CF-86AA-47FC-8EBA-4EE7D59AFB5C}" type="presOf" srcId="{7B6740FF-7962-4FA0-8A96-CF03DCD18D7A}" destId="{961F8D94-59DC-46C9-8C4C-3FC81EBE83A2}" srcOrd="0" destOrd="0" presId="urn:microsoft.com/office/officeart/2005/8/layout/hProcess9"/>
-    <dgm:cxn modelId="{EE903FB8-3F72-4D97-8F4D-4D122F5E87DA}" type="presOf" srcId="{182A5E59-2349-4AA3-9B90-8A26A99C8872}" destId="{8A6B9CFA-7158-4A80-A5E9-D5BB7D4C6B71}" srcOrd="0" destOrd="2" presId="urn:microsoft.com/office/officeart/2005/8/layout/hProcess9"/>
-    <dgm:cxn modelId="{42CD711A-2661-4F72-AAEF-C1EFA8E9DA9F}" srcId="{CD695D2B-4A06-43A0-A1E7-3A9A846CA1E2}" destId="{182A5E59-2349-4AA3-9B90-8A26A99C8872}" srcOrd="1" destOrd="0" parTransId="{5879922F-3903-451B-A0D4-F5D3F3EDB154}" sibTransId="{D464B0BA-3C15-44F6-9DAB-2DBFBBB37AF4}"/>
+    <dgm:cxn modelId="{73E65776-21E1-4B9A-B4B3-609F363AD914}" srcId="{FF58CDBE-CCF5-4CC5-A774-1417A77661A3}" destId="{81AE8944-436D-498A-A0E8-E1847ED70C29}" srcOrd="2" destOrd="0" parTransId="{9BEEE955-910B-4FDC-A621-CABF6BB45508}" sibTransId="{43CDD7DA-8552-4FDD-8731-A7ADCDEF165A}"/>
     <dgm:cxn modelId="{888685F7-41DB-4E9A-A0A0-6D51B5388C00}" srcId="{CD695D2B-4A06-43A0-A1E7-3A9A846CA1E2}" destId="{6628B3FB-B17E-4AB7-B809-6CD5821A04D1}" srcOrd="0" destOrd="0" parTransId="{8F22D4C7-715B-483D-B8E9-666FD2640C3E}" sibTransId="{0C34B4CA-4818-4FE0-86BF-1547AFF18090}"/>
     <dgm:cxn modelId="{E5835B9A-A9B4-4F83-9BC4-630379F233DD}" type="presOf" srcId="{81AE8944-436D-498A-A0E8-E1847ED70C29}" destId="{84F309D0-2FE9-46CC-8A1C-F80DAF3D129B}" srcOrd="0" destOrd="0" presId="urn:microsoft.com/office/officeart/2005/8/layout/hProcess9"/>
-    <dgm:cxn modelId="{D39B6449-3E60-4A6B-8DD2-E92665FD7C6C}" type="presOf" srcId="{6628B3FB-B17E-4AB7-B809-6CD5821A04D1}" destId="{8A6B9CFA-7158-4A80-A5E9-D5BB7D4C6B71}" srcOrd="0" destOrd="1" presId="urn:microsoft.com/office/officeart/2005/8/layout/hProcess9"/>
-    <dgm:cxn modelId="{A489FEB1-DCFC-4D96-B3E8-8E4C159F11CC}" srcId="{FF58CDBE-CCF5-4CC5-A774-1417A77661A3}" destId="{CD695D2B-4A06-43A0-A1E7-3A9A846CA1E2}" srcOrd="1" destOrd="0" parTransId="{FF6566DF-016C-458B-933A-B3B68883423C}" sibTransId="{D2CC89C9-8746-4710-8958-B32658E17D17}"/>
-    <dgm:cxn modelId="{AAD7B4C4-1CDE-4E48-8BAB-8EE0FBB3F2C8}" type="presOf" srcId="{FF58CDBE-CCF5-4CC5-A774-1417A77661A3}" destId="{A0EAFC38-075E-4B6E-8AA8-319EE2EB2C0C}" srcOrd="0" destOrd="0" presId="urn:microsoft.com/office/officeart/2005/8/layout/hProcess9"/>
     <dgm:cxn modelId="{FD068582-3126-400B-9C65-F653939065BE}" type="presParOf" srcId="{A0EAFC38-075E-4B6E-8AA8-319EE2EB2C0C}" destId="{69DE8397-723D-490E-B1CE-D5AF760B0645}" srcOrd="0" destOrd="0" presId="urn:microsoft.com/office/officeart/2005/8/layout/hProcess9"/>
     <dgm:cxn modelId="{9701657A-FA5A-403C-AC64-E727E8B8DC51}" type="presParOf" srcId="{A0EAFC38-075E-4B6E-8AA8-319EE2EB2C0C}" destId="{12399483-8BC7-4FB1-9165-495625B1F49C}" srcOrd="1" destOrd="0" presId="urn:microsoft.com/office/officeart/2005/8/layout/hProcess9"/>
     <dgm:cxn modelId="{296C9CF3-2B06-4C0E-AC2C-0F72A1F3FF72}" type="presParOf" srcId="{12399483-8BC7-4FB1-9165-495625B1F49C}" destId="{961F8D94-59DC-46C9-8C4C-3FC81EBE83A2}" srcOrd="0" destOrd="0" presId="urn:microsoft.com/office/officeart/2005/8/layout/hProcess9"/>
@@ -5292,7 +5299,7 @@
           <a:effectLst/>
           <a:extLst>
             <a:ext uri="{91240B29-F687-4f45-9708-019B960494DF}">
-              <a14:hiddenLine xmlns="" xmlns:a14="http://schemas.microsoft.com/office/drawing/2010/main" w="9525">
+              <a14:hiddenLine xmlns:a14="http://schemas.microsoft.com/office/drawing/2010/main" xmlns="" w="9525">
                 <a:solidFill>
                   <a:srgbClr val="000000"/>
                 </a:solidFill>
@@ -5485,7 +5492,7 @@
             <a:fld id="{08B9EBBA-996F-894A-B54A-D6246ED52CEA}" type="datetimeFigureOut">
               <a:rPr lang="en-US" dirty="0"/>
               <a:pPr/>
-              <a:t>3/22/2017</a:t>
+              <a:t>3/22/17</a:t>
             </a:fld>
             <a:endParaRPr lang="en-US" dirty="0"/>
           </a:p>
@@ -5800,7 +5807,7 @@
             <a:fld id="{18C79C5D-2A6F-F04D-97DA-BEF2467B64E4}" type="datetimeFigureOut">
               <a:rPr lang="en-US" dirty="0"/>
               <a:pPr/>
-              <a:t>3/22/2017</a:t>
+              <a:t>3/22/17</a:t>
             </a:fld>
             <a:endParaRPr lang="en-US" dirty="0"/>
           </a:p>
@@ -6285,7 +6292,7 @@
             <a:fld id="{8DFA1846-DA80-1C48-A609-854EA85C59AD}" type="datetimeFigureOut">
               <a:rPr lang="en-US" dirty="0"/>
               <a:pPr/>
-              <a:t>3/22/2017</a:t>
+              <a:t>3/22/17</a:t>
             </a:fld>
             <a:endParaRPr lang="en-US" dirty="0"/>
           </a:p>
@@ -6651,7 +6658,7 @@
             <a:fld id="{FBF54567-0DE4-3F47-BF90-CB84690072F9}" type="datetimeFigureOut">
               <a:rPr lang="en-US" dirty="0"/>
               <a:pPr/>
-              <a:t>3/22/2017</a:t>
+              <a:t>3/22/17</a:t>
             </a:fld>
             <a:endParaRPr lang="en-US" dirty="0"/>
           </a:p>
@@ -6802,7 +6809,7 @@
           <a:ln/>
           <a:extLst>
             <a:ext uri="{91240B29-F687-4f45-9708-019B960494DF}">
-              <a14:hiddenLine xmlns="" xmlns:a14="http://schemas.microsoft.com/office/drawing/2010/main" w="9525">
+              <a14:hiddenLine xmlns:a14="http://schemas.microsoft.com/office/drawing/2010/main" xmlns="" w="9525">
                 <a:solidFill>
                   <a:srgbClr val="000000"/>
                 </a:solidFill>
@@ -6921,7 +6928,7 @@
             <a:fld id="{C6C52C72-DE31-F449-A4ED-4C594FD91407}" type="datetimeFigureOut">
               <a:rPr lang="en-US" dirty="0"/>
               <a:pPr/>
-              <a:t>3/22/2017</a:t>
+              <a:t>3/22/17</a:t>
             </a:fld>
             <a:endParaRPr lang="en-US" dirty="0"/>
           </a:p>
@@ -7074,7 +7081,7 @@
           <a:ln/>
           <a:extLst>
             <a:ext uri="{91240B29-F687-4f45-9708-019B960494DF}">
-              <a14:hiddenLine xmlns="" xmlns:a14="http://schemas.microsoft.com/office/drawing/2010/main" w="9525">
+              <a14:hiddenLine xmlns:a14="http://schemas.microsoft.com/office/drawing/2010/main" xmlns="" w="9525">
                 <a:solidFill>
                   <a:srgbClr val="000000"/>
                 </a:solidFill>
@@ -7203,7 +7210,7 @@
             <a:fld id="{ED62726E-379B-B349-9EED-81ED093FA806}" type="datetimeFigureOut">
               <a:rPr lang="en-US" dirty="0"/>
               <a:pPr/>
-              <a:t>3/22/2017</a:t>
+              <a:t>3/22/17</a:t>
             </a:fld>
             <a:endParaRPr lang="en-US" dirty="0"/>
           </a:p>
@@ -7354,7 +7361,7 @@
           <a:ln/>
           <a:extLst>
             <a:ext uri="{91240B29-F687-4f45-9708-019B960494DF}">
-              <a14:hiddenLine xmlns="" xmlns:a14="http://schemas.microsoft.com/office/drawing/2010/main" w="9525">
+              <a14:hiddenLine xmlns:a14="http://schemas.microsoft.com/office/drawing/2010/main" xmlns="" w="9525">
                 <a:solidFill>
                   <a:srgbClr val="000000"/>
                 </a:solidFill>
@@ -7483,7 +7490,7 @@
             <a:fld id="{9B3A1323-8D79-1946-B0D7-40001CF92E9D}" type="datetimeFigureOut">
               <a:rPr lang="en-US" dirty="0"/>
               <a:pPr/>
-              <a:t>3/22/2017</a:t>
+              <a:t>3/22/17</a:t>
             </a:fld>
             <a:endParaRPr lang="en-US" dirty="0"/>
           </a:p>
@@ -7823,7 +7830,7 @@
             <a:fld id="{8DFA1846-DA80-1C48-A609-854EA85C59AD}" type="datetimeFigureOut">
               <a:rPr lang="en-US" dirty="0"/>
               <a:pPr/>
-              <a:t>3/22/2017</a:t>
+              <a:t>3/22/17</a:t>
             </a:fld>
             <a:endParaRPr lang="en-US" dirty="0"/>
           </a:p>
@@ -7974,7 +7981,7 @@
           <a:ln/>
           <a:extLst>
             <a:ext uri="{91240B29-F687-4f45-9708-019B960494DF}">
-              <a14:hiddenLine xmlns="" xmlns:a14="http://schemas.microsoft.com/office/drawing/2010/main" w="9525">
+              <a14:hiddenLine xmlns:a14="http://schemas.microsoft.com/office/drawing/2010/main" xmlns="" w="9525">
                 <a:solidFill>
                   <a:srgbClr val="000000"/>
                 </a:solidFill>
@@ -8159,7 +8166,7 @@
             <a:fld id="{57302355-E14B-8545-A8F8-0FE83CC9D524}" type="datetimeFigureOut">
               <a:rPr lang="en-US" dirty="0"/>
               <a:pPr/>
-              <a:t>3/22/2017</a:t>
+              <a:t>3/22/17</a:t>
             </a:fld>
             <a:endParaRPr lang="en-US" dirty="0"/>
           </a:p>
@@ -8310,7 +8317,7 @@
           <a:ln/>
           <a:extLst>
             <a:ext uri="{91240B29-F687-4f45-9708-019B960494DF}">
-              <a14:hiddenLine xmlns="" xmlns:a14="http://schemas.microsoft.com/office/drawing/2010/main" w="9525">
+              <a14:hiddenLine xmlns:a14="http://schemas.microsoft.com/office/drawing/2010/main" xmlns="" w="9525">
                 <a:solidFill>
                   <a:srgbClr val="000000"/>
                 </a:solidFill>
@@ -8633,7 +8640,7 @@
             <a:fld id="{02640F58-564D-2B4F-AE67-E407BA4FCF45}" type="datetimeFigureOut">
               <a:rPr lang="en-US" dirty="0"/>
               <a:pPr/>
-              <a:t>3/22/2017</a:t>
+              <a:t>3/22/17</a:t>
             </a:fld>
             <a:endParaRPr lang="en-US" dirty="0"/>
           </a:p>
@@ -8784,7 +8791,7 @@
           <a:ln/>
           <a:extLst>
             <a:ext uri="{91240B29-F687-4f45-9708-019B960494DF}">
-              <a14:hiddenLine xmlns="" xmlns:a14="http://schemas.microsoft.com/office/drawing/2010/main" w="9525">
+              <a14:hiddenLine xmlns:a14="http://schemas.microsoft.com/office/drawing/2010/main" xmlns="" w="9525">
                 <a:solidFill>
                   <a:srgbClr val="000000"/>
                 </a:solidFill>
@@ -8851,7 +8858,7 @@
             <a:fld id="{F13A34C8-038E-2045-AF43-DF7DBB8E0E9E}" type="datetimeFigureOut">
               <a:rPr lang="en-US" dirty="0"/>
               <a:pPr/>
-              <a:t>3/22/2017</a:t>
+              <a:t>3/22/17</a:t>
             </a:fld>
             <a:endParaRPr lang="en-US" dirty="0"/>
           </a:p>
@@ -8943,7 +8950,7 @@
             <a:fld id="{8818C68F-D26B-8F47-958C-23B49CF8A634}" type="datetimeFigureOut">
               <a:rPr lang="en-US" dirty="0"/>
               <a:pPr/>
-              <a:t>3/22/2017</a:t>
+              <a:t>3/22/17</a:t>
             </a:fld>
             <a:endParaRPr lang="en-US" dirty="0"/>
           </a:p>
@@ -9207,7 +9214,7 @@
           <a:ln/>
           <a:extLst>
             <a:ext uri="{91240B29-F687-4f45-9708-019B960494DF}">
-              <a14:hiddenLine xmlns="" xmlns:a14="http://schemas.microsoft.com/office/drawing/2010/main" w="9525">
+              <a14:hiddenLine xmlns:a14="http://schemas.microsoft.com/office/drawing/2010/main" xmlns="" w="9525">
                 <a:solidFill>
                   <a:srgbClr val="000000"/>
                 </a:solidFill>
@@ -9407,7 +9414,7 @@
             <a:fld id="{D0DF5E60-9974-AC48-9591-99C2BB44B7CF}" type="datetimeFigureOut">
               <a:rPr lang="en-US" dirty="0"/>
               <a:pPr/>
-              <a:t>3/22/2017</a:t>
+              <a:t>3/22/17</a:t>
             </a:fld>
             <a:endParaRPr lang="en-US" dirty="0"/>
           </a:p>
@@ -9717,7 +9724,7 @@
             <a:fld id="{18C79C5D-2A6F-F04D-97DA-BEF2467B64E4}" type="datetimeFigureOut">
               <a:rPr lang="en-US" dirty="0"/>
               <a:pPr/>
-              <a:t>3/22/2017</a:t>
+              <a:t>3/22/17</a:t>
             </a:fld>
             <a:endParaRPr lang="en-US" dirty="0"/>
           </a:p>
@@ -9984,7 +9991,7 @@
             <a:fld id="{09B482E8-6E0E-1B4F-B1FD-C69DB9E858D9}" type="datetimeFigureOut">
               <a:rPr lang="en-US" dirty="0"/>
               <a:pPr/>
-              <a:t>3/22/2017</a:t>
+              <a:t>3/22/17</a:t>
             </a:fld>
             <a:endParaRPr lang="en-US" dirty="0"/>
           </a:p>
@@ -10440,15 +10447,21 @@
             <p:ph type="title"/>
           </p:nvPr>
         </p:nvSpPr>
-        <p:spPr/>
+        <p:spPr>
+          <a:xfrm>
+            <a:off x="3115318" y="3093065"/>
+            <a:ext cx="5384738" cy="1356844"/>
+          </a:xfrm>
+        </p:spPr>
         <p:txBody>
           <a:bodyPr/>
           <a:lstStyle/>
           <a:p>
             <a:r>
-              <a:rPr lang="en-US" dirty="0"/>
-              <a:t>NCBI 2017 Hackathon</a:t>
-            </a:r>
+              <a:rPr lang="en-US" sz="7200" dirty="0" smtClean="0"/>
+              <a:t>Scan2CNV</a:t>
+            </a:r>
+            <a:endParaRPr lang="en-US" sz="7200" dirty="0"/>
           </a:p>
         </p:txBody>
       </p:sp>
@@ -10485,14 +10498,14 @@
           <p:nvPr>
             <p:extLst>
               <p:ext uri="{D42A27DB-BD31-4B8C-83A1-F6EECF244321}">
-                <p14:modId xmlns:p14="http://schemas.microsoft.com/office/powerpoint/2010/main" val="98706705"/>
+                <p14:modId xmlns:p14="http://schemas.microsoft.com/office/powerpoint/2010/main" val="216610508"/>
               </p:ext>
             </p:extLst>
           </p:nvPr>
         </p:nvGraphicFramePr>
         <p:xfrm>
           <a:off x="2685983" y="1346676"/>
-          <a:ext cx="5980152" cy="1604720"/>
+          <a:ext cx="5980152" cy="1925664"/>
         </p:xfrm>
         <a:graphic>
           <a:graphicData uri="http://schemas.openxmlformats.org/drawingml/2006/table">
@@ -10504,14 +10517,14 @@
                 <a:gridCol w="1949066">
                   <a:extLst>
                     <a:ext uri="{9D8B030D-6E8A-4147-A177-3AD203B41FA5}">
-                      <a16:colId xmlns="" xmlns:a16="http://schemas.microsoft.com/office/drawing/2014/main" val="4190180903"/>
+                      <a16:colId xmlns:a16="http://schemas.microsoft.com/office/drawing/2014/main" xmlns="" val="4190180903"/>
                     </a:ext>
                   </a:extLst>
                 </a:gridCol>
                 <a:gridCol w="4031086">
                   <a:extLst>
                     <a:ext uri="{9D8B030D-6E8A-4147-A177-3AD203B41FA5}">
-                      <a16:colId xmlns="" xmlns:a16="http://schemas.microsoft.com/office/drawing/2014/main" val="2787284683"/>
+                      <a16:colId xmlns:a16="http://schemas.microsoft.com/office/drawing/2014/main" xmlns="" val="2787284683"/>
                     </a:ext>
                   </a:extLst>
                 </a:gridCol>
@@ -10552,7 +10565,7 @@
                 </a:tc>
                 <a:extLst>
                   <a:ext uri="{0D108BD9-81ED-4DB2-BD59-A6C34878D82A}">
-                    <a16:rowId xmlns="" xmlns:a16="http://schemas.microsoft.com/office/drawing/2014/main" val="1534888173"/>
+                    <a16:rowId xmlns:a16="http://schemas.microsoft.com/office/drawing/2014/main" xmlns="" val="1534888173"/>
                   </a:ext>
                 </a:extLst>
               </a:tr>
@@ -10587,7 +10600,7 @@
                 </a:tc>
                 <a:extLst>
                   <a:ext uri="{0D108BD9-81ED-4DB2-BD59-A6C34878D82A}">
-                    <a16:rowId xmlns="" xmlns:a16="http://schemas.microsoft.com/office/drawing/2014/main" val="3675628065"/>
+                    <a16:rowId xmlns:a16="http://schemas.microsoft.com/office/drawing/2014/main" xmlns="" val="3675628065"/>
                   </a:ext>
                 </a:extLst>
               </a:tr>
@@ -10622,7 +10635,7 @@
                 </a:tc>
                 <a:extLst>
                   <a:ext uri="{0D108BD9-81ED-4DB2-BD59-A6C34878D82A}">
-                    <a16:rowId xmlns="" xmlns:a16="http://schemas.microsoft.com/office/drawing/2014/main" val="2631868713"/>
+                    <a16:rowId xmlns:a16="http://schemas.microsoft.com/office/drawing/2014/main" xmlns="" val="2631868713"/>
                   </a:ext>
                 </a:extLst>
               </a:tr>
@@ -10662,7 +10675,7 @@
                 </a:tc>
                 <a:extLst>
                   <a:ext uri="{0D108BD9-81ED-4DB2-BD59-A6C34878D82A}">
-                    <a16:rowId xmlns="" xmlns:a16="http://schemas.microsoft.com/office/drawing/2014/main" val="1091931969"/>
+                    <a16:rowId xmlns:a16="http://schemas.microsoft.com/office/drawing/2014/main" xmlns="" val="1091931969"/>
                   </a:ext>
                 </a:extLst>
               </a:tr>
@@ -10695,9 +10708,41 @@
                   </a:txBody>
                   <a:tcPr/>
                 </a:tc>
+              </a:tr>
+              <a:tr h="320944">
+                <a:tc>
+                  <a:txBody>
+                    <a:bodyPr/>
+                    <a:lstStyle/>
+                    <a:p>
+                      <a:pPr algn="ctr"/>
+                      <a:r>
+                        <a:rPr lang="en-US" sz="1400" b="1" dirty="0" smtClean="0"/>
+                        <a:t>TOTAL</a:t>
+                      </a:r>
+                      <a:endParaRPr lang="en-US" sz="1400" b="1" dirty="0"/>
+                    </a:p>
+                  </a:txBody>
+                  <a:tcPr/>
+                </a:tc>
+                <a:tc>
+                  <a:txBody>
+                    <a:bodyPr/>
+                    <a:lstStyle/>
+                    <a:p>
+                      <a:pPr algn="ctr"/>
+                      <a:r>
+                        <a:rPr lang="en-US" sz="1400" dirty="0"/>
+                        <a:t>7</a:t>
+                      </a:r>
+                      <a:endParaRPr lang="en-US" sz="1400" dirty="0"/>
+                    </a:p>
+                  </a:txBody>
+                  <a:tcPr/>
+                </a:tc>
                 <a:extLst>
                   <a:ext uri="{0D108BD9-81ED-4DB2-BD59-A6C34878D82A}">
-                    <a16:rowId xmlns="" xmlns:a16="http://schemas.microsoft.com/office/drawing/2014/main" val="186440778"/>
+                    <a16:rowId xmlns:a16="http://schemas.microsoft.com/office/drawing/2014/main" xmlns="" val="186440778"/>
                   </a:ext>
                 </a:extLst>
               </a:tr>
@@ -10938,7 +10983,7 @@
           <p:nvPr>
             <p:extLst>
               <p:ext uri="{386F3935-93C4-4BCD-93E2-E3B085C9AB24}">
-                <p16:designElem xmlns="" xmlns:p16="http://schemas.microsoft.com/office/powerpoint/2015/main" val="1"/>
+                <p16:designElem xmlns:p16="http://schemas.microsoft.com/office/powerpoint/2015/main" val="1"/>
               </p:ext>
             </p:extLst>
           </p:nvPr>
@@ -10992,7 +11037,7 @@
           <p:nvPr>
             <p:extLst>
               <p:ext uri="{386F3935-93C4-4BCD-93E2-E3B085C9AB24}">
-                <p16:designElem xmlns="" xmlns:p16="http://schemas.microsoft.com/office/powerpoint/2015/main" val="1"/>
+                <p16:designElem xmlns:p16="http://schemas.microsoft.com/office/powerpoint/2015/main" val="1"/>
               </p:ext>
             </p:extLst>
           </p:nvPr>
@@ -11212,7 +11257,7 @@
           <p:nvPr>
             <p:extLst>
               <p:ext uri="{386F3935-93C4-4BCD-93E2-E3B085C9AB24}">
-                <p16:designElem xmlns="" xmlns:p16="http://schemas.microsoft.com/office/powerpoint/2015/main" val="1"/>
+                <p16:designElem xmlns:p16="http://schemas.microsoft.com/office/powerpoint/2015/main" val="1"/>
               </p:ext>
             </p:extLst>
           </p:nvPr>
@@ -11456,7 +11501,7 @@
           <p:nvPr>
             <p:extLst>
               <p:ext uri="{386F3935-93C4-4BCD-93E2-E3B085C9AB24}">
-                <p16:designElem xmlns="" xmlns:p16="http://schemas.microsoft.com/office/powerpoint/2015/main" val="1"/>
+                <p16:designElem xmlns:p16="http://schemas.microsoft.com/office/powerpoint/2015/main" val="1"/>
               </p:ext>
             </p:extLst>
           </p:nvPr>
@@ -11510,7 +11555,7 @@
           <p:nvPr>
             <p:extLst>
               <p:ext uri="{386F3935-93C4-4BCD-93E2-E3B085C9AB24}">
-                <p16:designElem xmlns="" xmlns:p16="http://schemas.microsoft.com/office/powerpoint/2015/main" val="1"/>
+                <p16:designElem xmlns:p16="http://schemas.microsoft.com/office/powerpoint/2015/main" val="1"/>
               </p:ext>
             </p:extLst>
           </p:nvPr>
@@ -11700,7 +11745,7 @@
           <p:nvPr>
             <p:extLst>
               <p:ext uri="{386F3935-93C4-4BCD-93E2-E3B085C9AB24}">
-                <p16:designElem xmlns="" xmlns:p16="http://schemas.microsoft.com/office/powerpoint/2015/main" val="1"/>
+                <p16:designElem xmlns:p16="http://schemas.microsoft.com/office/powerpoint/2015/main" val="1"/>
               </p:ext>
             </p:extLst>
           </p:nvPr>
@@ -11838,7 +11883,6 @@
               <a:rPr lang="en-US" sz="1400" dirty="0"/>
               <a:t>R</a:t>
             </a:r>
-            <a:endParaRPr lang="en-US" sz="1400" dirty="0"/>
           </a:p>
           <a:p>
             <a:r>
@@ -12467,7 +12511,6 @@
               <a:rPr lang="en-US" dirty="0"/>
               <a:t> (Scan2CNV)</a:t>
             </a:r>
-            <a:endParaRPr lang="en-US" dirty="0"/>
           </a:p>
         </p:txBody>
       </p:sp>
@@ -12866,11 +12909,7 @@
           <a:p>
             <a:r>
               <a:rPr lang="en-US" dirty="0" smtClean="0"/>
-              <a:t>Current Outpu</a:t>
-            </a:r>
-            <a:r>
-              <a:rPr lang="en-US" dirty="0" smtClean="0"/>
-              <a:t>t (R)</a:t>
+              <a:t>Current Output (R)</a:t>
             </a:r>
             <a:endParaRPr lang="en-US" dirty="0"/>
           </a:p>
@@ -13416,7 +13455,6 @@
               <a:rPr lang="en-US" sz="1600" b="1" dirty="0"/>
               <a:t>R Script</a:t>
             </a:r>
-            <a:endParaRPr lang="en-US" sz="1600" b="1" dirty="0"/>
           </a:p>
         </p:txBody>
       </p:sp>

--- a/files/Final_Present.pptx
+++ b/files/Final_Present.pptx
@@ -2557,7 +2557,7 @@
             <a:spcAft>
               <a:spcPct val="15000"/>
             </a:spcAft>
-            <a:buChar char="••"/>
+            <a:buChar char="•"/>
           </a:pPr>
           <a:r>
             <a:rPr lang="en-US" sz="1400" b="1" kern="1200" dirty="0" smtClean="0"/>
@@ -2576,7 +2576,7 @@
             <a:spcAft>
               <a:spcPct val="15000"/>
             </a:spcAft>
-            <a:buChar char="••"/>
+            <a:buChar char="•"/>
           </a:pPr>
           <a:r>
             <a:rPr lang="en-US" sz="1400" b="1" kern="1200" dirty="0" smtClean="0"/>
@@ -5299,7 +5299,7 @@
           <a:effectLst/>
           <a:extLst>
             <a:ext uri="{91240B29-F687-4f45-9708-019B960494DF}">
-              <a14:hiddenLine xmlns:a14="http://schemas.microsoft.com/office/drawing/2010/main" xmlns="" w="9525">
+              <a14:hiddenLine xmlns="" xmlns:a14="http://schemas.microsoft.com/office/drawing/2010/main" w="9525">
                 <a:solidFill>
                   <a:srgbClr val="000000"/>
                 </a:solidFill>
@@ -6809,7 +6809,7 @@
           <a:ln/>
           <a:extLst>
             <a:ext uri="{91240B29-F687-4f45-9708-019B960494DF}">
-              <a14:hiddenLine xmlns:a14="http://schemas.microsoft.com/office/drawing/2010/main" xmlns="" w="9525">
+              <a14:hiddenLine xmlns="" xmlns:a14="http://schemas.microsoft.com/office/drawing/2010/main" w="9525">
                 <a:solidFill>
                   <a:srgbClr val="000000"/>
                 </a:solidFill>
@@ -7081,7 +7081,7 @@
           <a:ln/>
           <a:extLst>
             <a:ext uri="{91240B29-F687-4f45-9708-019B960494DF}">
-              <a14:hiddenLine xmlns:a14="http://schemas.microsoft.com/office/drawing/2010/main" xmlns="" w="9525">
+              <a14:hiddenLine xmlns="" xmlns:a14="http://schemas.microsoft.com/office/drawing/2010/main" w="9525">
                 <a:solidFill>
                   <a:srgbClr val="000000"/>
                 </a:solidFill>
@@ -7361,7 +7361,7 @@
           <a:ln/>
           <a:extLst>
             <a:ext uri="{91240B29-F687-4f45-9708-019B960494DF}">
-              <a14:hiddenLine xmlns:a14="http://schemas.microsoft.com/office/drawing/2010/main" xmlns="" w="9525">
+              <a14:hiddenLine xmlns="" xmlns:a14="http://schemas.microsoft.com/office/drawing/2010/main" w="9525">
                 <a:solidFill>
                   <a:srgbClr val="000000"/>
                 </a:solidFill>
@@ -7981,7 +7981,7 @@
           <a:ln/>
           <a:extLst>
             <a:ext uri="{91240B29-F687-4f45-9708-019B960494DF}">
-              <a14:hiddenLine xmlns:a14="http://schemas.microsoft.com/office/drawing/2010/main" xmlns="" w="9525">
+              <a14:hiddenLine xmlns="" xmlns:a14="http://schemas.microsoft.com/office/drawing/2010/main" w="9525">
                 <a:solidFill>
                   <a:srgbClr val="000000"/>
                 </a:solidFill>
@@ -8317,7 +8317,7 @@
           <a:ln/>
           <a:extLst>
             <a:ext uri="{91240B29-F687-4f45-9708-019B960494DF}">
-              <a14:hiddenLine xmlns:a14="http://schemas.microsoft.com/office/drawing/2010/main" xmlns="" w="9525">
+              <a14:hiddenLine xmlns="" xmlns:a14="http://schemas.microsoft.com/office/drawing/2010/main" w="9525">
                 <a:solidFill>
                   <a:srgbClr val="000000"/>
                 </a:solidFill>
@@ -8791,7 +8791,7 @@
           <a:ln/>
           <a:extLst>
             <a:ext uri="{91240B29-F687-4f45-9708-019B960494DF}">
-              <a14:hiddenLine xmlns:a14="http://schemas.microsoft.com/office/drawing/2010/main" xmlns="" w="9525">
+              <a14:hiddenLine xmlns="" xmlns:a14="http://schemas.microsoft.com/office/drawing/2010/main" w="9525">
                 <a:solidFill>
                   <a:srgbClr val="000000"/>
                 </a:solidFill>
@@ -9214,7 +9214,7 @@
           <a:ln/>
           <a:extLst>
             <a:ext uri="{91240B29-F687-4f45-9708-019B960494DF}">
-              <a14:hiddenLine xmlns:a14="http://schemas.microsoft.com/office/drawing/2010/main" xmlns="" w="9525">
+              <a14:hiddenLine xmlns="" xmlns:a14="http://schemas.microsoft.com/office/drawing/2010/main" w="9525">
                 <a:solidFill>
                   <a:srgbClr val="000000"/>
                 </a:solidFill>
@@ -10517,14 +10517,14 @@
                 <a:gridCol w="1949066">
                   <a:extLst>
                     <a:ext uri="{9D8B030D-6E8A-4147-A177-3AD203B41FA5}">
-                      <a16:colId xmlns:a16="http://schemas.microsoft.com/office/drawing/2014/main" xmlns="" val="4190180903"/>
+                      <a16:colId xmlns="" xmlns:a16="http://schemas.microsoft.com/office/drawing/2014/main" val="4190180903"/>
                     </a:ext>
                   </a:extLst>
                 </a:gridCol>
                 <a:gridCol w="4031086">
                   <a:extLst>
                     <a:ext uri="{9D8B030D-6E8A-4147-A177-3AD203B41FA5}">
-                      <a16:colId xmlns:a16="http://schemas.microsoft.com/office/drawing/2014/main" xmlns="" val="2787284683"/>
+                      <a16:colId xmlns="" xmlns:a16="http://schemas.microsoft.com/office/drawing/2014/main" val="2787284683"/>
                     </a:ext>
                   </a:extLst>
                 </a:gridCol>
@@ -10565,7 +10565,7 @@
                 </a:tc>
                 <a:extLst>
                   <a:ext uri="{0D108BD9-81ED-4DB2-BD59-A6C34878D82A}">
-                    <a16:rowId xmlns:a16="http://schemas.microsoft.com/office/drawing/2014/main" xmlns="" val="1534888173"/>
+                    <a16:rowId xmlns="" xmlns:a16="http://schemas.microsoft.com/office/drawing/2014/main" val="1534888173"/>
                   </a:ext>
                 </a:extLst>
               </a:tr>
@@ -10600,7 +10600,7 @@
                 </a:tc>
                 <a:extLst>
                   <a:ext uri="{0D108BD9-81ED-4DB2-BD59-A6C34878D82A}">
-                    <a16:rowId xmlns:a16="http://schemas.microsoft.com/office/drawing/2014/main" xmlns="" val="3675628065"/>
+                    <a16:rowId xmlns="" xmlns:a16="http://schemas.microsoft.com/office/drawing/2014/main" val="3675628065"/>
                   </a:ext>
                 </a:extLst>
               </a:tr>
@@ -10635,7 +10635,7 @@
                 </a:tc>
                 <a:extLst>
                   <a:ext uri="{0D108BD9-81ED-4DB2-BD59-A6C34878D82A}">
-                    <a16:rowId xmlns:a16="http://schemas.microsoft.com/office/drawing/2014/main" xmlns="" val="2631868713"/>
+                    <a16:rowId xmlns="" xmlns:a16="http://schemas.microsoft.com/office/drawing/2014/main" val="2631868713"/>
                   </a:ext>
                 </a:extLst>
               </a:tr>
@@ -10675,7 +10675,7 @@
                 </a:tc>
                 <a:extLst>
                   <a:ext uri="{0D108BD9-81ED-4DB2-BD59-A6C34878D82A}">
-                    <a16:rowId xmlns:a16="http://schemas.microsoft.com/office/drawing/2014/main" xmlns="" val="1091931969"/>
+                    <a16:rowId xmlns="" xmlns:a16="http://schemas.microsoft.com/office/drawing/2014/main" val="1091931969"/>
                   </a:ext>
                 </a:extLst>
               </a:tr>
@@ -10735,14 +10735,13 @@
                         <a:rPr lang="en-US" sz="1400" dirty="0"/>
                         <a:t>7</a:t>
                       </a:r>
-                      <a:endParaRPr lang="en-US" sz="1400" dirty="0"/>
                     </a:p>
                   </a:txBody>
                   <a:tcPr/>
                 </a:tc>
                 <a:extLst>
                   <a:ext uri="{0D108BD9-81ED-4DB2-BD59-A6C34878D82A}">
-                    <a16:rowId xmlns:a16="http://schemas.microsoft.com/office/drawing/2014/main" xmlns="" val="186440778"/>
+                    <a16:rowId xmlns="" xmlns:a16="http://schemas.microsoft.com/office/drawing/2014/main" val="186440778"/>
                   </a:ext>
                 </a:extLst>
               </a:tr>
@@ -12909,28 +12908,95 @@
           <a:p>
             <a:r>
               <a:rPr lang="en-US" dirty="0" smtClean="0"/>
-              <a:t>Current Output (R)</a:t>
+              <a:t>Visualizing CNV calling</a:t>
             </a:r>
             <a:endParaRPr lang="en-US" dirty="0"/>
           </a:p>
         </p:txBody>
       </p:sp>
-      <p:sp>
-        <p:nvSpPr>
-          <p:cNvPr id="3" name="Content Placeholder 2"/>
-          <p:cNvSpPr>
-            <a:spLocks noGrp="1"/>
-          </p:cNvSpPr>
+      <p:pic>
+        <p:nvPicPr>
+          <p:cNvPr id="4" name="Content Placeholder 3"/>
+          <p:cNvPicPr>
+            <a:picLocks noGrp="1" noChangeAspect="1"/>
+          </p:cNvPicPr>
           <p:nvPr>
             <p:ph idx="1"/>
           </p:nvPr>
+        </p:nvPicPr>
+        <p:blipFill rotWithShape="1">
+          <a:blip r:embed="rId2">
+            <a:extLst>
+              <a:ext uri="{28A0092B-C50C-407E-A947-70E740481C1C}">
+                <a14:useLocalDpi xmlns:a14="http://schemas.microsoft.com/office/drawing/2010/main" val="0"/>
+              </a:ext>
+            </a:extLst>
+          </a:blip>
+          <a:srcRect l="19028" t="11037" r="9008" b="13537"/>
+          <a:stretch/>
+        </p:blipFill>
+        <p:spPr>
+          <a:xfrm>
+            <a:off x="2994990" y="2530243"/>
+            <a:ext cx="6202017" cy="4062714"/>
+          </a:xfrm>
+        </p:spPr>
+      </p:pic>
+      <p:sp>
+        <p:nvSpPr>
+          <p:cNvPr id="5" name="TextBox 4"/>
+          <p:cNvSpPr txBox="1"/>
+          <p:nvPr/>
         </p:nvSpPr>
-        <p:spPr/>
+        <p:spPr>
+          <a:xfrm>
+            <a:off x="3936592" y="1883912"/>
+            <a:ext cx="4318811" cy="646331"/>
+          </a:xfrm>
+          <a:prstGeom prst="rect">
+            <a:avLst/>
+          </a:prstGeom>
+          <a:noFill/>
+        </p:spPr>
         <p:txBody>
-          <a:bodyPr/>
+          <a:bodyPr wrap="none" rtlCol="0">
+            <a:spAutoFit/>
+          </a:bodyPr>
           <a:lstStyle/>
           <a:p>
-            <a:endParaRPr lang="en-US"/>
+            <a:pPr algn="ctr"/>
+            <a:r>
+              <a:rPr lang="en-US" b="1" dirty="0" smtClean="0"/>
+              <a:t>Eric </a:t>
+            </a:r>
+            <a:r>
+              <a:rPr lang="en-US" b="1" dirty="0" err="1" smtClean="0"/>
+              <a:t>Weitz</a:t>
+            </a:r>
+            <a:endParaRPr lang="en-US" b="1" dirty="0" smtClean="0"/>
+          </a:p>
+          <a:p>
+            <a:pPr algn="ctr"/>
+            <a:r>
+              <a:rPr lang="en-US" b="1" dirty="0"/>
+              <a:t>https://</a:t>
+            </a:r>
+            <a:r>
+              <a:rPr lang="en-US" b="1" dirty="0" err="1"/>
+              <a:t>github.com</a:t>
+            </a:r>
+            <a:r>
+              <a:rPr lang="en-US" b="1" dirty="0"/>
+              <a:t>/</a:t>
+            </a:r>
+            <a:r>
+              <a:rPr lang="en-US" b="1" dirty="0" err="1"/>
+              <a:t>eweitz</a:t>
+            </a:r>
+            <a:r>
+              <a:rPr lang="en-US" b="1" dirty="0"/>
+              <a:t>/ideogram</a:t>
+            </a:r>
           </a:p>
         </p:txBody>
       </p:sp>

--- a/files/Final_Present.pptx
+++ b/files/Final_Present.pptx
@@ -2557,7 +2557,7 @@
             <a:spcAft>
               <a:spcPct val="15000"/>
             </a:spcAft>
-            <a:buChar char="•"/>
+            <a:buChar char="••"/>
           </a:pPr>
           <a:r>
             <a:rPr lang="en-US" sz="1400" b="1" kern="1200" dirty="0" smtClean="0"/>
@@ -2576,7 +2576,7 @@
             <a:spcAft>
               <a:spcPct val="15000"/>
             </a:spcAft>
-            <a:buChar char="•"/>
+            <a:buChar char="••"/>
           </a:pPr>
           <a:r>
             <a:rPr lang="en-US" sz="1400" b="1" kern="1200" dirty="0" smtClean="0"/>
@@ -5299,7 +5299,7 @@
           <a:effectLst/>
           <a:extLst>
             <a:ext uri="{91240B29-F687-4f45-9708-019B960494DF}">
-              <a14:hiddenLine xmlns="" xmlns:a14="http://schemas.microsoft.com/office/drawing/2010/main" w="9525">
+              <a14:hiddenLine xmlns:a14="http://schemas.microsoft.com/office/drawing/2010/main" xmlns="" w="9525">
                 <a:solidFill>
                   <a:srgbClr val="000000"/>
                 </a:solidFill>
@@ -5492,7 +5492,7 @@
             <a:fld id="{08B9EBBA-996F-894A-B54A-D6246ED52CEA}" type="datetimeFigureOut">
               <a:rPr lang="en-US" dirty="0"/>
               <a:pPr/>
-              <a:t>3/22/17</a:t>
+              <a:t>3/22/2017</a:t>
             </a:fld>
             <a:endParaRPr lang="en-US" dirty="0"/>
           </a:p>
@@ -5807,7 +5807,7 @@
             <a:fld id="{18C79C5D-2A6F-F04D-97DA-BEF2467B64E4}" type="datetimeFigureOut">
               <a:rPr lang="en-US" dirty="0"/>
               <a:pPr/>
-              <a:t>3/22/17</a:t>
+              <a:t>3/22/2017</a:t>
             </a:fld>
             <a:endParaRPr lang="en-US" dirty="0"/>
           </a:p>
@@ -6292,7 +6292,7 @@
             <a:fld id="{8DFA1846-DA80-1C48-A609-854EA85C59AD}" type="datetimeFigureOut">
               <a:rPr lang="en-US" dirty="0"/>
               <a:pPr/>
-              <a:t>3/22/17</a:t>
+              <a:t>3/22/2017</a:t>
             </a:fld>
             <a:endParaRPr lang="en-US" dirty="0"/>
           </a:p>
@@ -6658,7 +6658,7 @@
             <a:fld id="{FBF54567-0DE4-3F47-BF90-CB84690072F9}" type="datetimeFigureOut">
               <a:rPr lang="en-US" dirty="0"/>
               <a:pPr/>
-              <a:t>3/22/17</a:t>
+              <a:t>3/22/2017</a:t>
             </a:fld>
             <a:endParaRPr lang="en-US" dirty="0"/>
           </a:p>
@@ -6809,7 +6809,7 @@
           <a:ln/>
           <a:extLst>
             <a:ext uri="{91240B29-F687-4f45-9708-019B960494DF}">
-              <a14:hiddenLine xmlns="" xmlns:a14="http://schemas.microsoft.com/office/drawing/2010/main" w="9525">
+              <a14:hiddenLine xmlns:a14="http://schemas.microsoft.com/office/drawing/2010/main" xmlns="" w="9525">
                 <a:solidFill>
                   <a:srgbClr val="000000"/>
                 </a:solidFill>
@@ -6928,7 +6928,7 @@
             <a:fld id="{C6C52C72-DE31-F449-A4ED-4C594FD91407}" type="datetimeFigureOut">
               <a:rPr lang="en-US" dirty="0"/>
               <a:pPr/>
-              <a:t>3/22/17</a:t>
+              <a:t>3/22/2017</a:t>
             </a:fld>
             <a:endParaRPr lang="en-US" dirty="0"/>
           </a:p>
@@ -7081,7 +7081,7 @@
           <a:ln/>
           <a:extLst>
             <a:ext uri="{91240B29-F687-4f45-9708-019B960494DF}">
-              <a14:hiddenLine xmlns="" xmlns:a14="http://schemas.microsoft.com/office/drawing/2010/main" w="9525">
+              <a14:hiddenLine xmlns:a14="http://schemas.microsoft.com/office/drawing/2010/main" xmlns="" w="9525">
                 <a:solidFill>
                   <a:srgbClr val="000000"/>
                 </a:solidFill>
@@ -7210,7 +7210,7 @@
             <a:fld id="{ED62726E-379B-B349-9EED-81ED093FA806}" type="datetimeFigureOut">
               <a:rPr lang="en-US" dirty="0"/>
               <a:pPr/>
-              <a:t>3/22/17</a:t>
+              <a:t>3/22/2017</a:t>
             </a:fld>
             <a:endParaRPr lang="en-US" dirty="0"/>
           </a:p>
@@ -7361,7 +7361,7 @@
           <a:ln/>
           <a:extLst>
             <a:ext uri="{91240B29-F687-4f45-9708-019B960494DF}">
-              <a14:hiddenLine xmlns="" xmlns:a14="http://schemas.microsoft.com/office/drawing/2010/main" w="9525">
+              <a14:hiddenLine xmlns:a14="http://schemas.microsoft.com/office/drawing/2010/main" xmlns="" w="9525">
                 <a:solidFill>
                   <a:srgbClr val="000000"/>
                 </a:solidFill>
@@ -7490,7 +7490,7 @@
             <a:fld id="{9B3A1323-8D79-1946-B0D7-40001CF92E9D}" type="datetimeFigureOut">
               <a:rPr lang="en-US" dirty="0"/>
               <a:pPr/>
-              <a:t>3/22/17</a:t>
+              <a:t>3/22/2017</a:t>
             </a:fld>
             <a:endParaRPr lang="en-US" dirty="0"/>
           </a:p>
@@ -7830,7 +7830,7 @@
             <a:fld id="{8DFA1846-DA80-1C48-A609-854EA85C59AD}" type="datetimeFigureOut">
               <a:rPr lang="en-US" dirty="0"/>
               <a:pPr/>
-              <a:t>3/22/17</a:t>
+              <a:t>3/22/2017</a:t>
             </a:fld>
             <a:endParaRPr lang="en-US" dirty="0"/>
           </a:p>
@@ -7981,7 +7981,7 @@
           <a:ln/>
           <a:extLst>
             <a:ext uri="{91240B29-F687-4f45-9708-019B960494DF}">
-              <a14:hiddenLine xmlns="" xmlns:a14="http://schemas.microsoft.com/office/drawing/2010/main" w="9525">
+              <a14:hiddenLine xmlns:a14="http://schemas.microsoft.com/office/drawing/2010/main" xmlns="" w="9525">
                 <a:solidFill>
                   <a:srgbClr val="000000"/>
                 </a:solidFill>
@@ -8166,7 +8166,7 @@
             <a:fld id="{57302355-E14B-8545-A8F8-0FE83CC9D524}" type="datetimeFigureOut">
               <a:rPr lang="en-US" dirty="0"/>
               <a:pPr/>
-              <a:t>3/22/17</a:t>
+              <a:t>3/22/2017</a:t>
             </a:fld>
             <a:endParaRPr lang="en-US" dirty="0"/>
           </a:p>
@@ -8317,7 +8317,7 @@
           <a:ln/>
           <a:extLst>
             <a:ext uri="{91240B29-F687-4f45-9708-019B960494DF}">
-              <a14:hiddenLine xmlns="" xmlns:a14="http://schemas.microsoft.com/office/drawing/2010/main" w="9525">
+              <a14:hiddenLine xmlns:a14="http://schemas.microsoft.com/office/drawing/2010/main" xmlns="" w="9525">
                 <a:solidFill>
                   <a:srgbClr val="000000"/>
                 </a:solidFill>
@@ -8640,7 +8640,7 @@
             <a:fld id="{02640F58-564D-2B4F-AE67-E407BA4FCF45}" type="datetimeFigureOut">
               <a:rPr lang="en-US" dirty="0"/>
               <a:pPr/>
-              <a:t>3/22/17</a:t>
+              <a:t>3/22/2017</a:t>
             </a:fld>
             <a:endParaRPr lang="en-US" dirty="0"/>
           </a:p>
@@ -8791,7 +8791,7 @@
           <a:ln/>
           <a:extLst>
             <a:ext uri="{91240B29-F687-4f45-9708-019B960494DF}">
-              <a14:hiddenLine xmlns="" xmlns:a14="http://schemas.microsoft.com/office/drawing/2010/main" w="9525">
+              <a14:hiddenLine xmlns:a14="http://schemas.microsoft.com/office/drawing/2010/main" xmlns="" w="9525">
                 <a:solidFill>
                   <a:srgbClr val="000000"/>
                 </a:solidFill>
@@ -8858,7 +8858,7 @@
             <a:fld id="{F13A34C8-038E-2045-AF43-DF7DBB8E0E9E}" type="datetimeFigureOut">
               <a:rPr lang="en-US" dirty="0"/>
               <a:pPr/>
-              <a:t>3/22/17</a:t>
+              <a:t>3/22/2017</a:t>
             </a:fld>
             <a:endParaRPr lang="en-US" dirty="0"/>
           </a:p>
@@ -8950,7 +8950,7 @@
             <a:fld id="{8818C68F-D26B-8F47-958C-23B49CF8A634}" type="datetimeFigureOut">
               <a:rPr lang="en-US" dirty="0"/>
               <a:pPr/>
-              <a:t>3/22/17</a:t>
+              <a:t>3/22/2017</a:t>
             </a:fld>
             <a:endParaRPr lang="en-US" dirty="0"/>
           </a:p>
@@ -9214,7 +9214,7 @@
           <a:ln/>
           <a:extLst>
             <a:ext uri="{91240B29-F687-4f45-9708-019B960494DF}">
-              <a14:hiddenLine xmlns="" xmlns:a14="http://schemas.microsoft.com/office/drawing/2010/main" w="9525">
+              <a14:hiddenLine xmlns:a14="http://schemas.microsoft.com/office/drawing/2010/main" xmlns="" w="9525">
                 <a:solidFill>
                   <a:srgbClr val="000000"/>
                 </a:solidFill>
@@ -9414,7 +9414,7 @@
             <a:fld id="{D0DF5E60-9974-AC48-9591-99C2BB44B7CF}" type="datetimeFigureOut">
               <a:rPr lang="en-US" dirty="0"/>
               <a:pPr/>
-              <a:t>3/22/17</a:t>
+              <a:t>3/22/2017</a:t>
             </a:fld>
             <a:endParaRPr lang="en-US" dirty="0"/>
           </a:p>
@@ -9724,7 +9724,7 @@
             <a:fld id="{18C79C5D-2A6F-F04D-97DA-BEF2467B64E4}" type="datetimeFigureOut">
               <a:rPr lang="en-US" dirty="0"/>
               <a:pPr/>
-              <a:t>3/22/17</a:t>
+              <a:t>3/22/2017</a:t>
             </a:fld>
             <a:endParaRPr lang="en-US" dirty="0"/>
           </a:p>
@@ -9991,7 +9991,7 @@
             <a:fld id="{09B482E8-6E0E-1B4F-B1FD-C69DB9E858D9}" type="datetimeFigureOut">
               <a:rPr lang="en-US" dirty="0"/>
               <a:pPr/>
-              <a:t>3/22/17</a:t>
+              <a:t>3/22/2017</a:t>
             </a:fld>
             <a:endParaRPr lang="en-US" dirty="0"/>
           </a:p>
@@ -10517,14 +10517,14 @@
                 <a:gridCol w="1949066">
                   <a:extLst>
                     <a:ext uri="{9D8B030D-6E8A-4147-A177-3AD203B41FA5}">
-                      <a16:colId xmlns="" xmlns:a16="http://schemas.microsoft.com/office/drawing/2014/main" val="4190180903"/>
+                      <a16:colId xmlns:a16="http://schemas.microsoft.com/office/drawing/2014/main" val="4190180903"/>
                     </a:ext>
                   </a:extLst>
                 </a:gridCol>
                 <a:gridCol w="4031086">
                   <a:extLst>
                     <a:ext uri="{9D8B030D-6E8A-4147-A177-3AD203B41FA5}">
-                      <a16:colId xmlns="" xmlns:a16="http://schemas.microsoft.com/office/drawing/2014/main" val="2787284683"/>
+                      <a16:colId xmlns:a16="http://schemas.microsoft.com/office/drawing/2014/main" val="2787284683"/>
                     </a:ext>
                   </a:extLst>
                 </a:gridCol>
@@ -10565,7 +10565,7 @@
                 </a:tc>
                 <a:extLst>
                   <a:ext uri="{0D108BD9-81ED-4DB2-BD59-A6C34878D82A}">
-                    <a16:rowId xmlns="" xmlns:a16="http://schemas.microsoft.com/office/drawing/2014/main" val="1534888173"/>
+                    <a16:rowId xmlns:a16="http://schemas.microsoft.com/office/drawing/2014/main" val="1534888173"/>
                   </a:ext>
                 </a:extLst>
               </a:tr>
@@ -10600,7 +10600,7 @@
                 </a:tc>
                 <a:extLst>
                   <a:ext uri="{0D108BD9-81ED-4DB2-BD59-A6C34878D82A}">
-                    <a16:rowId xmlns="" xmlns:a16="http://schemas.microsoft.com/office/drawing/2014/main" val="3675628065"/>
+                    <a16:rowId xmlns:a16="http://schemas.microsoft.com/office/drawing/2014/main" val="3675628065"/>
                   </a:ext>
                 </a:extLst>
               </a:tr>
@@ -10635,7 +10635,7 @@
                 </a:tc>
                 <a:extLst>
                   <a:ext uri="{0D108BD9-81ED-4DB2-BD59-A6C34878D82A}">
-                    <a16:rowId xmlns="" xmlns:a16="http://schemas.microsoft.com/office/drawing/2014/main" val="2631868713"/>
+                    <a16:rowId xmlns:a16="http://schemas.microsoft.com/office/drawing/2014/main" val="2631868713"/>
                   </a:ext>
                 </a:extLst>
               </a:tr>
@@ -10675,7 +10675,7 @@
                 </a:tc>
                 <a:extLst>
                   <a:ext uri="{0D108BD9-81ED-4DB2-BD59-A6C34878D82A}">
-                    <a16:rowId xmlns="" xmlns:a16="http://schemas.microsoft.com/office/drawing/2014/main" val="1091931969"/>
+                    <a16:rowId xmlns:a16="http://schemas.microsoft.com/office/drawing/2014/main" val="1091931969"/>
                   </a:ext>
                 </a:extLst>
               </a:tr>
@@ -10708,6 +10708,11 @@
                   </a:txBody>
                   <a:tcPr/>
                 </a:tc>
+                <a:extLst>
+                  <a:ext uri="{0D108BD9-81ED-4DB2-BD59-A6C34878D82A}">
+                    <a16:rowId xmlns:a16="http://schemas.microsoft.com/office/drawing/2014/main" val="10004"/>
+                  </a:ext>
+                </a:extLst>
               </a:tr>
               <a:tr h="320944">
                 <a:tc>
@@ -10741,7 +10746,7 @@
                 </a:tc>
                 <a:extLst>
                   <a:ext uri="{0D108BD9-81ED-4DB2-BD59-A6C34878D82A}">
-                    <a16:rowId xmlns="" xmlns:a16="http://schemas.microsoft.com/office/drawing/2014/main" val="186440778"/>
+                    <a16:rowId xmlns:a16="http://schemas.microsoft.com/office/drawing/2014/main" val="186440778"/>
                   </a:ext>
                 </a:extLst>
               </a:tr>
@@ -12833,7 +12838,7 @@
           </p:cNvPicPr>
           <p:nvPr/>
         </p:nvPicPr>
-        <p:blipFill rotWithShape="1">
+        <p:blipFill>
           <a:blip r:embed="rId8">
             <a:extLst>
               <a:ext uri="{28A0092B-C50C-407E-A947-70E740481C1C}">
@@ -12841,13 +12846,14 @@
               </a:ext>
             </a:extLst>
           </a:blip>
-          <a:srcRect l="8951" t="2864"/>
-          <a:stretch/>
+          <a:stretch>
+            <a:fillRect/>
+          </a:stretch>
         </p:blipFill>
         <p:spPr>
           <a:xfrm>
-            <a:off x="5035690" y="4900685"/>
-            <a:ext cx="6698282" cy="285846"/>
+            <a:off x="5310386" y="4900685"/>
+            <a:ext cx="5619749" cy="285846"/>
           </a:xfrm>
           <a:prstGeom prst="rect">
             <a:avLst/>
